--- a/fmin212/Presentation/presAlgoDist.pptx
+++ b/fmin212/Presentation/presAlgoDist.pptx
@@ -5,10 +5,10 @@
     <p:sldMasterId id="2147483972" r:id="rId1"/>
   </p:sldMasterIdLst>
   <p:notesMasterIdLst>
-    <p:notesMasterId r:id="rId21"/>
+    <p:notesMasterId r:id="rId32"/>
   </p:notesMasterIdLst>
   <p:handoutMasterIdLst>
-    <p:handoutMasterId r:id="rId22"/>
+    <p:handoutMasterId r:id="rId33"/>
   </p:handoutMasterIdLst>
   <p:sldIdLst>
     <p:sldId id="256" r:id="rId2"/>
@@ -29,7 +29,18 @@
     <p:sldId id="272" r:id="rId17"/>
     <p:sldId id="273" r:id="rId18"/>
     <p:sldId id="274" r:id="rId19"/>
-    <p:sldId id="275" r:id="rId20"/>
+    <p:sldId id="277" r:id="rId20"/>
+    <p:sldId id="275" r:id="rId21"/>
+    <p:sldId id="276" r:id="rId22"/>
+    <p:sldId id="278" r:id="rId23"/>
+    <p:sldId id="279" r:id="rId24"/>
+    <p:sldId id="280" r:id="rId25"/>
+    <p:sldId id="281" r:id="rId26"/>
+    <p:sldId id="282" r:id="rId27"/>
+    <p:sldId id="283" r:id="rId28"/>
+    <p:sldId id="284" r:id="rId29"/>
+    <p:sldId id="285" r:id="rId30"/>
+    <p:sldId id="286" r:id="rId31"/>
   </p:sldIdLst>
   <p:sldSz cx="9144000" cy="6858000" type="screen4x3"/>
   <p:notesSz cx="6858000" cy="9144000"/>
@@ -163,7 +174,22 @@
           <p14:sldIdLst>
             <p14:sldId id="273"/>
             <p14:sldId id="274"/>
+            <p14:sldId id="277"/>
             <p14:sldId id="275"/>
+            <p14:sldId id="276"/>
+            <p14:sldId id="278"/>
+            <p14:sldId id="279"/>
+            <p14:sldId id="280"/>
+            <p14:sldId id="281"/>
+            <p14:sldId id="282"/>
+            <p14:sldId id="283"/>
+            <p14:sldId id="284"/>
+            <p14:sldId id="285"/>
+          </p14:sldIdLst>
+        </p14:section>
+        <p14:section name="Implémentation" id="{8F3C244E-7760-9246-B1E0-C5161BCE967E}">
+          <p14:sldIdLst>
+            <p14:sldId id="286"/>
           </p14:sldIdLst>
         </p14:section>
       </p14:sectionLst>
@@ -4255,7 +4281,7 @@
     <p:bodyStyle>
       <a:lvl1pPr marL="365760" indent="-283464" algn="l" rtl="0" eaLnBrk="1" latinLnBrk="0" hangingPunct="1">
         <a:lnSpc>
-          <a:spcPct val="100000"/>
+          <a:spcPct val="140000"/>
         </a:lnSpc>
         <a:spcBef>
           <a:spcPts val="600"/>
@@ -4277,7 +4303,7 @@
       </a:lvl1pPr>
       <a:lvl2pPr marL="640080" indent="-237744" algn="l" rtl="0" eaLnBrk="1" latinLnBrk="0" hangingPunct="1">
         <a:lnSpc>
-          <a:spcPct val="100000"/>
+          <a:spcPct val="140000"/>
         </a:lnSpc>
         <a:spcBef>
           <a:spcPts val="550"/>
@@ -4298,7 +4324,7 @@
       </a:lvl2pPr>
       <a:lvl3pPr marL="886968" indent="-228600" algn="l" rtl="0" eaLnBrk="1" latinLnBrk="0" hangingPunct="1">
         <a:lnSpc>
-          <a:spcPct val="100000"/>
+          <a:spcPct val="140000"/>
         </a:lnSpc>
         <a:spcBef>
           <a:spcPct val="20000"/>
@@ -4319,7 +4345,7 @@
       </a:lvl3pPr>
       <a:lvl4pPr marL="1097280" indent="-173736" algn="l" rtl="0" eaLnBrk="1" latinLnBrk="0" hangingPunct="1">
         <a:lnSpc>
-          <a:spcPct val="100000"/>
+          <a:spcPct val="140000"/>
         </a:lnSpc>
         <a:spcBef>
           <a:spcPct val="20000"/>
@@ -4340,7 +4366,7 @@
       </a:lvl4pPr>
       <a:lvl5pPr marL="1298448" indent="-182880" algn="l" rtl="0" eaLnBrk="1" latinLnBrk="0" hangingPunct="1">
         <a:lnSpc>
-          <a:spcPct val="100000"/>
+          <a:spcPct val="140000"/>
         </a:lnSpc>
         <a:spcBef>
           <a:spcPct val="20000"/>
@@ -4798,7 +4824,7 @@
         </p:nvSpPr>
         <p:spPr>
           <a:xfrm>
-            <a:off x="1423386" y="3256221"/>
+            <a:off x="1407010" y="4001743"/>
             <a:ext cx="339941" cy="342968"/>
           </a:xfrm>
           <a:prstGeom prst="ellipse">
@@ -4841,7 +4867,7 @@
         </p:nvSpPr>
         <p:spPr>
           <a:xfrm>
-            <a:off x="2663498" y="2639931"/>
+            <a:off x="2647122" y="3385453"/>
             <a:ext cx="339941" cy="342968"/>
           </a:xfrm>
           <a:prstGeom prst="ellipse">
@@ -4884,7 +4910,7 @@
         </p:nvSpPr>
         <p:spPr>
           <a:xfrm>
-            <a:off x="440474" y="2913253"/>
+            <a:off x="424098" y="3658775"/>
             <a:ext cx="339941" cy="342968"/>
           </a:xfrm>
           <a:prstGeom prst="ellipse">
@@ -4927,7 +4953,7 @@
         </p:nvSpPr>
         <p:spPr>
           <a:xfrm>
-            <a:off x="2099377" y="4788125"/>
+            <a:off x="2083001" y="5533647"/>
             <a:ext cx="339941" cy="342968"/>
           </a:xfrm>
           <a:prstGeom prst="ellipse">
@@ -4970,7 +4996,7 @@
         </p:nvSpPr>
         <p:spPr>
           <a:xfrm>
-            <a:off x="1929406" y="3794735"/>
+            <a:off x="1913030" y="4540257"/>
             <a:ext cx="339941" cy="342968"/>
           </a:xfrm>
           <a:prstGeom prst="ellipse">
@@ -5016,7 +5042,7 @@
         </p:nvCxnSpPr>
         <p:spPr>
           <a:xfrm>
-            <a:off x="780415" y="3084737"/>
+            <a:off x="764039" y="3830259"/>
             <a:ext cx="692754" cy="221711"/>
           </a:xfrm>
           <a:prstGeom prst="line">
@@ -5049,7 +5075,7 @@
         </p:nvCxnSpPr>
         <p:spPr>
           <a:xfrm flipV="1">
-            <a:off x="1713544" y="2811415"/>
+            <a:off x="1697168" y="3556937"/>
             <a:ext cx="949954" cy="495033"/>
           </a:xfrm>
           <a:prstGeom prst="line">
@@ -5082,7 +5108,7 @@
         </p:nvCxnSpPr>
         <p:spPr>
           <a:xfrm flipH="1">
-            <a:off x="2219564" y="2932672"/>
+            <a:off x="2203188" y="3678194"/>
             <a:ext cx="493717" cy="912290"/>
           </a:xfrm>
           <a:prstGeom prst="line">
@@ -5115,7 +5141,7 @@
         </p:nvCxnSpPr>
         <p:spPr>
           <a:xfrm>
-            <a:off x="2099377" y="4137703"/>
+            <a:off x="2083001" y="4883225"/>
             <a:ext cx="169971" cy="650422"/>
           </a:xfrm>
           <a:prstGeom prst="line">
@@ -5148,7 +5174,7 @@
         </p:nvCxnSpPr>
         <p:spPr>
           <a:xfrm flipH="1" flipV="1">
-            <a:off x="610445" y="3256221"/>
+            <a:off x="594069" y="4001743"/>
             <a:ext cx="1488932" cy="1703388"/>
           </a:xfrm>
           <a:prstGeom prst="line">
@@ -5181,7 +5207,7 @@
         </p:nvCxnSpPr>
         <p:spPr>
           <a:xfrm>
-            <a:off x="1593357" y="3599189"/>
+            <a:off x="1576981" y="4344711"/>
             <a:ext cx="555803" cy="1239163"/>
           </a:xfrm>
           <a:prstGeom prst="line">
@@ -5214,7 +5240,7 @@
         </p:nvCxnSpPr>
         <p:spPr>
           <a:xfrm>
-            <a:off x="1713544" y="3548962"/>
+            <a:off x="1697168" y="4294484"/>
             <a:ext cx="265645" cy="296000"/>
           </a:xfrm>
           <a:prstGeom prst="line">
@@ -5247,7 +5273,7 @@
         </p:nvCxnSpPr>
         <p:spPr>
           <a:xfrm flipV="1">
-            <a:off x="730632" y="2690158"/>
+            <a:off x="714256" y="3435680"/>
             <a:ext cx="1982649" cy="273322"/>
           </a:xfrm>
           <a:prstGeom prst="line">
@@ -5280,7 +5306,7 @@
         </p:nvCxnSpPr>
         <p:spPr>
           <a:xfrm>
-            <a:off x="730632" y="3205994"/>
+            <a:off x="714256" y="3951516"/>
             <a:ext cx="1198774" cy="760225"/>
           </a:xfrm>
           <a:prstGeom prst="line">
@@ -5313,7 +5339,7 @@
         </p:nvCxnSpPr>
         <p:spPr>
           <a:xfrm flipH="1">
-            <a:off x="2389535" y="2982899"/>
+            <a:off x="2373159" y="3728421"/>
             <a:ext cx="443934" cy="1855453"/>
           </a:xfrm>
           <a:prstGeom prst="line">
@@ -5343,7 +5369,7 @@
         </p:nvSpPr>
         <p:spPr>
           <a:xfrm>
-            <a:off x="4425018" y="3311814"/>
+            <a:off x="4408642" y="4057336"/>
             <a:ext cx="339941" cy="342968"/>
           </a:xfrm>
           <a:prstGeom prst="ellipse">
@@ -5386,7 +5412,7 @@
         </p:nvSpPr>
         <p:spPr>
           <a:xfrm>
-            <a:off x="5665130" y="2695524"/>
+            <a:off x="5648754" y="3441046"/>
             <a:ext cx="339941" cy="342968"/>
           </a:xfrm>
           <a:prstGeom prst="ellipse">
@@ -5429,7 +5455,7 @@
         </p:nvSpPr>
         <p:spPr>
           <a:xfrm>
-            <a:off x="3442106" y="2968846"/>
+            <a:off x="3425730" y="3714368"/>
             <a:ext cx="339941" cy="342968"/>
           </a:xfrm>
           <a:prstGeom prst="ellipse">
@@ -5472,7 +5498,7 @@
         </p:nvSpPr>
         <p:spPr>
           <a:xfrm>
-            <a:off x="5101009" y="4843718"/>
+            <a:off x="5084633" y="5589240"/>
             <a:ext cx="339941" cy="342968"/>
           </a:xfrm>
           <a:prstGeom prst="ellipse">
@@ -5515,7 +5541,7 @@
         </p:nvSpPr>
         <p:spPr>
           <a:xfrm>
-            <a:off x="4931038" y="3850328"/>
+            <a:off x="4914662" y="4595850"/>
             <a:ext cx="339941" cy="342968"/>
           </a:xfrm>
           <a:prstGeom prst="ellipse">
@@ -5561,7 +5587,7 @@
         </p:nvCxnSpPr>
         <p:spPr>
           <a:xfrm>
-            <a:off x="3782047" y="3140330"/>
+            <a:off x="3765671" y="3885852"/>
             <a:ext cx="692754" cy="221711"/>
           </a:xfrm>
           <a:prstGeom prst="line">
@@ -5598,7 +5624,7 @@
         </p:nvCxnSpPr>
         <p:spPr>
           <a:xfrm flipV="1">
-            <a:off x="4715176" y="2867008"/>
+            <a:off x="4698800" y="3612530"/>
             <a:ext cx="949954" cy="495033"/>
           </a:xfrm>
           <a:prstGeom prst="line">
@@ -5635,7 +5661,7 @@
         </p:nvCxnSpPr>
         <p:spPr>
           <a:xfrm>
-            <a:off x="4594989" y="3654782"/>
+            <a:off x="4578613" y="4400304"/>
             <a:ext cx="555803" cy="1239163"/>
           </a:xfrm>
           <a:prstGeom prst="line">
@@ -5672,7 +5698,7 @@
         </p:nvCxnSpPr>
         <p:spPr>
           <a:xfrm>
-            <a:off x="4715176" y="3604555"/>
+            <a:off x="4698800" y="4350077"/>
             <a:ext cx="265645" cy="296000"/>
           </a:xfrm>
           <a:prstGeom prst="line">
@@ -5706,7 +5732,7 @@
         </p:nvSpPr>
         <p:spPr>
           <a:xfrm>
-            <a:off x="7368769" y="3311814"/>
+            <a:off x="7352393" y="4057336"/>
             <a:ext cx="339941" cy="342968"/>
           </a:xfrm>
           <a:prstGeom prst="ellipse">
@@ -5749,7 +5775,7 @@
         </p:nvSpPr>
         <p:spPr>
           <a:xfrm>
-            <a:off x="8608881" y="2695524"/>
+            <a:off x="8592505" y="3441046"/>
             <a:ext cx="339941" cy="342968"/>
           </a:xfrm>
           <a:prstGeom prst="ellipse">
@@ -5792,7 +5818,7 @@
         </p:nvSpPr>
         <p:spPr>
           <a:xfrm>
-            <a:off x="6385857" y="2968846"/>
+            <a:off x="6369481" y="3714368"/>
             <a:ext cx="339941" cy="342968"/>
           </a:xfrm>
           <a:prstGeom prst="ellipse">
@@ -5835,7 +5861,7 @@
         </p:nvSpPr>
         <p:spPr>
           <a:xfrm>
-            <a:off x="8044760" y="4843718"/>
+            <a:off x="8028384" y="5589240"/>
             <a:ext cx="339941" cy="342968"/>
           </a:xfrm>
           <a:prstGeom prst="ellipse">
@@ -5878,7 +5904,7 @@
         </p:nvSpPr>
         <p:spPr>
           <a:xfrm>
-            <a:off x="7874789" y="3850328"/>
+            <a:off x="7858413" y="4595850"/>
             <a:ext cx="339941" cy="342968"/>
           </a:xfrm>
           <a:prstGeom prst="ellipse">
@@ -6023,7 +6049,7 @@
         </p:nvSpPr>
         <p:spPr>
           <a:xfrm>
-            <a:off x="1418738" y="3236802"/>
+            <a:off x="1403421" y="4024711"/>
             <a:ext cx="339941" cy="342968"/>
           </a:xfrm>
           <a:prstGeom prst="ellipse">
@@ -6066,7 +6092,7 @@
         </p:nvSpPr>
         <p:spPr>
           <a:xfrm>
-            <a:off x="2658850" y="2620512"/>
+            <a:off x="2643533" y="3408421"/>
             <a:ext cx="339941" cy="342968"/>
           </a:xfrm>
           <a:prstGeom prst="ellipse">
@@ -6109,7 +6135,7 @@
         </p:nvSpPr>
         <p:spPr>
           <a:xfrm>
-            <a:off x="435826" y="2893834"/>
+            <a:off x="420509" y="3681743"/>
             <a:ext cx="339941" cy="342968"/>
           </a:xfrm>
           <a:prstGeom prst="ellipse">
@@ -6152,7 +6178,7 @@
         </p:nvSpPr>
         <p:spPr>
           <a:xfrm>
-            <a:off x="2094729" y="4768706"/>
+            <a:off x="2079412" y="5556615"/>
             <a:ext cx="339941" cy="342968"/>
           </a:xfrm>
           <a:prstGeom prst="ellipse">
@@ -6195,7 +6221,7 @@
         </p:nvSpPr>
         <p:spPr>
           <a:xfrm>
-            <a:off x="1924758" y="3775316"/>
+            <a:off x="1909441" y="4563225"/>
             <a:ext cx="339941" cy="342968"/>
           </a:xfrm>
           <a:prstGeom prst="ellipse">
@@ -6241,7 +6267,7 @@
         </p:nvCxnSpPr>
         <p:spPr>
           <a:xfrm>
-            <a:off x="775767" y="3065318"/>
+            <a:off x="760450" y="3853227"/>
             <a:ext cx="692754" cy="221711"/>
           </a:xfrm>
           <a:prstGeom prst="line">
@@ -6274,7 +6300,7 @@
         </p:nvCxnSpPr>
         <p:spPr>
           <a:xfrm flipV="1">
-            <a:off x="1708896" y="2791996"/>
+            <a:off x="1693579" y="3579905"/>
             <a:ext cx="949954" cy="495033"/>
           </a:xfrm>
           <a:prstGeom prst="line">
@@ -6307,7 +6333,7 @@
         </p:nvCxnSpPr>
         <p:spPr>
           <a:xfrm flipH="1">
-            <a:off x="2214916" y="2913253"/>
+            <a:off x="2199599" y="3701162"/>
             <a:ext cx="493717" cy="912290"/>
           </a:xfrm>
           <a:prstGeom prst="line">
@@ -6340,7 +6366,7 @@
         </p:nvCxnSpPr>
         <p:spPr>
           <a:xfrm>
-            <a:off x="2094729" y="4118284"/>
+            <a:off x="2079412" y="4906193"/>
             <a:ext cx="169971" cy="650422"/>
           </a:xfrm>
           <a:prstGeom prst="line">
@@ -6373,7 +6399,7 @@
         </p:nvCxnSpPr>
         <p:spPr>
           <a:xfrm flipH="1" flipV="1">
-            <a:off x="605797" y="3236802"/>
+            <a:off x="590480" y="4024711"/>
             <a:ext cx="1488932" cy="1703388"/>
           </a:xfrm>
           <a:prstGeom prst="line">
@@ -6406,7 +6432,7 @@
         </p:nvCxnSpPr>
         <p:spPr>
           <a:xfrm>
-            <a:off x="1588709" y="3579770"/>
+            <a:off x="1573392" y="4367679"/>
             <a:ext cx="555803" cy="1239163"/>
           </a:xfrm>
           <a:prstGeom prst="line">
@@ -6439,7 +6465,7 @@
         </p:nvCxnSpPr>
         <p:spPr>
           <a:xfrm>
-            <a:off x="1708896" y="3529543"/>
+            <a:off x="1693579" y="4317452"/>
             <a:ext cx="265645" cy="296000"/>
           </a:xfrm>
           <a:prstGeom prst="line">
@@ -6472,7 +6498,7 @@
         </p:nvCxnSpPr>
         <p:spPr>
           <a:xfrm flipV="1">
-            <a:off x="725984" y="2670739"/>
+            <a:off x="710667" y="3458648"/>
             <a:ext cx="1982649" cy="273322"/>
           </a:xfrm>
           <a:prstGeom prst="line">
@@ -6505,7 +6531,7 @@
         </p:nvCxnSpPr>
         <p:spPr>
           <a:xfrm>
-            <a:off x="725984" y="3186575"/>
+            <a:off x="710667" y="3974484"/>
             <a:ext cx="1198774" cy="760225"/>
           </a:xfrm>
           <a:prstGeom prst="line">
@@ -6538,7 +6564,7 @@
         </p:nvCxnSpPr>
         <p:spPr>
           <a:xfrm flipH="1">
-            <a:off x="2384887" y="2963480"/>
+            <a:off x="2369570" y="3751389"/>
             <a:ext cx="443934" cy="1855453"/>
           </a:xfrm>
           <a:prstGeom prst="line">
@@ -6568,7 +6594,7 @@
         </p:nvSpPr>
         <p:spPr>
           <a:xfrm>
-            <a:off x="4420370" y="3292395"/>
+            <a:off x="4405053" y="4080304"/>
             <a:ext cx="339941" cy="342968"/>
           </a:xfrm>
           <a:prstGeom prst="ellipse">
@@ -6611,7 +6637,7 @@
         </p:nvSpPr>
         <p:spPr>
           <a:xfrm>
-            <a:off x="5660482" y="2676105"/>
+            <a:off x="5645165" y="3464014"/>
             <a:ext cx="339941" cy="342968"/>
           </a:xfrm>
           <a:prstGeom prst="ellipse">
@@ -6654,7 +6680,7 @@
         </p:nvSpPr>
         <p:spPr>
           <a:xfrm>
-            <a:off x="3437458" y="2949427"/>
+            <a:off x="3422141" y="3737336"/>
             <a:ext cx="339941" cy="342968"/>
           </a:xfrm>
           <a:prstGeom prst="ellipse">
@@ -6697,7 +6723,7 @@
         </p:nvSpPr>
         <p:spPr>
           <a:xfrm>
-            <a:off x="5096361" y="4824299"/>
+            <a:off x="5081044" y="5612208"/>
             <a:ext cx="339941" cy="342968"/>
           </a:xfrm>
           <a:prstGeom prst="ellipse">
@@ -6740,7 +6766,7 @@
         </p:nvSpPr>
         <p:spPr>
           <a:xfrm>
-            <a:off x="4926390" y="3830909"/>
+            <a:off x="4911073" y="4618818"/>
             <a:ext cx="339941" cy="342968"/>
           </a:xfrm>
           <a:prstGeom prst="ellipse">
@@ -6786,7 +6812,7 @@
         </p:nvCxnSpPr>
         <p:spPr>
           <a:xfrm flipH="1">
-            <a:off x="3777399" y="2847589"/>
+            <a:off x="3762082" y="3635498"/>
             <a:ext cx="1883083" cy="273322"/>
           </a:xfrm>
           <a:prstGeom prst="line">
@@ -6823,7 +6849,7 @@
         </p:nvCxnSpPr>
         <p:spPr>
           <a:xfrm flipV="1">
-            <a:off x="4710528" y="2968846"/>
+            <a:off x="4695211" y="3756755"/>
             <a:ext cx="999737" cy="373776"/>
           </a:xfrm>
           <a:prstGeom prst="line">
@@ -6860,7 +6886,7 @@
         </p:nvCxnSpPr>
         <p:spPr>
           <a:xfrm>
-            <a:off x="4590341" y="3635363"/>
+            <a:off x="4575024" y="4423272"/>
             <a:ext cx="555803" cy="1239163"/>
           </a:xfrm>
           <a:prstGeom prst="line">
@@ -6897,7 +6923,7 @@
         </p:nvCxnSpPr>
         <p:spPr>
           <a:xfrm>
-            <a:off x="4710528" y="3585136"/>
+            <a:off x="4695211" y="4373045"/>
             <a:ext cx="265645" cy="296000"/>
           </a:xfrm>
           <a:prstGeom prst="line">
@@ -6931,7 +6957,7 @@
         </p:nvSpPr>
         <p:spPr>
           <a:xfrm>
-            <a:off x="7364121" y="3292395"/>
+            <a:off x="7348804" y="4080304"/>
             <a:ext cx="339941" cy="342968"/>
           </a:xfrm>
           <a:prstGeom prst="ellipse">
@@ -6974,7 +7000,7 @@
         </p:nvSpPr>
         <p:spPr>
           <a:xfrm>
-            <a:off x="8604233" y="2676105"/>
+            <a:off x="8588916" y="3464014"/>
             <a:ext cx="339941" cy="342968"/>
           </a:xfrm>
           <a:prstGeom prst="ellipse">
@@ -7017,7 +7043,7 @@
         </p:nvSpPr>
         <p:spPr>
           <a:xfrm>
-            <a:off x="6381209" y="2949427"/>
+            <a:off x="6365892" y="3737336"/>
             <a:ext cx="339941" cy="342968"/>
           </a:xfrm>
           <a:prstGeom prst="ellipse">
@@ -7060,7 +7086,7 @@
         </p:nvSpPr>
         <p:spPr>
           <a:xfrm>
-            <a:off x="8040112" y="4824299"/>
+            <a:off x="8024795" y="5612208"/>
             <a:ext cx="339941" cy="342968"/>
           </a:xfrm>
           <a:prstGeom prst="ellipse">
@@ -7103,7 +7129,7 @@
         </p:nvSpPr>
         <p:spPr>
           <a:xfrm>
-            <a:off x="7870141" y="3830909"/>
+            <a:off x="7854824" y="4618818"/>
             <a:ext cx="339941" cy="342968"/>
           </a:xfrm>
           <a:prstGeom prst="ellipse">
@@ -7149,7 +7175,7 @@
         </p:nvCxnSpPr>
         <p:spPr>
           <a:xfrm flipH="1">
-            <a:off x="6721150" y="2847589"/>
+            <a:off x="6705833" y="3635498"/>
             <a:ext cx="1883083" cy="273322"/>
           </a:xfrm>
           <a:prstGeom prst="line">
@@ -7285,7 +7311,7 @@
         </p:nvSpPr>
         <p:spPr>
           <a:xfrm>
-            <a:off x="1444051" y="3224657"/>
+            <a:off x="1380951" y="4034908"/>
             <a:ext cx="339941" cy="342968"/>
           </a:xfrm>
           <a:prstGeom prst="ellipse">
@@ -7328,7 +7354,7 @@
         </p:nvSpPr>
         <p:spPr>
           <a:xfrm>
-            <a:off x="2684163" y="2608367"/>
+            <a:off x="2621063" y="3418618"/>
             <a:ext cx="339941" cy="342968"/>
           </a:xfrm>
           <a:prstGeom prst="ellipse">
@@ -7371,7 +7397,7 @@
         </p:nvSpPr>
         <p:spPr>
           <a:xfrm>
-            <a:off x="461139" y="2881689"/>
+            <a:off x="398039" y="3691940"/>
             <a:ext cx="339941" cy="342968"/>
           </a:xfrm>
           <a:prstGeom prst="ellipse">
@@ -7414,7 +7440,7 @@
         </p:nvSpPr>
         <p:spPr>
           <a:xfrm>
-            <a:off x="2120042" y="4756561"/>
+            <a:off x="2056942" y="5566812"/>
             <a:ext cx="339941" cy="342968"/>
           </a:xfrm>
           <a:prstGeom prst="ellipse">
@@ -7457,7 +7483,7 @@
         </p:nvSpPr>
         <p:spPr>
           <a:xfrm>
-            <a:off x="1950071" y="3763171"/>
+            <a:off x="1886971" y="4573422"/>
             <a:ext cx="339941" cy="342968"/>
           </a:xfrm>
           <a:prstGeom prst="ellipse">
@@ -7503,7 +7529,7 @@
         </p:nvCxnSpPr>
         <p:spPr>
           <a:xfrm>
-            <a:off x="801080" y="3053173"/>
+            <a:off x="737980" y="3863424"/>
             <a:ext cx="692754" cy="221711"/>
           </a:xfrm>
           <a:prstGeom prst="line">
@@ -7536,7 +7562,7 @@
         </p:nvCxnSpPr>
         <p:spPr>
           <a:xfrm flipV="1">
-            <a:off x="1734209" y="2779851"/>
+            <a:off x="1671109" y="3590102"/>
             <a:ext cx="949954" cy="495033"/>
           </a:xfrm>
           <a:prstGeom prst="line">
@@ -7569,7 +7595,7 @@
         </p:nvCxnSpPr>
         <p:spPr>
           <a:xfrm flipH="1">
-            <a:off x="2240229" y="2901108"/>
+            <a:off x="2177129" y="3711359"/>
             <a:ext cx="493717" cy="912290"/>
           </a:xfrm>
           <a:prstGeom prst="line">
@@ -7602,7 +7628,7 @@
         </p:nvCxnSpPr>
         <p:spPr>
           <a:xfrm>
-            <a:off x="2120042" y="4106139"/>
+            <a:off x="2056942" y="4916390"/>
             <a:ext cx="169971" cy="650422"/>
           </a:xfrm>
           <a:prstGeom prst="line">
@@ -7635,7 +7661,7 @@
         </p:nvCxnSpPr>
         <p:spPr>
           <a:xfrm flipH="1" flipV="1">
-            <a:off x="631110" y="3224657"/>
+            <a:off x="568010" y="4034908"/>
             <a:ext cx="1488932" cy="1703388"/>
           </a:xfrm>
           <a:prstGeom prst="line">
@@ -7668,7 +7694,7 @@
         </p:nvCxnSpPr>
         <p:spPr>
           <a:xfrm>
-            <a:off x="1614022" y="3567625"/>
+            <a:off x="1550922" y="4377876"/>
             <a:ext cx="555803" cy="1239163"/>
           </a:xfrm>
           <a:prstGeom prst="line">
@@ -7701,7 +7727,7 @@
         </p:nvCxnSpPr>
         <p:spPr>
           <a:xfrm>
-            <a:off x="1734209" y="3517398"/>
+            <a:off x="1671109" y="4327649"/>
             <a:ext cx="265645" cy="296000"/>
           </a:xfrm>
           <a:prstGeom prst="line">
@@ -7734,7 +7760,7 @@
         </p:nvCxnSpPr>
         <p:spPr>
           <a:xfrm flipV="1">
-            <a:off x="751297" y="2658594"/>
+            <a:off x="688197" y="3468845"/>
             <a:ext cx="1982649" cy="273322"/>
           </a:xfrm>
           <a:prstGeom prst="line">
@@ -7767,7 +7793,7 @@
         </p:nvCxnSpPr>
         <p:spPr>
           <a:xfrm>
-            <a:off x="751297" y="3174430"/>
+            <a:off x="688197" y="3984681"/>
             <a:ext cx="1198774" cy="760225"/>
           </a:xfrm>
           <a:prstGeom prst="line">
@@ -7800,7 +7826,7 @@
         </p:nvCxnSpPr>
         <p:spPr>
           <a:xfrm flipH="1">
-            <a:off x="2410200" y="2951335"/>
+            <a:off x="2347100" y="3761586"/>
             <a:ext cx="443934" cy="1855453"/>
           </a:xfrm>
           <a:prstGeom prst="line">
@@ -7830,7 +7856,7 @@
         </p:nvSpPr>
         <p:spPr>
           <a:xfrm>
-            <a:off x="4445683" y="3280250"/>
+            <a:off x="4382583" y="4090501"/>
             <a:ext cx="339941" cy="342968"/>
           </a:xfrm>
           <a:prstGeom prst="ellipse">
@@ -7873,7 +7899,7 @@
         </p:nvSpPr>
         <p:spPr>
           <a:xfrm>
-            <a:off x="5685795" y="2663960"/>
+            <a:off x="5622695" y="3474211"/>
             <a:ext cx="339941" cy="342968"/>
           </a:xfrm>
           <a:prstGeom prst="ellipse">
@@ -7916,7 +7942,7 @@
         </p:nvSpPr>
         <p:spPr>
           <a:xfrm>
-            <a:off x="3462771" y="2937282"/>
+            <a:off x="3399671" y="3747533"/>
             <a:ext cx="339941" cy="342968"/>
           </a:xfrm>
           <a:prstGeom prst="ellipse">
@@ -7959,7 +7985,7 @@
         </p:nvSpPr>
         <p:spPr>
           <a:xfrm>
-            <a:off x="5121674" y="4812154"/>
+            <a:off x="5058574" y="5622405"/>
             <a:ext cx="339941" cy="342968"/>
           </a:xfrm>
           <a:prstGeom prst="ellipse">
@@ -8002,7 +8028,7 @@
         </p:nvSpPr>
         <p:spPr>
           <a:xfrm>
-            <a:off x="4951703" y="3818764"/>
+            <a:off x="4888603" y="4629015"/>
             <a:ext cx="339941" cy="342968"/>
           </a:xfrm>
           <a:prstGeom prst="ellipse">
@@ -8048,7 +8074,7 @@
         </p:nvCxnSpPr>
         <p:spPr>
           <a:xfrm flipH="1">
-            <a:off x="3802712" y="2835444"/>
+            <a:off x="3739612" y="3645695"/>
             <a:ext cx="1883083" cy="273322"/>
           </a:xfrm>
           <a:prstGeom prst="line">
@@ -8085,7 +8111,7 @@
         </p:nvCxnSpPr>
         <p:spPr>
           <a:xfrm flipH="1">
-            <a:off x="5411832" y="3006928"/>
+            <a:off x="5348732" y="3817179"/>
             <a:ext cx="443934" cy="1855453"/>
           </a:xfrm>
           <a:prstGeom prst="line">
@@ -8122,7 +8148,7 @@
         </p:nvCxnSpPr>
         <p:spPr>
           <a:xfrm>
-            <a:off x="4615654" y="3623218"/>
+            <a:off x="4552554" y="4433469"/>
             <a:ext cx="555803" cy="1239163"/>
           </a:xfrm>
           <a:prstGeom prst="line">
@@ -8159,7 +8185,7 @@
         </p:nvCxnSpPr>
         <p:spPr>
           <a:xfrm>
-            <a:off x="4735841" y="3572991"/>
+            <a:off x="4672741" y="4383242"/>
             <a:ext cx="265645" cy="296000"/>
           </a:xfrm>
           <a:prstGeom prst="line">
@@ -8193,7 +8219,7 @@
         </p:nvSpPr>
         <p:spPr>
           <a:xfrm>
-            <a:off x="7389434" y="3280250"/>
+            <a:off x="7326334" y="4090501"/>
             <a:ext cx="339941" cy="342968"/>
           </a:xfrm>
           <a:prstGeom prst="ellipse">
@@ -8236,7 +8262,7 @@
         </p:nvSpPr>
         <p:spPr>
           <a:xfrm>
-            <a:off x="8629546" y="2663960"/>
+            <a:off x="8566446" y="3474211"/>
             <a:ext cx="339941" cy="342968"/>
           </a:xfrm>
           <a:prstGeom prst="ellipse">
@@ -8279,7 +8305,7 @@
         </p:nvSpPr>
         <p:spPr>
           <a:xfrm>
-            <a:off x="6406522" y="2937282"/>
+            <a:off x="6343422" y="3747533"/>
             <a:ext cx="339941" cy="342968"/>
           </a:xfrm>
           <a:prstGeom prst="ellipse">
@@ -8322,7 +8348,7 @@
         </p:nvSpPr>
         <p:spPr>
           <a:xfrm>
-            <a:off x="8065425" y="4812154"/>
+            <a:off x="8002325" y="5622405"/>
             <a:ext cx="339941" cy="342968"/>
           </a:xfrm>
           <a:prstGeom prst="ellipse">
@@ -8365,7 +8391,7 @@
         </p:nvSpPr>
         <p:spPr>
           <a:xfrm>
-            <a:off x="7895454" y="3818764"/>
+            <a:off x="7832354" y="4629015"/>
             <a:ext cx="339941" cy="342968"/>
           </a:xfrm>
           <a:prstGeom prst="ellipse">
@@ -8411,7 +8437,7 @@
         </p:nvCxnSpPr>
         <p:spPr>
           <a:xfrm flipH="1">
-            <a:off x="6746463" y="2835444"/>
+            <a:off x="6683363" y="3645695"/>
             <a:ext cx="1883083" cy="273322"/>
           </a:xfrm>
           <a:prstGeom prst="line">
@@ -8448,7 +8474,7 @@
         </p:nvCxnSpPr>
         <p:spPr>
           <a:xfrm flipV="1">
-            <a:off x="8355583" y="3006928"/>
+            <a:off x="8292483" y="3817179"/>
             <a:ext cx="443934" cy="1855453"/>
           </a:xfrm>
           <a:prstGeom prst="line">
@@ -8596,130 +8622,7 @@
         </p:nvSpPr>
         <p:spPr>
           <a:xfrm>
-            <a:off x="1394268" y="2695921"/>
-            <a:ext cx="339941" cy="342968"/>
-          </a:xfrm>
-          <a:prstGeom prst="ellipse">
-            <a:avLst/>
-          </a:prstGeom>
-        </p:spPr>
-        <p:style>
-          <a:lnRef idx="1">
-            <a:schemeClr val="accent1"/>
-          </a:lnRef>
-          <a:fillRef idx="3">
-            <a:schemeClr val="accent1"/>
-          </a:fillRef>
-          <a:effectRef idx="2">
-            <a:schemeClr val="accent1"/>
-          </a:effectRef>
-          <a:fontRef idx="minor">
-            <a:schemeClr val="lt1"/>
-          </a:fontRef>
-        </p:style>
-        <p:txBody>
-          <a:bodyPr lIns="0" tIns="0" rIns="0" bIns="46800" rtlCol="0" anchor="ctr" anchorCtr="0"/>
-          <a:lstStyle/>
-          <a:p>
-            <a:pPr algn="ctr"/>
-            <a:r>
-              <a:rPr lang="fr-FR"/>
-              <a:t>a</a:t>
-            </a:r>
-          </a:p>
-        </p:txBody>
-      </p:sp>
-      <p:sp>
-        <p:nvSpPr>
-          <p:cNvPr id="6" name="Ellipse 5"/>
-          <p:cNvSpPr/>
-          <p:nvPr/>
-        </p:nvSpPr>
-        <p:spPr>
-          <a:xfrm>
-            <a:off x="2634380" y="2079631"/>
-            <a:ext cx="339941" cy="342968"/>
-          </a:xfrm>
-          <a:prstGeom prst="ellipse">
-            <a:avLst/>
-          </a:prstGeom>
-        </p:spPr>
-        <p:style>
-          <a:lnRef idx="1">
-            <a:schemeClr val="accent6"/>
-          </a:lnRef>
-          <a:fillRef idx="2">
-            <a:schemeClr val="accent6"/>
-          </a:fillRef>
-          <a:effectRef idx="1">
-            <a:schemeClr val="accent6"/>
-          </a:effectRef>
-          <a:fontRef idx="minor">
-            <a:schemeClr val="dk1"/>
-          </a:fontRef>
-        </p:style>
-        <p:txBody>
-          <a:bodyPr lIns="0" tIns="0" rIns="0" bIns="46800" rtlCol="0" anchor="ctr" anchorCtr="0"/>
-          <a:lstStyle/>
-          <a:p>
-            <a:pPr algn="ctr"/>
-            <a:r>
-              <a:rPr lang="fr-FR"/>
-              <a:t>c</a:t>
-            </a:r>
-          </a:p>
-        </p:txBody>
-      </p:sp>
-      <p:sp>
-        <p:nvSpPr>
-          <p:cNvPr id="7" name="Ellipse 6"/>
-          <p:cNvSpPr/>
-          <p:nvPr/>
-        </p:nvSpPr>
-        <p:spPr>
-          <a:xfrm>
-            <a:off x="411356" y="2352953"/>
-            <a:ext cx="339941" cy="342968"/>
-          </a:xfrm>
-          <a:prstGeom prst="ellipse">
-            <a:avLst/>
-          </a:prstGeom>
-        </p:spPr>
-        <p:style>
-          <a:lnRef idx="1">
-            <a:schemeClr val="accent1"/>
-          </a:lnRef>
-          <a:fillRef idx="3">
-            <a:schemeClr val="accent1"/>
-          </a:fillRef>
-          <a:effectRef idx="2">
-            <a:schemeClr val="accent1"/>
-          </a:effectRef>
-          <a:fontRef idx="minor">
-            <a:schemeClr val="lt1"/>
-          </a:fontRef>
-        </p:style>
-        <p:txBody>
-          <a:bodyPr lIns="0" tIns="0" rIns="0" bIns="46800" rtlCol="0" anchor="ctr" anchorCtr="0"/>
-          <a:lstStyle/>
-          <a:p>
-            <a:pPr algn="ctr"/>
-            <a:r>
-              <a:rPr lang="fr-FR"/>
-              <a:t>b</a:t>
-            </a:r>
-          </a:p>
-        </p:txBody>
-      </p:sp>
-      <p:sp>
-        <p:nvSpPr>
-          <p:cNvPr id="8" name="Ellipse 7"/>
-          <p:cNvSpPr/>
-          <p:nvPr/>
-        </p:nvSpPr>
-        <p:spPr>
-          <a:xfrm>
-            <a:off x="2070259" y="4227825"/>
+            <a:off x="1359042" y="4027224"/>
             <a:ext cx="339941" cy="342968"/>
           </a:xfrm>
           <a:prstGeom prst="ellipse">
@@ -8749,6 +8652,135 @@
             <a:pPr algn="ctr"/>
             <a:r>
               <a:rPr lang="fr-FR"/>
+              <a:t>a</a:t>
+            </a:r>
+          </a:p>
+        </p:txBody>
+      </p:sp>
+      <p:sp>
+        <p:nvSpPr>
+          <p:cNvPr id="6" name="Ellipse 5"/>
+          <p:cNvSpPr/>
+          <p:nvPr/>
+        </p:nvSpPr>
+        <p:spPr>
+          <a:xfrm>
+            <a:off x="2599154" y="3410934"/>
+            <a:ext cx="339941" cy="342968"/>
+          </a:xfrm>
+          <a:prstGeom prst="ellipse">
+            <a:avLst/>
+          </a:prstGeom>
+        </p:spPr>
+        <p:style>
+          <a:lnRef idx="2">
+            <a:schemeClr val="accent3">
+              <a:shade val="50000"/>
+            </a:schemeClr>
+          </a:lnRef>
+          <a:fillRef idx="1">
+            <a:schemeClr val="accent3"/>
+          </a:fillRef>
+          <a:effectRef idx="0">
+            <a:schemeClr val="accent3"/>
+          </a:effectRef>
+          <a:fontRef idx="minor">
+            <a:schemeClr val="lt1"/>
+          </a:fontRef>
+        </p:style>
+        <p:txBody>
+          <a:bodyPr lIns="0" tIns="0" rIns="0" bIns="46800" rtlCol="0" anchor="ctr" anchorCtr="0"/>
+          <a:lstStyle/>
+          <a:p>
+            <a:pPr algn="ctr"/>
+            <a:r>
+              <a:rPr lang="fr-FR"/>
+              <a:t>c</a:t>
+            </a:r>
+          </a:p>
+        </p:txBody>
+      </p:sp>
+      <p:sp>
+        <p:nvSpPr>
+          <p:cNvPr id="7" name="Ellipse 6"/>
+          <p:cNvSpPr/>
+          <p:nvPr/>
+        </p:nvSpPr>
+        <p:spPr>
+          <a:xfrm>
+            <a:off x="376130" y="3684256"/>
+            <a:ext cx="339941" cy="342968"/>
+          </a:xfrm>
+          <a:prstGeom prst="ellipse">
+            <a:avLst/>
+          </a:prstGeom>
+        </p:spPr>
+        <p:style>
+          <a:lnRef idx="2">
+            <a:schemeClr val="accent1">
+              <a:shade val="50000"/>
+            </a:schemeClr>
+          </a:lnRef>
+          <a:fillRef idx="1">
+            <a:schemeClr val="accent1"/>
+          </a:fillRef>
+          <a:effectRef idx="0">
+            <a:schemeClr val="accent1"/>
+          </a:effectRef>
+          <a:fontRef idx="minor">
+            <a:schemeClr val="lt1"/>
+          </a:fontRef>
+        </p:style>
+        <p:txBody>
+          <a:bodyPr lIns="0" tIns="0" rIns="0" bIns="46800" rtlCol="0" anchor="ctr" anchorCtr="0"/>
+          <a:lstStyle/>
+          <a:p>
+            <a:pPr algn="ctr"/>
+            <a:r>
+              <a:rPr lang="fr-FR"/>
+              <a:t>b</a:t>
+            </a:r>
+          </a:p>
+        </p:txBody>
+      </p:sp>
+      <p:sp>
+        <p:nvSpPr>
+          <p:cNvPr id="8" name="Ellipse 7"/>
+          <p:cNvSpPr/>
+          <p:nvPr/>
+        </p:nvSpPr>
+        <p:spPr>
+          <a:xfrm>
+            <a:off x="2035033" y="5559128"/>
+            <a:ext cx="339941" cy="342968"/>
+          </a:xfrm>
+          <a:prstGeom prst="ellipse">
+            <a:avLst/>
+          </a:prstGeom>
+        </p:spPr>
+        <p:style>
+          <a:lnRef idx="2">
+            <a:schemeClr val="accent1">
+              <a:shade val="50000"/>
+            </a:schemeClr>
+          </a:lnRef>
+          <a:fillRef idx="1">
+            <a:schemeClr val="accent1"/>
+          </a:fillRef>
+          <a:effectRef idx="0">
+            <a:schemeClr val="accent1"/>
+          </a:effectRef>
+          <a:fontRef idx="minor">
+            <a:schemeClr val="lt1"/>
+          </a:fontRef>
+        </p:style>
+        <p:txBody>
+          <a:bodyPr lIns="0" tIns="0" rIns="0" bIns="46800" rtlCol="0" anchor="ctr" anchorCtr="0"/>
+          <a:lstStyle/>
+          <a:p>
+            <a:pPr algn="ctr"/>
+            <a:r>
+              <a:rPr lang="fr-FR"/>
               <a:t>d</a:t>
             </a:r>
           </a:p>
@@ -8762,7 +8794,7 @@
         </p:nvSpPr>
         <p:spPr>
           <a:xfrm>
-            <a:off x="1900288" y="3234435"/>
+            <a:off x="1865062" y="4565738"/>
             <a:ext cx="339941" cy="342968"/>
           </a:xfrm>
           <a:prstGeom prst="ellipse">
@@ -8808,7 +8840,7 @@
         </p:nvCxnSpPr>
         <p:spPr>
           <a:xfrm>
-            <a:off x="751297" y="2524437"/>
+            <a:off x="716071" y="3855740"/>
             <a:ext cx="692754" cy="221711"/>
           </a:xfrm>
           <a:prstGeom prst="line">
@@ -8841,7 +8873,7 @@
         </p:nvCxnSpPr>
         <p:spPr>
           <a:xfrm flipV="1">
-            <a:off x="1684426" y="2251115"/>
+            <a:off x="1649200" y="3582418"/>
             <a:ext cx="949954" cy="495033"/>
           </a:xfrm>
           <a:prstGeom prst="line">
@@ -8874,7 +8906,7 @@
         </p:nvCxnSpPr>
         <p:spPr>
           <a:xfrm flipH="1">
-            <a:off x="2190446" y="2372372"/>
+            <a:off x="2155220" y="3703675"/>
             <a:ext cx="493717" cy="912290"/>
           </a:xfrm>
           <a:prstGeom prst="line">
@@ -8907,7 +8939,7 @@
         </p:nvCxnSpPr>
         <p:spPr>
           <a:xfrm>
-            <a:off x="2070259" y="3577403"/>
+            <a:off x="2035033" y="4908706"/>
             <a:ext cx="169971" cy="650422"/>
           </a:xfrm>
           <a:prstGeom prst="line">
@@ -8940,7 +8972,7 @@
         </p:nvCxnSpPr>
         <p:spPr>
           <a:xfrm flipH="1" flipV="1">
-            <a:off x="581327" y="2695921"/>
+            <a:off x="546101" y="4027224"/>
             <a:ext cx="1488932" cy="1703388"/>
           </a:xfrm>
           <a:prstGeom prst="line">
@@ -8973,7 +9005,7 @@
         </p:nvCxnSpPr>
         <p:spPr>
           <a:xfrm>
-            <a:off x="1564239" y="3038889"/>
+            <a:off x="1529013" y="4370192"/>
             <a:ext cx="555803" cy="1239163"/>
           </a:xfrm>
           <a:prstGeom prst="line">
@@ -9006,7 +9038,7 @@
         </p:nvCxnSpPr>
         <p:spPr>
           <a:xfrm>
-            <a:off x="1684426" y="2988662"/>
+            <a:off x="1649200" y="4319965"/>
             <a:ext cx="265645" cy="296000"/>
           </a:xfrm>
           <a:prstGeom prst="line">
@@ -9039,7 +9071,7 @@
         </p:nvCxnSpPr>
         <p:spPr>
           <a:xfrm flipV="1">
-            <a:off x="701514" y="2129858"/>
+            <a:off x="666288" y="3461161"/>
             <a:ext cx="1982649" cy="273322"/>
           </a:xfrm>
           <a:prstGeom prst="line">
@@ -9072,7 +9104,7 @@
         </p:nvCxnSpPr>
         <p:spPr>
           <a:xfrm>
-            <a:off x="701514" y="2645694"/>
+            <a:off x="666288" y="3976997"/>
             <a:ext cx="1198774" cy="760225"/>
           </a:xfrm>
           <a:prstGeom prst="line">
@@ -9105,7 +9137,7 @@
         </p:nvCxnSpPr>
         <p:spPr>
           <a:xfrm flipH="1">
-            <a:off x="2360417" y="2422599"/>
+            <a:off x="2325191" y="3753902"/>
             <a:ext cx="443934" cy="1855453"/>
           </a:xfrm>
           <a:prstGeom prst="line">
@@ -9135,130 +9167,7 @@
         </p:nvSpPr>
         <p:spPr>
           <a:xfrm>
-            <a:off x="4395900" y="2751514"/>
-            <a:ext cx="339941" cy="342968"/>
-          </a:xfrm>
-          <a:prstGeom prst="ellipse">
-            <a:avLst/>
-          </a:prstGeom>
-        </p:spPr>
-        <p:style>
-          <a:lnRef idx="1">
-            <a:schemeClr val="accent1"/>
-          </a:lnRef>
-          <a:fillRef idx="3">
-            <a:schemeClr val="accent1"/>
-          </a:fillRef>
-          <a:effectRef idx="2">
-            <a:schemeClr val="accent1"/>
-          </a:effectRef>
-          <a:fontRef idx="minor">
-            <a:schemeClr val="lt1"/>
-          </a:fontRef>
-        </p:style>
-        <p:txBody>
-          <a:bodyPr lIns="0" tIns="0" rIns="0" bIns="46800" rtlCol="0" anchor="ctr" anchorCtr="0"/>
-          <a:lstStyle/>
-          <a:p>
-            <a:pPr algn="ctr"/>
-            <a:r>
-              <a:rPr lang="fr-FR"/>
-              <a:t>a</a:t>
-            </a:r>
-          </a:p>
-        </p:txBody>
-      </p:sp>
-      <p:sp>
-        <p:nvSpPr>
-          <p:cNvPr id="86" name="Ellipse 85"/>
-          <p:cNvSpPr/>
-          <p:nvPr/>
-        </p:nvSpPr>
-        <p:spPr>
-          <a:xfrm>
-            <a:off x="5636012" y="2135224"/>
-            <a:ext cx="339941" cy="342968"/>
-          </a:xfrm>
-          <a:prstGeom prst="ellipse">
-            <a:avLst/>
-          </a:prstGeom>
-        </p:spPr>
-        <p:style>
-          <a:lnRef idx="1">
-            <a:schemeClr val="accent6"/>
-          </a:lnRef>
-          <a:fillRef idx="2">
-            <a:schemeClr val="accent6"/>
-          </a:fillRef>
-          <a:effectRef idx="1">
-            <a:schemeClr val="accent6"/>
-          </a:effectRef>
-          <a:fontRef idx="minor">
-            <a:schemeClr val="dk1"/>
-          </a:fontRef>
-        </p:style>
-        <p:txBody>
-          <a:bodyPr lIns="0" tIns="0" rIns="0" bIns="46800" rtlCol="0" anchor="ctr" anchorCtr="0"/>
-          <a:lstStyle/>
-          <a:p>
-            <a:pPr algn="ctr"/>
-            <a:r>
-              <a:rPr lang="fr-FR"/>
-              <a:t>c</a:t>
-            </a:r>
-          </a:p>
-        </p:txBody>
-      </p:sp>
-      <p:sp>
-        <p:nvSpPr>
-          <p:cNvPr id="87" name="Ellipse 86"/>
-          <p:cNvSpPr/>
-          <p:nvPr/>
-        </p:nvSpPr>
-        <p:spPr>
-          <a:xfrm>
-            <a:off x="3412988" y="2408546"/>
-            <a:ext cx="339941" cy="342968"/>
-          </a:xfrm>
-          <a:prstGeom prst="ellipse">
-            <a:avLst/>
-          </a:prstGeom>
-        </p:spPr>
-        <p:style>
-          <a:lnRef idx="1">
-            <a:schemeClr val="accent1"/>
-          </a:lnRef>
-          <a:fillRef idx="3">
-            <a:schemeClr val="accent1"/>
-          </a:fillRef>
-          <a:effectRef idx="2">
-            <a:schemeClr val="accent1"/>
-          </a:effectRef>
-          <a:fontRef idx="minor">
-            <a:schemeClr val="lt1"/>
-          </a:fontRef>
-        </p:style>
-        <p:txBody>
-          <a:bodyPr lIns="0" tIns="0" rIns="0" bIns="46800" rtlCol="0" anchor="ctr" anchorCtr="0"/>
-          <a:lstStyle/>
-          <a:p>
-            <a:pPr algn="ctr"/>
-            <a:r>
-              <a:rPr lang="fr-FR"/>
-              <a:t>b</a:t>
-            </a:r>
-          </a:p>
-        </p:txBody>
-      </p:sp>
-      <p:sp>
-        <p:nvSpPr>
-          <p:cNvPr id="88" name="Ellipse 87"/>
-          <p:cNvSpPr/>
-          <p:nvPr/>
-        </p:nvSpPr>
-        <p:spPr>
-          <a:xfrm>
-            <a:off x="5071891" y="4283418"/>
+            <a:off x="4360674" y="4082817"/>
             <a:ext cx="339941" cy="342968"/>
           </a:xfrm>
           <a:prstGeom prst="ellipse">
@@ -9288,6 +9197,135 @@
             <a:pPr algn="ctr"/>
             <a:r>
               <a:rPr lang="fr-FR"/>
+              <a:t>a</a:t>
+            </a:r>
+          </a:p>
+        </p:txBody>
+      </p:sp>
+      <p:sp>
+        <p:nvSpPr>
+          <p:cNvPr id="86" name="Ellipse 85"/>
+          <p:cNvSpPr/>
+          <p:nvPr/>
+        </p:nvSpPr>
+        <p:spPr>
+          <a:xfrm>
+            <a:off x="5600786" y="3466527"/>
+            <a:ext cx="339941" cy="342968"/>
+          </a:xfrm>
+          <a:prstGeom prst="ellipse">
+            <a:avLst/>
+          </a:prstGeom>
+        </p:spPr>
+        <p:style>
+          <a:lnRef idx="2">
+            <a:schemeClr val="accent3">
+              <a:shade val="50000"/>
+            </a:schemeClr>
+          </a:lnRef>
+          <a:fillRef idx="1">
+            <a:schemeClr val="accent3"/>
+          </a:fillRef>
+          <a:effectRef idx="0">
+            <a:schemeClr val="accent3"/>
+          </a:effectRef>
+          <a:fontRef idx="minor">
+            <a:schemeClr val="lt1"/>
+          </a:fontRef>
+        </p:style>
+        <p:txBody>
+          <a:bodyPr lIns="0" tIns="0" rIns="0" bIns="46800" rtlCol="0" anchor="ctr" anchorCtr="0"/>
+          <a:lstStyle/>
+          <a:p>
+            <a:pPr algn="ctr"/>
+            <a:r>
+              <a:rPr lang="fr-FR"/>
+              <a:t>c</a:t>
+            </a:r>
+          </a:p>
+        </p:txBody>
+      </p:sp>
+      <p:sp>
+        <p:nvSpPr>
+          <p:cNvPr id="87" name="Ellipse 86"/>
+          <p:cNvSpPr/>
+          <p:nvPr/>
+        </p:nvSpPr>
+        <p:spPr>
+          <a:xfrm>
+            <a:off x="3377762" y="3739849"/>
+            <a:ext cx="339941" cy="342968"/>
+          </a:xfrm>
+          <a:prstGeom prst="ellipse">
+            <a:avLst/>
+          </a:prstGeom>
+        </p:spPr>
+        <p:style>
+          <a:lnRef idx="2">
+            <a:schemeClr val="accent1">
+              <a:shade val="50000"/>
+            </a:schemeClr>
+          </a:lnRef>
+          <a:fillRef idx="1">
+            <a:schemeClr val="accent1"/>
+          </a:fillRef>
+          <a:effectRef idx="0">
+            <a:schemeClr val="accent1"/>
+          </a:effectRef>
+          <a:fontRef idx="minor">
+            <a:schemeClr val="lt1"/>
+          </a:fontRef>
+        </p:style>
+        <p:txBody>
+          <a:bodyPr lIns="0" tIns="0" rIns="0" bIns="46800" rtlCol="0" anchor="ctr" anchorCtr="0"/>
+          <a:lstStyle/>
+          <a:p>
+            <a:pPr algn="ctr"/>
+            <a:r>
+              <a:rPr lang="fr-FR"/>
+              <a:t>b</a:t>
+            </a:r>
+          </a:p>
+        </p:txBody>
+      </p:sp>
+      <p:sp>
+        <p:nvSpPr>
+          <p:cNvPr id="88" name="Ellipse 87"/>
+          <p:cNvSpPr/>
+          <p:nvPr/>
+        </p:nvSpPr>
+        <p:spPr>
+          <a:xfrm>
+            <a:off x="5036665" y="5614721"/>
+            <a:ext cx="339941" cy="342968"/>
+          </a:xfrm>
+          <a:prstGeom prst="ellipse">
+            <a:avLst/>
+          </a:prstGeom>
+        </p:spPr>
+        <p:style>
+          <a:lnRef idx="2">
+            <a:schemeClr val="accent1">
+              <a:shade val="50000"/>
+            </a:schemeClr>
+          </a:lnRef>
+          <a:fillRef idx="1">
+            <a:schemeClr val="accent1"/>
+          </a:fillRef>
+          <a:effectRef idx="0">
+            <a:schemeClr val="accent1"/>
+          </a:effectRef>
+          <a:fontRef idx="minor">
+            <a:schemeClr val="lt1"/>
+          </a:fontRef>
+        </p:style>
+        <p:txBody>
+          <a:bodyPr lIns="0" tIns="0" rIns="0" bIns="46800" rtlCol="0" anchor="ctr" anchorCtr="0"/>
+          <a:lstStyle/>
+          <a:p>
+            <a:pPr algn="ctr"/>
+            <a:r>
+              <a:rPr lang="fr-FR"/>
               <a:t>d</a:t>
             </a:r>
           </a:p>
@@ -9301,7 +9339,7 @@
         </p:nvSpPr>
         <p:spPr>
           <a:xfrm>
-            <a:off x="4901920" y="3290028"/>
+            <a:off x="4866694" y="4621331"/>
             <a:ext cx="339941" cy="342968"/>
           </a:xfrm>
           <a:prstGeom prst="ellipse">
@@ -9347,7 +9385,7 @@
         </p:nvCxnSpPr>
         <p:spPr>
           <a:xfrm flipH="1">
-            <a:off x="3752929" y="2306708"/>
+            <a:off x="3717703" y="3638011"/>
             <a:ext cx="1883083" cy="273322"/>
           </a:xfrm>
           <a:prstGeom prst="line">
@@ -9360,13 +9398,13 @@
         </p:spPr>
         <p:style>
           <a:lnRef idx="2">
-            <a:schemeClr val="accent6"/>
+            <a:schemeClr val="accent3"/>
           </a:lnRef>
           <a:fillRef idx="0">
-            <a:schemeClr val="accent6"/>
+            <a:schemeClr val="accent3"/>
           </a:fillRef>
           <a:effectRef idx="1">
-            <a:schemeClr val="accent6"/>
+            <a:schemeClr val="accent3"/>
           </a:effectRef>
           <a:fontRef idx="minor">
             <a:schemeClr val="tx1"/>
@@ -9384,7 +9422,7 @@
         </p:nvCxnSpPr>
         <p:spPr>
           <a:xfrm flipH="1">
-            <a:off x="5362049" y="2478192"/>
+            <a:off x="5326823" y="3809495"/>
             <a:ext cx="443934" cy="1855453"/>
           </a:xfrm>
           <a:prstGeom prst="line">
@@ -9397,13 +9435,13 @@
         </p:spPr>
         <p:style>
           <a:lnRef idx="2">
-            <a:schemeClr val="accent6"/>
+            <a:schemeClr val="accent3"/>
           </a:lnRef>
           <a:fillRef idx="0">
-            <a:schemeClr val="accent6"/>
+            <a:schemeClr val="accent3"/>
           </a:fillRef>
           <a:effectRef idx="1">
-            <a:schemeClr val="accent6"/>
+            <a:schemeClr val="accent3"/>
           </a:effectRef>
           <a:fontRef idx="minor">
             <a:schemeClr val="tx1"/>
@@ -9421,7 +9459,7 @@
         </p:nvCxnSpPr>
         <p:spPr>
           <a:xfrm>
-            <a:off x="4565871" y="3094482"/>
+            <a:off x="4530645" y="4425785"/>
             <a:ext cx="555803" cy="1239163"/>
           </a:xfrm>
           <a:prstGeom prst="line">
@@ -9434,13 +9472,13 @@
         </p:spPr>
         <p:style>
           <a:lnRef idx="2">
-            <a:schemeClr val="accent6"/>
+            <a:schemeClr val="accent3"/>
           </a:lnRef>
           <a:fillRef idx="0">
-            <a:schemeClr val="accent6"/>
+            <a:schemeClr val="accent3"/>
           </a:fillRef>
           <a:effectRef idx="1">
-            <a:schemeClr val="accent6"/>
+            <a:schemeClr val="accent3"/>
           </a:effectRef>
           <a:fontRef idx="minor">
             <a:schemeClr val="tx1"/>
@@ -9458,7 +9496,7 @@
         </p:nvCxnSpPr>
         <p:spPr>
           <a:xfrm>
-            <a:off x="4686058" y="3044255"/>
+            <a:off x="4650832" y="4375558"/>
             <a:ext cx="265645" cy="296000"/>
           </a:xfrm>
           <a:prstGeom prst="line">
@@ -9471,13 +9509,13 @@
         </p:spPr>
         <p:style>
           <a:lnRef idx="2">
-            <a:schemeClr val="accent6"/>
+            <a:schemeClr val="accent3"/>
           </a:lnRef>
           <a:fillRef idx="0">
-            <a:schemeClr val="accent6"/>
+            <a:schemeClr val="accent3"/>
           </a:fillRef>
           <a:effectRef idx="1">
-            <a:schemeClr val="accent6"/>
+            <a:schemeClr val="accent3"/>
           </a:effectRef>
           <a:fontRef idx="minor">
             <a:schemeClr val="tx1"/>
@@ -9492,130 +9530,7 @@
         </p:nvSpPr>
         <p:spPr>
           <a:xfrm>
-            <a:off x="7339651" y="2751514"/>
-            <a:ext cx="339941" cy="342968"/>
-          </a:xfrm>
-          <a:prstGeom prst="ellipse">
-            <a:avLst/>
-          </a:prstGeom>
-        </p:spPr>
-        <p:style>
-          <a:lnRef idx="1">
-            <a:schemeClr val="accent1"/>
-          </a:lnRef>
-          <a:fillRef idx="3">
-            <a:schemeClr val="accent1"/>
-          </a:fillRef>
-          <a:effectRef idx="2">
-            <a:schemeClr val="accent1"/>
-          </a:effectRef>
-          <a:fontRef idx="minor">
-            <a:schemeClr val="lt1"/>
-          </a:fontRef>
-        </p:style>
-        <p:txBody>
-          <a:bodyPr lIns="0" tIns="0" rIns="0" bIns="46800" rtlCol="0" anchor="ctr" anchorCtr="0"/>
-          <a:lstStyle/>
-          <a:p>
-            <a:pPr algn="ctr"/>
-            <a:r>
-              <a:rPr lang="fr-FR"/>
-              <a:t>a</a:t>
-            </a:r>
-          </a:p>
-        </p:txBody>
-      </p:sp>
-      <p:sp>
-        <p:nvSpPr>
-          <p:cNvPr id="101" name="Ellipse 100"/>
-          <p:cNvSpPr/>
-          <p:nvPr/>
-        </p:nvSpPr>
-        <p:spPr>
-          <a:xfrm>
-            <a:off x="8579763" y="2135224"/>
-            <a:ext cx="339941" cy="342968"/>
-          </a:xfrm>
-          <a:prstGeom prst="ellipse">
-            <a:avLst/>
-          </a:prstGeom>
-        </p:spPr>
-        <p:style>
-          <a:lnRef idx="1">
-            <a:schemeClr val="accent6"/>
-          </a:lnRef>
-          <a:fillRef idx="2">
-            <a:schemeClr val="accent6"/>
-          </a:fillRef>
-          <a:effectRef idx="1">
-            <a:schemeClr val="accent6"/>
-          </a:effectRef>
-          <a:fontRef idx="minor">
-            <a:schemeClr val="dk1"/>
-          </a:fontRef>
-        </p:style>
-        <p:txBody>
-          <a:bodyPr lIns="0" tIns="0" rIns="0" bIns="46800" rtlCol="0" anchor="ctr" anchorCtr="0"/>
-          <a:lstStyle/>
-          <a:p>
-            <a:pPr algn="ctr"/>
-            <a:r>
-              <a:rPr lang="fr-FR"/>
-              <a:t>c</a:t>
-            </a:r>
-          </a:p>
-        </p:txBody>
-      </p:sp>
-      <p:sp>
-        <p:nvSpPr>
-          <p:cNvPr id="102" name="Ellipse 101"/>
-          <p:cNvSpPr/>
-          <p:nvPr/>
-        </p:nvSpPr>
-        <p:spPr>
-          <a:xfrm>
-            <a:off x="6356739" y="2408546"/>
-            <a:ext cx="339941" cy="342968"/>
-          </a:xfrm>
-          <a:prstGeom prst="ellipse">
-            <a:avLst/>
-          </a:prstGeom>
-        </p:spPr>
-        <p:style>
-          <a:lnRef idx="1">
-            <a:schemeClr val="accent1"/>
-          </a:lnRef>
-          <a:fillRef idx="3">
-            <a:schemeClr val="accent1"/>
-          </a:fillRef>
-          <a:effectRef idx="2">
-            <a:schemeClr val="accent1"/>
-          </a:effectRef>
-          <a:fontRef idx="minor">
-            <a:schemeClr val="lt1"/>
-          </a:fontRef>
-        </p:style>
-        <p:txBody>
-          <a:bodyPr lIns="0" tIns="0" rIns="0" bIns="46800" rtlCol="0" anchor="ctr" anchorCtr="0"/>
-          <a:lstStyle/>
-          <a:p>
-            <a:pPr algn="ctr"/>
-            <a:r>
-              <a:rPr lang="fr-FR"/>
-              <a:t>b</a:t>
-            </a:r>
-          </a:p>
-        </p:txBody>
-      </p:sp>
-      <p:sp>
-        <p:nvSpPr>
-          <p:cNvPr id="103" name="Ellipse 102"/>
-          <p:cNvSpPr/>
-          <p:nvPr/>
-        </p:nvSpPr>
-        <p:spPr>
-          <a:xfrm>
-            <a:off x="8015642" y="4283418"/>
+            <a:off x="7304425" y="4082817"/>
             <a:ext cx="339941" cy="342968"/>
           </a:xfrm>
           <a:prstGeom prst="ellipse">
@@ -9645,6 +9560,135 @@
             <a:pPr algn="ctr"/>
             <a:r>
               <a:rPr lang="fr-FR"/>
+              <a:t>a</a:t>
+            </a:r>
+          </a:p>
+        </p:txBody>
+      </p:sp>
+      <p:sp>
+        <p:nvSpPr>
+          <p:cNvPr id="101" name="Ellipse 100"/>
+          <p:cNvSpPr/>
+          <p:nvPr/>
+        </p:nvSpPr>
+        <p:spPr>
+          <a:xfrm>
+            <a:off x="8544537" y="3466527"/>
+            <a:ext cx="339941" cy="342968"/>
+          </a:xfrm>
+          <a:prstGeom prst="ellipse">
+            <a:avLst/>
+          </a:prstGeom>
+        </p:spPr>
+        <p:style>
+          <a:lnRef idx="2">
+            <a:schemeClr val="accent3">
+              <a:shade val="50000"/>
+            </a:schemeClr>
+          </a:lnRef>
+          <a:fillRef idx="1">
+            <a:schemeClr val="accent3"/>
+          </a:fillRef>
+          <a:effectRef idx="0">
+            <a:schemeClr val="accent3"/>
+          </a:effectRef>
+          <a:fontRef idx="minor">
+            <a:schemeClr val="lt1"/>
+          </a:fontRef>
+        </p:style>
+        <p:txBody>
+          <a:bodyPr lIns="0" tIns="0" rIns="0" bIns="46800" rtlCol="0" anchor="ctr" anchorCtr="0"/>
+          <a:lstStyle/>
+          <a:p>
+            <a:pPr algn="ctr"/>
+            <a:r>
+              <a:rPr lang="fr-FR"/>
+              <a:t>c</a:t>
+            </a:r>
+          </a:p>
+        </p:txBody>
+      </p:sp>
+      <p:sp>
+        <p:nvSpPr>
+          <p:cNvPr id="102" name="Ellipse 101"/>
+          <p:cNvSpPr/>
+          <p:nvPr/>
+        </p:nvSpPr>
+        <p:spPr>
+          <a:xfrm>
+            <a:off x="6321513" y="3739849"/>
+            <a:ext cx="339941" cy="342968"/>
+          </a:xfrm>
+          <a:prstGeom prst="ellipse">
+            <a:avLst/>
+          </a:prstGeom>
+        </p:spPr>
+        <p:style>
+          <a:lnRef idx="2">
+            <a:schemeClr val="accent1">
+              <a:shade val="50000"/>
+            </a:schemeClr>
+          </a:lnRef>
+          <a:fillRef idx="1">
+            <a:schemeClr val="accent1"/>
+          </a:fillRef>
+          <a:effectRef idx="0">
+            <a:schemeClr val="accent1"/>
+          </a:effectRef>
+          <a:fontRef idx="minor">
+            <a:schemeClr val="lt1"/>
+          </a:fontRef>
+        </p:style>
+        <p:txBody>
+          <a:bodyPr lIns="0" tIns="0" rIns="0" bIns="46800" rtlCol="0" anchor="ctr" anchorCtr="0"/>
+          <a:lstStyle/>
+          <a:p>
+            <a:pPr algn="ctr"/>
+            <a:r>
+              <a:rPr lang="fr-FR"/>
+              <a:t>b</a:t>
+            </a:r>
+          </a:p>
+        </p:txBody>
+      </p:sp>
+      <p:sp>
+        <p:nvSpPr>
+          <p:cNvPr id="103" name="Ellipse 102"/>
+          <p:cNvSpPr/>
+          <p:nvPr/>
+        </p:nvSpPr>
+        <p:spPr>
+          <a:xfrm>
+            <a:off x="7980416" y="5614721"/>
+            <a:ext cx="339941" cy="342968"/>
+          </a:xfrm>
+          <a:prstGeom prst="ellipse">
+            <a:avLst/>
+          </a:prstGeom>
+        </p:spPr>
+        <p:style>
+          <a:lnRef idx="2">
+            <a:schemeClr val="accent1">
+              <a:shade val="50000"/>
+            </a:schemeClr>
+          </a:lnRef>
+          <a:fillRef idx="1">
+            <a:schemeClr val="accent1"/>
+          </a:fillRef>
+          <a:effectRef idx="0">
+            <a:schemeClr val="accent1"/>
+          </a:effectRef>
+          <a:fontRef idx="minor">
+            <a:schemeClr val="lt1"/>
+          </a:fontRef>
+        </p:style>
+        <p:txBody>
+          <a:bodyPr lIns="0" tIns="0" rIns="0" bIns="46800" rtlCol="0" anchor="ctr" anchorCtr="0"/>
+          <a:lstStyle/>
+          <a:p>
+            <a:pPr algn="ctr"/>
+            <a:r>
+              <a:rPr lang="fr-FR"/>
               <a:t>d</a:t>
             </a:r>
           </a:p>
@@ -9658,7 +9702,7 @@
         </p:nvSpPr>
         <p:spPr>
           <a:xfrm>
-            <a:off x="7845671" y="3290028"/>
+            <a:off x="7810445" y="4621331"/>
             <a:ext cx="339941" cy="342968"/>
           </a:xfrm>
           <a:prstGeom prst="ellipse">
@@ -9704,7 +9748,7 @@
         </p:nvCxnSpPr>
         <p:spPr>
           <a:xfrm flipV="1">
-            <a:off x="8305800" y="2478192"/>
+            <a:off x="8270574" y="3809495"/>
             <a:ext cx="443934" cy="1855453"/>
           </a:xfrm>
           <a:prstGeom prst="line">
@@ -9717,13 +9761,13 @@
         </p:spPr>
         <p:style>
           <a:lnRef idx="2">
-            <a:schemeClr val="accent3"/>
+            <a:schemeClr val="accent4"/>
           </a:lnRef>
           <a:fillRef idx="0">
-            <a:schemeClr val="accent3"/>
+            <a:schemeClr val="accent4"/>
           </a:fillRef>
           <a:effectRef idx="1">
-            <a:schemeClr val="accent3"/>
+            <a:schemeClr val="accent4"/>
           </a:effectRef>
           <a:fontRef idx="minor">
             <a:schemeClr val="tx1"/>
@@ -9797,26 +9841,44 @@
           <a:bodyPr/>
           <a:lstStyle/>
           <a:p>
+            <a:pPr>
+              <a:lnSpc>
+                <a:spcPct val="140000"/>
+              </a:lnSpc>
+            </a:pPr>
             <a:r>
               <a:rPr lang="fr-FR"/>
               <a:t>au plus un processus en SC simultanément</a:t>
             </a:r>
           </a:p>
           <a:p>
+            <a:pPr>
+              <a:lnSpc>
+                <a:spcPct val="140000"/>
+              </a:lnSpc>
+            </a:pPr>
             <a:r>
               <a:rPr lang="fr-FR"/>
               <a:t>garantie par le jeton</a:t>
             </a:r>
           </a:p>
           <a:p>
-            <a:pPr lvl="1"/>
+            <a:pPr lvl="1">
+              <a:lnSpc>
+                <a:spcPct val="140000"/>
+              </a:lnSpc>
+            </a:pPr>
             <a:r>
               <a:rPr lang="fr-FR"/>
               <a:t>unicité initiale</a:t>
             </a:r>
           </a:p>
           <a:p>
-            <a:pPr lvl="1"/>
+            <a:pPr lvl="1">
+              <a:lnSpc>
+                <a:spcPct val="140000"/>
+              </a:lnSpc>
+            </a:pPr>
             <a:r>
               <a:rPr lang="fr-FR"/>
               <a:t>un site qui envoie le jeton le perd pour lui-m</a:t>
@@ -9920,36 +9982,58 @@
           <a:bodyPr/>
           <a:lstStyle/>
           <a:p>
+            <a:pPr>
+              <a:lnSpc>
+                <a:spcPct val="140000"/>
+              </a:lnSpc>
+            </a:pPr>
             <a:r>
               <a:rPr lang="fr-FR"/>
               <a:t>une demande abouti en temps fini</a:t>
             </a:r>
           </a:p>
           <a:p>
+            <a:pPr>
+              <a:lnSpc>
+                <a:spcPct val="140000"/>
+              </a:lnSpc>
+            </a:pPr>
             <a:r>
               <a:rPr lang="fr-FR"/>
               <a:t>garantie par les structures de données</a:t>
             </a:r>
           </a:p>
           <a:p>
-            <a:pPr lvl="1"/>
-            <a:r>
-              <a:rPr lang="fr-FR"/>
-              <a:t>demande -&gt; retransmise dans l’arbre</a:t>
-            </a:r>
-          </a:p>
-          <a:p>
-            <a:pPr lvl="1"/>
+            <a:pPr lvl="1">
+              <a:lnSpc>
+                <a:spcPct val="140000"/>
+              </a:lnSpc>
+            </a:pPr>
+            <a:r>
+              <a:rPr lang="fr-FR"/>
+              <a:t>demande retransmise dans l’arbre</a:t>
+            </a:r>
+          </a:p>
+          <a:p>
+            <a:pPr lvl="1">
+              <a:lnSpc>
+                <a:spcPct val="140000"/>
+              </a:lnSpc>
+            </a:pPr>
             <a:r>
               <a:rPr lang="fr-FR"/>
               <a:t>ajout dans la file</a:t>
             </a:r>
           </a:p>
           <a:p>
-            <a:pPr lvl="1"/>
-            <a:r>
-              <a:rPr lang="fr-FR"/>
-              <a:t>exécution de la SC en temps fini -&gt; demande aboutie</a:t>
+            <a:pPr lvl="1">
+              <a:lnSpc>
+                <a:spcPct val="140000"/>
+              </a:lnSpc>
+            </a:pPr>
+            <a:r>
+              <a:rPr lang="fr-FR"/>
+              <a:t>exécution de la SC en temps fini : demande aboutie</a:t>
             </a:r>
           </a:p>
         </p:txBody>
@@ -10045,6 +10129,11 @@
           <a:bodyPr/>
           <a:lstStyle/>
           <a:p>
+            <a:pPr>
+              <a:lnSpc>
+                <a:spcPct val="140000"/>
+              </a:lnSpc>
+            </a:pPr>
             <a:r>
               <a:rPr lang="fr-FR"/>
               <a:t>nombre de messages pour que la demande atteigne la racine de l’arbre : M</a:t>
@@ -10055,6 +10144,11 @@
             </a:r>
           </a:p>
           <a:p>
+            <a:pPr>
+              <a:lnSpc>
+                <a:spcPct val="140000"/>
+              </a:lnSpc>
+            </a:pPr>
             <a:r>
               <a:rPr lang="fr-FR"/>
               <a:t>M</a:t>
@@ -10093,9 +10187,14 @@
             </a:r>
           </a:p>
           <a:p>
-            <a:r>
-              <a:rPr lang="fr-FR"/>
-              <a:t>Complexité en nombre de messages : </a:t>
+            <a:pPr>
+              <a:lnSpc>
+                <a:spcPct val="140000"/>
+              </a:lnSpc>
+            </a:pPr>
+            <a:r>
+              <a:rPr lang="fr-FR"/>
+              <a:t>Nombre moyen de messages : </a:t>
             </a:r>
             <a:r>
               <a:rPr lang="fr-FR" sz="2800"/>
@@ -10104,6 +10203,37 @@
             <a:r>
               <a:rPr lang="fr-FR"/>
               <a:t>(log(n))</a:t>
+            </a:r>
+          </a:p>
+          <a:p>
+            <a:pPr>
+              <a:lnSpc>
+                <a:spcPct val="140000"/>
+              </a:lnSpc>
+            </a:pPr>
+            <a:r>
+              <a:rPr lang="fr-FR"/>
+              <a:t>Temps : </a:t>
+            </a:r>
+            <a:r>
+              <a:rPr lang="hu-HU"/>
+              <a:t>(N − 1) × (T</a:t>
+            </a:r>
+            <a:r>
+              <a:rPr lang="hu-HU" baseline="-25000"/>
+              <a:t>msg</a:t>
+            </a:r>
+            <a:r>
+              <a:rPr lang="hu-HU"/>
+              <a:t>/T</a:t>
+            </a:r>
+            <a:r>
+              <a:rPr lang="hu-HU" baseline="-25000"/>
+              <a:t>cs</a:t>
+            </a:r>
+            <a:r>
+              <a:rPr lang="hu-HU"/>
+              <a:t>) </a:t>
             </a:r>
             <a:endParaRPr lang="fr-FR"/>
           </a:p>
@@ -10180,7 +10310,7 @@
           <a:p>
             <a:r>
               <a:rPr lang="fr-FR"/>
-              <a:t>Extension tolérante aux pannes</a:t>
+              <a:t>ExtensionS toléranteS aux pannes</a:t>
             </a:r>
           </a:p>
         </p:txBody>
@@ -10278,46 +10408,51 @@
         <p:spPr/>
         <p:txBody>
           <a:bodyPr>
-            <a:normAutofit lnSpcReduction="10000"/>
+            <a:normAutofit/>
           </a:bodyPr>
           <a:lstStyle/>
           <a:p>
+            <a:pPr>
+              <a:lnSpc>
+                <a:spcPct val="150000"/>
+              </a:lnSpc>
+            </a:pPr>
             <a:r>
               <a:rPr lang="fr-FR"/>
               <a:t>Détection de panne : demande de SC avec timer</a:t>
             </a:r>
           </a:p>
           <a:p>
+            <a:pPr>
+              <a:lnSpc>
+                <a:spcPct val="150000"/>
+              </a:lnSpc>
+            </a:pPr>
             <a:r>
               <a:rPr lang="fr-FR"/>
               <a:t>Vérification et recherche du jeton</a:t>
             </a:r>
           </a:p>
           <a:p>
+            <a:pPr>
+              <a:lnSpc>
+                <a:spcPct val="150000"/>
+              </a:lnSpc>
+            </a:pPr>
             <a:r>
               <a:rPr lang="fr-FR"/>
               <a:t>Élection</a:t>
             </a:r>
           </a:p>
           <a:p>
+            <a:pPr>
+              <a:lnSpc>
+                <a:spcPct val="150000"/>
+              </a:lnSpc>
+            </a:pPr>
             <a:r>
               <a:rPr lang="fr-FR"/>
               <a:t>Construction de l’arbre et de la file</a:t>
-            </a:r>
-          </a:p>
-          <a:p>
-            <a:endParaRPr lang="fr-FR"/>
-          </a:p>
-          <a:p>
-            <a:r>
-              <a:rPr lang="fr-FR"/>
-              <a:t>Complexité : 4 diffusions</a:t>
-            </a:r>
-          </a:p>
-          <a:p>
-            <a:r>
-              <a:rPr lang="fr-FR"/>
-              <a:t>Connaissance requise : temps d’exécution de la SC</a:t>
             </a:r>
           </a:p>
         </p:txBody>
@@ -10378,7 +10513,7 @@
       </p:grpSpPr>
       <p:sp>
         <p:nvSpPr>
-          <p:cNvPr id="3" name="Titre 2"/>
+          <p:cNvPr id="2" name="Titre 1"/>
           <p:cNvSpPr>
             <a:spLocks noGrp="1"/>
           </p:cNvSpPr>
@@ -10393,18 +10528,14 @@
           <a:p>
             <a:r>
               <a:rPr lang="fr-FR"/>
-              <a:t>Extension de Sopena</a:t>
-            </a:r>
-            <a:r>
-              <a:rPr lang="fr-FR" sz="2000"/>
-              <a:t> [3]</a:t>
-            </a:r>
-          </a:p>
-        </p:txBody>
-      </p:sp>
-      <p:sp>
-        <p:nvSpPr>
-          <p:cNvPr id="4" name="Espace réservé du contenu 3"/>
+              <a:t>Efficacité</a:t>
+            </a:r>
+          </a:p>
+        </p:txBody>
+      </p:sp>
+      <p:sp>
+        <p:nvSpPr>
+          <p:cNvPr id="3" name="Espace réservé du contenu 2"/>
           <p:cNvSpPr>
             <a:spLocks noGrp="1"/>
           </p:cNvSpPr>
@@ -10417,19 +10548,54 @@
           <a:bodyPr/>
           <a:lstStyle/>
           <a:p>
-            <a:r>
-              <a:rPr lang="fr-FR"/>
-              <a:t>Détection de panne : accusé de réception de demande</a:t>
-            </a:r>
-          </a:p>
-          <a:p>
-            <a:endParaRPr lang="fr-FR"/>
-          </a:p>
-        </p:txBody>
-      </p:sp>
-      <p:sp>
-        <p:nvSpPr>
-          <p:cNvPr id="2" name="Espace réservé du numéro de diapositive 1"/>
+            <a:pPr>
+              <a:lnSpc>
+                <a:spcPct val="150000"/>
+              </a:lnSpc>
+            </a:pPr>
+            <a:r>
+              <a:rPr lang="fr-FR"/>
+              <a:t>Complexité</a:t>
+            </a:r>
+          </a:p>
+          <a:p>
+            <a:pPr lvl="1">
+              <a:lnSpc>
+                <a:spcPct val="150000"/>
+              </a:lnSpc>
+            </a:pPr>
+            <a:r>
+              <a:rPr lang="fr-FR"/>
+              <a:t>4 diffusions</a:t>
+            </a:r>
+          </a:p>
+          <a:p>
+            <a:pPr>
+              <a:lnSpc>
+                <a:spcPct val="150000"/>
+              </a:lnSpc>
+            </a:pPr>
+            <a:r>
+              <a:rPr lang="fr-FR"/>
+              <a:t>Connaissance requise</a:t>
+            </a:r>
+          </a:p>
+          <a:p>
+            <a:pPr lvl="1">
+              <a:lnSpc>
+                <a:spcPct val="150000"/>
+              </a:lnSpc>
+            </a:pPr>
+            <a:r>
+              <a:rPr lang="fr-FR"/>
+              <a:t>temps d’exécution de la SC</a:t>
+            </a:r>
+          </a:p>
+        </p:txBody>
+      </p:sp>
+      <p:sp>
+        <p:nvSpPr>
+          <p:cNvPr id="4" name="Espace réservé du numéro de diapositive 3"/>
           <p:cNvSpPr>
             <a:spLocks noGrp="1"/>
           </p:cNvSpPr>
@@ -10454,7 +10620,7 @@
     </p:spTree>
     <p:extLst>
       <p:ext uri="{BB962C8B-B14F-4D97-AF65-F5344CB8AC3E}">
-        <p14:creationId xmlns:p14="http://schemas.microsoft.com/office/powerpoint/2010/main" val="375369323"/>
+        <p14:creationId xmlns:p14="http://schemas.microsoft.com/office/powerpoint/2010/main" val="2355684283"/>
       </p:ext>
     </p:extLst>
   </p:cSld>
@@ -10547,7 +10713,7 @@
             </a:pPr>
             <a:r>
               <a:rPr lang="fr-FR"/>
-              <a:t>Extension tolérante aux pannes</a:t>
+              <a:t>Extensions tolérantes aux pannes</a:t>
             </a:r>
           </a:p>
           <a:p>
@@ -10618,6 +10784,5201 @@
 </p:sld>
 </file>
 
+<file path=ppt/slides/slide20.xml><?xml version="1.0" encoding="utf-8"?>
+<p:sld xmlns:a="http://schemas.openxmlformats.org/drawingml/2006/main" xmlns:r="http://schemas.openxmlformats.org/officeDocument/2006/relationships" xmlns:p="http://schemas.openxmlformats.org/presentationml/2006/main">
+  <p:cSld>
+    <p:spTree>
+      <p:nvGrpSpPr>
+        <p:cNvPr id="1" name=""/>
+        <p:cNvGrpSpPr/>
+        <p:nvPr/>
+      </p:nvGrpSpPr>
+      <p:grpSpPr>
+        <a:xfrm>
+          <a:off x="0" y="0"/>
+          <a:ext cx="0" cy="0"/>
+          <a:chOff x="0" y="0"/>
+          <a:chExt cx="0" cy="0"/>
+        </a:xfrm>
+      </p:grpSpPr>
+      <p:sp>
+        <p:nvSpPr>
+          <p:cNvPr id="3" name="Titre 2"/>
+          <p:cNvSpPr>
+            <a:spLocks noGrp="1"/>
+          </p:cNvSpPr>
+          <p:nvPr>
+            <p:ph type="title"/>
+          </p:nvPr>
+        </p:nvSpPr>
+        <p:spPr/>
+        <p:txBody>
+          <a:bodyPr/>
+          <a:lstStyle/>
+          <a:p>
+            <a:r>
+              <a:rPr lang="fr-FR"/>
+              <a:t>Extension de Sopena</a:t>
+            </a:r>
+            <a:r>
+              <a:rPr lang="fr-FR" sz="2000"/>
+              <a:t> [3]</a:t>
+            </a:r>
+            <a:endParaRPr lang="fr-FR" sz="2000"/>
+          </a:p>
+        </p:txBody>
+      </p:sp>
+      <p:sp>
+        <p:nvSpPr>
+          <p:cNvPr id="4" name="Espace réservé du contenu 3"/>
+          <p:cNvSpPr>
+            <a:spLocks noGrp="1"/>
+          </p:cNvSpPr>
+          <p:nvPr>
+            <p:ph idx="1"/>
+          </p:nvPr>
+        </p:nvSpPr>
+        <p:spPr/>
+        <p:txBody>
+          <a:bodyPr/>
+          <a:lstStyle/>
+          <a:p>
+            <a:pPr>
+              <a:lnSpc>
+                <a:spcPct val="140000"/>
+              </a:lnSpc>
+            </a:pPr>
+            <a:r>
+              <a:rPr lang="fr-FR"/>
+              <a:t>Accusé de réception à chaque demande</a:t>
+            </a:r>
+          </a:p>
+          <a:p>
+            <a:pPr>
+              <a:lnSpc>
+                <a:spcPct val="140000"/>
+              </a:lnSpc>
+            </a:pPr>
+            <a:r>
+              <a:rPr lang="fr-FR"/>
+              <a:t>Conservation de la position dans la file</a:t>
+            </a:r>
+            <a:endParaRPr lang="fr-FR"/>
+          </a:p>
+          <a:p>
+            <a:pPr>
+              <a:lnSpc>
+                <a:spcPct val="140000"/>
+              </a:lnSpc>
+            </a:pPr>
+            <a:r>
+              <a:rPr lang="fr-FR"/>
+              <a:t>Conservation des </a:t>
+            </a:r>
+            <a:r>
+              <a:rPr lang="fr-FR" i="1"/>
+              <a:t>k</a:t>
+            </a:r>
+            <a:r>
+              <a:rPr lang="fr-FR"/>
+              <a:t> prédécesseurs</a:t>
+            </a:r>
+          </a:p>
+          <a:p>
+            <a:pPr>
+              <a:lnSpc>
+                <a:spcPct val="140000"/>
+              </a:lnSpc>
+            </a:pPr>
+            <a:r>
+              <a:rPr lang="fr-FR"/>
+              <a:t>Vérification périodique du prédécesseur</a:t>
+            </a:r>
+          </a:p>
+          <a:p>
+            <a:pPr marL="82296" indent="0">
+              <a:lnSpc>
+                <a:spcPct val="140000"/>
+              </a:lnSpc>
+              <a:buNone/>
+            </a:pPr>
+            <a:endParaRPr lang="fr-FR"/>
+          </a:p>
+        </p:txBody>
+      </p:sp>
+      <p:sp>
+        <p:nvSpPr>
+          <p:cNvPr id="2" name="Espace réservé du numéro de diapositive 1"/>
+          <p:cNvSpPr>
+            <a:spLocks noGrp="1"/>
+          </p:cNvSpPr>
+          <p:nvPr>
+            <p:ph type="sldNum" sz="quarter" idx="12"/>
+          </p:nvPr>
+        </p:nvSpPr>
+        <p:spPr/>
+        <p:txBody>
+          <a:bodyPr/>
+          <a:lstStyle/>
+          <a:p>
+            <a:fld id="{D7E63A33-8271-4DD0-9C48-789913D7C115}" type="slidenum">
+              <a:rPr lang="en-US" smtClean="0"/>
+              <a:pPr/>
+              <a:t>19</a:t>
+            </a:fld>
+            <a:endParaRPr lang="en-US"/>
+          </a:p>
+        </p:txBody>
+      </p:sp>
+    </p:spTree>
+    <p:extLst>
+      <p:ext uri="{BB962C8B-B14F-4D97-AF65-F5344CB8AC3E}">
+        <p14:creationId xmlns:p14="http://schemas.microsoft.com/office/powerpoint/2010/main" val="375369323"/>
+      </p:ext>
+    </p:extLst>
+  </p:cSld>
+  <p:clrMapOvr>
+    <a:masterClrMapping/>
+  </p:clrMapOvr>
+</p:sld>
+</file>
+
+<file path=ppt/slides/slide21.xml><?xml version="1.0" encoding="utf-8"?>
+<p:sld xmlns:a="http://schemas.openxmlformats.org/drawingml/2006/main" xmlns:r="http://schemas.openxmlformats.org/officeDocument/2006/relationships" xmlns:p="http://schemas.openxmlformats.org/presentationml/2006/main">
+  <p:cSld>
+    <p:spTree>
+      <p:nvGrpSpPr>
+        <p:cNvPr id="1" name=""/>
+        <p:cNvGrpSpPr/>
+        <p:nvPr/>
+      </p:nvGrpSpPr>
+      <p:grpSpPr>
+        <a:xfrm>
+          <a:off x="0" y="0"/>
+          <a:ext cx="0" cy="0"/>
+          <a:chOff x="0" y="0"/>
+          <a:chExt cx="0" cy="0"/>
+        </a:xfrm>
+      </p:grpSpPr>
+      <p:sp>
+        <p:nvSpPr>
+          <p:cNvPr id="3" name="Titre 2"/>
+          <p:cNvSpPr>
+            <a:spLocks noGrp="1"/>
+          </p:cNvSpPr>
+          <p:nvPr>
+            <p:ph type="title"/>
+          </p:nvPr>
+        </p:nvSpPr>
+        <p:spPr/>
+        <p:txBody>
+          <a:bodyPr/>
+          <a:lstStyle/>
+          <a:p>
+            <a:r>
+              <a:rPr lang="fr-FR"/>
+              <a:t>Algorithme</a:t>
+            </a:r>
+            <a:endParaRPr lang="fr-FR" sz="2000"/>
+          </a:p>
+        </p:txBody>
+      </p:sp>
+      <p:sp>
+        <p:nvSpPr>
+          <p:cNvPr id="4" name="Espace réservé du contenu 3"/>
+          <p:cNvSpPr>
+            <a:spLocks noGrp="1"/>
+          </p:cNvSpPr>
+          <p:nvPr>
+            <p:ph idx="1"/>
+          </p:nvPr>
+        </p:nvSpPr>
+        <p:spPr/>
+        <p:txBody>
+          <a:bodyPr>
+            <a:normAutofit lnSpcReduction="10000"/>
+          </a:bodyPr>
+          <a:lstStyle/>
+          <a:p>
+            <a:pPr>
+              <a:lnSpc>
+                <a:spcPct val="140000"/>
+              </a:lnSpc>
+            </a:pPr>
+            <a:r>
+              <a:rPr lang="fr-FR"/>
+              <a:t>Détection de panne</a:t>
+            </a:r>
+          </a:p>
+          <a:p>
+            <a:pPr lvl="1"/>
+            <a:r>
+              <a:rPr lang="fr-FR"/>
+              <a:t>vérification régulière</a:t>
+            </a:r>
+          </a:p>
+          <a:p>
+            <a:pPr lvl="1"/>
+            <a:r>
+              <a:rPr lang="fr-FR"/>
+              <a:t>accusé de réception non reçu</a:t>
+            </a:r>
+          </a:p>
+          <a:p>
+            <a:r>
+              <a:rPr lang="fr-FR"/>
+              <a:t>Mécanismes</a:t>
+            </a:r>
+          </a:p>
+          <a:p>
+            <a:pPr lvl="1"/>
+            <a:r>
+              <a:rPr lang="fr-FR"/>
+              <a:t>M1 :  AR reçu et &lt; k pannes consécutives</a:t>
+            </a:r>
+          </a:p>
+          <a:p>
+            <a:pPr lvl="1"/>
+            <a:r>
+              <a:rPr lang="fr-FR"/>
+              <a:t>M2 :  AR reçu et &gt; k pannes consécutives</a:t>
+            </a:r>
+          </a:p>
+          <a:p>
+            <a:pPr lvl="1"/>
+            <a:r>
+              <a:rPr lang="fr-FR"/>
+              <a:t>M3 :  AR non reçu</a:t>
+            </a:r>
+          </a:p>
+          <a:p>
+            <a:pPr marL="82296" indent="0">
+              <a:lnSpc>
+                <a:spcPct val="140000"/>
+              </a:lnSpc>
+              <a:buNone/>
+            </a:pPr>
+            <a:endParaRPr lang="fr-FR"/>
+          </a:p>
+        </p:txBody>
+      </p:sp>
+      <p:sp>
+        <p:nvSpPr>
+          <p:cNvPr id="2" name="Espace réservé du numéro de diapositive 1"/>
+          <p:cNvSpPr>
+            <a:spLocks noGrp="1"/>
+          </p:cNvSpPr>
+          <p:nvPr>
+            <p:ph type="sldNum" sz="quarter" idx="12"/>
+          </p:nvPr>
+        </p:nvSpPr>
+        <p:spPr/>
+        <p:txBody>
+          <a:bodyPr/>
+          <a:lstStyle/>
+          <a:p>
+            <a:fld id="{D7E63A33-8271-4DD0-9C48-789913D7C115}" type="slidenum">
+              <a:rPr lang="en-US" smtClean="0"/>
+              <a:pPr/>
+              <a:t>20</a:t>
+            </a:fld>
+            <a:endParaRPr lang="en-US"/>
+          </a:p>
+        </p:txBody>
+      </p:sp>
+    </p:spTree>
+    <p:extLst>
+      <p:ext uri="{BB962C8B-B14F-4D97-AF65-F5344CB8AC3E}">
+        <p14:creationId xmlns:p14="http://schemas.microsoft.com/office/powerpoint/2010/main" val="2442998140"/>
+      </p:ext>
+    </p:extLst>
+  </p:cSld>
+  <p:clrMapOvr>
+    <a:masterClrMapping/>
+  </p:clrMapOvr>
+</p:sld>
+</file>
+
+<file path=ppt/slides/slide22.xml><?xml version="1.0" encoding="utf-8"?>
+<p:sld xmlns:a="http://schemas.openxmlformats.org/drawingml/2006/main" xmlns:r="http://schemas.openxmlformats.org/officeDocument/2006/relationships" xmlns:p="http://schemas.openxmlformats.org/presentationml/2006/main">
+  <p:cSld>
+    <p:spTree>
+      <p:nvGrpSpPr>
+        <p:cNvPr id="1" name=""/>
+        <p:cNvGrpSpPr/>
+        <p:nvPr/>
+      </p:nvGrpSpPr>
+      <p:grpSpPr>
+        <a:xfrm>
+          <a:off x="0" y="0"/>
+          <a:ext cx="0" cy="0"/>
+          <a:chOff x="0" y="0"/>
+          <a:chExt cx="0" cy="0"/>
+        </a:xfrm>
+      </p:grpSpPr>
+      <p:sp>
+        <p:nvSpPr>
+          <p:cNvPr id="2" name="Titre 1"/>
+          <p:cNvSpPr>
+            <a:spLocks noGrp="1"/>
+          </p:cNvSpPr>
+          <p:nvPr>
+            <p:ph type="title"/>
+          </p:nvPr>
+        </p:nvSpPr>
+        <p:spPr/>
+        <p:txBody>
+          <a:bodyPr/>
+          <a:lstStyle/>
+          <a:p>
+            <a:r>
+              <a:rPr lang="fr-FR"/>
+              <a:t>Mécanisme M1</a:t>
+            </a:r>
+          </a:p>
+        </p:txBody>
+      </p:sp>
+      <p:sp>
+        <p:nvSpPr>
+          <p:cNvPr id="3" name="Espace réservé du contenu 2"/>
+          <p:cNvSpPr>
+            <a:spLocks noGrp="1"/>
+          </p:cNvSpPr>
+          <p:nvPr>
+            <p:ph idx="1"/>
+          </p:nvPr>
+        </p:nvSpPr>
+        <p:spPr/>
+        <p:txBody>
+          <a:bodyPr/>
+          <a:lstStyle/>
+          <a:p>
+            <a:r>
+              <a:rPr lang="fr-FR"/>
+              <a:t>Panne du prédécesseur</a:t>
+            </a:r>
+          </a:p>
+          <a:p>
+            <a:r>
+              <a:rPr lang="fr-FR"/>
+              <a:t>Envoi de ARE_YOU_ALIVE aux préd.</a:t>
+            </a:r>
+          </a:p>
+          <a:p>
+            <a:r>
+              <a:rPr lang="fr-FR"/>
+              <a:t>Réception de I_AM_ALIVE depuis </a:t>
+            </a:r>
+            <a:r>
+              <a:rPr lang="fr-FR" i="1"/>
+              <a:t>j</a:t>
+            </a:r>
+          </a:p>
+          <a:p>
+            <a:r>
+              <a:rPr lang="fr-FR" i="1"/>
+              <a:t>j</a:t>
+            </a:r>
+            <a:r>
+              <a:rPr lang="fr-FR"/>
+              <a:t> devient le nouveau prédécesseur</a:t>
+            </a:r>
+          </a:p>
+        </p:txBody>
+      </p:sp>
+      <p:sp>
+        <p:nvSpPr>
+          <p:cNvPr id="4" name="Espace réservé du numéro de diapositive 3"/>
+          <p:cNvSpPr>
+            <a:spLocks noGrp="1"/>
+          </p:cNvSpPr>
+          <p:nvPr>
+            <p:ph type="sldNum" sz="quarter" idx="12"/>
+          </p:nvPr>
+        </p:nvSpPr>
+        <p:spPr/>
+        <p:txBody>
+          <a:bodyPr/>
+          <a:lstStyle/>
+          <a:p>
+            <a:fld id="{D7E63A33-8271-4DD0-9C48-789913D7C115}" type="slidenum">
+              <a:rPr lang="en-US" smtClean="0"/>
+              <a:pPr/>
+              <a:t>21</a:t>
+            </a:fld>
+            <a:endParaRPr lang="en-US"/>
+          </a:p>
+        </p:txBody>
+      </p:sp>
+    </p:spTree>
+    <p:extLst>
+      <p:ext uri="{BB962C8B-B14F-4D97-AF65-F5344CB8AC3E}">
+        <p14:creationId xmlns:p14="http://schemas.microsoft.com/office/powerpoint/2010/main" val="803664265"/>
+      </p:ext>
+    </p:extLst>
+  </p:cSld>
+  <p:clrMapOvr>
+    <a:masterClrMapping/>
+  </p:clrMapOvr>
+  <p:timing>
+    <p:tnLst>
+      <p:par>
+        <p:cTn xmlns:p14="http://schemas.microsoft.com/office/powerpoint/2010/main" id="1" dur="indefinite" restart="never" nodeType="tmRoot"/>
+      </p:par>
+    </p:tnLst>
+  </p:timing>
+</p:sld>
+</file>
+
+<file path=ppt/slides/slide23.xml><?xml version="1.0" encoding="utf-8"?>
+<p:sld xmlns:a="http://schemas.openxmlformats.org/drawingml/2006/main" xmlns:r="http://schemas.openxmlformats.org/officeDocument/2006/relationships" xmlns:p="http://schemas.openxmlformats.org/presentationml/2006/main">
+  <p:cSld>
+    <p:spTree>
+      <p:nvGrpSpPr>
+        <p:cNvPr id="1" name=""/>
+        <p:cNvGrpSpPr/>
+        <p:nvPr/>
+      </p:nvGrpSpPr>
+      <p:grpSpPr>
+        <a:xfrm>
+          <a:off x="0" y="0"/>
+          <a:ext cx="0" cy="0"/>
+          <a:chOff x="0" y="0"/>
+          <a:chExt cx="0" cy="0"/>
+        </a:xfrm>
+      </p:grpSpPr>
+      <p:sp>
+        <p:nvSpPr>
+          <p:cNvPr id="2" name="Titre 1"/>
+          <p:cNvSpPr>
+            <a:spLocks noGrp="1"/>
+          </p:cNvSpPr>
+          <p:nvPr>
+            <p:ph type="title"/>
+          </p:nvPr>
+        </p:nvSpPr>
+        <p:spPr/>
+        <p:txBody>
+          <a:bodyPr/>
+          <a:lstStyle/>
+          <a:p>
+            <a:r>
+              <a:rPr lang="fr-FR"/>
+              <a:t>Mécanisme M2</a:t>
+            </a:r>
+          </a:p>
+        </p:txBody>
+      </p:sp>
+      <p:sp>
+        <p:nvSpPr>
+          <p:cNvPr id="3" name="Espace réservé du contenu 2"/>
+          <p:cNvSpPr>
+            <a:spLocks noGrp="1"/>
+          </p:cNvSpPr>
+          <p:nvPr>
+            <p:ph idx="1"/>
+          </p:nvPr>
+        </p:nvSpPr>
+        <p:spPr/>
+        <p:txBody>
+          <a:bodyPr/>
+          <a:lstStyle/>
+          <a:p>
+            <a:r>
+              <a:rPr lang="fr-FR"/>
+              <a:t>Panne du prédécesseur</a:t>
+            </a:r>
+          </a:p>
+          <a:p>
+            <a:r>
+              <a:rPr lang="fr-FR"/>
+              <a:t>Envoi de ARE_YOU_ALIVE aux préd.</a:t>
+            </a:r>
+          </a:p>
+          <a:p>
+            <a:r>
+              <a:rPr lang="fr-FR"/>
+              <a:t>Pas de réponse</a:t>
+            </a:r>
+          </a:p>
+          <a:p>
+            <a:r>
+              <a:rPr lang="fr-FR"/>
+              <a:t>Diffusion de SEARCH_PREV</a:t>
+            </a:r>
+          </a:p>
+          <a:p>
+            <a:pPr lvl="1"/>
+            <a:r>
+              <a:rPr lang="fr-FR"/>
+              <a:t>réponse : envoi de CONNECTION</a:t>
+            </a:r>
+          </a:p>
+          <a:p>
+            <a:pPr lvl="1"/>
+            <a:r>
+              <a:rPr lang="fr-FR"/>
+              <a:t>pas de réponse : regénération du jeton</a:t>
+            </a:r>
+          </a:p>
+        </p:txBody>
+      </p:sp>
+      <p:sp>
+        <p:nvSpPr>
+          <p:cNvPr id="4" name="Espace réservé du numéro de diapositive 3"/>
+          <p:cNvSpPr>
+            <a:spLocks noGrp="1"/>
+          </p:cNvSpPr>
+          <p:nvPr>
+            <p:ph type="sldNum" sz="quarter" idx="12"/>
+          </p:nvPr>
+        </p:nvSpPr>
+        <p:spPr/>
+        <p:txBody>
+          <a:bodyPr/>
+          <a:lstStyle/>
+          <a:p>
+            <a:fld id="{D7E63A33-8271-4DD0-9C48-789913D7C115}" type="slidenum">
+              <a:rPr lang="en-US" smtClean="0"/>
+              <a:pPr/>
+              <a:t>22</a:t>
+            </a:fld>
+            <a:endParaRPr lang="en-US"/>
+          </a:p>
+        </p:txBody>
+      </p:sp>
+    </p:spTree>
+    <p:extLst>
+      <p:ext uri="{BB962C8B-B14F-4D97-AF65-F5344CB8AC3E}">
+        <p14:creationId xmlns:p14="http://schemas.microsoft.com/office/powerpoint/2010/main" val="4228115355"/>
+      </p:ext>
+    </p:extLst>
+  </p:cSld>
+  <p:clrMapOvr>
+    <a:masterClrMapping/>
+  </p:clrMapOvr>
+  <p:timing>
+    <p:tnLst>
+      <p:par>
+        <p:cTn xmlns:p14="http://schemas.microsoft.com/office/powerpoint/2010/main" id="1" dur="indefinite" restart="never" nodeType="tmRoot"/>
+      </p:par>
+    </p:tnLst>
+  </p:timing>
+</p:sld>
+</file>
+
+<file path=ppt/slides/slide24.xml><?xml version="1.0" encoding="utf-8"?>
+<p:sld xmlns:a="http://schemas.openxmlformats.org/drawingml/2006/main" xmlns:r="http://schemas.openxmlformats.org/officeDocument/2006/relationships" xmlns:p="http://schemas.openxmlformats.org/presentationml/2006/main">
+  <p:cSld>
+    <p:spTree>
+      <p:nvGrpSpPr>
+        <p:cNvPr id="1" name=""/>
+        <p:cNvGrpSpPr/>
+        <p:nvPr/>
+      </p:nvGrpSpPr>
+      <p:grpSpPr>
+        <a:xfrm>
+          <a:off x="0" y="0"/>
+          <a:ext cx="0" cy="0"/>
+          <a:chOff x="0" y="0"/>
+          <a:chExt cx="0" cy="0"/>
+        </a:xfrm>
+      </p:grpSpPr>
+      <p:sp>
+        <p:nvSpPr>
+          <p:cNvPr id="2" name="Titre 1"/>
+          <p:cNvSpPr>
+            <a:spLocks noGrp="1"/>
+          </p:cNvSpPr>
+          <p:nvPr>
+            <p:ph type="title"/>
+          </p:nvPr>
+        </p:nvSpPr>
+        <p:spPr/>
+        <p:txBody>
+          <a:bodyPr/>
+          <a:lstStyle/>
+          <a:p>
+            <a:r>
+              <a:rPr lang="fr-FR"/>
+              <a:t>Mécanisme M3</a:t>
+            </a:r>
+          </a:p>
+        </p:txBody>
+      </p:sp>
+      <p:sp>
+        <p:nvSpPr>
+          <p:cNvPr id="3" name="Espace réservé du contenu 2"/>
+          <p:cNvSpPr>
+            <a:spLocks noGrp="1"/>
+          </p:cNvSpPr>
+          <p:nvPr>
+            <p:ph idx="1"/>
+          </p:nvPr>
+        </p:nvSpPr>
+        <p:spPr/>
+        <p:txBody>
+          <a:bodyPr>
+            <a:normAutofit fontScale="85000" lnSpcReduction="10000"/>
+          </a:bodyPr>
+          <a:lstStyle/>
+          <a:p>
+            <a:r>
+              <a:rPr lang="fr-FR"/>
+              <a:t>Message de COMMIT non reçu</a:t>
+            </a:r>
+          </a:p>
+          <a:p>
+            <a:r>
+              <a:rPr lang="fr-FR"/>
+              <a:t>Détection de la panne</a:t>
+            </a:r>
+          </a:p>
+          <a:p>
+            <a:pPr lvl="1"/>
+            <a:r>
+              <a:rPr lang="fr-FR"/>
+              <a:t>a) par un seul site</a:t>
+            </a:r>
+          </a:p>
+          <a:p>
+            <a:pPr lvl="2"/>
+            <a:r>
+              <a:rPr lang="fr-FR"/>
+              <a:t>diffusion de SEARCH_QUEUE</a:t>
+            </a:r>
+          </a:p>
+          <a:p>
+            <a:pPr lvl="2"/>
+            <a:r>
+              <a:rPr lang="fr-FR"/>
+              <a:t>réponse par ACK_SEARCH_QUEUE par</a:t>
+            </a:r>
+            <a:r>
+              <a:rPr lang="fr-FR" i="1"/>
+              <a:t> j</a:t>
+            </a:r>
+          </a:p>
+          <a:p>
+            <a:pPr lvl="2"/>
+            <a:r>
+              <a:rPr lang="fr-FR"/>
+              <a:t>re-connection à </a:t>
+            </a:r>
+            <a:r>
+              <a:rPr lang="fr-FR" i="1"/>
+              <a:t>j</a:t>
+            </a:r>
+          </a:p>
+          <a:p>
+            <a:pPr lvl="1"/>
+            <a:r>
+              <a:rPr lang="fr-FR"/>
+              <a:t>b) par plusieurs sites</a:t>
+            </a:r>
+          </a:p>
+          <a:p>
+            <a:pPr lvl="2"/>
+            <a:r>
+              <a:rPr lang="fr-FR"/>
+              <a:t>élection puis a)</a:t>
+            </a:r>
+          </a:p>
+          <a:p>
+            <a:r>
+              <a:rPr lang="fr-FR"/>
+              <a:t>Reconstruction de l’arbre</a:t>
+            </a:r>
+          </a:p>
+        </p:txBody>
+      </p:sp>
+      <p:sp>
+        <p:nvSpPr>
+          <p:cNvPr id="4" name="Espace réservé du numéro de diapositive 3"/>
+          <p:cNvSpPr>
+            <a:spLocks noGrp="1"/>
+          </p:cNvSpPr>
+          <p:nvPr>
+            <p:ph type="sldNum" sz="quarter" idx="12"/>
+          </p:nvPr>
+        </p:nvSpPr>
+        <p:spPr/>
+        <p:txBody>
+          <a:bodyPr/>
+          <a:lstStyle/>
+          <a:p>
+            <a:fld id="{D7E63A33-8271-4DD0-9C48-789913D7C115}" type="slidenum">
+              <a:rPr lang="en-US" smtClean="0"/>
+              <a:pPr/>
+              <a:t>23</a:t>
+            </a:fld>
+            <a:endParaRPr lang="en-US"/>
+          </a:p>
+        </p:txBody>
+      </p:sp>
+    </p:spTree>
+    <p:extLst>
+      <p:ext uri="{BB962C8B-B14F-4D97-AF65-F5344CB8AC3E}">
+        <p14:creationId xmlns:p14="http://schemas.microsoft.com/office/powerpoint/2010/main" val="2065706107"/>
+      </p:ext>
+    </p:extLst>
+  </p:cSld>
+  <p:clrMapOvr>
+    <a:masterClrMapping/>
+  </p:clrMapOvr>
+  <p:timing>
+    <p:tnLst>
+      <p:par>
+        <p:cTn xmlns:p14="http://schemas.microsoft.com/office/powerpoint/2010/main" id="1" dur="indefinite" restart="never" nodeType="tmRoot"/>
+      </p:par>
+    </p:tnLst>
+  </p:timing>
+</p:sld>
+</file>
+
+<file path=ppt/slides/slide25.xml><?xml version="1.0" encoding="utf-8"?>
+<p:sld xmlns:a="http://schemas.openxmlformats.org/drawingml/2006/main" xmlns:r="http://schemas.openxmlformats.org/officeDocument/2006/relationships" xmlns:p="http://schemas.openxmlformats.org/presentationml/2006/main">
+  <p:cSld>
+    <p:spTree>
+      <p:nvGrpSpPr>
+        <p:cNvPr id="1" name=""/>
+        <p:cNvGrpSpPr/>
+        <p:nvPr/>
+      </p:nvGrpSpPr>
+      <p:grpSpPr>
+        <a:xfrm>
+          <a:off x="0" y="0"/>
+          <a:ext cx="0" cy="0"/>
+          <a:chOff x="0" y="0"/>
+          <a:chExt cx="0" cy="0"/>
+        </a:xfrm>
+      </p:grpSpPr>
+      <p:sp>
+        <p:nvSpPr>
+          <p:cNvPr id="3" name="Titre 2"/>
+          <p:cNvSpPr>
+            <a:spLocks noGrp="1"/>
+          </p:cNvSpPr>
+          <p:nvPr>
+            <p:ph type="title"/>
+          </p:nvPr>
+        </p:nvSpPr>
+        <p:spPr/>
+        <p:txBody>
+          <a:bodyPr/>
+          <a:lstStyle/>
+          <a:p>
+            <a:r>
+              <a:rPr lang="fr-FR"/>
+              <a:t>Exemple</a:t>
+            </a:r>
+          </a:p>
+        </p:txBody>
+      </p:sp>
+      <p:sp>
+        <p:nvSpPr>
+          <p:cNvPr id="4" name="Espace réservé du contenu 3"/>
+          <p:cNvSpPr>
+            <a:spLocks noGrp="1"/>
+          </p:cNvSpPr>
+          <p:nvPr>
+            <p:ph idx="1"/>
+          </p:nvPr>
+        </p:nvSpPr>
+        <p:spPr/>
+        <p:txBody>
+          <a:bodyPr/>
+          <a:lstStyle/>
+          <a:p>
+            <a:r>
+              <a:rPr lang="fr-FR"/>
+              <a:t>Situation initiale : deux sites en panne</a:t>
+            </a:r>
+          </a:p>
+        </p:txBody>
+      </p:sp>
+      <p:sp>
+        <p:nvSpPr>
+          <p:cNvPr id="2" name="Espace réservé du numéro de diapositive 1"/>
+          <p:cNvSpPr>
+            <a:spLocks noGrp="1"/>
+          </p:cNvSpPr>
+          <p:nvPr>
+            <p:ph type="sldNum" sz="quarter" idx="12"/>
+          </p:nvPr>
+        </p:nvSpPr>
+        <p:spPr/>
+        <p:txBody>
+          <a:bodyPr/>
+          <a:lstStyle/>
+          <a:p>
+            <a:fld id="{D7E63A33-8271-4DD0-9C48-789913D7C115}" type="slidenum">
+              <a:rPr lang="en-US" smtClean="0"/>
+              <a:pPr/>
+              <a:t>24</a:t>
+            </a:fld>
+            <a:endParaRPr lang="en-US"/>
+          </a:p>
+        </p:txBody>
+      </p:sp>
+      <p:sp>
+        <p:nvSpPr>
+          <p:cNvPr id="85" name="Ellipse 84"/>
+          <p:cNvSpPr/>
+          <p:nvPr/>
+        </p:nvSpPr>
+        <p:spPr>
+          <a:xfrm>
+            <a:off x="6411485" y="3794549"/>
+            <a:ext cx="339941" cy="342968"/>
+          </a:xfrm>
+          <a:prstGeom prst="ellipse">
+            <a:avLst/>
+          </a:prstGeom>
+        </p:spPr>
+        <p:style>
+          <a:lnRef idx="2">
+            <a:schemeClr val="accent1">
+              <a:shade val="50000"/>
+            </a:schemeClr>
+          </a:lnRef>
+          <a:fillRef idx="1">
+            <a:schemeClr val="accent1"/>
+          </a:fillRef>
+          <a:effectRef idx="0">
+            <a:schemeClr val="accent1"/>
+          </a:effectRef>
+          <a:fontRef idx="minor">
+            <a:schemeClr val="lt1"/>
+          </a:fontRef>
+        </p:style>
+        <p:txBody>
+          <a:bodyPr lIns="0" tIns="0" rIns="0" bIns="46800" rtlCol="0" anchor="ctr" anchorCtr="0"/>
+          <a:lstStyle/>
+          <a:p>
+            <a:pPr algn="ctr"/>
+            <a:r>
+              <a:rPr lang="fr-FR"/>
+              <a:t>a</a:t>
+            </a:r>
+          </a:p>
+        </p:txBody>
+      </p:sp>
+      <p:sp>
+        <p:nvSpPr>
+          <p:cNvPr id="86" name="Ellipse 85"/>
+          <p:cNvSpPr/>
+          <p:nvPr/>
+        </p:nvSpPr>
+        <p:spPr>
+          <a:xfrm>
+            <a:off x="6829105" y="3173786"/>
+            <a:ext cx="339941" cy="342968"/>
+          </a:xfrm>
+          <a:prstGeom prst="ellipse">
+            <a:avLst/>
+          </a:prstGeom>
+        </p:spPr>
+        <p:style>
+          <a:lnRef idx="2">
+            <a:schemeClr val="accent1">
+              <a:shade val="50000"/>
+            </a:schemeClr>
+          </a:lnRef>
+          <a:fillRef idx="1">
+            <a:schemeClr val="accent1"/>
+          </a:fillRef>
+          <a:effectRef idx="0">
+            <a:schemeClr val="accent1"/>
+          </a:effectRef>
+          <a:fontRef idx="minor">
+            <a:schemeClr val="lt1"/>
+          </a:fontRef>
+        </p:style>
+        <p:txBody>
+          <a:bodyPr lIns="0" tIns="0" rIns="0" bIns="46800" rtlCol="0" anchor="ctr" anchorCtr="0"/>
+          <a:lstStyle/>
+          <a:p>
+            <a:pPr algn="ctr"/>
+            <a:r>
+              <a:rPr lang="fr-FR"/>
+              <a:t>c</a:t>
+            </a:r>
+          </a:p>
+        </p:txBody>
+      </p:sp>
+      <p:sp>
+        <p:nvSpPr>
+          <p:cNvPr id="87" name="Ellipse 86"/>
+          <p:cNvSpPr/>
+          <p:nvPr/>
+        </p:nvSpPr>
+        <p:spPr>
+          <a:xfrm>
+            <a:off x="7291221" y="3688238"/>
+            <a:ext cx="339941" cy="342968"/>
+          </a:xfrm>
+          <a:prstGeom prst="ellipse">
+            <a:avLst/>
+          </a:prstGeom>
+        </p:spPr>
+        <p:style>
+          <a:lnRef idx="2">
+            <a:schemeClr val="accent1">
+              <a:shade val="50000"/>
+            </a:schemeClr>
+          </a:lnRef>
+          <a:fillRef idx="1">
+            <a:schemeClr val="accent1"/>
+          </a:fillRef>
+          <a:effectRef idx="0">
+            <a:schemeClr val="accent1"/>
+          </a:effectRef>
+          <a:fontRef idx="minor">
+            <a:schemeClr val="lt1"/>
+          </a:fontRef>
+        </p:style>
+        <p:txBody>
+          <a:bodyPr lIns="0" tIns="0" rIns="0" bIns="46800" rtlCol="0" anchor="ctr" anchorCtr="0"/>
+          <a:lstStyle/>
+          <a:p>
+            <a:pPr algn="ctr"/>
+            <a:r>
+              <a:rPr lang="fr-FR"/>
+              <a:t>b</a:t>
+            </a:r>
+          </a:p>
+        </p:txBody>
+      </p:sp>
+      <p:sp>
+        <p:nvSpPr>
+          <p:cNvPr id="88" name="Ellipse 87"/>
+          <p:cNvSpPr/>
+          <p:nvPr/>
+        </p:nvSpPr>
+        <p:spPr>
+          <a:xfrm>
+            <a:off x="7875337" y="3835792"/>
+            <a:ext cx="339941" cy="342968"/>
+          </a:xfrm>
+          <a:prstGeom prst="ellipse">
+            <a:avLst/>
+          </a:prstGeom>
+        </p:spPr>
+        <p:style>
+          <a:lnRef idx="2">
+            <a:schemeClr val="accent1">
+              <a:shade val="50000"/>
+            </a:schemeClr>
+          </a:lnRef>
+          <a:fillRef idx="1">
+            <a:schemeClr val="accent1"/>
+          </a:fillRef>
+          <a:effectRef idx="0">
+            <a:schemeClr val="accent1"/>
+          </a:effectRef>
+          <a:fontRef idx="minor">
+            <a:schemeClr val="lt1"/>
+          </a:fontRef>
+        </p:style>
+        <p:txBody>
+          <a:bodyPr lIns="0" tIns="0" rIns="0" bIns="46800" rtlCol="0" anchor="ctr" anchorCtr="0"/>
+          <a:lstStyle/>
+          <a:p>
+            <a:pPr algn="ctr"/>
+            <a:r>
+              <a:rPr lang="fr-FR"/>
+              <a:t>d</a:t>
+            </a:r>
+          </a:p>
+        </p:txBody>
+      </p:sp>
+      <p:sp>
+        <p:nvSpPr>
+          <p:cNvPr id="89" name="Ellipse 88"/>
+          <p:cNvSpPr/>
+          <p:nvPr/>
+        </p:nvSpPr>
+        <p:spPr>
+          <a:xfrm>
+            <a:off x="8005238" y="4415331"/>
+            <a:ext cx="339941" cy="342968"/>
+          </a:xfrm>
+          <a:prstGeom prst="ellipse">
+            <a:avLst/>
+          </a:prstGeom>
+        </p:spPr>
+        <p:style>
+          <a:lnRef idx="2">
+            <a:schemeClr val="accent1">
+              <a:shade val="50000"/>
+            </a:schemeClr>
+          </a:lnRef>
+          <a:fillRef idx="1">
+            <a:schemeClr val="accent1"/>
+          </a:fillRef>
+          <a:effectRef idx="0">
+            <a:schemeClr val="accent1"/>
+          </a:effectRef>
+          <a:fontRef idx="minor">
+            <a:schemeClr val="lt1"/>
+          </a:fontRef>
+        </p:style>
+        <p:txBody>
+          <a:bodyPr lIns="0" tIns="0" rIns="0" bIns="46800" rtlCol="0" anchor="ctr" anchorCtr="0"/>
+          <a:lstStyle/>
+          <a:p>
+            <a:pPr algn="ctr"/>
+            <a:r>
+              <a:rPr lang="fr-FR"/>
+              <a:t>e</a:t>
+            </a:r>
+          </a:p>
+        </p:txBody>
+      </p:sp>
+      <p:cxnSp>
+        <p:nvCxnSpPr>
+          <p:cNvPr id="91" name="Connecteur droit 90"/>
+          <p:cNvCxnSpPr>
+            <a:stCxn id="87" idx="1"/>
+            <a:endCxn id="86" idx="5"/>
+          </p:cNvCxnSpPr>
+          <p:nvPr/>
+        </p:nvCxnSpPr>
+        <p:spPr>
+          <a:xfrm flipH="1" flipV="1">
+            <a:off x="7119263" y="3466527"/>
+            <a:ext cx="221741" cy="271938"/>
+          </a:xfrm>
+          <a:prstGeom prst="line">
+            <a:avLst/>
+          </a:prstGeom>
+          <a:ln>
+            <a:headEnd type="none"/>
+            <a:tailEnd type="arrow"/>
+          </a:ln>
+        </p:spPr>
+        <p:style>
+          <a:lnRef idx="2">
+            <a:schemeClr val="accent4"/>
+          </a:lnRef>
+          <a:fillRef idx="0">
+            <a:schemeClr val="accent4"/>
+          </a:fillRef>
+          <a:effectRef idx="1">
+            <a:schemeClr val="accent4"/>
+          </a:effectRef>
+          <a:fontRef idx="minor">
+            <a:schemeClr val="tx1"/>
+          </a:fontRef>
+        </p:style>
+      </p:cxnSp>
+      <p:sp>
+        <p:nvSpPr>
+          <p:cNvPr id="35" name="Ellipse 34"/>
+          <p:cNvSpPr/>
+          <p:nvPr/>
+        </p:nvSpPr>
+        <p:spPr>
+          <a:xfrm>
+            <a:off x="5882258" y="5131554"/>
+            <a:ext cx="339941" cy="342968"/>
+          </a:xfrm>
+          <a:prstGeom prst="ellipse">
+            <a:avLst/>
+          </a:prstGeom>
+        </p:spPr>
+        <p:style>
+          <a:lnRef idx="2">
+            <a:schemeClr val="accent1">
+              <a:shade val="50000"/>
+            </a:schemeClr>
+          </a:lnRef>
+          <a:fillRef idx="1">
+            <a:schemeClr val="accent1"/>
+          </a:fillRef>
+          <a:effectRef idx="0">
+            <a:schemeClr val="accent1"/>
+          </a:effectRef>
+          <a:fontRef idx="minor">
+            <a:schemeClr val="lt1"/>
+          </a:fontRef>
+        </p:style>
+        <p:txBody>
+          <a:bodyPr lIns="0" tIns="0" rIns="0" bIns="46800" rtlCol="0" anchor="ctr" anchorCtr="0"/>
+          <a:lstStyle/>
+          <a:p>
+            <a:pPr algn="ctr"/>
+            <a:r>
+              <a:rPr lang="fr-FR"/>
+              <a:t>f</a:t>
+            </a:r>
+          </a:p>
+        </p:txBody>
+      </p:sp>
+      <p:sp>
+        <p:nvSpPr>
+          <p:cNvPr id="36" name="Ellipse 35"/>
+          <p:cNvSpPr/>
+          <p:nvPr/>
+        </p:nvSpPr>
+        <p:spPr>
+          <a:xfrm>
+            <a:off x="6701044" y="5131554"/>
+            <a:ext cx="339941" cy="342968"/>
+          </a:xfrm>
+          <a:prstGeom prst="ellipse">
+            <a:avLst/>
+          </a:prstGeom>
+        </p:spPr>
+        <p:style>
+          <a:lnRef idx="2">
+            <a:schemeClr val="accent1">
+              <a:shade val="50000"/>
+            </a:schemeClr>
+          </a:lnRef>
+          <a:fillRef idx="1">
+            <a:schemeClr val="accent1"/>
+          </a:fillRef>
+          <a:effectRef idx="0">
+            <a:schemeClr val="accent1"/>
+          </a:effectRef>
+          <a:fontRef idx="minor">
+            <a:schemeClr val="lt1"/>
+          </a:fontRef>
+        </p:style>
+        <p:txBody>
+          <a:bodyPr lIns="0" tIns="0" rIns="0" bIns="46800" rtlCol="0" anchor="ctr" anchorCtr="0"/>
+          <a:lstStyle/>
+          <a:p>
+            <a:pPr algn="ctr"/>
+            <a:r>
+              <a:rPr lang="fr-FR"/>
+              <a:t>g</a:t>
+            </a:r>
+          </a:p>
+        </p:txBody>
+      </p:sp>
+      <p:sp>
+        <p:nvSpPr>
+          <p:cNvPr id="39" name="Ellipse 38"/>
+          <p:cNvSpPr/>
+          <p:nvPr/>
+        </p:nvSpPr>
+        <p:spPr>
+          <a:xfrm>
+            <a:off x="7104998" y="4415331"/>
+            <a:ext cx="339941" cy="342968"/>
+          </a:xfrm>
+          <a:prstGeom prst="ellipse">
+            <a:avLst/>
+          </a:prstGeom>
+        </p:spPr>
+        <p:style>
+          <a:lnRef idx="2">
+            <a:schemeClr val="accent1">
+              <a:shade val="50000"/>
+            </a:schemeClr>
+          </a:lnRef>
+          <a:fillRef idx="1">
+            <a:schemeClr val="accent1"/>
+          </a:fillRef>
+          <a:effectRef idx="0">
+            <a:schemeClr val="accent1"/>
+          </a:effectRef>
+          <a:fontRef idx="minor">
+            <a:schemeClr val="lt1"/>
+          </a:fontRef>
+        </p:style>
+        <p:txBody>
+          <a:bodyPr lIns="0" tIns="0" rIns="0" bIns="46800" rtlCol="0" anchor="ctr" anchorCtr="0"/>
+          <a:lstStyle/>
+          <a:p>
+            <a:pPr algn="ctr"/>
+            <a:endParaRPr lang="fr-FR"/>
+          </a:p>
+        </p:txBody>
+      </p:sp>
+      <p:sp>
+        <p:nvSpPr>
+          <p:cNvPr id="40" name="Ellipse 39"/>
+          <p:cNvSpPr/>
+          <p:nvPr/>
+        </p:nvSpPr>
+        <p:spPr>
+          <a:xfrm>
+            <a:off x="5816021" y="4415331"/>
+            <a:ext cx="339941" cy="342968"/>
+          </a:xfrm>
+          <a:prstGeom prst="ellipse">
+            <a:avLst/>
+          </a:prstGeom>
+        </p:spPr>
+        <p:style>
+          <a:lnRef idx="2">
+            <a:schemeClr val="accent1">
+              <a:shade val="50000"/>
+            </a:schemeClr>
+          </a:lnRef>
+          <a:fillRef idx="1">
+            <a:schemeClr val="accent1"/>
+          </a:fillRef>
+          <a:effectRef idx="0">
+            <a:schemeClr val="accent1"/>
+          </a:effectRef>
+          <a:fontRef idx="minor">
+            <a:schemeClr val="lt1"/>
+          </a:fontRef>
+        </p:style>
+        <p:txBody>
+          <a:bodyPr lIns="0" tIns="0" rIns="0" bIns="46800" rtlCol="0" anchor="ctr" anchorCtr="0"/>
+          <a:lstStyle/>
+          <a:p>
+            <a:pPr algn="ctr"/>
+            <a:endParaRPr lang="fr-FR"/>
+          </a:p>
+        </p:txBody>
+      </p:sp>
+      <p:sp>
+        <p:nvSpPr>
+          <p:cNvPr id="41" name="Ellipse 40"/>
+          <p:cNvSpPr/>
+          <p:nvPr/>
+        </p:nvSpPr>
+        <p:spPr>
+          <a:xfrm>
+            <a:off x="7607783" y="5131554"/>
+            <a:ext cx="339941" cy="342968"/>
+          </a:xfrm>
+          <a:prstGeom prst="ellipse">
+            <a:avLst/>
+          </a:prstGeom>
+        </p:spPr>
+        <p:style>
+          <a:lnRef idx="2">
+            <a:schemeClr val="accent1">
+              <a:shade val="50000"/>
+            </a:schemeClr>
+          </a:lnRef>
+          <a:fillRef idx="1">
+            <a:schemeClr val="accent1"/>
+          </a:fillRef>
+          <a:effectRef idx="0">
+            <a:schemeClr val="accent1"/>
+          </a:effectRef>
+          <a:fontRef idx="minor">
+            <a:schemeClr val="lt1"/>
+          </a:fontRef>
+        </p:style>
+        <p:txBody>
+          <a:bodyPr lIns="0" tIns="0" rIns="0" bIns="46800" rtlCol="0" anchor="ctr" anchorCtr="0"/>
+          <a:lstStyle/>
+          <a:p>
+            <a:pPr algn="ctr"/>
+            <a:r>
+              <a:rPr lang="fr-FR"/>
+              <a:t>h</a:t>
+            </a:r>
+          </a:p>
+        </p:txBody>
+      </p:sp>
+      <p:cxnSp>
+        <p:nvCxnSpPr>
+          <p:cNvPr id="44" name="Connecteur droit 43"/>
+          <p:cNvCxnSpPr>
+            <a:stCxn id="85" idx="6"/>
+            <a:endCxn id="87" idx="2"/>
+          </p:cNvCxnSpPr>
+          <p:nvPr/>
+        </p:nvCxnSpPr>
+        <p:spPr>
+          <a:xfrm flipV="1">
+            <a:off x="6751426" y="3859722"/>
+            <a:ext cx="539795" cy="106311"/>
+          </a:xfrm>
+          <a:prstGeom prst="line">
+            <a:avLst/>
+          </a:prstGeom>
+          <a:ln>
+            <a:headEnd type="none"/>
+            <a:tailEnd type="arrow"/>
+          </a:ln>
+        </p:spPr>
+        <p:style>
+          <a:lnRef idx="2">
+            <a:schemeClr val="accent4"/>
+          </a:lnRef>
+          <a:fillRef idx="0">
+            <a:schemeClr val="accent4"/>
+          </a:fillRef>
+          <a:effectRef idx="1">
+            <a:schemeClr val="accent4"/>
+          </a:effectRef>
+          <a:fontRef idx="minor">
+            <a:schemeClr val="tx1"/>
+          </a:fontRef>
+        </p:style>
+      </p:cxnSp>
+      <p:cxnSp>
+        <p:nvCxnSpPr>
+          <p:cNvPr id="47" name="Connecteur droit 46"/>
+          <p:cNvCxnSpPr>
+            <a:stCxn id="40" idx="7"/>
+            <a:endCxn id="85" idx="3"/>
+          </p:cNvCxnSpPr>
+          <p:nvPr/>
+        </p:nvCxnSpPr>
+        <p:spPr>
+          <a:xfrm flipV="1">
+            <a:off x="6106179" y="4087290"/>
+            <a:ext cx="355089" cy="378268"/>
+          </a:xfrm>
+          <a:prstGeom prst="line">
+            <a:avLst/>
+          </a:prstGeom>
+          <a:ln>
+            <a:headEnd type="none"/>
+            <a:tailEnd type="arrow"/>
+          </a:ln>
+        </p:spPr>
+        <p:style>
+          <a:lnRef idx="2">
+            <a:schemeClr val="accent4"/>
+          </a:lnRef>
+          <a:fillRef idx="0">
+            <a:schemeClr val="accent4"/>
+          </a:fillRef>
+          <a:effectRef idx="1">
+            <a:schemeClr val="accent4"/>
+          </a:effectRef>
+          <a:fontRef idx="minor">
+            <a:schemeClr val="tx1"/>
+          </a:fontRef>
+        </p:style>
+      </p:cxnSp>
+      <p:cxnSp>
+        <p:nvCxnSpPr>
+          <p:cNvPr id="50" name="Connecteur droit 49"/>
+          <p:cNvCxnSpPr>
+            <a:stCxn id="39" idx="2"/>
+            <a:endCxn id="40" idx="6"/>
+          </p:cNvCxnSpPr>
+          <p:nvPr/>
+        </p:nvCxnSpPr>
+        <p:spPr>
+          <a:xfrm flipH="1">
+            <a:off x="6155962" y="4586815"/>
+            <a:ext cx="949036" cy="0"/>
+          </a:xfrm>
+          <a:prstGeom prst="line">
+            <a:avLst/>
+          </a:prstGeom>
+          <a:ln>
+            <a:headEnd type="none"/>
+            <a:tailEnd type="arrow"/>
+          </a:ln>
+        </p:spPr>
+        <p:style>
+          <a:lnRef idx="2">
+            <a:schemeClr val="accent4"/>
+          </a:lnRef>
+          <a:fillRef idx="0">
+            <a:schemeClr val="accent4"/>
+          </a:fillRef>
+          <a:effectRef idx="1">
+            <a:schemeClr val="accent4"/>
+          </a:effectRef>
+          <a:fontRef idx="minor">
+            <a:schemeClr val="tx1"/>
+          </a:fontRef>
+        </p:style>
+      </p:cxnSp>
+      <p:cxnSp>
+        <p:nvCxnSpPr>
+          <p:cNvPr id="53" name="Connecteur droit 52"/>
+          <p:cNvCxnSpPr>
+            <a:stCxn id="41" idx="1"/>
+            <a:endCxn id="39" idx="5"/>
+          </p:cNvCxnSpPr>
+          <p:nvPr/>
+        </p:nvCxnSpPr>
+        <p:spPr>
+          <a:xfrm flipH="1" flipV="1">
+            <a:off x="7395156" y="4708072"/>
+            <a:ext cx="262410" cy="473709"/>
+          </a:xfrm>
+          <a:prstGeom prst="line">
+            <a:avLst/>
+          </a:prstGeom>
+          <a:ln>
+            <a:headEnd type="none"/>
+            <a:tailEnd type="arrow"/>
+          </a:ln>
+        </p:spPr>
+        <p:style>
+          <a:lnRef idx="2">
+            <a:schemeClr val="accent4"/>
+          </a:lnRef>
+          <a:fillRef idx="0">
+            <a:schemeClr val="accent4"/>
+          </a:fillRef>
+          <a:effectRef idx="1">
+            <a:schemeClr val="accent4"/>
+          </a:effectRef>
+          <a:fontRef idx="minor">
+            <a:schemeClr val="tx1"/>
+          </a:fontRef>
+        </p:style>
+      </p:cxnSp>
+      <p:cxnSp>
+        <p:nvCxnSpPr>
+          <p:cNvPr id="56" name="Connecteur droit 55"/>
+          <p:cNvCxnSpPr>
+            <a:stCxn id="36" idx="6"/>
+            <a:endCxn id="41" idx="2"/>
+          </p:cNvCxnSpPr>
+          <p:nvPr/>
+        </p:nvCxnSpPr>
+        <p:spPr>
+          <a:xfrm>
+            <a:off x="7040985" y="5303038"/>
+            <a:ext cx="566798" cy="0"/>
+          </a:xfrm>
+          <a:prstGeom prst="line">
+            <a:avLst/>
+          </a:prstGeom>
+          <a:ln>
+            <a:headEnd type="none"/>
+            <a:tailEnd type="arrow"/>
+          </a:ln>
+        </p:spPr>
+        <p:style>
+          <a:lnRef idx="2">
+            <a:schemeClr val="accent4"/>
+          </a:lnRef>
+          <a:fillRef idx="0">
+            <a:schemeClr val="accent4"/>
+          </a:fillRef>
+          <a:effectRef idx="1">
+            <a:schemeClr val="accent4"/>
+          </a:effectRef>
+          <a:fontRef idx="minor">
+            <a:schemeClr val="tx1"/>
+          </a:fontRef>
+        </p:style>
+      </p:cxnSp>
+      <p:cxnSp>
+        <p:nvCxnSpPr>
+          <p:cNvPr id="59" name="Connecteur droit 58"/>
+          <p:cNvCxnSpPr>
+            <a:stCxn id="88" idx="4"/>
+            <a:endCxn id="89" idx="0"/>
+          </p:cNvCxnSpPr>
+          <p:nvPr/>
+        </p:nvCxnSpPr>
+        <p:spPr>
+          <a:xfrm>
+            <a:off x="8045308" y="4178760"/>
+            <a:ext cx="129901" cy="236571"/>
+          </a:xfrm>
+          <a:prstGeom prst="line">
+            <a:avLst/>
+          </a:prstGeom>
+          <a:ln>
+            <a:headEnd type="none"/>
+            <a:tailEnd type="arrow"/>
+          </a:ln>
+        </p:spPr>
+        <p:style>
+          <a:lnRef idx="2">
+            <a:schemeClr val="accent4"/>
+          </a:lnRef>
+          <a:fillRef idx="0">
+            <a:schemeClr val="accent4"/>
+          </a:fillRef>
+          <a:effectRef idx="1">
+            <a:schemeClr val="accent4"/>
+          </a:effectRef>
+          <a:fontRef idx="minor">
+            <a:schemeClr val="tx1"/>
+          </a:fontRef>
+        </p:style>
+      </p:cxnSp>
+      <p:sp>
+        <p:nvSpPr>
+          <p:cNvPr id="66" name="Ellipse 65"/>
+          <p:cNvSpPr/>
+          <p:nvPr/>
+        </p:nvSpPr>
+        <p:spPr>
+          <a:xfrm>
+            <a:off x="2900587" y="3794549"/>
+            <a:ext cx="339941" cy="342968"/>
+          </a:xfrm>
+          <a:prstGeom prst="ellipse">
+            <a:avLst/>
+          </a:prstGeom>
+        </p:spPr>
+        <p:style>
+          <a:lnRef idx="2">
+            <a:schemeClr val="accent1">
+              <a:shade val="50000"/>
+            </a:schemeClr>
+          </a:lnRef>
+          <a:fillRef idx="1">
+            <a:schemeClr val="accent1"/>
+          </a:fillRef>
+          <a:effectRef idx="0">
+            <a:schemeClr val="accent1"/>
+          </a:effectRef>
+          <a:fontRef idx="minor">
+            <a:schemeClr val="lt1"/>
+          </a:fontRef>
+        </p:style>
+        <p:txBody>
+          <a:bodyPr lIns="0" tIns="0" rIns="0" bIns="46800" rtlCol="0" anchor="ctr" anchorCtr="0"/>
+          <a:lstStyle/>
+          <a:p>
+            <a:pPr algn="ctr"/>
+            <a:r>
+              <a:rPr lang="fr-FR"/>
+              <a:t>a</a:t>
+            </a:r>
+          </a:p>
+        </p:txBody>
+      </p:sp>
+      <p:sp>
+        <p:nvSpPr>
+          <p:cNvPr id="67" name="Ellipse 66"/>
+          <p:cNvSpPr/>
+          <p:nvPr/>
+        </p:nvSpPr>
+        <p:spPr>
+          <a:xfrm>
+            <a:off x="3318207" y="3173786"/>
+            <a:ext cx="339941" cy="342968"/>
+          </a:xfrm>
+          <a:prstGeom prst="ellipse">
+            <a:avLst/>
+          </a:prstGeom>
+        </p:spPr>
+        <p:style>
+          <a:lnRef idx="2">
+            <a:schemeClr val="accent1">
+              <a:shade val="50000"/>
+            </a:schemeClr>
+          </a:lnRef>
+          <a:fillRef idx="1">
+            <a:schemeClr val="accent1"/>
+          </a:fillRef>
+          <a:effectRef idx="0">
+            <a:schemeClr val="accent1"/>
+          </a:effectRef>
+          <a:fontRef idx="minor">
+            <a:schemeClr val="lt1"/>
+          </a:fontRef>
+        </p:style>
+        <p:txBody>
+          <a:bodyPr lIns="0" tIns="0" rIns="0" bIns="46800" rtlCol="0" anchor="ctr" anchorCtr="0"/>
+          <a:lstStyle/>
+          <a:p>
+            <a:pPr algn="ctr"/>
+            <a:r>
+              <a:rPr lang="fr-FR"/>
+              <a:t>c</a:t>
+            </a:r>
+          </a:p>
+        </p:txBody>
+      </p:sp>
+      <p:sp>
+        <p:nvSpPr>
+          <p:cNvPr id="68" name="Ellipse 67"/>
+          <p:cNvSpPr/>
+          <p:nvPr/>
+        </p:nvSpPr>
+        <p:spPr>
+          <a:xfrm>
+            <a:off x="3780323" y="3688238"/>
+            <a:ext cx="339941" cy="342968"/>
+          </a:xfrm>
+          <a:prstGeom prst="ellipse">
+            <a:avLst/>
+          </a:prstGeom>
+        </p:spPr>
+        <p:style>
+          <a:lnRef idx="2">
+            <a:schemeClr val="accent1">
+              <a:shade val="50000"/>
+            </a:schemeClr>
+          </a:lnRef>
+          <a:fillRef idx="1">
+            <a:schemeClr val="accent1"/>
+          </a:fillRef>
+          <a:effectRef idx="0">
+            <a:schemeClr val="accent1"/>
+          </a:effectRef>
+          <a:fontRef idx="minor">
+            <a:schemeClr val="lt1"/>
+          </a:fontRef>
+        </p:style>
+        <p:txBody>
+          <a:bodyPr lIns="0" tIns="0" rIns="0" bIns="46800" rtlCol="0" anchor="ctr" anchorCtr="0"/>
+          <a:lstStyle/>
+          <a:p>
+            <a:pPr algn="ctr"/>
+            <a:r>
+              <a:rPr lang="fr-FR"/>
+              <a:t>b</a:t>
+            </a:r>
+          </a:p>
+        </p:txBody>
+      </p:sp>
+      <p:sp>
+        <p:nvSpPr>
+          <p:cNvPr id="69" name="Ellipse 68"/>
+          <p:cNvSpPr/>
+          <p:nvPr/>
+        </p:nvSpPr>
+        <p:spPr>
+          <a:xfrm>
+            <a:off x="4364439" y="3835792"/>
+            <a:ext cx="339941" cy="342968"/>
+          </a:xfrm>
+          <a:prstGeom prst="ellipse">
+            <a:avLst/>
+          </a:prstGeom>
+        </p:spPr>
+        <p:style>
+          <a:lnRef idx="2">
+            <a:schemeClr val="accent1">
+              <a:shade val="50000"/>
+            </a:schemeClr>
+          </a:lnRef>
+          <a:fillRef idx="1">
+            <a:schemeClr val="accent1"/>
+          </a:fillRef>
+          <a:effectRef idx="0">
+            <a:schemeClr val="accent1"/>
+          </a:effectRef>
+          <a:fontRef idx="minor">
+            <a:schemeClr val="lt1"/>
+          </a:fontRef>
+        </p:style>
+        <p:txBody>
+          <a:bodyPr lIns="0" tIns="0" rIns="0" bIns="46800" rtlCol="0" anchor="ctr" anchorCtr="0"/>
+          <a:lstStyle/>
+          <a:p>
+            <a:pPr algn="ctr"/>
+            <a:r>
+              <a:rPr lang="fr-FR"/>
+              <a:t>d</a:t>
+            </a:r>
+          </a:p>
+        </p:txBody>
+      </p:sp>
+      <p:sp>
+        <p:nvSpPr>
+          <p:cNvPr id="70" name="Ellipse 69"/>
+          <p:cNvSpPr/>
+          <p:nvPr/>
+        </p:nvSpPr>
+        <p:spPr>
+          <a:xfrm>
+            <a:off x="4494340" y="4415331"/>
+            <a:ext cx="339941" cy="342968"/>
+          </a:xfrm>
+          <a:prstGeom prst="ellipse">
+            <a:avLst/>
+          </a:prstGeom>
+        </p:spPr>
+        <p:style>
+          <a:lnRef idx="2">
+            <a:schemeClr val="accent1">
+              <a:shade val="50000"/>
+            </a:schemeClr>
+          </a:lnRef>
+          <a:fillRef idx="1">
+            <a:schemeClr val="accent1"/>
+          </a:fillRef>
+          <a:effectRef idx="0">
+            <a:schemeClr val="accent1"/>
+          </a:effectRef>
+          <a:fontRef idx="minor">
+            <a:schemeClr val="lt1"/>
+          </a:fontRef>
+        </p:style>
+        <p:txBody>
+          <a:bodyPr lIns="0" tIns="0" rIns="0" bIns="46800" rtlCol="0" anchor="ctr" anchorCtr="0"/>
+          <a:lstStyle/>
+          <a:p>
+            <a:pPr algn="ctr"/>
+            <a:r>
+              <a:rPr lang="fr-FR"/>
+              <a:t>e</a:t>
+            </a:r>
+          </a:p>
+        </p:txBody>
+      </p:sp>
+      <p:cxnSp>
+        <p:nvCxnSpPr>
+          <p:cNvPr id="71" name="Connecteur droit 70"/>
+          <p:cNvCxnSpPr>
+            <a:stCxn id="68" idx="1"/>
+            <a:endCxn id="67" idx="5"/>
+          </p:cNvCxnSpPr>
+          <p:nvPr/>
+        </p:nvCxnSpPr>
+        <p:spPr>
+          <a:xfrm flipH="1" flipV="1">
+            <a:off x="3608365" y="3466527"/>
+            <a:ext cx="221741" cy="271938"/>
+          </a:xfrm>
+          <a:prstGeom prst="line">
+            <a:avLst/>
+          </a:prstGeom>
+          <a:ln>
+            <a:headEnd type="none"/>
+            <a:tailEnd type="arrow"/>
+          </a:ln>
+        </p:spPr>
+        <p:style>
+          <a:lnRef idx="2">
+            <a:schemeClr val="accent3"/>
+          </a:lnRef>
+          <a:fillRef idx="0">
+            <a:schemeClr val="accent3"/>
+          </a:fillRef>
+          <a:effectRef idx="1">
+            <a:schemeClr val="accent3"/>
+          </a:effectRef>
+          <a:fontRef idx="minor">
+            <a:schemeClr val="tx1"/>
+          </a:fontRef>
+        </p:style>
+      </p:cxnSp>
+      <p:sp>
+        <p:nvSpPr>
+          <p:cNvPr id="72" name="Ellipse 71"/>
+          <p:cNvSpPr/>
+          <p:nvPr/>
+        </p:nvSpPr>
+        <p:spPr>
+          <a:xfrm>
+            <a:off x="2371360" y="5131554"/>
+            <a:ext cx="339941" cy="342968"/>
+          </a:xfrm>
+          <a:prstGeom prst="ellipse">
+            <a:avLst/>
+          </a:prstGeom>
+        </p:spPr>
+        <p:style>
+          <a:lnRef idx="2">
+            <a:schemeClr val="accent1">
+              <a:shade val="50000"/>
+            </a:schemeClr>
+          </a:lnRef>
+          <a:fillRef idx="1">
+            <a:schemeClr val="accent1"/>
+          </a:fillRef>
+          <a:effectRef idx="0">
+            <a:schemeClr val="accent1"/>
+          </a:effectRef>
+          <a:fontRef idx="minor">
+            <a:schemeClr val="lt1"/>
+          </a:fontRef>
+        </p:style>
+        <p:txBody>
+          <a:bodyPr lIns="0" tIns="0" rIns="0" bIns="46800" rtlCol="0" anchor="ctr" anchorCtr="0"/>
+          <a:lstStyle/>
+          <a:p>
+            <a:pPr algn="ctr"/>
+            <a:r>
+              <a:rPr lang="fr-FR"/>
+              <a:t>f</a:t>
+            </a:r>
+          </a:p>
+        </p:txBody>
+      </p:sp>
+      <p:sp>
+        <p:nvSpPr>
+          <p:cNvPr id="73" name="Ellipse 72"/>
+          <p:cNvSpPr/>
+          <p:nvPr/>
+        </p:nvSpPr>
+        <p:spPr>
+          <a:xfrm>
+            <a:off x="3190146" y="5131554"/>
+            <a:ext cx="339941" cy="342968"/>
+          </a:xfrm>
+          <a:prstGeom prst="ellipse">
+            <a:avLst/>
+          </a:prstGeom>
+        </p:spPr>
+        <p:style>
+          <a:lnRef idx="2">
+            <a:schemeClr val="accent1">
+              <a:shade val="50000"/>
+            </a:schemeClr>
+          </a:lnRef>
+          <a:fillRef idx="1">
+            <a:schemeClr val="accent1"/>
+          </a:fillRef>
+          <a:effectRef idx="0">
+            <a:schemeClr val="accent1"/>
+          </a:effectRef>
+          <a:fontRef idx="minor">
+            <a:schemeClr val="lt1"/>
+          </a:fontRef>
+        </p:style>
+        <p:txBody>
+          <a:bodyPr lIns="0" tIns="0" rIns="0" bIns="46800" rtlCol="0" anchor="ctr" anchorCtr="0"/>
+          <a:lstStyle/>
+          <a:p>
+            <a:pPr algn="ctr"/>
+            <a:r>
+              <a:rPr lang="fr-FR"/>
+              <a:t>g</a:t>
+            </a:r>
+          </a:p>
+        </p:txBody>
+      </p:sp>
+      <p:sp>
+        <p:nvSpPr>
+          <p:cNvPr id="74" name="Ellipse 73"/>
+          <p:cNvSpPr/>
+          <p:nvPr/>
+        </p:nvSpPr>
+        <p:spPr>
+          <a:xfrm>
+            <a:off x="3594100" y="4415331"/>
+            <a:ext cx="339941" cy="342968"/>
+          </a:xfrm>
+          <a:prstGeom prst="ellipse">
+            <a:avLst/>
+          </a:prstGeom>
+        </p:spPr>
+        <p:style>
+          <a:lnRef idx="2">
+            <a:schemeClr val="accent1">
+              <a:shade val="50000"/>
+            </a:schemeClr>
+          </a:lnRef>
+          <a:fillRef idx="1">
+            <a:schemeClr val="accent1"/>
+          </a:fillRef>
+          <a:effectRef idx="0">
+            <a:schemeClr val="accent1"/>
+          </a:effectRef>
+          <a:fontRef idx="minor">
+            <a:schemeClr val="lt1"/>
+          </a:fontRef>
+        </p:style>
+        <p:txBody>
+          <a:bodyPr lIns="0" tIns="0" rIns="0" bIns="46800" rtlCol="0" anchor="ctr" anchorCtr="0"/>
+          <a:lstStyle/>
+          <a:p>
+            <a:pPr algn="ctr"/>
+            <a:endParaRPr lang="fr-FR"/>
+          </a:p>
+        </p:txBody>
+      </p:sp>
+      <p:sp>
+        <p:nvSpPr>
+          <p:cNvPr id="75" name="Ellipse 74"/>
+          <p:cNvSpPr/>
+          <p:nvPr/>
+        </p:nvSpPr>
+        <p:spPr>
+          <a:xfrm>
+            <a:off x="2305123" y="4415331"/>
+            <a:ext cx="339941" cy="342968"/>
+          </a:xfrm>
+          <a:prstGeom prst="ellipse">
+            <a:avLst/>
+          </a:prstGeom>
+        </p:spPr>
+        <p:style>
+          <a:lnRef idx="2">
+            <a:schemeClr val="accent1">
+              <a:shade val="50000"/>
+            </a:schemeClr>
+          </a:lnRef>
+          <a:fillRef idx="1">
+            <a:schemeClr val="accent1"/>
+          </a:fillRef>
+          <a:effectRef idx="0">
+            <a:schemeClr val="accent1"/>
+          </a:effectRef>
+          <a:fontRef idx="minor">
+            <a:schemeClr val="lt1"/>
+          </a:fontRef>
+        </p:style>
+        <p:txBody>
+          <a:bodyPr lIns="0" tIns="0" rIns="0" bIns="46800" rtlCol="0" anchor="ctr" anchorCtr="0"/>
+          <a:lstStyle/>
+          <a:p>
+            <a:pPr algn="ctr"/>
+            <a:endParaRPr lang="fr-FR"/>
+          </a:p>
+        </p:txBody>
+      </p:sp>
+      <p:sp>
+        <p:nvSpPr>
+          <p:cNvPr id="76" name="Ellipse 75"/>
+          <p:cNvSpPr/>
+          <p:nvPr/>
+        </p:nvSpPr>
+        <p:spPr>
+          <a:xfrm>
+            <a:off x="4096885" y="5131554"/>
+            <a:ext cx="339941" cy="342968"/>
+          </a:xfrm>
+          <a:prstGeom prst="ellipse">
+            <a:avLst/>
+          </a:prstGeom>
+        </p:spPr>
+        <p:style>
+          <a:lnRef idx="2">
+            <a:schemeClr val="accent1">
+              <a:shade val="50000"/>
+            </a:schemeClr>
+          </a:lnRef>
+          <a:fillRef idx="1">
+            <a:schemeClr val="accent1"/>
+          </a:fillRef>
+          <a:effectRef idx="0">
+            <a:schemeClr val="accent1"/>
+          </a:effectRef>
+          <a:fontRef idx="minor">
+            <a:schemeClr val="lt1"/>
+          </a:fontRef>
+        </p:style>
+        <p:txBody>
+          <a:bodyPr lIns="0" tIns="0" rIns="0" bIns="46800" rtlCol="0" anchor="ctr" anchorCtr="0"/>
+          <a:lstStyle/>
+          <a:p>
+            <a:pPr algn="ctr"/>
+            <a:r>
+              <a:rPr lang="fr-FR"/>
+              <a:t>h</a:t>
+            </a:r>
+          </a:p>
+        </p:txBody>
+      </p:sp>
+      <p:cxnSp>
+        <p:nvCxnSpPr>
+          <p:cNvPr id="77" name="Connecteur droit 76"/>
+          <p:cNvCxnSpPr>
+            <a:stCxn id="66" idx="7"/>
+            <a:endCxn id="67" idx="3"/>
+          </p:cNvCxnSpPr>
+          <p:nvPr/>
+        </p:nvCxnSpPr>
+        <p:spPr>
+          <a:xfrm flipV="1">
+            <a:off x="3190745" y="3466527"/>
+            <a:ext cx="177245" cy="378249"/>
+          </a:xfrm>
+          <a:prstGeom prst="line">
+            <a:avLst/>
+          </a:prstGeom>
+          <a:ln>
+            <a:headEnd type="none"/>
+            <a:tailEnd type="arrow"/>
+          </a:ln>
+        </p:spPr>
+        <p:style>
+          <a:lnRef idx="2">
+            <a:schemeClr val="accent3"/>
+          </a:lnRef>
+          <a:fillRef idx="0">
+            <a:schemeClr val="accent3"/>
+          </a:fillRef>
+          <a:effectRef idx="1">
+            <a:schemeClr val="accent3"/>
+          </a:effectRef>
+          <a:fontRef idx="minor">
+            <a:schemeClr val="tx1"/>
+          </a:fontRef>
+        </p:style>
+      </p:cxnSp>
+      <p:cxnSp>
+        <p:nvCxnSpPr>
+          <p:cNvPr id="78" name="Connecteur droit 77"/>
+          <p:cNvCxnSpPr>
+            <a:stCxn id="75" idx="7"/>
+            <a:endCxn id="66" idx="3"/>
+          </p:cNvCxnSpPr>
+          <p:nvPr/>
+        </p:nvCxnSpPr>
+        <p:spPr>
+          <a:xfrm flipV="1">
+            <a:off x="2595281" y="4087290"/>
+            <a:ext cx="355089" cy="378268"/>
+          </a:xfrm>
+          <a:prstGeom prst="line">
+            <a:avLst/>
+          </a:prstGeom>
+          <a:ln>
+            <a:headEnd type="none"/>
+            <a:tailEnd type="arrow"/>
+          </a:ln>
+        </p:spPr>
+        <p:style>
+          <a:lnRef idx="2">
+            <a:schemeClr val="accent3"/>
+          </a:lnRef>
+          <a:fillRef idx="0">
+            <a:schemeClr val="accent3"/>
+          </a:fillRef>
+          <a:effectRef idx="1">
+            <a:schemeClr val="accent3"/>
+          </a:effectRef>
+          <a:fontRef idx="minor">
+            <a:schemeClr val="tx1"/>
+          </a:fontRef>
+        </p:style>
+      </p:cxnSp>
+      <p:cxnSp>
+        <p:nvCxnSpPr>
+          <p:cNvPr id="79" name="Connecteur droit 78"/>
+          <p:cNvCxnSpPr>
+            <a:stCxn id="72" idx="0"/>
+            <a:endCxn id="75" idx="4"/>
+          </p:cNvCxnSpPr>
+          <p:nvPr/>
+        </p:nvCxnSpPr>
+        <p:spPr>
+          <a:xfrm flipH="1" flipV="1">
+            <a:off x="2475094" y="4758299"/>
+            <a:ext cx="66237" cy="373255"/>
+          </a:xfrm>
+          <a:prstGeom prst="line">
+            <a:avLst/>
+          </a:prstGeom>
+          <a:ln>
+            <a:headEnd type="none"/>
+            <a:tailEnd type="arrow"/>
+          </a:ln>
+        </p:spPr>
+        <p:style>
+          <a:lnRef idx="2">
+            <a:schemeClr val="accent3"/>
+          </a:lnRef>
+          <a:fillRef idx="0">
+            <a:schemeClr val="accent3"/>
+          </a:fillRef>
+          <a:effectRef idx="1">
+            <a:schemeClr val="accent3"/>
+          </a:effectRef>
+          <a:fontRef idx="minor">
+            <a:schemeClr val="tx1"/>
+          </a:fontRef>
+        </p:style>
+      </p:cxnSp>
+      <p:cxnSp>
+        <p:nvCxnSpPr>
+          <p:cNvPr id="80" name="Connecteur droit 79"/>
+          <p:cNvCxnSpPr>
+            <a:stCxn id="76" idx="1"/>
+            <a:endCxn id="74" idx="5"/>
+          </p:cNvCxnSpPr>
+          <p:nvPr/>
+        </p:nvCxnSpPr>
+        <p:spPr>
+          <a:xfrm flipH="1" flipV="1">
+            <a:off x="3884258" y="4708072"/>
+            <a:ext cx="262410" cy="473709"/>
+          </a:xfrm>
+          <a:prstGeom prst="line">
+            <a:avLst/>
+          </a:prstGeom>
+          <a:ln>
+            <a:headEnd type="none"/>
+            <a:tailEnd type="arrow"/>
+          </a:ln>
+        </p:spPr>
+        <p:style>
+          <a:lnRef idx="2">
+            <a:schemeClr val="accent3"/>
+          </a:lnRef>
+          <a:fillRef idx="0">
+            <a:schemeClr val="accent3"/>
+          </a:fillRef>
+          <a:effectRef idx="1">
+            <a:schemeClr val="accent3"/>
+          </a:effectRef>
+          <a:fontRef idx="minor">
+            <a:schemeClr val="tx1"/>
+          </a:fontRef>
+        </p:style>
+      </p:cxnSp>
+      <p:cxnSp>
+        <p:nvCxnSpPr>
+          <p:cNvPr id="81" name="Connecteur droit 80"/>
+          <p:cNvCxnSpPr>
+            <a:stCxn id="73" idx="0"/>
+            <a:endCxn id="74" idx="3"/>
+          </p:cNvCxnSpPr>
+          <p:nvPr/>
+        </p:nvCxnSpPr>
+        <p:spPr>
+          <a:xfrm flipV="1">
+            <a:off x="3360117" y="4708072"/>
+            <a:ext cx="283766" cy="423482"/>
+          </a:xfrm>
+          <a:prstGeom prst="line">
+            <a:avLst/>
+          </a:prstGeom>
+          <a:ln>
+            <a:headEnd type="none"/>
+            <a:tailEnd type="arrow"/>
+          </a:ln>
+        </p:spPr>
+        <p:style>
+          <a:lnRef idx="2">
+            <a:schemeClr val="accent3"/>
+          </a:lnRef>
+          <a:fillRef idx="0">
+            <a:schemeClr val="accent3"/>
+          </a:fillRef>
+          <a:effectRef idx="1">
+            <a:schemeClr val="accent3"/>
+          </a:effectRef>
+          <a:fontRef idx="minor">
+            <a:schemeClr val="tx1"/>
+          </a:fontRef>
+        </p:style>
+      </p:cxnSp>
+      <p:cxnSp>
+        <p:nvCxnSpPr>
+          <p:cNvPr id="82" name="Connecteur droit 81"/>
+          <p:cNvCxnSpPr>
+            <a:stCxn id="69" idx="4"/>
+            <a:endCxn id="70" idx="0"/>
+          </p:cNvCxnSpPr>
+          <p:nvPr/>
+        </p:nvCxnSpPr>
+        <p:spPr>
+          <a:xfrm>
+            <a:off x="4534410" y="4178760"/>
+            <a:ext cx="129901" cy="236571"/>
+          </a:xfrm>
+          <a:prstGeom prst="line">
+            <a:avLst/>
+          </a:prstGeom>
+          <a:ln>
+            <a:headEnd type="none"/>
+            <a:tailEnd type="arrow"/>
+          </a:ln>
+        </p:spPr>
+        <p:style>
+          <a:lnRef idx="2">
+            <a:schemeClr val="accent3"/>
+          </a:lnRef>
+          <a:fillRef idx="0">
+            <a:schemeClr val="accent3"/>
+          </a:fillRef>
+          <a:effectRef idx="1">
+            <a:schemeClr val="accent3"/>
+          </a:effectRef>
+          <a:fontRef idx="minor">
+            <a:schemeClr val="tx1"/>
+          </a:fontRef>
+        </p:style>
+      </p:cxnSp>
+      <p:sp>
+        <p:nvSpPr>
+          <p:cNvPr id="48" name="Multiplication 47"/>
+          <p:cNvSpPr/>
+          <p:nvPr/>
+        </p:nvSpPr>
+        <p:spPr>
+          <a:xfrm>
+            <a:off x="7060163" y="4353156"/>
+            <a:ext cx="462116" cy="467318"/>
+          </a:xfrm>
+          <a:prstGeom prst="mathMultiply">
+            <a:avLst/>
+          </a:prstGeom>
+        </p:spPr>
+        <p:style>
+          <a:lnRef idx="2">
+            <a:schemeClr val="accent3">
+              <a:shade val="50000"/>
+            </a:schemeClr>
+          </a:lnRef>
+          <a:fillRef idx="1">
+            <a:schemeClr val="accent3"/>
+          </a:fillRef>
+          <a:effectRef idx="0">
+            <a:schemeClr val="accent3"/>
+          </a:effectRef>
+          <a:fontRef idx="minor">
+            <a:schemeClr val="lt1"/>
+          </a:fontRef>
+        </p:style>
+        <p:txBody>
+          <a:bodyPr rtlCol="0" anchor="ctr"/>
+          <a:lstStyle/>
+          <a:p>
+            <a:pPr algn="ctr"/>
+            <a:endParaRPr lang="fr-FR"/>
+          </a:p>
+        </p:txBody>
+      </p:sp>
+      <p:sp>
+        <p:nvSpPr>
+          <p:cNvPr id="84" name="Multiplication 83"/>
+          <p:cNvSpPr/>
+          <p:nvPr/>
+        </p:nvSpPr>
+        <p:spPr>
+          <a:xfrm>
+            <a:off x="5748174" y="4353156"/>
+            <a:ext cx="462116" cy="467318"/>
+          </a:xfrm>
+          <a:prstGeom prst="mathMultiply">
+            <a:avLst/>
+          </a:prstGeom>
+        </p:spPr>
+        <p:style>
+          <a:lnRef idx="2">
+            <a:schemeClr val="accent3">
+              <a:shade val="50000"/>
+            </a:schemeClr>
+          </a:lnRef>
+          <a:fillRef idx="1">
+            <a:schemeClr val="accent3"/>
+          </a:fillRef>
+          <a:effectRef idx="0">
+            <a:schemeClr val="accent3"/>
+          </a:effectRef>
+          <a:fontRef idx="minor">
+            <a:schemeClr val="lt1"/>
+          </a:fontRef>
+        </p:style>
+        <p:txBody>
+          <a:bodyPr rtlCol="0" anchor="ctr"/>
+          <a:lstStyle/>
+          <a:p>
+            <a:pPr algn="ctr"/>
+            <a:endParaRPr lang="fr-FR"/>
+          </a:p>
+        </p:txBody>
+      </p:sp>
+      <p:sp>
+        <p:nvSpPr>
+          <p:cNvPr id="92" name="Multiplication 91"/>
+          <p:cNvSpPr/>
+          <p:nvPr/>
+        </p:nvSpPr>
+        <p:spPr>
+          <a:xfrm>
+            <a:off x="2237276" y="4353156"/>
+            <a:ext cx="462116" cy="467318"/>
+          </a:xfrm>
+          <a:prstGeom prst="mathMultiply">
+            <a:avLst/>
+          </a:prstGeom>
+        </p:spPr>
+        <p:style>
+          <a:lnRef idx="2">
+            <a:schemeClr val="accent3">
+              <a:shade val="50000"/>
+            </a:schemeClr>
+          </a:lnRef>
+          <a:fillRef idx="1">
+            <a:schemeClr val="accent3"/>
+          </a:fillRef>
+          <a:effectRef idx="0">
+            <a:schemeClr val="accent3"/>
+          </a:effectRef>
+          <a:fontRef idx="minor">
+            <a:schemeClr val="lt1"/>
+          </a:fontRef>
+        </p:style>
+        <p:txBody>
+          <a:bodyPr rtlCol="0" anchor="ctr"/>
+          <a:lstStyle/>
+          <a:p>
+            <a:pPr algn="ctr"/>
+            <a:endParaRPr lang="fr-FR"/>
+          </a:p>
+        </p:txBody>
+      </p:sp>
+      <p:sp>
+        <p:nvSpPr>
+          <p:cNvPr id="93" name="Multiplication 92"/>
+          <p:cNvSpPr/>
+          <p:nvPr/>
+        </p:nvSpPr>
+        <p:spPr>
+          <a:xfrm>
+            <a:off x="3530087" y="4353156"/>
+            <a:ext cx="462116" cy="467318"/>
+          </a:xfrm>
+          <a:prstGeom prst="mathMultiply">
+            <a:avLst/>
+          </a:prstGeom>
+        </p:spPr>
+        <p:style>
+          <a:lnRef idx="2">
+            <a:schemeClr val="accent3">
+              <a:shade val="50000"/>
+            </a:schemeClr>
+          </a:lnRef>
+          <a:fillRef idx="1">
+            <a:schemeClr val="accent3"/>
+          </a:fillRef>
+          <a:effectRef idx="0">
+            <a:schemeClr val="accent3"/>
+          </a:effectRef>
+          <a:fontRef idx="minor">
+            <a:schemeClr val="lt1"/>
+          </a:fontRef>
+        </p:style>
+        <p:txBody>
+          <a:bodyPr rtlCol="0" anchor="ctr"/>
+          <a:lstStyle/>
+          <a:p>
+            <a:pPr algn="ctr"/>
+            <a:endParaRPr lang="fr-FR"/>
+          </a:p>
+        </p:txBody>
+      </p:sp>
+      <p:cxnSp>
+        <p:nvCxnSpPr>
+          <p:cNvPr id="94" name="Connecteur droit 93"/>
+          <p:cNvCxnSpPr>
+            <a:stCxn id="74" idx="0"/>
+            <a:endCxn id="68" idx="4"/>
+          </p:cNvCxnSpPr>
+          <p:nvPr/>
+        </p:nvCxnSpPr>
+        <p:spPr>
+          <a:xfrm flipV="1">
+            <a:off x="3764071" y="4031206"/>
+            <a:ext cx="186223" cy="384125"/>
+          </a:xfrm>
+          <a:prstGeom prst="line">
+            <a:avLst/>
+          </a:prstGeom>
+          <a:ln>
+            <a:headEnd type="none"/>
+            <a:tailEnd type="arrow"/>
+          </a:ln>
+        </p:spPr>
+        <p:style>
+          <a:lnRef idx="2">
+            <a:schemeClr val="accent3"/>
+          </a:lnRef>
+          <a:fillRef idx="0">
+            <a:schemeClr val="accent3"/>
+          </a:fillRef>
+          <a:effectRef idx="1">
+            <a:schemeClr val="accent3"/>
+          </a:effectRef>
+          <a:fontRef idx="minor">
+            <a:schemeClr val="tx1"/>
+          </a:fontRef>
+        </p:style>
+      </p:cxnSp>
+    </p:spTree>
+    <p:extLst>
+      <p:ext uri="{BB962C8B-B14F-4D97-AF65-F5344CB8AC3E}">
+        <p14:creationId xmlns:p14="http://schemas.microsoft.com/office/powerpoint/2010/main" val="2796432234"/>
+      </p:ext>
+    </p:extLst>
+  </p:cSld>
+  <p:clrMapOvr>
+    <a:masterClrMapping/>
+  </p:clrMapOvr>
+</p:sld>
+</file>
+
+<file path=ppt/slides/slide26.xml><?xml version="1.0" encoding="utf-8"?>
+<p:sld xmlns:a="http://schemas.openxmlformats.org/drawingml/2006/main" xmlns:r="http://schemas.openxmlformats.org/officeDocument/2006/relationships" xmlns:p="http://schemas.openxmlformats.org/presentationml/2006/main">
+  <p:cSld>
+    <p:spTree>
+      <p:nvGrpSpPr>
+        <p:cNvPr id="1" name=""/>
+        <p:cNvGrpSpPr/>
+        <p:nvPr/>
+      </p:nvGrpSpPr>
+      <p:grpSpPr>
+        <a:xfrm>
+          <a:off x="0" y="0"/>
+          <a:ext cx="0" cy="0"/>
+          <a:chOff x="0" y="0"/>
+          <a:chExt cx="0" cy="0"/>
+        </a:xfrm>
+      </p:grpSpPr>
+      <p:sp>
+        <p:nvSpPr>
+          <p:cNvPr id="3" name="Titre 2"/>
+          <p:cNvSpPr>
+            <a:spLocks noGrp="1"/>
+          </p:cNvSpPr>
+          <p:nvPr>
+            <p:ph type="title"/>
+          </p:nvPr>
+        </p:nvSpPr>
+        <p:spPr/>
+        <p:txBody>
+          <a:bodyPr/>
+          <a:lstStyle/>
+          <a:p>
+            <a:r>
+              <a:rPr lang="fr-FR"/>
+              <a:t>Exemple</a:t>
+            </a:r>
+          </a:p>
+        </p:txBody>
+      </p:sp>
+      <p:sp>
+        <p:nvSpPr>
+          <p:cNvPr id="4" name="Espace réservé du contenu 3"/>
+          <p:cNvSpPr>
+            <a:spLocks noGrp="1"/>
+          </p:cNvSpPr>
+          <p:nvPr>
+            <p:ph idx="1"/>
+          </p:nvPr>
+        </p:nvSpPr>
+        <p:spPr/>
+        <p:txBody>
+          <a:bodyPr/>
+          <a:lstStyle/>
+          <a:p>
+            <a:r>
+              <a:rPr lang="fr-FR" i="1"/>
+              <a:t>a</a:t>
+            </a:r>
+            <a:r>
+              <a:rPr lang="fr-FR"/>
+              <a:t> et </a:t>
+            </a:r>
+            <a:r>
+              <a:rPr lang="fr-FR" i="1"/>
+              <a:t>d</a:t>
+            </a:r>
+            <a:r>
+              <a:rPr lang="fr-FR"/>
+              <a:t> détectent une panne simultanément</a:t>
+            </a:r>
+          </a:p>
+          <a:p>
+            <a:r>
+              <a:rPr lang="fr-FR"/>
+              <a:t>ils diffusent SEARCH_QUEUE</a:t>
+            </a:r>
+          </a:p>
+          <a:p>
+            <a:endParaRPr lang="fr-FR"/>
+          </a:p>
+          <a:p>
+            <a:endParaRPr lang="fr-FR"/>
+          </a:p>
+          <a:p>
+            <a:endParaRPr lang="fr-FR"/>
+          </a:p>
+          <a:p>
+            <a:r>
+              <a:rPr lang="fr-FR" i="1"/>
+              <a:t>a</a:t>
+            </a:r>
+            <a:r>
+              <a:rPr lang="fr-FR"/>
+              <a:t> est élu</a:t>
+            </a:r>
+          </a:p>
+        </p:txBody>
+      </p:sp>
+      <p:sp>
+        <p:nvSpPr>
+          <p:cNvPr id="2" name="Espace réservé du numéro de diapositive 1"/>
+          <p:cNvSpPr>
+            <a:spLocks noGrp="1"/>
+          </p:cNvSpPr>
+          <p:nvPr>
+            <p:ph type="sldNum" sz="quarter" idx="12"/>
+          </p:nvPr>
+        </p:nvSpPr>
+        <p:spPr/>
+        <p:txBody>
+          <a:bodyPr/>
+          <a:lstStyle/>
+          <a:p>
+            <a:fld id="{D7E63A33-8271-4DD0-9C48-789913D7C115}" type="slidenum">
+              <a:rPr lang="en-US" smtClean="0"/>
+              <a:pPr/>
+              <a:t>25</a:t>
+            </a:fld>
+            <a:endParaRPr lang="en-US"/>
+          </a:p>
+        </p:txBody>
+      </p:sp>
+      <p:sp>
+        <p:nvSpPr>
+          <p:cNvPr id="85" name="Ellipse 84"/>
+          <p:cNvSpPr/>
+          <p:nvPr/>
+        </p:nvSpPr>
+        <p:spPr>
+          <a:xfrm>
+            <a:off x="6411485" y="3794549"/>
+            <a:ext cx="339941" cy="342968"/>
+          </a:xfrm>
+          <a:prstGeom prst="ellipse">
+            <a:avLst/>
+          </a:prstGeom>
+        </p:spPr>
+        <p:style>
+          <a:lnRef idx="2">
+            <a:schemeClr val="accent1">
+              <a:shade val="50000"/>
+            </a:schemeClr>
+          </a:lnRef>
+          <a:fillRef idx="1">
+            <a:schemeClr val="accent1"/>
+          </a:fillRef>
+          <a:effectRef idx="0">
+            <a:schemeClr val="accent1"/>
+          </a:effectRef>
+          <a:fontRef idx="minor">
+            <a:schemeClr val="lt1"/>
+          </a:fontRef>
+        </p:style>
+        <p:txBody>
+          <a:bodyPr lIns="0" tIns="0" rIns="0" bIns="46800" rtlCol="0" anchor="ctr" anchorCtr="0"/>
+          <a:lstStyle/>
+          <a:p>
+            <a:pPr algn="ctr"/>
+            <a:r>
+              <a:rPr lang="fr-FR"/>
+              <a:t>a</a:t>
+            </a:r>
+          </a:p>
+        </p:txBody>
+      </p:sp>
+      <p:sp>
+        <p:nvSpPr>
+          <p:cNvPr id="86" name="Ellipse 85"/>
+          <p:cNvSpPr/>
+          <p:nvPr/>
+        </p:nvSpPr>
+        <p:spPr>
+          <a:xfrm>
+            <a:off x="6829105" y="3173786"/>
+            <a:ext cx="339941" cy="342968"/>
+          </a:xfrm>
+          <a:prstGeom prst="ellipse">
+            <a:avLst/>
+          </a:prstGeom>
+        </p:spPr>
+        <p:style>
+          <a:lnRef idx="2">
+            <a:schemeClr val="accent1">
+              <a:shade val="50000"/>
+            </a:schemeClr>
+          </a:lnRef>
+          <a:fillRef idx="1">
+            <a:schemeClr val="accent1"/>
+          </a:fillRef>
+          <a:effectRef idx="0">
+            <a:schemeClr val="accent1"/>
+          </a:effectRef>
+          <a:fontRef idx="minor">
+            <a:schemeClr val="lt1"/>
+          </a:fontRef>
+        </p:style>
+        <p:txBody>
+          <a:bodyPr lIns="0" tIns="0" rIns="0" bIns="46800" rtlCol="0" anchor="ctr" anchorCtr="0"/>
+          <a:lstStyle/>
+          <a:p>
+            <a:pPr algn="ctr"/>
+            <a:r>
+              <a:rPr lang="fr-FR"/>
+              <a:t>c</a:t>
+            </a:r>
+          </a:p>
+        </p:txBody>
+      </p:sp>
+      <p:sp>
+        <p:nvSpPr>
+          <p:cNvPr id="87" name="Ellipse 86"/>
+          <p:cNvSpPr/>
+          <p:nvPr/>
+        </p:nvSpPr>
+        <p:spPr>
+          <a:xfrm>
+            <a:off x="7291221" y="3688238"/>
+            <a:ext cx="339941" cy="342968"/>
+          </a:xfrm>
+          <a:prstGeom prst="ellipse">
+            <a:avLst/>
+          </a:prstGeom>
+        </p:spPr>
+        <p:style>
+          <a:lnRef idx="2">
+            <a:schemeClr val="accent1">
+              <a:shade val="50000"/>
+            </a:schemeClr>
+          </a:lnRef>
+          <a:fillRef idx="1">
+            <a:schemeClr val="accent1"/>
+          </a:fillRef>
+          <a:effectRef idx="0">
+            <a:schemeClr val="accent1"/>
+          </a:effectRef>
+          <a:fontRef idx="minor">
+            <a:schemeClr val="lt1"/>
+          </a:fontRef>
+        </p:style>
+        <p:txBody>
+          <a:bodyPr lIns="0" tIns="0" rIns="0" bIns="46800" rtlCol="0" anchor="ctr" anchorCtr="0"/>
+          <a:lstStyle/>
+          <a:p>
+            <a:pPr algn="ctr"/>
+            <a:r>
+              <a:rPr lang="fr-FR"/>
+              <a:t>b</a:t>
+            </a:r>
+          </a:p>
+        </p:txBody>
+      </p:sp>
+      <p:sp>
+        <p:nvSpPr>
+          <p:cNvPr id="88" name="Ellipse 87"/>
+          <p:cNvSpPr/>
+          <p:nvPr/>
+        </p:nvSpPr>
+        <p:spPr>
+          <a:xfrm>
+            <a:off x="7875337" y="3835792"/>
+            <a:ext cx="339941" cy="342968"/>
+          </a:xfrm>
+          <a:prstGeom prst="ellipse">
+            <a:avLst/>
+          </a:prstGeom>
+        </p:spPr>
+        <p:style>
+          <a:lnRef idx="2">
+            <a:schemeClr val="accent1">
+              <a:shade val="50000"/>
+            </a:schemeClr>
+          </a:lnRef>
+          <a:fillRef idx="1">
+            <a:schemeClr val="accent1"/>
+          </a:fillRef>
+          <a:effectRef idx="0">
+            <a:schemeClr val="accent1"/>
+          </a:effectRef>
+          <a:fontRef idx="minor">
+            <a:schemeClr val="lt1"/>
+          </a:fontRef>
+        </p:style>
+        <p:txBody>
+          <a:bodyPr lIns="0" tIns="0" rIns="0" bIns="46800" rtlCol="0" anchor="ctr" anchorCtr="0"/>
+          <a:lstStyle/>
+          <a:p>
+            <a:pPr algn="ctr"/>
+            <a:r>
+              <a:rPr lang="fr-FR"/>
+              <a:t>d</a:t>
+            </a:r>
+          </a:p>
+        </p:txBody>
+      </p:sp>
+      <p:sp>
+        <p:nvSpPr>
+          <p:cNvPr id="89" name="Ellipse 88"/>
+          <p:cNvSpPr/>
+          <p:nvPr/>
+        </p:nvSpPr>
+        <p:spPr>
+          <a:xfrm>
+            <a:off x="8005238" y="4415331"/>
+            <a:ext cx="339941" cy="342968"/>
+          </a:xfrm>
+          <a:prstGeom prst="ellipse">
+            <a:avLst/>
+          </a:prstGeom>
+        </p:spPr>
+        <p:style>
+          <a:lnRef idx="2">
+            <a:schemeClr val="accent1">
+              <a:shade val="50000"/>
+            </a:schemeClr>
+          </a:lnRef>
+          <a:fillRef idx="1">
+            <a:schemeClr val="accent1"/>
+          </a:fillRef>
+          <a:effectRef idx="0">
+            <a:schemeClr val="accent1"/>
+          </a:effectRef>
+          <a:fontRef idx="minor">
+            <a:schemeClr val="lt1"/>
+          </a:fontRef>
+        </p:style>
+        <p:txBody>
+          <a:bodyPr lIns="0" tIns="0" rIns="0" bIns="46800" rtlCol="0" anchor="ctr" anchorCtr="0"/>
+          <a:lstStyle/>
+          <a:p>
+            <a:pPr algn="ctr"/>
+            <a:r>
+              <a:rPr lang="fr-FR"/>
+              <a:t>e</a:t>
+            </a:r>
+          </a:p>
+        </p:txBody>
+      </p:sp>
+      <p:cxnSp>
+        <p:nvCxnSpPr>
+          <p:cNvPr id="91" name="Connecteur droit 90"/>
+          <p:cNvCxnSpPr>
+            <a:stCxn id="87" idx="1"/>
+            <a:endCxn id="86" idx="5"/>
+          </p:cNvCxnSpPr>
+          <p:nvPr/>
+        </p:nvCxnSpPr>
+        <p:spPr>
+          <a:xfrm flipH="1" flipV="1">
+            <a:off x="7119263" y="3466527"/>
+            <a:ext cx="221741" cy="271938"/>
+          </a:xfrm>
+          <a:prstGeom prst="line">
+            <a:avLst/>
+          </a:prstGeom>
+          <a:ln>
+            <a:headEnd type="none"/>
+            <a:tailEnd type="arrow"/>
+          </a:ln>
+        </p:spPr>
+        <p:style>
+          <a:lnRef idx="2">
+            <a:schemeClr val="accent4"/>
+          </a:lnRef>
+          <a:fillRef idx="0">
+            <a:schemeClr val="accent4"/>
+          </a:fillRef>
+          <a:effectRef idx="1">
+            <a:schemeClr val="accent4"/>
+          </a:effectRef>
+          <a:fontRef idx="minor">
+            <a:schemeClr val="tx1"/>
+          </a:fontRef>
+        </p:style>
+      </p:cxnSp>
+      <p:sp>
+        <p:nvSpPr>
+          <p:cNvPr id="35" name="Ellipse 34"/>
+          <p:cNvSpPr/>
+          <p:nvPr/>
+        </p:nvSpPr>
+        <p:spPr>
+          <a:xfrm>
+            <a:off x="5882258" y="5131554"/>
+            <a:ext cx="339941" cy="342968"/>
+          </a:xfrm>
+          <a:prstGeom prst="ellipse">
+            <a:avLst/>
+          </a:prstGeom>
+        </p:spPr>
+        <p:style>
+          <a:lnRef idx="2">
+            <a:schemeClr val="accent1">
+              <a:shade val="50000"/>
+            </a:schemeClr>
+          </a:lnRef>
+          <a:fillRef idx="1">
+            <a:schemeClr val="accent1"/>
+          </a:fillRef>
+          <a:effectRef idx="0">
+            <a:schemeClr val="accent1"/>
+          </a:effectRef>
+          <a:fontRef idx="minor">
+            <a:schemeClr val="lt1"/>
+          </a:fontRef>
+        </p:style>
+        <p:txBody>
+          <a:bodyPr lIns="0" tIns="0" rIns="0" bIns="46800" rtlCol="0" anchor="ctr" anchorCtr="0"/>
+          <a:lstStyle/>
+          <a:p>
+            <a:pPr algn="ctr"/>
+            <a:r>
+              <a:rPr lang="fr-FR"/>
+              <a:t>f</a:t>
+            </a:r>
+          </a:p>
+        </p:txBody>
+      </p:sp>
+      <p:sp>
+        <p:nvSpPr>
+          <p:cNvPr id="36" name="Ellipse 35"/>
+          <p:cNvSpPr/>
+          <p:nvPr/>
+        </p:nvSpPr>
+        <p:spPr>
+          <a:xfrm>
+            <a:off x="6701044" y="5131554"/>
+            <a:ext cx="339941" cy="342968"/>
+          </a:xfrm>
+          <a:prstGeom prst="ellipse">
+            <a:avLst/>
+          </a:prstGeom>
+        </p:spPr>
+        <p:style>
+          <a:lnRef idx="2">
+            <a:schemeClr val="accent1">
+              <a:shade val="50000"/>
+            </a:schemeClr>
+          </a:lnRef>
+          <a:fillRef idx="1">
+            <a:schemeClr val="accent1"/>
+          </a:fillRef>
+          <a:effectRef idx="0">
+            <a:schemeClr val="accent1"/>
+          </a:effectRef>
+          <a:fontRef idx="minor">
+            <a:schemeClr val="lt1"/>
+          </a:fontRef>
+        </p:style>
+        <p:txBody>
+          <a:bodyPr lIns="0" tIns="0" rIns="0" bIns="46800" rtlCol="0" anchor="ctr" anchorCtr="0"/>
+          <a:lstStyle/>
+          <a:p>
+            <a:pPr algn="ctr"/>
+            <a:r>
+              <a:rPr lang="fr-FR"/>
+              <a:t>g</a:t>
+            </a:r>
+          </a:p>
+        </p:txBody>
+      </p:sp>
+      <p:sp>
+        <p:nvSpPr>
+          <p:cNvPr id="41" name="Ellipse 40"/>
+          <p:cNvSpPr/>
+          <p:nvPr/>
+        </p:nvSpPr>
+        <p:spPr>
+          <a:xfrm>
+            <a:off x="7607783" y="5131554"/>
+            <a:ext cx="339941" cy="342968"/>
+          </a:xfrm>
+          <a:prstGeom prst="ellipse">
+            <a:avLst/>
+          </a:prstGeom>
+        </p:spPr>
+        <p:style>
+          <a:lnRef idx="2">
+            <a:schemeClr val="accent1">
+              <a:shade val="50000"/>
+            </a:schemeClr>
+          </a:lnRef>
+          <a:fillRef idx="1">
+            <a:schemeClr val="accent1"/>
+          </a:fillRef>
+          <a:effectRef idx="0">
+            <a:schemeClr val="accent1"/>
+          </a:effectRef>
+          <a:fontRef idx="minor">
+            <a:schemeClr val="lt1"/>
+          </a:fontRef>
+        </p:style>
+        <p:txBody>
+          <a:bodyPr lIns="0" tIns="0" rIns="0" bIns="46800" rtlCol="0" anchor="ctr" anchorCtr="0"/>
+          <a:lstStyle/>
+          <a:p>
+            <a:pPr algn="ctr"/>
+            <a:r>
+              <a:rPr lang="fr-FR"/>
+              <a:t>h</a:t>
+            </a:r>
+          </a:p>
+        </p:txBody>
+      </p:sp>
+      <p:cxnSp>
+        <p:nvCxnSpPr>
+          <p:cNvPr id="44" name="Connecteur droit 43"/>
+          <p:cNvCxnSpPr>
+            <a:stCxn id="85" idx="6"/>
+            <a:endCxn id="87" idx="2"/>
+          </p:cNvCxnSpPr>
+          <p:nvPr/>
+        </p:nvCxnSpPr>
+        <p:spPr>
+          <a:xfrm flipV="1">
+            <a:off x="6751426" y="3859722"/>
+            <a:ext cx="539795" cy="106311"/>
+          </a:xfrm>
+          <a:prstGeom prst="line">
+            <a:avLst/>
+          </a:prstGeom>
+          <a:ln>
+            <a:headEnd type="none"/>
+            <a:tailEnd type="arrow"/>
+          </a:ln>
+        </p:spPr>
+        <p:style>
+          <a:lnRef idx="2">
+            <a:schemeClr val="accent4"/>
+          </a:lnRef>
+          <a:fillRef idx="0">
+            <a:schemeClr val="accent4"/>
+          </a:fillRef>
+          <a:effectRef idx="1">
+            <a:schemeClr val="accent4"/>
+          </a:effectRef>
+          <a:fontRef idx="minor">
+            <a:schemeClr val="tx1"/>
+          </a:fontRef>
+        </p:style>
+      </p:cxnSp>
+      <p:cxnSp>
+        <p:nvCxnSpPr>
+          <p:cNvPr id="56" name="Connecteur droit 55"/>
+          <p:cNvCxnSpPr>
+            <a:stCxn id="36" idx="6"/>
+            <a:endCxn id="41" idx="2"/>
+          </p:cNvCxnSpPr>
+          <p:nvPr/>
+        </p:nvCxnSpPr>
+        <p:spPr>
+          <a:xfrm>
+            <a:off x="7040985" y="5303038"/>
+            <a:ext cx="566798" cy="0"/>
+          </a:xfrm>
+          <a:prstGeom prst="line">
+            <a:avLst/>
+          </a:prstGeom>
+          <a:ln>
+            <a:headEnd type="none"/>
+            <a:tailEnd type="arrow"/>
+          </a:ln>
+        </p:spPr>
+        <p:style>
+          <a:lnRef idx="2">
+            <a:schemeClr val="accent4"/>
+          </a:lnRef>
+          <a:fillRef idx="0">
+            <a:schemeClr val="accent4"/>
+          </a:fillRef>
+          <a:effectRef idx="1">
+            <a:schemeClr val="accent4"/>
+          </a:effectRef>
+          <a:fontRef idx="minor">
+            <a:schemeClr val="tx1"/>
+          </a:fontRef>
+        </p:style>
+      </p:cxnSp>
+      <p:cxnSp>
+        <p:nvCxnSpPr>
+          <p:cNvPr id="59" name="Connecteur droit 58"/>
+          <p:cNvCxnSpPr>
+            <a:stCxn id="88" idx="4"/>
+            <a:endCxn id="89" idx="0"/>
+          </p:cNvCxnSpPr>
+          <p:nvPr/>
+        </p:nvCxnSpPr>
+        <p:spPr>
+          <a:xfrm>
+            <a:off x="8045308" y="4178760"/>
+            <a:ext cx="129901" cy="236571"/>
+          </a:xfrm>
+          <a:prstGeom prst="line">
+            <a:avLst/>
+          </a:prstGeom>
+          <a:ln>
+            <a:headEnd type="none"/>
+            <a:tailEnd type="arrow"/>
+          </a:ln>
+        </p:spPr>
+        <p:style>
+          <a:lnRef idx="2">
+            <a:schemeClr val="accent4"/>
+          </a:lnRef>
+          <a:fillRef idx="0">
+            <a:schemeClr val="accent4"/>
+          </a:fillRef>
+          <a:effectRef idx="1">
+            <a:schemeClr val="accent4"/>
+          </a:effectRef>
+          <a:fontRef idx="minor">
+            <a:schemeClr val="tx1"/>
+          </a:fontRef>
+        </p:style>
+      </p:cxnSp>
+      <p:sp>
+        <p:nvSpPr>
+          <p:cNvPr id="66" name="Ellipse 65"/>
+          <p:cNvSpPr/>
+          <p:nvPr/>
+        </p:nvSpPr>
+        <p:spPr>
+          <a:xfrm>
+            <a:off x="2900587" y="3794549"/>
+            <a:ext cx="339941" cy="342968"/>
+          </a:xfrm>
+          <a:prstGeom prst="ellipse">
+            <a:avLst/>
+          </a:prstGeom>
+        </p:spPr>
+        <p:style>
+          <a:lnRef idx="2">
+            <a:schemeClr val="accent1">
+              <a:shade val="50000"/>
+            </a:schemeClr>
+          </a:lnRef>
+          <a:fillRef idx="1">
+            <a:schemeClr val="accent1"/>
+          </a:fillRef>
+          <a:effectRef idx="0">
+            <a:schemeClr val="accent1"/>
+          </a:effectRef>
+          <a:fontRef idx="minor">
+            <a:schemeClr val="lt1"/>
+          </a:fontRef>
+        </p:style>
+        <p:txBody>
+          <a:bodyPr lIns="0" tIns="0" rIns="0" bIns="46800" rtlCol="0" anchor="ctr" anchorCtr="0"/>
+          <a:lstStyle/>
+          <a:p>
+            <a:pPr algn="ctr"/>
+            <a:r>
+              <a:rPr lang="fr-FR"/>
+              <a:t>a</a:t>
+            </a:r>
+          </a:p>
+        </p:txBody>
+      </p:sp>
+      <p:sp>
+        <p:nvSpPr>
+          <p:cNvPr id="67" name="Ellipse 66"/>
+          <p:cNvSpPr/>
+          <p:nvPr/>
+        </p:nvSpPr>
+        <p:spPr>
+          <a:xfrm>
+            <a:off x="3318207" y="3173786"/>
+            <a:ext cx="339941" cy="342968"/>
+          </a:xfrm>
+          <a:prstGeom prst="ellipse">
+            <a:avLst/>
+          </a:prstGeom>
+        </p:spPr>
+        <p:style>
+          <a:lnRef idx="2">
+            <a:schemeClr val="accent1">
+              <a:shade val="50000"/>
+            </a:schemeClr>
+          </a:lnRef>
+          <a:fillRef idx="1">
+            <a:schemeClr val="accent1"/>
+          </a:fillRef>
+          <a:effectRef idx="0">
+            <a:schemeClr val="accent1"/>
+          </a:effectRef>
+          <a:fontRef idx="minor">
+            <a:schemeClr val="lt1"/>
+          </a:fontRef>
+        </p:style>
+        <p:txBody>
+          <a:bodyPr lIns="0" tIns="0" rIns="0" bIns="46800" rtlCol="0" anchor="ctr" anchorCtr="0"/>
+          <a:lstStyle/>
+          <a:p>
+            <a:pPr algn="ctr"/>
+            <a:r>
+              <a:rPr lang="fr-FR"/>
+              <a:t>c</a:t>
+            </a:r>
+          </a:p>
+        </p:txBody>
+      </p:sp>
+      <p:sp>
+        <p:nvSpPr>
+          <p:cNvPr id="68" name="Ellipse 67"/>
+          <p:cNvSpPr/>
+          <p:nvPr/>
+        </p:nvSpPr>
+        <p:spPr>
+          <a:xfrm>
+            <a:off x="3780323" y="3688238"/>
+            <a:ext cx="339941" cy="342968"/>
+          </a:xfrm>
+          <a:prstGeom prst="ellipse">
+            <a:avLst/>
+          </a:prstGeom>
+        </p:spPr>
+        <p:style>
+          <a:lnRef idx="2">
+            <a:schemeClr val="accent1">
+              <a:shade val="50000"/>
+            </a:schemeClr>
+          </a:lnRef>
+          <a:fillRef idx="1">
+            <a:schemeClr val="accent1"/>
+          </a:fillRef>
+          <a:effectRef idx="0">
+            <a:schemeClr val="accent1"/>
+          </a:effectRef>
+          <a:fontRef idx="minor">
+            <a:schemeClr val="lt1"/>
+          </a:fontRef>
+        </p:style>
+        <p:txBody>
+          <a:bodyPr lIns="0" tIns="0" rIns="0" bIns="46800" rtlCol="0" anchor="ctr" anchorCtr="0"/>
+          <a:lstStyle/>
+          <a:p>
+            <a:pPr algn="ctr"/>
+            <a:r>
+              <a:rPr lang="fr-FR"/>
+              <a:t>b</a:t>
+            </a:r>
+          </a:p>
+        </p:txBody>
+      </p:sp>
+      <p:sp>
+        <p:nvSpPr>
+          <p:cNvPr id="69" name="Ellipse 68"/>
+          <p:cNvSpPr/>
+          <p:nvPr/>
+        </p:nvSpPr>
+        <p:spPr>
+          <a:xfrm>
+            <a:off x="4364439" y="3835792"/>
+            <a:ext cx="339941" cy="342968"/>
+          </a:xfrm>
+          <a:prstGeom prst="ellipse">
+            <a:avLst/>
+          </a:prstGeom>
+        </p:spPr>
+        <p:style>
+          <a:lnRef idx="2">
+            <a:schemeClr val="accent1">
+              <a:shade val="50000"/>
+            </a:schemeClr>
+          </a:lnRef>
+          <a:fillRef idx="1">
+            <a:schemeClr val="accent1"/>
+          </a:fillRef>
+          <a:effectRef idx="0">
+            <a:schemeClr val="accent1"/>
+          </a:effectRef>
+          <a:fontRef idx="minor">
+            <a:schemeClr val="lt1"/>
+          </a:fontRef>
+        </p:style>
+        <p:txBody>
+          <a:bodyPr lIns="0" tIns="0" rIns="0" bIns="46800" rtlCol="0" anchor="ctr" anchorCtr="0"/>
+          <a:lstStyle/>
+          <a:p>
+            <a:pPr algn="ctr"/>
+            <a:r>
+              <a:rPr lang="fr-FR"/>
+              <a:t>d</a:t>
+            </a:r>
+          </a:p>
+        </p:txBody>
+      </p:sp>
+      <p:sp>
+        <p:nvSpPr>
+          <p:cNvPr id="70" name="Ellipse 69"/>
+          <p:cNvSpPr/>
+          <p:nvPr/>
+        </p:nvSpPr>
+        <p:spPr>
+          <a:xfrm>
+            <a:off x="4494340" y="4415331"/>
+            <a:ext cx="339941" cy="342968"/>
+          </a:xfrm>
+          <a:prstGeom prst="ellipse">
+            <a:avLst/>
+          </a:prstGeom>
+        </p:spPr>
+        <p:style>
+          <a:lnRef idx="2">
+            <a:schemeClr val="accent1">
+              <a:shade val="50000"/>
+            </a:schemeClr>
+          </a:lnRef>
+          <a:fillRef idx="1">
+            <a:schemeClr val="accent1"/>
+          </a:fillRef>
+          <a:effectRef idx="0">
+            <a:schemeClr val="accent1"/>
+          </a:effectRef>
+          <a:fontRef idx="minor">
+            <a:schemeClr val="lt1"/>
+          </a:fontRef>
+        </p:style>
+        <p:txBody>
+          <a:bodyPr lIns="0" tIns="0" rIns="0" bIns="46800" rtlCol="0" anchor="ctr" anchorCtr="0"/>
+          <a:lstStyle/>
+          <a:p>
+            <a:pPr algn="ctr"/>
+            <a:r>
+              <a:rPr lang="fr-FR"/>
+              <a:t>e</a:t>
+            </a:r>
+          </a:p>
+        </p:txBody>
+      </p:sp>
+      <p:cxnSp>
+        <p:nvCxnSpPr>
+          <p:cNvPr id="71" name="Connecteur droit 70"/>
+          <p:cNvCxnSpPr>
+            <a:stCxn id="68" idx="1"/>
+            <a:endCxn id="67" idx="5"/>
+          </p:cNvCxnSpPr>
+          <p:nvPr/>
+        </p:nvCxnSpPr>
+        <p:spPr>
+          <a:xfrm flipH="1" flipV="1">
+            <a:off x="3608365" y="3466527"/>
+            <a:ext cx="221741" cy="271938"/>
+          </a:xfrm>
+          <a:prstGeom prst="line">
+            <a:avLst/>
+          </a:prstGeom>
+          <a:ln>
+            <a:headEnd type="none"/>
+            <a:tailEnd type="arrow"/>
+          </a:ln>
+        </p:spPr>
+        <p:style>
+          <a:lnRef idx="2">
+            <a:schemeClr val="accent3"/>
+          </a:lnRef>
+          <a:fillRef idx="0">
+            <a:schemeClr val="accent3"/>
+          </a:fillRef>
+          <a:effectRef idx="1">
+            <a:schemeClr val="accent3"/>
+          </a:effectRef>
+          <a:fontRef idx="minor">
+            <a:schemeClr val="tx1"/>
+          </a:fontRef>
+        </p:style>
+      </p:cxnSp>
+      <p:sp>
+        <p:nvSpPr>
+          <p:cNvPr id="72" name="Ellipse 71"/>
+          <p:cNvSpPr/>
+          <p:nvPr/>
+        </p:nvSpPr>
+        <p:spPr>
+          <a:xfrm>
+            <a:off x="2371360" y="5131554"/>
+            <a:ext cx="339941" cy="342968"/>
+          </a:xfrm>
+          <a:prstGeom prst="ellipse">
+            <a:avLst/>
+          </a:prstGeom>
+        </p:spPr>
+        <p:style>
+          <a:lnRef idx="2">
+            <a:schemeClr val="accent1">
+              <a:shade val="50000"/>
+            </a:schemeClr>
+          </a:lnRef>
+          <a:fillRef idx="1">
+            <a:schemeClr val="accent1"/>
+          </a:fillRef>
+          <a:effectRef idx="0">
+            <a:schemeClr val="accent1"/>
+          </a:effectRef>
+          <a:fontRef idx="minor">
+            <a:schemeClr val="lt1"/>
+          </a:fontRef>
+        </p:style>
+        <p:txBody>
+          <a:bodyPr lIns="0" tIns="0" rIns="0" bIns="46800" rtlCol="0" anchor="ctr" anchorCtr="0"/>
+          <a:lstStyle/>
+          <a:p>
+            <a:pPr algn="ctr"/>
+            <a:r>
+              <a:rPr lang="fr-FR"/>
+              <a:t>f</a:t>
+            </a:r>
+          </a:p>
+        </p:txBody>
+      </p:sp>
+      <p:sp>
+        <p:nvSpPr>
+          <p:cNvPr id="73" name="Ellipse 72"/>
+          <p:cNvSpPr/>
+          <p:nvPr/>
+        </p:nvSpPr>
+        <p:spPr>
+          <a:xfrm>
+            <a:off x="3190146" y="5131554"/>
+            <a:ext cx="339941" cy="342968"/>
+          </a:xfrm>
+          <a:prstGeom prst="ellipse">
+            <a:avLst/>
+          </a:prstGeom>
+        </p:spPr>
+        <p:style>
+          <a:lnRef idx="2">
+            <a:schemeClr val="accent1">
+              <a:shade val="50000"/>
+            </a:schemeClr>
+          </a:lnRef>
+          <a:fillRef idx="1">
+            <a:schemeClr val="accent1"/>
+          </a:fillRef>
+          <a:effectRef idx="0">
+            <a:schemeClr val="accent1"/>
+          </a:effectRef>
+          <a:fontRef idx="minor">
+            <a:schemeClr val="lt1"/>
+          </a:fontRef>
+        </p:style>
+        <p:txBody>
+          <a:bodyPr lIns="0" tIns="0" rIns="0" bIns="46800" rtlCol="0" anchor="ctr" anchorCtr="0"/>
+          <a:lstStyle/>
+          <a:p>
+            <a:pPr algn="ctr"/>
+            <a:r>
+              <a:rPr lang="fr-FR"/>
+              <a:t>g</a:t>
+            </a:r>
+          </a:p>
+        </p:txBody>
+      </p:sp>
+      <p:sp>
+        <p:nvSpPr>
+          <p:cNvPr id="76" name="Ellipse 75"/>
+          <p:cNvSpPr/>
+          <p:nvPr/>
+        </p:nvSpPr>
+        <p:spPr>
+          <a:xfrm>
+            <a:off x="4096885" y="5131554"/>
+            <a:ext cx="339941" cy="342968"/>
+          </a:xfrm>
+          <a:prstGeom prst="ellipse">
+            <a:avLst/>
+          </a:prstGeom>
+        </p:spPr>
+        <p:style>
+          <a:lnRef idx="2">
+            <a:schemeClr val="accent1">
+              <a:shade val="50000"/>
+            </a:schemeClr>
+          </a:lnRef>
+          <a:fillRef idx="1">
+            <a:schemeClr val="accent1"/>
+          </a:fillRef>
+          <a:effectRef idx="0">
+            <a:schemeClr val="accent1"/>
+          </a:effectRef>
+          <a:fontRef idx="minor">
+            <a:schemeClr val="lt1"/>
+          </a:fontRef>
+        </p:style>
+        <p:txBody>
+          <a:bodyPr lIns="0" tIns="0" rIns="0" bIns="46800" rtlCol="0" anchor="ctr" anchorCtr="0"/>
+          <a:lstStyle/>
+          <a:p>
+            <a:pPr algn="ctr"/>
+            <a:r>
+              <a:rPr lang="fr-FR"/>
+              <a:t>h</a:t>
+            </a:r>
+          </a:p>
+        </p:txBody>
+      </p:sp>
+      <p:cxnSp>
+        <p:nvCxnSpPr>
+          <p:cNvPr id="79" name="Connecteur droit 78"/>
+          <p:cNvCxnSpPr>
+            <a:stCxn id="72" idx="0"/>
+            <a:endCxn id="66" idx="3"/>
+          </p:cNvCxnSpPr>
+          <p:nvPr/>
+        </p:nvCxnSpPr>
+        <p:spPr>
+          <a:xfrm flipV="1">
+            <a:off x="2541331" y="4087290"/>
+            <a:ext cx="409039" cy="1044264"/>
+          </a:xfrm>
+          <a:prstGeom prst="line">
+            <a:avLst/>
+          </a:prstGeom>
+          <a:ln>
+            <a:headEnd type="none"/>
+            <a:tailEnd type="arrow"/>
+          </a:ln>
+        </p:spPr>
+        <p:style>
+          <a:lnRef idx="2">
+            <a:schemeClr val="accent3"/>
+          </a:lnRef>
+          <a:fillRef idx="0">
+            <a:schemeClr val="accent3"/>
+          </a:fillRef>
+          <a:effectRef idx="1">
+            <a:schemeClr val="accent3"/>
+          </a:effectRef>
+          <a:fontRef idx="minor">
+            <a:schemeClr val="tx1"/>
+          </a:fontRef>
+        </p:style>
+      </p:cxnSp>
+      <p:cxnSp>
+        <p:nvCxnSpPr>
+          <p:cNvPr id="80" name="Connecteur droit 79"/>
+          <p:cNvCxnSpPr>
+            <a:stCxn id="76" idx="1"/>
+            <a:endCxn id="66" idx="5"/>
+          </p:cNvCxnSpPr>
+          <p:nvPr/>
+        </p:nvCxnSpPr>
+        <p:spPr>
+          <a:xfrm flipH="1" flipV="1">
+            <a:off x="3190745" y="4087290"/>
+            <a:ext cx="955923" cy="1094491"/>
+          </a:xfrm>
+          <a:prstGeom prst="line">
+            <a:avLst/>
+          </a:prstGeom>
+          <a:ln>
+            <a:headEnd type="none"/>
+            <a:tailEnd type="arrow"/>
+          </a:ln>
+        </p:spPr>
+        <p:style>
+          <a:lnRef idx="2">
+            <a:schemeClr val="accent3"/>
+          </a:lnRef>
+          <a:fillRef idx="0">
+            <a:schemeClr val="accent3"/>
+          </a:fillRef>
+          <a:effectRef idx="1">
+            <a:schemeClr val="accent3"/>
+          </a:effectRef>
+          <a:fontRef idx="minor">
+            <a:schemeClr val="tx1"/>
+          </a:fontRef>
+        </p:style>
+      </p:cxnSp>
+      <p:cxnSp>
+        <p:nvCxnSpPr>
+          <p:cNvPr id="81" name="Connecteur droit 80"/>
+          <p:cNvCxnSpPr>
+            <a:stCxn id="73" idx="0"/>
+            <a:endCxn id="66" idx="4"/>
+          </p:cNvCxnSpPr>
+          <p:nvPr/>
+        </p:nvCxnSpPr>
+        <p:spPr>
+          <a:xfrm flipH="1" flipV="1">
+            <a:off x="3070558" y="4137517"/>
+            <a:ext cx="289559" cy="994037"/>
+          </a:xfrm>
+          <a:prstGeom prst="line">
+            <a:avLst/>
+          </a:prstGeom>
+          <a:ln>
+            <a:headEnd type="none"/>
+            <a:tailEnd type="arrow"/>
+          </a:ln>
+        </p:spPr>
+        <p:style>
+          <a:lnRef idx="2">
+            <a:schemeClr val="accent3"/>
+          </a:lnRef>
+          <a:fillRef idx="0">
+            <a:schemeClr val="accent3"/>
+          </a:fillRef>
+          <a:effectRef idx="1">
+            <a:schemeClr val="accent3"/>
+          </a:effectRef>
+          <a:fontRef idx="minor">
+            <a:schemeClr val="tx1"/>
+          </a:fontRef>
+        </p:style>
+      </p:cxnSp>
+      <p:cxnSp>
+        <p:nvCxnSpPr>
+          <p:cNvPr id="82" name="Connecteur droit 81"/>
+          <p:cNvCxnSpPr>
+            <a:stCxn id="69" idx="4"/>
+            <a:endCxn id="70" idx="0"/>
+          </p:cNvCxnSpPr>
+          <p:nvPr/>
+        </p:nvCxnSpPr>
+        <p:spPr>
+          <a:xfrm>
+            <a:off x="4534410" y="4178760"/>
+            <a:ext cx="129901" cy="236571"/>
+          </a:xfrm>
+          <a:prstGeom prst="line">
+            <a:avLst/>
+          </a:prstGeom>
+          <a:ln>
+            <a:headEnd type="none"/>
+            <a:tailEnd type="arrow"/>
+          </a:ln>
+        </p:spPr>
+        <p:style>
+          <a:lnRef idx="2">
+            <a:schemeClr val="accent3"/>
+          </a:lnRef>
+          <a:fillRef idx="0">
+            <a:schemeClr val="accent3"/>
+          </a:fillRef>
+          <a:effectRef idx="1">
+            <a:schemeClr val="accent3"/>
+          </a:effectRef>
+          <a:fontRef idx="minor">
+            <a:schemeClr val="tx1"/>
+          </a:fontRef>
+        </p:style>
+      </p:cxnSp>
+      <p:cxnSp>
+        <p:nvCxnSpPr>
+          <p:cNvPr id="94" name="Connecteur droit 93"/>
+          <p:cNvCxnSpPr>
+            <a:stCxn id="66" idx="6"/>
+            <a:endCxn id="68" idx="2"/>
+          </p:cNvCxnSpPr>
+          <p:nvPr/>
+        </p:nvCxnSpPr>
+        <p:spPr>
+          <a:xfrm flipV="1">
+            <a:off x="3240528" y="3859722"/>
+            <a:ext cx="539795" cy="106311"/>
+          </a:xfrm>
+          <a:prstGeom prst="line">
+            <a:avLst/>
+          </a:prstGeom>
+          <a:ln>
+            <a:headEnd type="none"/>
+            <a:tailEnd type="arrow"/>
+          </a:ln>
+        </p:spPr>
+        <p:style>
+          <a:lnRef idx="2">
+            <a:schemeClr val="accent3"/>
+          </a:lnRef>
+          <a:fillRef idx="0">
+            <a:schemeClr val="accent3"/>
+          </a:fillRef>
+          <a:effectRef idx="1">
+            <a:schemeClr val="accent3"/>
+          </a:effectRef>
+          <a:fontRef idx="minor">
+            <a:schemeClr val="tx1"/>
+          </a:fontRef>
+        </p:style>
+      </p:cxnSp>
+    </p:spTree>
+    <p:extLst>
+      <p:ext uri="{BB962C8B-B14F-4D97-AF65-F5344CB8AC3E}">
+        <p14:creationId xmlns:p14="http://schemas.microsoft.com/office/powerpoint/2010/main" val="3058284765"/>
+      </p:ext>
+    </p:extLst>
+  </p:cSld>
+  <p:clrMapOvr>
+    <a:masterClrMapping/>
+  </p:clrMapOvr>
+</p:sld>
+</file>
+
+<file path=ppt/slides/slide27.xml><?xml version="1.0" encoding="utf-8"?>
+<p:sld xmlns:a="http://schemas.openxmlformats.org/drawingml/2006/main" xmlns:r="http://schemas.openxmlformats.org/officeDocument/2006/relationships" xmlns:p="http://schemas.openxmlformats.org/presentationml/2006/main">
+  <p:cSld>
+    <p:spTree>
+      <p:nvGrpSpPr>
+        <p:cNvPr id="1" name=""/>
+        <p:cNvGrpSpPr/>
+        <p:nvPr/>
+      </p:nvGrpSpPr>
+      <p:grpSpPr>
+        <a:xfrm>
+          <a:off x="0" y="0"/>
+          <a:ext cx="0" cy="0"/>
+          <a:chOff x="0" y="0"/>
+          <a:chExt cx="0" cy="0"/>
+        </a:xfrm>
+      </p:grpSpPr>
+      <p:sp>
+        <p:nvSpPr>
+          <p:cNvPr id="3" name="Titre 2"/>
+          <p:cNvSpPr>
+            <a:spLocks noGrp="1"/>
+          </p:cNvSpPr>
+          <p:nvPr>
+            <p:ph type="title"/>
+          </p:nvPr>
+        </p:nvSpPr>
+        <p:spPr/>
+        <p:txBody>
+          <a:bodyPr/>
+          <a:lstStyle/>
+          <a:p>
+            <a:r>
+              <a:rPr lang="fr-FR"/>
+              <a:t>Exemple</a:t>
+            </a:r>
+          </a:p>
+        </p:txBody>
+      </p:sp>
+      <p:sp>
+        <p:nvSpPr>
+          <p:cNvPr id="4" name="Espace réservé du contenu 3"/>
+          <p:cNvSpPr>
+            <a:spLocks noGrp="1"/>
+          </p:cNvSpPr>
+          <p:nvPr>
+            <p:ph idx="1"/>
+          </p:nvPr>
+        </p:nvSpPr>
+        <p:spPr/>
+        <p:txBody>
+          <a:bodyPr/>
+          <a:lstStyle/>
+          <a:p>
+            <a:r>
+              <a:rPr lang="fr-FR" i="1"/>
+              <a:t>a</a:t>
+            </a:r>
+            <a:r>
+              <a:rPr lang="fr-FR"/>
+              <a:t> reçoit ACK_SEARCH_QUEUE depuis </a:t>
+            </a:r>
+            <a:r>
+              <a:rPr lang="fr-FR" i="1"/>
+              <a:t>h</a:t>
+            </a:r>
+          </a:p>
+          <a:p>
+            <a:r>
+              <a:rPr lang="fr-FR" i="1"/>
+              <a:t>a</a:t>
+            </a:r>
+            <a:r>
+              <a:rPr lang="fr-FR"/>
+              <a:t> envoie CONNECTION à </a:t>
+            </a:r>
+            <a:r>
+              <a:rPr lang="fr-FR" i="1"/>
+              <a:t>h</a:t>
+            </a:r>
+            <a:endParaRPr lang="fr-FR"/>
+          </a:p>
+          <a:p>
+            <a:endParaRPr lang="fr-FR"/>
+          </a:p>
+          <a:p>
+            <a:endParaRPr lang="fr-FR"/>
+          </a:p>
+          <a:p>
+            <a:endParaRPr lang="fr-FR"/>
+          </a:p>
+          <a:p>
+            <a:r>
+              <a:rPr lang="fr-FR" i="1"/>
+              <a:t>d</a:t>
+            </a:r>
+            <a:r>
+              <a:rPr lang="fr-FR"/>
+              <a:t> demande la section critique à </a:t>
+            </a:r>
+            <a:r>
+              <a:rPr lang="fr-FR" i="1"/>
+              <a:t>a</a:t>
+            </a:r>
+          </a:p>
+        </p:txBody>
+      </p:sp>
+      <p:sp>
+        <p:nvSpPr>
+          <p:cNvPr id="2" name="Espace réservé du numéro de diapositive 1"/>
+          <p:cNvSpPr>
+            <a:spLocks noGrp="1"/>
+          </p:cNvSpPr>
+          <p:nvPr>
+            <p:ph type="sldNum" sz="quarter" idx="12"/>
+          </p:nvPr>
+        </p:nvSpPr>
+        <p:spPr/>
+        <p:txBody>
+          <a:bodyPr/>
+          <a:lstStyle/>
+          <a:p>
+            <a:fld id="{D7E63A33-8271-4DD0-9C48-789913D7C115}" type="slidenum">
+              <a:rPr lang="en-US" smtClean="0"/>
+              <a:pPr/>
+              <a:t>26</a:t>
+            </a:fld>
+            <a:endParaRPr lang="en-US"/>
+          </a:p>
+        </p:txBody>
+      </p:sp>
+      <p:sp>
+        <p:nvSpPr>
+          <p:cNvPr id="85" name="Ellipse 84"/>
+          <p:cNvSpPr/>
+          <p:nvPr/>
+        </p:nvSpPr>
+        <p:spPr>
+          <a:xfrm>
+            <a:off x="6411485" y="3794549"/>
+            <a:ext cx="339941" cy="342968"/>
+          </a:xfrm>
+          <a:prstGeom prst="ellipse">
+            <a:avLst/>
+          </a:prstGeom>
+        </p:spPr>
+        <p:style>
+          <a:lnRef idx="2">
+            <a:schemeClr val="accent1">
+              <a:shade val="50000"/>
+            </a:schemeClr>
+          </a:lnRef>
+          <a:fillRef idx="1">
+            <a:schemeClr val="accent1"/>
+          </a:fillRef>
+          <a:effectRef idx="0">
+            <a:schemeClr val="accent1"/>
+          </a:effectRef>
+          <a:fontRef idx="minor">
+            <a:schemeClr val="lt1"/>
+          </a:fontRef>
+        </p:style>
+        <p:txBody>
+          <a:bodyPr lIns="0" tIns="0" rIns="0" bIns="46800" rtlCol="0" anchor="ctr" anchorCtr="0"/>
+          <a:lstStyle/>
+          <a:p>
+            <a:pPr algn="ctr"/>
+            <a:r>
+              <a:rPr lang="fr-FR"/>
+              <a:t>a</a:t>
+            </a:r>
+          </a:p>
+        </p:txBody>
+      </p:sp>
+      <p:sp>
+        <p:nvSpPr>
+          <p:cNvPr id="86" name="Ellipse 85"/>
+          <p:cNvSpPr/>
+          <p:nvPr/>
+        </p:nvSpPr>
+        <p:spPr>
+          <a:xfrm>
+            <a:off x="6829105" y="3173786"/>
+            <a:ext cx="339941" cy="342968"/>
+          </a:xfrm>
+          <a:prstGeom prst="ellipse">
+            <a:avLst/>
+          </a:prstGeom>
+        </p:spPr>
+        <p:style>
+          <a:lnRef idx="2">
+            <a:schemeClr val="accent1">
+              <a:shade val="50000"/>
+            </a:schemeClr>
+          </a:lnRef>
+          <a:fillRef idx="1">
+            <a:schemeClr val="accent1"/>
+          </a:fillRef>
+          <a:effectRef idx="0">
+            <a:schemeClr val="accent1"/>
+          </a:effectRef>
+          <a:fontRef idx="minor">
+            <a:schemeClr val="lt1"/>
+          </a:fontRef>
+        </p:style>
+        <p:txBody>
+          <a:bodyPr lIns="0" tIns="0" rIns="0" bIns="46800" rtlCol="0" anchor="ctr" anchorCtr="0"/>
+          <a:lstStyle/>
+          <a:p>
+            <a:pPr algn="ctr"/>
+            <a:r>
+              <a:rPr lang="fr-FR"/>
+              <a:t>c</a:t>
+            </a:r>
+          </a:p>
+        </p:txBody>
+      </p:sp>
+      <p:sp>
+        <p:nvSpPr>
+          <p:cNvPr id="87" name="Ellipse 86"/>
+          <p:cNvSpPr/>
+          <p:nvPr/>
+        </p:nvSpPr>
+        <p:spPr>
+          <a:xfrm>
+            <a:off x="7291221" y="3688238"/>
+            <a:ext cx="339941" cy="342968"/>
+          </a:xfrm>
+          <a:prstGeom prst="ellipse">
+            <a:avLst/>
+          </a:prstGeom>
+        </p:spPr>
+        <p:style>
+          <a:lnRef idx="2">
+            <a:schemeClr val="accent1">
+              <a:shade val="50000"/>
+            </a:schemeClr>
+          </a:lnRef>
+          <a:fillRef idx="1">
+            <a:schemeClr val="accent1"/>
+          </a:fillRef>
+          <a:effectRef idx="0">
+            <a:schemeClr val="accent1"/>
+          </a:effectRef>
+          <a:fontRef idx="minor">
+            <a:schemeClr val="lt1"/>
+          </a:fontRef>
+        </p:style>
+        <p:txBody>
+          <a:bodyPr lIns="0" tIns="0" rIns="0" bIns="46800" rtlCol="0" anchor="ctr" anchorCtr="0"/>
+          <a:lstStyle/>
+          <a:p>
+            <a:pPr algn="ctr"/>
+            <a:r>
+              <a:rPr lang="fr-FR"/>
+              <a:t>b</a:t>
+            </a:r>
+          </a:p>
+        </p:txBody>
+      </p:sp>
+      <p:sp>
+        <p:nvSpPr>
+          <p:cNvPr id="88" name="Ellipse 87"/>
+          <p:cNvSpPr/>
+          <p:nvPr/>
+        </p:nvSpPr>
+        <p:spPr>
+          <a:xfrm>
+            <a:off x="7875337" y="3835792"/>
+            <a:ext cx="339941" cy="342968"/>
+          </a:xfrm>
+          <a:prstGeom prst="ellipse">
+            <a:avLst/>
+          </a:prstGeom>
+        </p:spPr>
+        <p:style>
+          <a:lnRef idx="2">
+            <a:schemeClr val="accent1">
+              <a:shade val="50000"/>
+            </a:schemeClr>
+          </a:lnRef>
+          <a:fillRef idx="1">
+            <a:schemeClr val="accent1"/>
+          </a:fillRef>
+          <a:effectRef idx="0">
+            <a:schemeClr val="accent1"/>
+          </a:effectRef>
+          <a:fontRef idx="minor">
+            <a:schemeClr val="lt1"/>
+          </a:fontRef>
+        </p:style>
+        <p:txBody>
+          <a:bodyPr lIns="0" tIns="0" rIns="0" bIns="46800" rtlCol="0" anchor="ctr" anchorCtr="0"/>
+          <a:lstStyle/>
+          <a:p>
+            <a:pPr algn="ctr"/>
+            <a:r>
+              <a:rPr lang="fr-FR"/>
+              <a:t>d</a:t>
+            </a:r>
+          </a:p>
+        </p:txBody>
+      </p:sp>
+      <p:sp>
+        <p:nvSpPr>
+          <p:cNvPr id="89" name="Ellipse 88"/>
+          <p:cNvSpPr/>
+          <p:nvPr/>
+        </p:nvSpPr>
+        <p:spPr>
+          <a:xfrm>
+            <a:off x="8005238" y="4415331"/>
+            <a:ext cx="339941" cy="342968"/>
+          </a:xfrm>
+          <a:prstGeom prst="ellipse">
+            <a:avLst/>
+          </a:prstGeom>
+        </p:spPr>
+        <p:style>
+          <a:lnRef idx="2">
+            <a:schemeClr val="accent1">
+              <a:shade val="50000"/>
+            </a:schemeClr>
+          </a:lnRef>
+          <a:fillRef idx="1">
+            <a:schemeClr val="accent1"/>
+          </a:fillRef>
+          <a:effectRef idx="0">
+            <a:schemeClr val="accent1"/>
+          </a:effectRef>
+          <a:fontRef idx="minor">
+            <a:schemeClr val="lt1"/>
+          </a:fontRef>
+        </p:style>
+        <p:txBody>
+          <a:bodyPr lIns="0" tIns="0" rIns="0" bIns="46800" rtlCol="0" anchor="ctr" anchorCtr="0"/>
+          <a:lstStyle/>
+          <a:p>
+            <a:pPr algn="ctr"/>
+            <a:r>
+              <a:rPr lang="fr-FR"/>
+              <a:t>e</a:t>
+            </a:r>
+          </a:p>
+        </p:txBody>
+      </p:sp>
+      <p:cxnSp>
+        <p:nvCxnSpPr>
+          <p:cNvPr id="91" name="Connecteur droit 90"/>
+          <p:cNvCxnSpPr>
+            <a:stCxn id="87" idx="1"/>
+            <a:endCxn id="86" idx="5"/>
+          </p:cNvCxnSpPr>
+          <p:nvPr/>
+        </p:nvCxnSpPr>
+        <p:spPr>
+          <a:xfrm flipH="1" flipV="1">
+            <a:off x="7119263" y="3466527"/>
+            <a:ext cx="221741" cy="271938"/>
+          </a:xfrm>
+          <a:prstGeom prst="line">
+            <a:avLst/>
+          </a:prstGeom>
+          <a:ln>
+            <a:headEnd type="none"/>
+            <a:tailEnd type="arrow"/>
+          </a:ln>
+        </p:spPr>
+        <p:style>
+          <a:lnRef idx="2">
+            <a:schemeClr val="accent4"/>
+          </a:lnRef>
+          <a:fillRef idx="0">
+            <a:schemeClr val="accent4"/>
+          </a:fillRef>
+          <a:effectRef idx="1">
+            <a:schemeClr val="accent4"/>
+          </a:effectRef>
+          <a:fontRef idx="minor">
+            <a:schemeClr val="tx1"/>
+          </a:fontRef>
+        </p:style>
+      </p:cxnSp>
+      <p:sp>
+        <p:nvSpPr>
+          <p:cNvPr id="35" name="Ellipse 34"/>
+          <p:cNvSpPr/>
+          <p:nvPr/>
+        </p:nvSpPr>
+        <p:spPr>
+          <a:xfrm>
+            <a:off x="5882258" y="5131554"/>
+            <a:ext cx="339941" cy="342968"/>
+          </a:xfrm>
+          <a:prstGeom prst="ellipse">
+            <a:avLst/>
+          </a:prstGeom>
+        </p:spPr>
+        <p:style>
+          <a:lnRef idx="2">
+            <a:schemeClr val="accent1">
+              <a:shade val="50000"/>
+            </a:schemeClr>
+          </a:lnRef>
+          <a:fillRef idx="1">
+            <a:schemeClr val="accent1"/>
+          </a:fillRef>
+          <a:effectRef idx="0">
+            <a:schemeClr val="accent1"/>
+          </a:effectRef>
+          <a:fontRef idx="minor">
+            <a:schemeClr val="lt1"/>
+          </a:fontRef>
+        </p:style>
+        <p:txBody>
+          <a:bodyPr lIns="0" tIns="0" rIns="0" bIns="46800" rtlCol="0" anchor="ctr" anchorCtr="0"/>
+          <a:lstStyle/>
+          <a:p>
+            <a:pPr algn="ctr"/>
+            <a:r>
+              <a:rPr lang="fr-FR"/>
+              <a:t>f</a:t>
+            </a:r>
+          </a:p>
+        </p:txBody>
+      </p:sp>
+      <p:sp>
+        <p:nvSpPr>
+          <p:cNvPr id="36" name="Ellipse 35"/>
+          <p:cNvSpPr/>
+          <p:nvPr/>
+        </p:nvSpPr>
+        <p:spPr>
+          <a:xfrm>
+            <a:off x="6701044" y="5131554"/>
+            <a:ext cx="339941" cy="342968"/>
+          </a:xfrm>
+          <a:prstGeom prst="ellipse">
+            <a:avLst/>
+          </a:prstGeom>
+        </p:spPr>
+        <p:style>
+          <a:lnRef idx="2">
+            <a:schemeClr val="accent1">
+              <a:shade val="50000"/>
+            </a:schemeClr>
+          </a:lnRef>
+          <a:fillRef idx="1">
+            <a:schemeClr val="accent1"/>
+          </a:fillRef>
+          <a:effectRef idx="0">
+            <a:schemeClr val="accent1"/>
+          </a:effectRef>
+          <a:fontRef idx="minor">
+            <a:schemeClr val="lt1"/>
+          </a:fontRef>
+        </p:style>
+        <p:txBody>
+          <a:bodyPr lIns="0" tIns="0" rIns="0" bIns="46800" rtlCol="0" anchor="ctr" anchorCtr="0"/>
+          <a:lstStyle/>
+          <a:p>
+            <a:pPr algn="ctr"/>
+            <a:r>
+              <a:rPr lang="fr-FR"/>
+              <a:t>g</a:t>
+            </a:r>
+          </a:p>
+        </p:txBody>
+      </p:sp>
+      <p:sp>
+        <p:nvSpPr>
+          <p:cNvPr id="41" name="Ellipse 40"/>
+          <p:cNvSpPr/>
+          <p:nvPr/>
+        </p:nvSpPr>
+        <p:spPr>
+          <a:xfrm>
+            <a:off x="7607783" y="5131554"/>
+            <a:ext cx="339941" cy="342968"/>
+          </a:xfrm>
+          <a:prstGeom prst="ellipse">
+            <a:avLst/>
+          </a:prstGeom>
+        </p:spPr>
+        <p:style>
+          <a:lnRef idx="2">
+            <a:schemeClr val="accent1">
+              <a:shade val="50000"/>
+            </a:schemeClr>
+          </a:lnRef>
+          <a:fillRef idx="1">
+            <a:schemeClr val="accent1"/>
+          </a:fillRef>
+          <a:effectRef idx="0">
+            <a:schemeClr val="accent1"/>
+          </a:effectRef>
+          <a:fontRef idx="minor">
+            <a:schemeClr val="lt1"/>
+          </a:fontRef>
+        </p:style>
+        <p:txBody>
+          <a:bodyPr lIns="0" tIns="0" rIns="0" bIns="46800" rtlCol="0" anchor="ctr" anchorCtr="0"/>
+          <a:lstStyle/>
+          <a:p>
+            <a:pPr algn="ctr"/>
+            <a:r>
+              <a:rPr lang="fr-FR"/>
+              <a:t>h</a:t>
+            </a:r>
+          </a:p>
+        </p:txBody>
+      </p:sp>
+      <p:cxnSp>
+        <p:nvCxnSpPr>
+          <p:cNvPr id="44" name="Connecteur droit 43"/>
+          <p:cNvCxnSpPr>
+            <a:stCxn id="85" idx="6"/>
+            <a:endCxn id="87" idx="2"/>
+          </p:cNvCxnSpPr>
+          <p:nvPr/>
+        </p:nvCxnSpPr>
+        <p:spPr>
+          <a:xfrm flipV="1">
+            <a:off x="6751426" y="3859722"/>
+            <a:ext cx="539795" cy="106311"/>
+          </a:xfrm>
+          <a:prstGeom prst="line">
+            <a:avLst/>
+          </a:prstGeom>
+          <a:ln>
+            <a:headEnd type="none"/>
+            <a:tailEnd type="arrow"/>
+          </a:ln>
+        </p:spPr>
+        <p:style>
+          <a:lnRef idx="2">
+            <a:schemeClr val="accent4"/>
+          </a:lnRef>
+          <a:fillRef idx="0">
+            <a:schemeClr val="accent4"/>
+          </a:fillRef>
+          <a:effectRef idx="1">
+            <a:schemeClr val="accent4"/>
+          </a:effectRef>
+          <a:fontRef idx="minor">
+            <a:schemeClr val="tx1"/>
+          </a:fontRef>
+        </p:style>
+      </p:cxnSp>
+      <p:cxnSp>
+        <p:nvCxnSpPr>
+          <p:cNvPr id="56" name="Connecteur droit 55"/>
+          <p:cNvCxnSpPr>
+            <a:stCxn id="36" idx="6"/>
+            <a:endCxn id="41" idx="2"/>
+          </p:cNvCxnSpPr>
+          <p:nvPr/>
+        </p:nvCxnSpPr>
+        <p:spPr>
+          <a:xfrm>
+            <a:off x="7040985" y="5303038"/>
+            <a:ext cx="566798" cy="0"/>
+          </a:xfrm>
+          <a:prstGeom prst="line">
+            <a:avLst/>
+          </a:prstGeom>
+          <a:ln>
+            <a:headEnd type="none"/>
+            <a:tailEnd type="arrow"/>
+          </a:ln>
+        </p:spPr>
+        <p:style>
+          <a:lnRef idx="2">
+            <a:schemeClr val="accent4"/>
+          </a:lnRef>
+          <a:fillRef idx="0">
+            <a:schemeClr val="accent4"/>
+          </a:fillRef>
+          <a:effectRef idx="1">
+            <a:schemeClr val="accent4"/>
+          </a:effectRef>
+          <a:fontRef idx="minor">
+            <a:schemeClr val="tx1"/>
+          </a:fontRef>
+        </p:style>
+      </p:cxnSp>
+      <p:cxnSp>
+        <p:nvCxnSpPr>
+          <p:cNvPr id="59" name="Connecteur droit 58"/>
+          <p:cNvCxnSpPr>
+            <a:stCxn id="88" idx="4"/>
+            <a:endCxn id="89" idx="0"/>
+          </p:cNvCxnSpPr>
+          <p:nvPr/>
+        </p:nvCxnSpPr>
+        <p:spPr>
+          <a:xfrm>
+            <a:off x="8045308" y="4178760"/>
+            <a:ext cx="129901" cy="236571"/>
+          </a:xfrm>
+          <a:prstGeom prst="line">
+            <a:avLst/>
+          </a:prstGeom>
+          <a:ln>
+            <a:headEnd type="none"/>
+            <a:tailEnd type="arrow"/>
+          </a:ln>
+        </p:spPr>
+        <p:style>
+          <a:lnRef idx="2">
+            <a:schemeClr val="accent4"/>
+          </a:lnRef>
+          <a:fillRef idx="0">
+            <a:schemeClr val="accent4"/>
+          </a:fillRef>
+          <a:effectRef idx="1">
+            <a:schemeClr val="accent4"/>
+          </a:effectRef>
+          <a:fontRef idx="minor">
+            <a:schemeClr val="tx1"/>
+          </a:fontRef>
+        </p:style>
+      </p:cxnSp>
+      <p:sp>
+        <p:nvSpPr>
+          <p:cNvPr id="66" name="Ellipse 65"/>
+          <p:cNvSpPr/>
+          <p:nvPr/>
+        </p:nvSpPr>
+        <p:spPr>
+          <a:xfrm>
+            <a:off x="2900587" y="3794549"/>
+            <a:ext cx="339941" cy="342968"/>
+          </a:xfrm>
+          <a:prstGeom prst="ellipse">
+            <a:avLst/>
+          </a:prstGeom>
+        </p:spPr>
+        <p:style>
+          <a:lnRef idx="2">
+            <a:schemeClr val="accent1">
+              <a:shade val="50000"/>
+            </a:schemeClr>
+          </a:lnRef>
+          <a:fillRef idx="1">
+            <a:schemeClr val="accent1"/>
+          </a:fillRef>
+          <a:effectRef idx="0">
+            <a:schemeClr val="accent1"/>
+          </a:effectRef>
+          <a:fontRef idx="minor">
+            <a:schemeClr val="lt1"/>
+          </a:fontRef>
+        </p:style>
+        <p:txBody>
+          <a:bodyPr lIns="0" tIns="0" rIns="0" bIns="46800" rtlCol="0" anchor="ctr" anchorCtr="0"/>
+          <a:lstStyle/>
+          <a:p>
+            <a:pPr algn="ctr"/>
+            <a:r>
+              <a:rPr lang="fr-FR"/>
+              <a:t>a</a:t>
+            </a:r>
+          </a:p>
+        </p:txBody>
+      </p:sp>
+      <p:sp>
+        <p:nvSpPr>
+          <p:cNvPr id="67" name="Ellipse 66"/>
+          <p:cNvSpPr/>
+          <p:nvPr/>
+        </p:nvSpPr>
+        <p:spPr>
+          <a:xfrm>
+            <a:off x="3318207" y="3173786"/>
+            <a:ext cx="339941" cy="342968"/>
+          </a:xfrm>
+          <a:prstGeom prst="ellipse">
+            <a:avLst/>
+          </a:prstGeom>
+        </p:spPr>
+        <p:style>
+          <a:lnRef idx="2">
+            <a:schemeClr val="accent1">
+              <a:shade val="50000"/>
+            </a:schemeClr>
+          </a:lnRef>
+          <a:fillRef idx="1">
+            <a:schemeClr val="accent1"/>
+          </a:fillRef>
+          <a:effectRef idx="0">
+            <a:schemeClr val="accent1"/>
+          </a:effectRef>
+          <a:fontRef idx="minor">
+            <a:schemeClr val="lt1"/>
+          </a:fontRef>
+        </p:style>
+        <p:txBody>
+          <a:bodyPr lIns="0" tIns="0" rIns="0" bIns="46800" rtlCol="0" anchor="ctr" anchorCtr="0"/>
+          <a:lstStyle/>
+          <a:p>
+            <a:pPr algn="ctr"/>
+            <a:r>
+              <a:rPr lang="fr-FR"/>
+              <a:t>c</a:t>
+            </a:r>
+          </a:p>
+        </p:txBody>
+      </p:sp>
+      <p:sp>
+        <p:nvSpPr>
+          <p:cNvPr id="68" name="Ellipse 67"/>
+          <p:cNvSpPr/>
+          <p:nvPr/>
+        </p:nvSpPr>
+        <p:spPr>
+          <a:xfrm>
+            <a:off x="3780323" y="3688238"/>
+            <a:ext cx="339941" cy="342968"/>
+          </a:xfrm>
+          <a:prstGeom prst="ellipse">
+            <a:avLst/>
+          </a:prstGeom>
+        </p:spPr>
+        <p:style>
+          <a:lnRef idx="2">
+            <a:schemeClr val="accent1">
+              <a:shade val="50000"/>
+            </a:schemeClr>
+          </a:lnRef>
+          <a:fillRef idx="1">
+            <a:schemeClr val="accent1"/>
+          </a:fillRef>
+          <a:effectRef idx="0">
+            <a:schemeClr val="accent1"/>
+          </a:effectRef>
+          <a:fontRef idx="minor">
+            <a:schemeClr val="lt1"/>
+          </a:fontRef>
+        </p:style>
+        <p:txBody>
+          <a:bodyPr lIns="0" tIns="0" rIns="0" bIns="46800" rtlCol="0" anchor="ctr" anchorCtr="0"/>
+          <a:lstStyle/>
+          <a:p>
+            <a:pPr algn="ctr"/>
+            <a:r>
+              <a:rPr lang="fr-FR"/>
+              <a:t>b</a:t>
+            </a:r>
+          </a:p>
+        </p:txBody>
+      </p:sp>
+      <p:sp>
+        <p:nvSpPr>
+          <p:cNvPr id="69" name="Ellipse 68"/>
+          <p:cNvSpPr/>
+          <p:nvPr/>
+        </p:nvSpPr>
+        <p:spPr>
+          <a:xfrm>
+            <a:off x="4364439" y="3835792"/>
+            <a:ext cx="339941" cy="342968"/>
+          </a:xfrm>
+          <a:prstGeom prst="ellipse">
+            <a:avLst/>
+          </a:prstGeom>
+        </p:spPr>
+        <p:style>
+          <a:lnRef idx="2">
+            <a:schemeClr val="accent1">
+              <a:shade val="50000"/>
+            </a:schemeClr>
+          </a:lnRef>
+          <a:fillRef idx="1">
+            <a:schemeClr val="accent1"/>
+          </a:fillRef>
+          <a:effectRef idx="0">
+            <a:schemeClr val="accent1"/>
+          </a:effectRef>
+          <a:fontRef idx="minor">
+            <a:schemeClr val="lt1"/>
+          </a:fontRef>
+        </p:style>
+        <p:txBody>
+          <a:bodyPr lIns="0" tIns="0" rIns="0" bIns="46800" rtlCol="0" anchor="ctr" anchorCtr="0"/>
+          <a:lstStyle/>
+          <a:p>
+            <a:pPr algn="ctr"/>
+            <a:r>
+              <a:rPr lang="fr-FR"/>
+              <a:t>d</a:t>
+            </a:r>
+          </a:p>
+        </p:txBody>
+      </p:sp>
+      <p:sp>
+        <p:nvSpPr>
+          <p:cNvPr id="70" name="Ellipse 69"/>
+          <p:cNvSpPr/>
+          <p:nvPr/>
+        </p:nvSpPr>
+        <p:spPr>
+          <a:xfrm>
+            <a:off x="4494340" y="4415331"/>
+            <a:ext cx="339941" cy="342968"/>
+          </a:xfrm>
+          <a:prstGeom prst="ellipse">
+            <a:avLst/>
+          </a:prstGeom>
+        </p:spPr>
+        <p:style>
+          <a:lnRef idx="2">
+            <a:schemeClr val="accent1">
+              <a:shade val="50000"/>
+            </a:schemeClr>
+          </a:lnRef>
+          <a:fillRef idx="1">
+            <a:schemeClr val="accent1"/>
+          </a:fillRef>
+          <a:effectRef idx="0">
+            <a:schemeClr val="accent1"/>
+          </a:effectRef>
+          <a:fontRef idx="minor">
+            <a:schemeClr val="lt1"/>
+          </a:fontRef>
+        </p:style>
+        <p:txBody>
+          <a:bodyPr lIns="0" tIns="0" rIns="0" bIns="46800" rtlCol="0" anchor="ctr" anchorCtr="0"/>
+          <a:lstStyle/>
+          <a:p>
+            <a:pPr algn="ctr"/>
+            <a:r>
+              <a:rPr lang="fr-FR"/>
+              <a:t>e</a:t>
+            </a:r>
+          </a:p>
+        </p:txBody>
+      </p:sp>
+      <p:cxnSp>
+        <p:nvCxnSpPr>
+          <p:cNvPr id="71" name="Connecteur droit 70"/>
+          <p:cNvCxnSpPr>
+            <a:stCxn id="67" idx="6"/>
+            <a:endCxn id="69" idx="1"/>
+          </p:cNvCxnSpPr>
+          <p:nvPr/>
+        </p:nvCxnSpPr>
+        <p:spPr>
+          <a:xfrm>
+            <a:off x="3658148" y="3345270"/>
+            <a:ext cx="756074" cy="540749"/>
+          </a:xfrm>
+          <a:prstGeom prst="line">
+            <a:avLst/>
+          </a:prstGeom>
+          <a:ln>
+            <a:headEnd type="none"/>
+            <a:tailEnd type="arrow"/>
+          </a:ln>
+        </p:spPr>
+        <p:style>
+          <a:lnRef idx="2">
+            <a:schemeClr val="accent3"/>
+          </a:lnRef>
+          <a:fillRef idx="0">
+            <a:schemeClr val="accent3"/>
+          </a:fillRef>
+          <a:effectRef idx="1">
+            <a:schemeClr val="accent3"/>
+          </a:effectRef>
+          <a:fontRef idx="minor">
+            <a:schemeClr val="tx1"/>
+          </a:fontRef>
+        </p:style>
+      </p:cxnSp>
+      <p:sp>
+        <p:nvSpPr>
+          <p:cNvPr id="72" name="Ellipse 71"/>
+          <p:cNvSpPr/>
+          <p:nvPr/>
+        </p:nvSpPr>
+        <p:spPr>
+          <a:xfrm>
+            <a:off x="2371360" y="5131554"/>
+            <a:ext cx="339941" cy="342968"/>
+          </a:xfrm>
+          <a:prstGeom prst="ellipse">
+            <a:avLst/>
+          </a:prstGeom>
+        </p:spPr>
+        <p:style>
+          <a:lnRef idx="2">
+            <a:schemeClr val="accent1">
+              <a:shade val="50000"/>
+            </a:schemeClr>
+          </a:lnRef>
+          <a:fillRef idx="1">
+            <a:schemeClr val="accent1"/>
+          </a:fillRef>
+          <a:effectRef idx="0">
+            <a:schemeClr val="accent1"/>
+          </a:effectRef>
+          <a:fontRef idx="minor">
+            <a:schemeClr val="lt1"/>
+          </a:fontRef>
+        </p:style>
+        <p:txBody>
+          <a:bodyPr lIns="0" tIns="0" rIns="0" bIns="46800" rtlCol="0" anchor="ctr" anchorCtr="0"/>
+          <a:lstStyle/>
+          <a:p>
+            <a:pPr algn="ctr"/>
+            <a:r>
+              <a:rPr lang="fr-FR"/>
+              <a:t>f</a:t>
+            </a:r>
+          </a:p>
+        </p:txBody>
+      </p:sp>
+      <p:sp>
+        <p:nvSpPr>
+          <p:cNvPr id="73" name="Ellipse 72"/>
+          <p:cNvSpPr/>
+          <p:nvPr/>
+        </p:nvSpPr>
+        <p:spPr>
+          <a:xfrm>
+            <a:off x="3190146" y="5131554"/>
+            <a:ext cx="339941" cy="342968"/>
+          </a:xfrm>
+          <a:prstGeom prst="ellipse">
+            <a:avLst/>
+          </a:prstGeom>
+        </p:spPr>
+        <p:style>
+          <a:lnRef idx="2">
+            <a:schemeClr val="accent1">
+              <a:shade val="50000"/>
+            </a:schemeClr>
+          </a:lnRef>
+          <a:fillRef idx="1">
+            <a:schemeClr val="accent1"/>
+          </a:fillRef>
+          <a:effectRef idx="0">
+            <a:schemeClr val="accent1"/>
+          </a:effectRef>
+          <a:fontRef idx="minor">
+            <a:schemeClr val="lt1"/>
+          </a:fontRef>
+        </p:style>
+        <p:txBody>
+          <a:bodyPr lIns="0" tIns="0" rIns="0" bIns="46800" rtlCol="0" anchor="ctr" anchorCtr="0"/>
+          <a:lstStyle/>
+          <a:p>
+            <a:pPr algn="ctr"/>
+            <a:r>
+              <a:rPr lang="fr-FR"/>
+              <a:t>g</a:t>
+            </a:r>
+          </a:p>
+        </p:txBody>
+      </p:sp>
+      <p:sp>
+        <p:nvSpPr>
+          <p:cNvPr id="76" name="Ellipse 75"/>
+          <p:cNvSpPr/>
+          <p:nvPr/>
+        </p:nvSpPr>
+        <p:spPr>
+          <a:xfrm>
+            <a:off x="4096885" y="5131554"/>
+            <a:ext cx="339941" cy="342968"/>
+          </a:xfrm>
+          <a:prstGeom prst="ellipse">
+            <a:avLst/>
+          </a:prstGeom>
+        </p:spPr>
+        <p:style>
+          <a:lnRef idx="2">
+            <a:schemeClr val="accent1">
+              <a:shade val="50000"/>
+            </a:schemeClr>
+          </a:lnRef>
+          <a:fillRef idx="1">
+            <a:schemeClr val="accent1"/>
+          </a:fillRef>
+          <a:effectRef idx="0">
+            <a:schemeClr val="accent1"/>
+          </a:effectRef>
+          <a:fontRef idx="minor">
+            <a:schemeClr val="lt1"/>
+          </a:fontRef>
+        </p:style>
+        <p:txBody>
+          <a:bodyPr lIns="0" tIns="0" rIns="0" bIns="46800" rtlCol="0" anchor="ctr" anchorCtr="0"/>
+          <a:lstStyle/>
+          <a:p>
+            <a:pPr algn="ctr"/>
+            <a:r>
+              <a:rPr lang="fr-FR"/>
+              <a:t>h</a:t>
+            </a:r>
+          </a:p>
+        </p:txBody>
+      </p:sp>
+      <p:cxnSp>
+        <p:nvCxnSpPr>
+          <p:cNvPr id="79" name="Connecteur droit 78"/>
+          <p:cNvCxnSpPr>
+            <a:stCxn id="72" idx="0"/>
+            <a:endCxn id="66" idx="3"/>
+          </p:cNvCxnSpPr>
+          <p:nvPr/>
+        </p:nvCxnSpPr>
+        <p:spPr>
+          <a:xfrm flipV="1">
+            <a:off x="2541331" y="4087290"/>
+            <a:ext cx="409039" cy="1044264"/>
+          </a:xfrm>
+          <a:prstGeom prst="line">
+            <a:avLst/>
+          </a:prstGeom>
+          <a:ln>
+            <a:headEnd type="none"/>
+            <a:tailEnd type="arrow"/>
+          </a:ln>
+        </p:spPr>
+        <p:style>
+          <a:lnRef idx="2">
+            <a:schemeClr val="accent3"/>
+          </a:lnRef>
+          <a:fillRef idx="0">
+            <a:schemeClr val="accent3"/>
+          </a:fillRef>
+          <a:effectRef idx="1">
+            <a:schemeClr val="accent3"/>
+          </a:effectRef>
+          <a:fontRef idx="minor">
+            <a:schemeClr val="tx1"/>
+          </a:fontRef>
+        </p:style>
+      </p:cxnSp>
+      <p:cxnSp>
+        <p:nvCxnSpPr>
+          <p:cNvPr id="80" name="Connecteur droit 79"/>
+          <p:cNvCxnSpPr>
+            <a:stCxn id="76" idx="1"/>
+            <a:endCxn id="66" idx="5"/>
+          </p:cNvCxnSpPr>
+          <p:nvPr/>
+        </p:nvCxnSpPr>
+        <p:spPr>
+          <a:xfrm flipH="1" flipV="1">
+            <a:off x="3190745" y="4087290"/>
+            <a:ext cx="955923" cy="1094491"/>
+          </a:xfrm>
+          <a:prstGeom prst="line">
+            <a:avLst/>
+          </a:prstGeom>
+          <a:ln>
+            <a:headEnd type="none"/>
+            <a:tailEnd type="arrow"/>
+          </a:ln>
+        </p:spPr>
+        <p:style>
+          <a:lnRef idx="2">
+            <a:schemeClr val="accent3"/>
+          </a:lnRef>
+          <a:fillRef idx="0">
+            <a:schemeClr val="accent3"/>
+          </a:fillRef>
+          <a:effectRef idx="1">
+            <a:schemeClr val="accent3"/>
+          </a:effectRef>
+          <a:fontRef idx="minor">
+            <a:schemeClr val="tx1"/>
+          </a:fontRef>
+        </p:style>
+      </p:cxnSp>
+      <p:cxnSp>
+        <p:nvCxnSpPr>
+          <p:cNvPr id="81" name="Connecteur droit 80"/>
+          <p:cNvCxnSpPr>
+            <a:stCxn id="73" idx="0"/>
+            <a:endCxn id="66" idx="4"/>
+          </p:cNvCxnSpPr>
+          <p:nvPr/>
+        </p:nvCxnSpPr>
+        <p:spPr>
+          <a:xfrm flipH="1" flipV="1">
+            <a:off x="3070558" y="4137517"/>
+            <a:ext cx="289559" cy="994037"/>
+          </a:xfrm>
+          <a:prstGeom prst="line">
+            <a:avLst/>
+          </a:prstGeom>
+          <a:ln>
+            <a:headEnd type="none"/>
+            <a:tailEnd type="arrow"/>
+          </a:ln>
+        </p:spPr>
+        <p:style>
+          <a:lnRef idx="2">
+            <a:schemeClr val="accent3"/>
+          </a:lnRef>
+          <a:fillRef idx="0">
+            <a:schemeClr val="accent3"/>
+          </a:fillRef>
+          <a:effectRef idx="1">
+            <a:schemeClr val="accent3"/>
+          </a:effectRef>
+          <a:fontRef idx="minor">
+            <a:schemeClr val="tx1"/>
+          </a:fontRef>
+        </p:style>
+      </p:cxnSp>
+      <p:cxnSp>
+        <p:nvCxnSpPr>
+          <p:cNvPr id="82" name="Connecteur droit 81"/>
+          <p:cNvCxnSpPr>
+            <a:stCxn id="69" idx="4"/>
+            <a:endCxn id="70" idx="0"/>
+          </p:cNvCxnSpPr>
+          <p:nvPr/>
+        </p:nvCxnSpPr>
+        <p:spPr>
+          <a:xfrm>
+            <a:off x="4534410" y="4178760"/>
+            <a:ext cx="129901" cy="236571"/>
+          </a:xfrm>
+          <a:prstGeom prst="line">
+            <a:avLst/>
+          </a:prstGeom>
+          <a:ln>
+            <a:headEnd type="none"/>
+            <a:tailEnd type="arrow"/>
+          </a:ln>
+        </p:spPr>
+        <p:style>
+          <a:lnRef idx="2">
+            <a:schemeClr val="accent3"/>
+          </a:lnRef>
+          <a:fillRef idx="0">
+            <a:schemeClr val="accent3"/>
+          </a:fillRef>
+          <a:effectRef idx="1">
+            <a:schemeClr val="accent3"/>
+          </a:effectRef>
+          <a:fontRef idx="minor">
+            <a:schemeClr val="tx1"/>
+          </a:fontRef>
+        </p:style>
+      </p:cxnSp>
+      <p:cxnSp>
+        <p:nvCxnSpPr>
+          <p:cNvPr id="94" name="Connecteur droit 93"/>
+          <p:cNvCxnSpPr>
+            <a:stCxn id="68" idx="6"/>
+            <a:endCxn id="69" idx="2"/>
+          </p:cNvCxnSpPr>
+          <p:nvPr/>
+        </p:nvCxnSpPr>
+        <p:spPr>
+          <a:xfrm>
+            <a:off x="4120264" y="3859722"/>
+            <a:ext cx="244175" cy="147554"/>
+          </a:xfrm>
+          <a:prstGeom prst="line">
+            <a:avLst/>
+          </a:prstGeom>
+          <a:ln>
+            <a:headEnd type="none"/>
+            <a:tailEnd type="arrow"/>
+          </a:ln>
+        </p:spPr>
+        <p:style>
+          <a:lnRef idx="2">
+            <a:schemeClr val="accent3"/>
+          </a:lnRef>
+          <a:fillRef idx="0">
+            <a:schemeClr val="accent3"/>
+          </a:fillRef>
+          <a:effectRef idx="1">
+            <a:schemeClr val="accent3"/>
+          </a:effectRef>
+          <a:fontRef idx="minor">
+            <a:schemeClr val="tx1"/>
+          </a:fontRef>
+        </p:style>
+      </p:cxnSp>
+      <p:cxnSp>
+        <p:nvCxnSpPr>
+          <p:cNvPr id="31" name="Connecteur droit 30"/>
+          <p:cNvCxnSpPr>
+            <a:stCxn id="66" idx="6"/>
+            <a:endCxn id="69" idx="3"/>
+          </p:cNvCxnSpPr>
+          <p:nvPr/>
+        </p:nvCxnSpPr>
+        <p:spPr>
+          <a:xfrm>
+            <a:off x="3240528" y="3966033"/>
+            <a:ext cx="1173694" cy="162500"/>
+          </a:xfrm>
+          <a:prstGeom prst="line">
+            <a:avLst/>
+          </a:prstGeom>
+          <a:ln>
+            <a:headEnd type="none"/>
+            <a:tailEnd type="arrow"/>
+          </a:ln>
+        </p:spPr>
+        <p:style>
+          <a:lnRef idx="2">
+            <a:schemeClr val="accent3"/>
+          </a:lnRef>
+          <a:fillRef idx="0">
+            <a:schemeClr val="accent3"/>
+          </a:fillRef>
+          <a:effectRef idx="1">
+            <a:schemeClr val="accent3"/>
+          </a:effectRef>
+          <a:fontRef idx="minor">
+            <a:schemeClr val="tx1"/>
+          </a:fontRef>
+        </p:style>
+      </p:cxnSp>
+      <p:cxnSp>
+        <p:nvCxnSpPr>
+          <p:cNvPr id="40" name="Connecteur droit 39"/>
+          <p:cNvCxnSpPr>
+            <a:stCxn id="41" idx="1"/>
+            <a:endCxn id="85" idx="5"/>
+          </p:cNvCxnSpPr>
+          <p:nvPr/>
+        </p:nvCxnSpPr>
+        <p:spPr>
+          <a:xfrm flipH="1" flipV="1">
+            <a:off x="6701643" y="4087290"/>
+            <a:ext cx="955923" cy="1094491"/>
+          </a:xfrm>
+          <a:prstGeom prst="line">
+            <a:avLst/>
+          </a:prstGeom>
+          <a:ln>
+            <a:headEnd type="none"/>
+            <a:tailEnd type="arrow"/>
+          </a:ln>
+        </p:spPr>
+        <p:style>
+          <a:lnRef idx="2">
+            <a:schemeClr val="accent4"/>
+          </a:lnRef>
+          <a:fillRef idx="0">
+            <a:schemeClr val="accent4"/>
+          </a:fillRef>
+          <a:effectRef idx="1">
+            <a:schemeClr val="accent4"/>
+          </a:effectRef>
+          <a:fontRef idx="minor">
+            <a:schemeClr val="tx1"/>
+          </a:fontRef>
+        </p:style>
+      </p:cxnSp>
+      <p:cxnSp>
+        <p:nvCxnSpPr>
+          <p:cNvPr id="43" name="Connecteur droit 42"/>
+          <p:cNvCxnSpPr>
+            <a:stCxn id="86" idx="6"/>
+            <a:endCxn id="88" idx="1"/>
+          </p:cNvCxnSpPr>
+          <p:nvPr/>
+        </p:nvCxnSpPr>
+        <p:spPr>
+          <a:xfrm>
+            <a:off x="7169046" y="3345270"/>
+            <a:ext cx="756074" cy="540749"/>
+          </a:xfrm>
+          <a:prstGeom prst="line">
+            <a:avLst/>
+          </a:prstGeom>
+          <a:ln>
+            <a:headEnd type="none"/>
+            <a:tailEnd type="arrow"/>
+          </a:ln>
+        </p:spPr>
+        <p:style>
+          <a:lnRef idx="2">
+            <a:schemeClr val="accent4"/>
+          </a:lnRef>
+          <a:fillRef idx="0">
+            <a:schemeClr val="accent4"/>
+          </a:fillRef>
+          <a:effectRef idx="1">
+            <a:schemeClr val="accent4"/>
+          </a:effectRef>
+          <a:fontRef idx="minor">
+            <a:schemeClr val="tx1"/>
+          </a:fontRef>
+        </p:style>
+      </p:cxnSp>
+    </p:spTree>
+    <p:extLst>
+      <p:ext uri="{BB962C8B-B14F-4D97-AF65-F5344CB8AC3E}">
+        <p14:creationId xmlns:p14="http://schemas.microsoft.com/office/powerpoint/2010/main" val="249449756"/>
+      </p:ext>
+    </p:extLst>
+  </p:cSld>
+  <p:clrMapOvr>
+    <a:masterClrMapping/>
+  </p:clrMapOvr>
+</p:sld>
+</file>
+
+<file path=ppt/slides/slide28.xml><?xml version="1.0" encoding="utf-8"?>
+<p:sld xmlns:a="http://schemas.openxmlformats.org/drawingml/2006/main" xmlns:r="http://schemas.openxmlformats.org/officeDocument/2006/relationships" xmlns:p="http://schemas.openxmlformats.org/presentationml/2006/main">
+  <p:cSld>
+    <p:spTree>
+      <p:nvGrpSpPr>
+        <p:cNvPr id="1" name=""/>
+        <p:cNvGrpSpPr/>
+        <p:nvPr/>
+      </p:nvGrpSpPr>
+      <p:grpSpPr>
+        <a:xfrm>
+          <a:off x="0" y="0"/>
+          <a:ext cx="0" cy="0"/>
+          <a:chOff x="0" y="0"/>
+          <a:chExt cx="0" cy="0"/>
+        </a:xfrm>
+      </p:grpSpPr>
+      <p:sp>
+        <p:nvSpPr>
+          <p:cNvPr id="2" name="Titre 1"/>
+          <p:cNvSpPr>
+            <a:spLocks noGrp="1"/>
+          </p:cNvSpPr>
+          <p:nvPr>
+            <p:ph type="title"/>
+          </p:nvPr>
+        </p:nvSpPr>
+        <p:spPr/>
+        <p:txBody>
+          <a:bodyPr/>
+          <a:lstStyle/>
+          <a:p>
+            <a:r>
+              <a:rPr lang="fr-FR"/>
+              <a:t>Propriétés</a:t>
+            </a:r>
+          </a:p>
+        </p:txBody>
+      </p:sp>
+      <p:sp>
+        <p:nvSpPr>
+          <p:cNvPr id="3" name="Espace réservé du contenu 2"/>
+          <p:cNvSpPr>
+            <a:spLocks noGrp="1"/>
+          </p:cNvSpPr>
+          <p:nvPr>
+            <p:ph idx="1"/>
+          </p:nvPr>
+        </p:nvSpPr>
+        <p:spPr/>
+        <p:txBody>
+          <a:bodyPr/>
+          <a:lstStyle/>
+          <a:p>
+            <a:r>
+              <a:rPr lang="fr-FR"/>
+              <a:t>Vivacité</a:t>
+            </a:r>
+          </a:p>
+          <a:p>
+            <a:pPr lvl="1"/>
+            <a:r>
+              <a:rPr lang="fr-FR"/>
+              <a:t>garantie par la restauration de la file</a:t>
+            </a:r>
+          </a:p>
+          <a:p>
+            <a:r>
+              <a:rPr lang="fr-FR"/>
+              <a:t>Sureté</a:t>
+            </a:r>
+          </a:p>
+          <a:p>
+            <a:pPr lvl="1"/>
+            <a:r>
+              <a:rPr lang="fr-FR"/>
+              <a:t>garantie par l’unicité du jeton</a:t>
+            </a:r>
+          </a:p>
+          <a:p>
+            <a:r>
+              <a:rPr lang="fr-FR"/>
+              <a:t>Ordre des messages</a:t>
+            </a:r>
+          </a:p>
+          <a:p>
+            <a:pPr lvl="1"/>
+            <a:r>
+              <a:rPr lang="fr-FR"/>
+              <a:t>garantie par la restauration de la file</a:t>
+            </a:r>
+          </a:p>
+        </p:txBody>
+      </p:sp>
+      <p:sp>
+        <p:nvSpPr>
+          <p:cNvPr id="4" name="Espace réservé du numéro de diapositive 3"/>
+          <p:cNvSpPr>
+            <a:spLocks noGrp="1"/>
+          </p:cNvSpPr>
+          <p:nvPr>
+            <p:ph type="sldNum" sz="quarter" idx="12"/>
+          </p:nvPr>
+        </p:nvSpPr>
+        <p:spPr/>
+        <p:txBody>
+          <a:bodyPr/>
+          <a:lstStyle/>
+          <a:p>
+            <a:fld id="{D7E63A33-8271-4DD0-9C48-789913D7C115}" type="slidenum">
+              <a:rPr lang="en-US" smtClean="0"/>
+              <a:pPr/>
+              <a:t>27</a:t>
+            </a:fld>
+            <a:endParaRPr lang="en-US"/>
+          </a:p>
+        </p:txBody>
+      </p:sp>
+    </p:spTree>
+    <p:extLst>
+      <p:ext uri="{BB962C8B-B14F-4D97-AF65-F5344CB8AC3E}">
+        <p14:creationId xmlns:p14="http://schemas.microsoft.com/office/powerpoint/2010/main" val="113246585"/>
+      </p:ext>
+    </p:extLst>
+  </p:cSld>
+  <p:clrMapOvr>
+    <a:masterClrMapping/>
+  </p:clrMapOvr>
+</p:sld>
+</file>
+
+<file path=ppt/slides/slide29.xml><?xml version="1.0" encoding="utf-8"?>
+<p:sld xmlns:a="http://schemas.openxmlformats.org/drawingml/2006/main" xmlns:r="http://schemas.openxmlformats.org/officeDocument/2006/relationships" xmlns:p="http://schemas.openxmlformats.org/presentationml/2006/main">
+  <p:cSld>
+    <p:spTree>
+      <p:nvGrpSpPr>
+        <p:cNvPr id="1" name=""/>
+        <p:cNvGrpSpPr/>
+        <p:nvPr/>
+      </p:nvGrpSpPr>
+      <p:grpSpPr>
+        <a:xfrm>
+          <a:off x="0" y="0"/>
+          <a:ext cx="0" cy="0"/>
+          <a:chOff x="0" y="0"/>
+          <a:chExt cx="0" cy="0"/>
+        </a:xfrm>
+      </p:grpSpPr>
+      <p:sp>
+        <p:nvSpPr>
+          <p:cNvPr id="2" name="Titre 1"/>
+          <p:cNvSpPr>
+            <a:spLocks noGrp="1"/>
+          </p:cNvSpPr>
+          <p:nvPr>
+            <p:ph type="title"/>
+          </p:nvPr>
+        </p:nvSpPr>
+        <p:spPr/>
+        <p:txBody>
+          <a:bodyPr/>
+          <a:lstStyle/>
+          <a:p>
+            <a:r>
+              <a:rPr lang="fr-FR"/>
+              <a:t>Complexité</a:t>
+            </a:r>
+          </a:p>
+        </p:txBody>
+      </p:sp>
+      <p:sp>
+        <p:nvSpPr>
+          <p:cNvPr id="3" name="Espace réservé du contenu 2"/>
+          <p:cNvSpPr>
+            <a:spLocks noGrp="1"/>
+          </p:cNvSpPr>
+          <p:nvPr>
+            <p:ph idx="1"/>
+          </p:nvPr>
+        </p:nvSpPr>
+        <p:spPr/>
+        <p:txBody>
+          <a:bodyPr/>
+          <a:lstStyle/>
+          <a:p>
+            <a:r>
+              <a:rPr lang="fr-FR"/>
+              <a:t>Nombre de messages</a:t>
+            </a:r>
+          </a:p>
+          <a:p>
+            <a:pPr lvl="1"/>
+            <a:r>
+              <a:rPr lang="fr-FR"/>
+              <a:t>un accusé par demande de SC</a:t>
+            </a:r>
+          </a:p>
+          <a:p>
+            <a:pPr lvl="1"/>
+            <a:r>
+              <a:rPr lang="fr-FR"/>
+              <a:t>diffusion de SEARCH_PREV en cas de panne</a:t>
+            </a:r>
+          </a:p>
+          <a:p>
+            <a:pPr lvl="1"/>
+            <a:r>
+              <a:rPr lang="fr-FR"/>
+              <a:t>renvoie des requ</a:t>
+            </a:r>
+            <a:r>
+              <a:rPr lang="fr-FR"/>
+              <a:t>êtes perdues</a:t>
+            </a:r>
+          </a:p>
+          <a:p>
+            <a:r>
+              <a:rPr lang="fr-FR"/>
+              <a:t>Temps</a:t>
+            </a:r>
+          </a:p>
+          <a:p>
+            <a:pPr lvl="1"/>
+            <a:r>
+              <a:rPr lang="fr-FR"/>
+              <a:t>((N − 1) + 1) × T</a:t>
+            </a:r>
+            <a:r>
+              <a:rPr lang="fr-FR" baseline="-25000"/>
+              <a:t>msg</a:t>
+            </a:r>
+            <a:r>
+              <a:rPr lang="fr-FR"/>
+              <a:t> </a:t>
+            </a:r>
+            <a:endParaRPr lang="fr-FR"/>
+          </a:p>
+        </p:txBody>
+      </p:sp>
+      <p:sp>
+        <p:nvSpPr>
+          <p:cNvPr id="4" name="Espace réservé du numéro de diapositive 3"/>
+          <p:cNvSpPr>
+            <a:spLocks noGrp="1"/>
+          </p:cNvSpPr>
+          <p:nvPr>
+            <p:ph type="sldNum" sz="quarter" idx="12"/>
+          </p:nvPr>
+        </p:nvSpPr>
+        <p:spPr/>
+        <p:txBody>
+          <a:bodyPr/>
+          <a:lstStyle/>
+          <a:p>
+            <a:fld id="{D7E63A33-8271-4DD0-9C48-789913D7C115}" type="slidenum">
+              <a:rPr lang="en-US" smtClean="0"/>
+              <a:pPr/>
+              <a:t>28</a:t>
+            </a:fld>
+            <a:endParaRPr lang="en-US"/>
+          </a:p>
+        </p:txBody>
+      </p:sp>
+    </p:spTree>
+    <p:extLst>
+      <p:ext uri="{BB962C8B-B14F-4D97-AF65-F5344CB8AC3E}">
+        <p14:creationId xmlns:p14="http://schemas.microsoft.com/office/powerpoint/2010/main" val="465115186"/>
+      </p:ext>
+    </p:extLst>
+  </p:cSld>
+  <p:clrMapOvr>
+    <a:masterClrMapping/>
+  </p:clrMapOvr>
+</p:sld>
+</file>
+
 <file path=ppt/slides/slide3.xml><?xml version="1.0" encoding="utf-8"?>
 <p:sld xmlns:a="http://schemas.openxmlformats.org/drawingml/2006/main" xmlns:r="http://schemas.openxmlformats.org/officeDocument/2006/relationships" xmlns:p="http://schemas.openxmlformats.org/presentationml/2006/main">
   <p:cSld>
@@ -10698,6 +16059,101 @@
       </p:par>
     </p:tnLst>
   </p:timing>
+</p:sld>
+</file>
+
+<file path=ppt/slides/slide30.xml><?xml version="1.0" encoding="utf-8"?>
+<p:sld xmlns:a="http://schemas.openxmlformats.org/drawingml/2006/main" xmlns:r="http://schemas.openxmlformats.org/officeDocument/2006/relationships" xmlns:p="http://schemas.openxmlformats.org/presentationml/2006/main">
+  <p:cSld>
+    <p:spTree>
+      <p:nvGrpSpPr>
+        <p:cNvPr id="1" name=""/>
+        <p:cNvGrpSpPr/>
+        <p:nvPr/>
+      </p:nvGrpSpPr>
+      <p:grpSpPr>
+        <a:xfrm>
+          <a:off x="0" y="0"/>
+          <a:ext cx="0" cy="0"/>
+          <a:chOff x="0" y="0"/>
+          <a:chExt cx="0" cy="0"/>
+        </a:xfrm>
+      </p:grpSpPr>
+      <p:sp>
+        <p:nvSpPr>
+          <p:cNvPr id="2" name="Titre 1"/>
+          <p:cNvSpPr>
+            <a:spLocks noGrp="1"/>
+          </p:cNvSpPr>
+          <p:nvPr>
+            <p:ph type="title"/>
+          </p:nvPr>
+        </p:nvSpPr>
+        <p:spPr/>
+        <p:txBody>
+          <a:bodyPr/>
+          <a:lstStyle/>
+          <a:p>
+            <a:r>
+              <a:rPr lang="fr-FR"/>
+              <a:t>Implémentation</a:t>
+            </a:r>
+          </a:p>
+        </p:txBody>
+      </p:sp>
+      <p:sp>
+        <p:nvSpPr>
+          <p:cNvPr id="3" name="Espace réservé du texte 2"/>
+          <p:cNvSpPr>
+            <a:spLocks noGrp="1"/>
+          </p:cNvSpPr>
+          <p:nvPr>
+            <p:ph type="body" idx="1"/>
+          </p:nvPr>
+        </p:nvSpPr>
+        <p:spPr/>
+        <p:txBody>
+          <a:bodyPr/>
+          <a:lstStyle/>
+          <a:p>
+            <a:endParaRPr lang="fr-FR"/>
+          </a:p>
+        </p:txBody>
+      </p:sp>
+      <p:sp>
+        <p:nvSpPr>
+          <p:cNvPr id="4" name="Espace réservé du numéro de diapositive 3"/>
+          <p:cNvSpPr>
+            <a:spLocks noGrp="1"/>
+          </p:cNvSpPr>
+          <p:nvPr>
+            <p:ph type="sldNum" sz="quarter" idx="12"/>
+          </p:nvPr>
+        </p:nvSpPr>
+        <p:spPr/>
+        <p:txBody>
+          <a:bodyPr/>
+          <a:lstStyle/>
+          <a:p>
+            <a:fld id="{D7E63A33-8271-4DD0-9C48-789913D7C115}" type="slidenum">
+              <a:rPr lang="en-US" smtClean="0"/>
+              <a:pPr/>
+              <a:t>29</a:t>
+            </a:fld>
+            <a:endParaRPr lang="en-US"/>
+          </a:p>
+        </p:txBody>
+      </p:sp>
+    </p:spTree>
+    <p:extLst>
+      <p:ext uri="{BB962C8B-B14F-4D97-AF65-F5344CB8AC3E}">
+        <p14:creationId xmlns:p14="http://schemas.microsoft.com/office/powerpoint/2010/main" val="3763369981"/>
+      </p:ext>
+    </p:extLst>
+  </p:cSld>
+  <p:clrMapOvr>
+    <a:masterClrMapping/>
+  </p:clrMapOvr>
 </p:sld>
 </file>
 
@@ -10870,7 +16326,7 @@
         <p:spPr/>
         <p:txBody>
           <a:bodyPr>
-            <a:normAutofit/>
+            <a:normAutofit fontScale="92500" lnSpcReduction="10000"/>
           </a:bodyPr>
           <a:lstStyle/>
           <a:p>
@@ -11773,7 +17229,9 @@
           </a:xfrm>
         </p:spPr>
         <p:txBody>
-          <a:bodyPr/>
+          <a:bodyPr>
+            <a:normAutofit fontScale="77500" lnSpcReduction="20000"/>
+          </a:bodyPr>
           <a:lstStyle/>
           <a:p>
             <a:pPr marL="45720" indent="0" algn="ctr">
@@ -11803,7 +17261,9 @@
           </a:xfrm>
         </p:spPr>
         <p:txBody>
-          <a:bodyPr/>
+          <a:bodyPr>
+            <a:normAutofit fontScale="77500" lnSpcReduction="20000"/>
+          </a:bodyPr>
           <a:lstStyle/>
           <a:p>
             <a:pPr marL="45720" indent="0" algn="ctr">
@@ -13370,7 +18830,7 @@
         </p:nvSpPr>
         <p:spPr>
           <a:xfrm>
-            <a:off x="1394268" y="3260054"/>
+            <a:off x="1432023" y="4013456"/>
             <a:ext cx="339941" cy="342968"/>
           </a:xfrm>
           <a:prstGeom prst="ellipse">
@@ -13413,7 +18873,7 @@
         </p:nvSpPr>
         <p:spPr>
           <a:xfrm>
-            <a:off x="2634380" y="2643764"/>
+            <a:off x="2672135" y="3397166"/>
             <a:ext cx="339941" cy="342968"/>
           </a:xfrm>
           <a:prstGeom prst="ellipse">
@@ -13456,7 +18916,7 @@
         </p:nvSpPr>
         <p:spPr>
           <a:xfrm>
-            <a:off x="411356" y="2917086"/>
+            <a:off x="451861" y="3654072"/>
             <a:ext cx="339941" cy="342968"/>
           </a:xfrm>
           <a:prstGeom prst="ellipse">
@@ -13499,7 +18959,7 @@
         </p:nvSpPr>
         <p:spPr>
           <a:xfrm>
-            <a:off x="2070259" y="4791958"/>
+            <a:off x="2108014" y="5545360"/>
             <a:ext cx="339941" cy="342968"/>
           </a:xfrm>
           <a:prstGeom prst="ellipse">
@@ -13542,7 +19002,7 @@
         </p:nvSpPr>
         <p:spPr>
           <a:xfrm>
-            <a:off x="1900288" y="3798568"/>
+            <a:off x="1938043" y="4551970"/>
             <a:ext cx="339941" cy="342968"/>
           </a:xfrm>
           <a:prstGeom prst="ellipse">
@@ -13581,14 +19041,13 @@
         <p:nvCxnSpPr>
           <p:cNvPr id="10" name="Connecteur droit 9"/>
           <p:cNvCxnSpPr>
-            <a:stCxn id="7" idx="6"/>
             <a:endCxn id="5" idx="1"/>
           </p:cNvCxnSpPr>
           <p:nvPr/>
         </p:nvCxnSpPr>
         <p:spPr>
           <a:xfrm>
-            <a:off x="751297" y="3088570"/>
+            <a:off x="789052" y="3841972"/>
             <a:ext cx="692754" cy="221711"/>
           </a:xfrm>
           <a:prstGeom prst="line">
@@ -13621,7 +19080,7 @@
         </p:nvCxnSpPr>
         <p:spPr>
           <a:xfrm flipV="1">
-            <a:off x="1684426" y="2815248"/>
+            <a:off x="1722181" y="3568650"/>
             <a:ext cx="949954" cy="495033"/>
           </a:xfrm>
           <a:prstGeom prst="line">
@@ -13654,7 +19113,7 @@
         </p:nvCxnSpPr>
         <p:spPr>
           <a:xfrm flipH="1">
-            <a:off x="2190446" y="2936505"/>
+            <a:off x="2228201" y="3689907"/>
             <a:ext cx="493717" cy="912290"/>
           </a:xfrm>
           <a:prstGeom prst="line">
@@ -13687,7 +19146,7 @@
         </p:nvCxnSpPr>
         <p:spPr>
           <a:xfrm>
-            <a:off x="2070259" y="4141536"/>
+            <a:off x="2108014" y="4894938"/>
             <a:ext cx="169971" cy="650422"/>
           </a:xfrm>
           <a:prstGeom prst="line">
@@ -13714,13 +19173,12 @@
           <p:cNvPr id="14" name="Connecteur droit 13"/>
           <p:cNvCxnSpPr>
             <a:stCxn id="8" idx="2"/>
-            <a:endCxn id="7" idx="4"/>
           </p:cNvCxnSpPr>
           <p:nvPr/>
         </p:nvCxnSpPr>
         <p:spPr>
           <a:xfrm flipH="1" flipV="1">
-            <a:off x="581327" y="3260054"/>
+            <a:off x="619082" y="4013456"/>
             <a:ext cx="1488932" cy="1703388"/>
           </a:xfrm>
           <a:prstGeom prst="line">
@@ -13753,7 +19211,7 @@
         </p:nvCxnSpPr>
         <p:spPr>
           <a:xfrm>
-            <a:off x="1564239" y="3603022"/>
+            <a:off x="1601994" y="4356424"/>
             <a:ext cx="555803" cy="1239163"/>
           </a:xfrm>
           <a:prstGeom prst="line">
@@ -13786,7 +19244,7 @@
         </p:nvCxnSpPr>
         <p:spPr>
           <a:xfrm>
-            <a:off x="1684426" y="3552795"/>
+            <a:off x="1722181" y="4306197"/>
             <a:ext cx="265645" cy="296000"/>
           </a:xfrm>
           <a:prstGeom prst="line">
@@ -13812,14 +19270,13 @@
         <p:nvCxnSpPr>
           <p:cNvPr id="17" name="Connecteur droit 16"/>
           <p:cNvCxnSpPr>
-            <a:stCxn id="7" idx="7"/>
             <a:endCxn id="6" idx="1"/>
           </p:cNvCxnSpPr>
           <p:nvPr/>
         </p:nvCxnSpPr>
         <p:spPr>
           <a:xfrm flipV="1">
-            <a:off x="701514" y="2693991"/>
+            <a:off x="739269" y="3447393"/>
             <a:ext cx="1982649" cy="273322"/>
           </a:xfrm>
           <a:prstGeom prst="line">
@@ -13845,14 +19302,13 @@
         <p:nvCxnSpPr>
           <p:cNvPr id="18" name="Connecteur droit 17"/>
           <p:cNvCxnSpPr>
-            <a:stCxn id="7" idx="5"/>
             <a:endCxn id="9" idx="2"/>
           </p:cNvCxnSpPr>
           <p:nvPr/>
         </p:nvCxnSpPr>
         <p:spPr>
           <a:xfrm>
-            <a:off x="701514" y="3209827"/>
+            <a:off x="739269" y="3963229"/>
             <a:ext cx="1198774" cy="760225"/>
           </a:xfrm>
           <a:prstGeom prst="line">
@@ -13885,7 +19341,7 @@
         </p:nvCxnSpPr>
         <p:spPr>
           <a:xfrm flipH="1">
-            <a:off x="2360417" y="2986732"/>
+            <a:off x="2398172" y="3740134"/>
             <a:ext cx="443934" cy="1855453"/>
           </a:xfrm>
           <a:prstGeom prst="line">
@@ -13915,7 +19371,7 @@
         </p:nvSpPr>
         <p:spPr>
           <a:xfrm>
-            <a:off x="4395900" y="3315647"/>
+            <a:off x="4433655" y="4069049"/>
             <a:ext cx="339941" cy="342968"/>
           </a:xfrm>
           <a:prstGeom prst="ellipse">
@@ -13958,7 +19414,7 @@
         </p:nvSpPr>
         <p:spPr>
           <a:xfrm>
-            <a:off x="5636012" y="2699357"/>
+            <a:off x="5673767" y="3452759"/>
             <a:ext cx="339941" cy="342968"/>
           </a:xfrm>
           <a:prstGeom prst="ellipse">
@@ -14001,7 +19457,7 @@
         </p:nvSpPr>
         <p:spPr>
           <a:xfrm>
-            <a:off x="3412988" y="2972679"/>
+            <a:off x="3450743" y="3726081"/>
             <a:ext cx="339941" cy="342968"/>
           </a:xfrm>
           <a:prstGeom prst="ellipse">
@@ -14044,7 +19500,7 @@
         </p:nvSpPr>
         <p:spPr>
           <a:xfrm>
-            <a:off x="5071891" y="4847551"/>
+            <a:off x="5109646" y="5600953"/>
             <a:ext cx="339941" cy="342968"/>
           </a:xfrm>
           <a:prstGeom prst="ellipse">
@@ -14087,7 +19543,7 @@
         </p:nvSpPr>
         <p:spPr>
           <a:xfrm>
-            <a:off x="4901920" y="3854161"/>
+            <a:off x="4939675" y="4607563"/>
             <a:ext cx="339941" cy="342968"/>
           </a:xfrm>
           <a:prstGeom prst="ellipse">
@@ -14133,7 +19589,7 @@
         </p:nvCxnSpPr>
         <p:spPr>
           <a:xfrm>
-            <a:off x="3752929" y="3144163"/>
+            <a:off x="3790684" y="3897565"/>
             <a:ext cx="692754" cy="221711"/>
           </a:xfrm>
           <a:prstGeom prst="line">
@@ -14170,7 +19626,7 @@
         </p:nvCxnSpPr>
         <p:spPr>
           <a:xfrm flipV="1">
-            <a:off x="4686058" y="2870841"/>
+            <a:off x="4723813" y="3624243"/>
             <a:ext cx="949954" cy="495033"/>
           </a:xfrm>
           <a:prstGeom prst="line">
@@ -14207,7 +19663,7 @@
         </p:nvCxnSpPr>
         <p:spPr>
           <a:xfrm>
-            <a:off x="4565871" y="3658615"/>
+            <a:off x="4603626" y="4412017"/>
             <a:ext cx="555803" cy="1239163"/>
           </a:xfrm>
           <a:prstGeom prst="line">
@@ -14244,7 +19700,7 @@
         </p:nvCxnSpPr>
         <p:spPr>
           <a:xfrm>
-            <a:off x="4686058" y="3608388"/>
+            <a:off x="4723813" y="4361790"/>
             <a:ext cx="265645" cy="296000"/>
           </a:xfrm>
           <a:prstGeom prst="line">
@@ -14278,7 +19734,7 @@
         </p:nvSpPr>
         <p:spPr>
           <a:xfrm>
-            <a:off x="7339651" y="3315647"/>
+            <a:off x="7377406" y="4069049"/>
             <a:ext cx="339941" cy="342968"/>
           </a:xfrm>
           <a:prstGeom prst="ellipse">
@@ -14321,7 +19777,7 @@
         </p:nvSpPr>
         <p:spPr>
           <a:xfrm>
-            <a:off x="8579763" y="2699357"/>
+            <a:off x="8617518" y="3452759"/>
             <a:ext cx="339941" cy="342968"/>
           </a:xfrm>
           <a:prstGeom prst="ellipse">
@@ -14364,7 +19820,7 @@
         </p:nvSpPr>
         <p:spPr>
           <a:xfrm>
-            <a:off x="6356739" y="2972679"/>
+            <a:off x="6394494" y="3726081"/>
             <a:ext cx="339941" cy="342968"/>
           </a:xfrm>
           <a:prstGeom prst="ellipse">
@@ -14407,7 +19863,7 @@
         </p:nvSpPr>
         <p:spPr>
           <a:xfrm>
-            <a:off x="8015642" y="4847551"/>
+            <a:off x="8053397" y="5600953"/>
             <a:ext cx="339941" cy="342968"/>
           </a:xfrm>
           <a:prstGeom prst="ellipse">
@@ -14450,7 +19906,7 @@
         </p:nvSpPr>
         <p:spPr>
           <a:xfrm>
-            <a:off x="7845671" y="3854161"/>
+            <a:off x="7883426" y="4607563"/>
             <a:ext cx="339941" cy="342968"/>
           </a:xfrm>
           <a:prstGeom prst="ellipse">

--- a/fmin212/Presentation/presAlgoDist.pptx
+++ b/fmin212/Presentation/presAlgoDist.pptx
@@ -5,10 +5,10 @@
     <p:sldMasterId id="2147483972" r:id="rId1"/>
   </p:sldMasterIdLst>
   <p:notesMasterIdLst>
-    <p:notesMasterId r:id="rId32"/>
+    <p:notesMasterId r:id="rId38"/>
   </p:notesMasterIdLst>
   <p:handoutMasterIdLst>
-    <p:handoutMasterId r:id="rId33"/>
+    <p:handoutMasterId r:id="rId39"/>
   </p:handoutMasterIdLst>
   <p:sldIdLst>
     <p:sldId id="256" r:id="rId2"/>
@@ -41,6 +41,12 @@
     <p:sldId id="284" r:id="rId29"/>
     <p:sldId id="285" r:id="rId30"/>
     <p:sldId id="286" r:id="rId31"/>
+    <p:sldId id="287" r:id="rId32"/>
+    <p:sldId id="288" r:id="rId33"/>
+    <p:sldId id="289" r:id="rId34"/>
+    <p:sldId id="290" r:id="rId35"/>
+    <p:sldId id="291" r:id="rId36"/>
+    <p:sldId id="292" r:id="rId37"/>
   </p:sldIdLst>
   <p:sldSz cx="9144000" cy="6858000" type="screen4x3"/>
   <p:notesSz cx="6858000" cy="9144000"/>
@@ -190,6 +196,20 @@
         <p14:section name="Implémentation" id="{8F3C244E-7760-9246-B1E0-C5161BCE967E}">
           <p14:sldIdLst>
             <p14:sldId id="286"/>
+            <p14:sldId id="287"/>
+            <p14:sldId id="288"/>
+            <p14:sldId id="289"/>
+          </p14:sldIdLst>
+        </p14:section>
+        <p14:section name="Démonstration" id="{7B339CD5-D8F2-6F41-A218-28AD7F4490C1}">
+          <p14:sldIdLst>
+            <p14:sldId id="290"/>
+          </p14:sldIdLst>
+        </p14:section>
+        <p14:section name="Biblio" id="{16CA83A7-4802-6A4B-990A-D55C39B56DC7}">
+          <p14:sldIdLst>
+            <p14:sldId id="291"/>
+            <p14:sldId id="292"/>
           </p14:sldIdLst>
         </p14:section>
       </p14:sectionLst>
@@ -16103,25 +16123,6 @@
       </p:sp>
       <p:sp>
         <p:nvSpPr>
-          <p:cNvPr id="3" name="Espace réservé du texte 2"/>
-          <p:cNvSpPr>
-            <a:spLocks noGrp="1"/>
-          </p:cNvSpPr>
-          <p:nvPr>
-            <p:ph type="body" idx="1"/>
-          </p:nvPr>
-        </p:nvSpPr>
-        <p:spPr/>
-        <p:txBody>
-          <a:bodyPr/>
-          <a:lstStyle/>
-          <a:p>
-            <a:endParaRPr lang="fr-FR"/>
-          </a:p>
-        </p:txBody>
-      </p:sp>
-      <p:sp>
-        <p:nvSpPr>
           <p:cNvPr id="4" name="Espace réservé du numéro de diapositive 3"/>
           <p:cNvSpPr>
             <a:spLocks noGrp="1"/>
@@ -16148,6 +16149,603 @@
     <p:extLst>
       <p:ext uri="{BB962C8B-B14F-4D97-AF65-F5344CB8AC3E}">
         <p14:creationId xmlns:p14="http://schemas.microsoft.com/office/powerpoint/2010/main" val="3763369981"/>
+      </p:ext>
+    </p:extLst>
+  </p:cSld>
+  <p:clrMapOvr>
+    <a:masterClrMapping/>
+  </p:clrMapOvr>
+</p:sld>
+</file>
+
+<file path=ppt/slides/slide31.xml><?xml version="1.0" encoding="utf-8"?>
+<p:sld xmlns:a="http://schemas.openxmlformats.org/drawingml/2006/main" xmlns:r="http://schemas.openxmlformats.org/officeDocument/2006/relationships" xmlns:p="http://schemas.openxmlformats.org/presentationml/2006/main">
+  <p:cSld>
+    <p:spTree>
+      <p:nvGrpSpPr>
+        <p:cNvPr id="1" name=""/>
+        <p:cNvGrpSpPr/>
+        <p:nvPr/>
+      </p:nvGrpSpPr>
+      <p:grpSpPr>
+        <a:xfrm>
+          <a:off x="0" y="0"/>
+          <a:ext cx="0" cy="0"/>
+          <a:chOff x="0" y="0"/>
+          <a:chExt cx="0" cy="0"/>
+        </a:xfrm>
+      </p:grpSpPr>
+      <p:sp>
+        <p:nvSpPr>
+          <p:cNvPr id="2" name="Titre 1"/>
+          <p:cNvSpPr>
+            <a:spLocks noGrp="1"/>
+          </p:cNvSpPr>
+          <p:nvPr>
+            <p:ph type="title"/>
+          </p:nvPr>
+        </p:nvSpPr>
+        <p:spPr/>
+        <p:txBody>
+          <a:bodyPr/>
+          <a:lstStyle/>
+          <a:p>
+            <a:r>
+              <a:rPr lang="fr-FR"/>
+              <a:t>Stratégie &amp; mise en œuvre</a:t>
+            </a:r>
+          </a:p>
+        </p:txBody>
+      </p:sp>
+      <p:sp>
+        <p:nvSpPr>
+          <p:cNvPr id="3" name="Espace réservé du contenu 2"/>
+          <p:cNvSpPr>
+            <a:spLocks noGrp="1"/>
+          </p:cNvSpPr>
+          <p:nvPr>
+            <p:ph idx="1"/>
+          </p:nvPr>
+        </p:nvSpPr>
+        <p:spPr/>
+        <p:txBody>
+          <a:bodyPr/>
+          <a:lstStyle/>
+          <a:p>
+            <a:r>
+              <a:rPr lang="fr-FR"/>
+              <a:t>Proche des conditions réelles</a:t>
+            </a:r>
+          </a:p>
+          <a:p>
+            <a:r>
+              <a:rPr lang="fr-FR"/>
+              <a:t>Langage C</a:t>
+            </a:r>
+          </a:p>
+          <a:p>
+            <a:r>
+              <a:rPr lang="fr-FR"/>
+              <a:t>Bibliothèque standard pour le réseau</a:t>
+            </a:r>
+          </a:p>
+          <a:p>
+            <a:r>
+              <a:rPr lang="fr-FR"/>
+              <a:t>Protocole UDP</a:t>
+            </a:r>
+          </a:p>
+          <a:p>
+            <a:endParaRPr lang="fr-FR"/>
+          </a:p>
+        </p:txBody>
+      </p:sp>
+      <p:sp>
+        <p:nvSpPr>
+          <p:cNvPr id="4" name="Espace réservé du numéro de diapositive 3"/>
+          <p:cNvSpPr>
+            <a:spLocks noGrp="1"/>
+          </p:cNvSpPr>
+          <p:nvPr>
+            <p:ph type="sldNum" sz="quarter" idx="12"/>
+          </p:nvPr>
+        </p:nvSpPr>
+        <p:spPr/>
+        <p:txBody>
+          <a:bodyPr/>
+          <a:lstStyle/>
+          <a:p>
+            <a:fld id="{D7E63A33-8271-4DD0-9C48-789913D7C115}" type="slidenum">
+              <a:rPr lang="en-US" smtClean="0"/>
+              <a:pPr/>
+              <a:t>30</a:t>
+            </a:fld>
+            <a:endParaRPr lang="en-US"/>
+          </a:p>
+        </p:txBody>
+      </p:sp>
+    </p:spTree>
+    <p:extLst>
+      <p:ext uri="{BB962C8B-B14F-4D97-AF65-F5344CB8AC3E}">
+        <p14:creationId xmlns:p14="http://schemas.microsoft.com/office/powerpoint/2010/main" val="2949422705"/>
+      </p:ext>
+    </p:extLst>
+  </p:cSld>
+  <p:clrMapOvr>
+    <a:masterClrMapping/>
+  </p:clrMapOvr>
+</p:sld>
+</file>
+
+<file path=ppt/slides/slide32.xml><?xml version="1.0" encoding="utf-8"?>
+<p:sld xmlns:a="http://schemas.openxmlformats.org/drawingml/2006/main" xmlns:r="http://schemas.openxmlformats.org/officeDocument/2006/relationships" xmlns:p="http://schemas.openxmlformats.org/presentationml/2006/main">
+  <p:cSld>
+    <p:spTree>
+      <p:nvGrpSpPr>
+        <p:cNvPr id="1" name=""/>
+        <p:cNvGrpSpPr/>
+        <p:nvPr/>
+      </p:nvGrpSpPr>
+      <p:grpSpPr>
+        <a:xfrm>
+          <a:off x="0" y="0"/>
+          <a:ext cx="0" cy="0"/>
+          <a:chOff x="0" y="0"/>
+          <a:chExt cx="0" cy="0"/>
+        </a:xfrm>
+      </p:grpSpPr>
+      <p:sp>
+        <p:nvSpPr>
+          <p:cNvPr id="2" name="Titre 1"/>
+          <p:cNvSpPr>
+            <a:spLocks noGrp="1"/>
+          </p:cNvSpPr>
+          <p:nvPr>
+            <p:ph type="title"/>
+          </p:nvPr>
+        </p:nvSpPr>
+        <p:spPr/>
+        <p:txBody>
+          <a:bodyPr/>
+          <a:lstStyle/>
+          <a:p>
+            <a:r>
+              <a:rPr lang="fr-FR"/>
+              <a:t>Phase d’initialisation</a:t>
+            </a:r>
+          </a:p>
+        </p:txBody>
+      </p:sp>
+      <p:sp>
+        <p:nvSpPr>
+          <p:cNvPr id="3" name="Espace réservé du contenu 2"/>
+          <p:cNvSpPr>
+            <a:spLocks noGrp="1"/>
+          </p:cNvSpPr>
+          <p:nvPr>
+            <p:ph idx="1"/>
+          </p:nvPr>
+        </p:nvSpPr>
+        <p:spPr/>
+        <p:txBody>
+          <a:bodyPr/>
+          <a:lstStyle/>
+          <a:p>
+            <a:r>
+              <a:rPr lang="fr-FR"/>
+              <a:t>Diffusion d’un message de type HELLO</a:t>
+            </a:r>
+          </a:p>
+          <a:p>
+            <a:r>
+              <a:rPr lang="fr-FR"/>
+              <a:t>Réception d’une réponse</a:t>
+            </a:r>
+          </a:p>
+          <a:p>
+            <a:pPr lvl="1"/>
+            <a:r>
+              <a:rPr lang="fr-FR"/>
+              <a:t>Récupération du père dans l’arbre</a:t>
+            </a:r>
+          </a:p>
+          <a:p>
+            <a:r>
+              <a:rPr lang="fr-FR"/>
+              <a:t>Pas de réponse</a:t>
+            </a:r>
+          </a:p>
+          <a:p>
+            <a:pPr lvl="1"/>
+            <a:r>
+              <a:rPr lang="fr-FR"/>
+              <a:t>Génération du token</a:t>
+            </a:r>
+          </a:p>
+        </p:txBody>
+      </p:sp>
+      <p:sp>
+        <p:nvSpPr>
+          <p:cNvPr id="4" name="Espace réservé du numéro de diapositive 3"/>
+          <p:cNvSpPr>
+            <a:spLocks noGrp="1"/>
+          </p:cNvSpPr>
+          <p:nvPr>
+            <p:ph type="sldNum" sz="quarter" idx="12"/>
+          </p:nvPr>
+        </p:nvSpPr>
+        <p:spPr/>
+        <p:txBody>
+          <a:bodyPr/>
+          <a:lstStyle/>
+          <a:p>
+            <a:fld id="{D7E63A33-8271-4DD0-9C48-789913D7C115}" type="slidenum">
+              <a:rPr lang="en-US" smtClean="0"/>
+              <a:pPr/>
+              <a:t>31</a:t>
+            </a:fld>
+            <a:endParaRPr lang="en-US"/>
+          </a:p>
+        </p:txBody>
+      </p:sp>
+    </p:spTree>
+    <p:extLst>
+      <p:ext uri="{BB962C8B-B14F-4D97-AF65-F5344CB8AC3E}">
+        <p14:creationId xmlns:p14="http://schemas.microsoft.com/office/powerpoint/2010/main" val="4076796454"/>
+      </p:ext>
+    </p:extLst>
+  </p:cSld>
+  <p:clrMapOvr>
+    <a:masterClrMapping/>
+  </p:clrMapOvr>
+</p:sld>
+</file>
+
+<file path=ppt/slides/slide33.xml><?xml version="1.0" encoding="utf-8"?>
+<p:sld xmlns:a="http://schemas.openxmlformats.org/drawingml/2006/main" xmlns:r="http://schemas.openxmlformats.org/officeDocument/2006/relationships" xmlns:p="http://schemas.openxmlformats.org/presentationml/2006/main">
+  <p:cSld>
+    <p:spTree>
+      <p:nvGrpSpPr>
+        <p:cNvPr id="1" name=""/>
+        <p:cNvGrpSpPr/>
+        <p:nvPr/>
+      </p:nvGrpSpPr>
+      <p:grpSpPr>
+        <a:xfrm>
+          <a:off x="0" y="0"/>
+          <a:ext cx="0" cy="0"/>
+          <a:chOff x="0" y="0"/>
+          <a:chExt cx="0" cy="0"/>
+        </a:xfrm>
+      </p:grpSpPr>
+      <p:sp>
+        <p:nvSpPr>
+          <p:cNvPr id="2" name="Titre 1"/>
+          <p:cNvSpPr>
+            <a:spLocks noGrp="1"/>
+          </p:cNvSpPr>
+          <p:nvPr>
+            <p:ph type="title"/>
+          </p:nvPr>
+        </p:nvSpPr>
+        <p:spPr/>
+        <p:txBody>
+          <a:bodyPr/>
+          <a:lstStyle/>
+          <a:p>
+            <a:r>
+              <a:rPr lang="fr-FR"/>
+              <a:t>Problème rencontrés</a:t>
+            </a:r>
+          </a:p>
+        </p:txBody>
+      </p:sp>
+      <p:sp>
+        <p:nvSpPr>
+          <p:cNvPr id="3" name="Espace réservé du contenu 2"/>
+          <p:cNvSpPr>
+            <a:spLocks noGrp="1"/>
+          </p:cNvSpPr>
+          <p:nvPr>
+            <p:ph idx="1"/>
+          </p:nvPr>
+        </p:nvSpPr>
+        <p:spPr/>
+        <p:txBody>
+          <a:bodyPr/>
+          <a:lstStyle/>
+          <a:p>
+            <a:r>
+              <a:rPr lang="fr-FR"/>
+              <a:t>Difficultés de debug sur une architecture distribuée</a:t>
+            </a:r>
+          </a:p>
+        </p:txBody>
+      </p:sp>
+      <p:sp>
+        <p:nvSpPr>
+          <p:cNvPr id="4" name="Espace réservé du numéro de diapositive 3"/>
+          <p:cNvSpPr>
+            <a:spLocks noGrp="1"/>
+          </p:cNvSpPr>
+          <p:nvPr>
+            <p:ph type="sldNum" sz="quarter" idx="12"/>
+          </p:nvPr>
+        </p:nvSpPr>
+        <p:spPr/>
+        <p:txBody>
+          <a:bodyPr/>
+          <a:lstStyle/>
+          <a:p>
+            <a:fld id="{D7E63A33-8271-4DD0-9C48-789913D7C115}" type="slidenum">
+              <a:rPr lang="en-US" smtClean="0"/>
+              <a:pPr/>
+              <a:t>32</a:t>
+            </a:fld>
+            <a:endParaRPr lang="en-US"/>
+          </a:p>
+        </p:txBody>
+      </p:sp>
+    </p:spTree>
+    <p:extLst>
+      <p:ext uri="{BB962C8B-B14F-4D97-AF65-F5344CB8AC3E}">
+        <p14:creationId xmlns:p14="http://schemas.microsoft.com/office/powerpoint/2010/main" val="2760975924"/>
+      </p:ext>
+    </p:extLst>
+  </p:cSld>
+  <p:clrMapOvr>
+    <a:masterClrMapping/>
+  </p:clrMapOvr>
+</p:sld>
+</file>
+
+<file path=ppt/slides/slide34.xml><?xml version="1.0" encoding="utf-8"?>
+<p:sld xmlns:a="http://schemas.openxmlformats.org/drawingml/2006/main" xmlns:r="http://schemas.openxmlformats.org/officeDocument/2006/relationships" xmlns:p="http://schemas.openxmlformats.org/presentationml/2006/main">
+  <p:cSld>
+    <p:spTree>
+      <p:nvGrpSpPr>
+        <p:cNvPr id="1" name=""/>
+        <p:cNvGrpSpPr/>
+        <p:nvPr/>
+      </p:nvGrpSpPr>
+      <p:grpSpPr>
+        <a:xfrm>
+          <a:off x="0" y="0"/>
+          <a:ext cx="0" cy="0"/>
+          <a:chOff x="0" y="0"/>
+          <a:chExt cx="0" cy="0"/>
+        </a:xfrm>
+      </p:grpSpPr>
+      <p:sp>
+        <p:nvSpPr>
+          <p:cNvPr id="2" name="Titre 1"/>
+          <p:cNvSpPr>
+            <a:spLocks noGrp="1"/>
+          </p:cNvSpPr>
+          <p:nvPr>
+            <p:ph type="title"/>
+          </p:nvPr>
+        </p:nvSpPr>
+        <p:spPr/>
+        <p:txBody>
+          <a:bodyPr/>
+          <a:lstStyle/>
+          <a:p>
+            <a:r>
+              <a:rPr lang="fr-FR"/>
+              <a:t>Démonstration</a:t>
+            </a:r>
+          </a:p>
+        </p:txBody>
+      </p:sp>
+      <p:sp>
+        <p:nvSpPr>
+          <p:cNvPr id="4" name="Espace réservé du numéro de diapositive 3"/>
+          <p:cNvSpPr>
+            <a:spLocks noGrp="1"/>
+          </p:cNvSpPr>
+          <p:nvPr>
+            <p:ph type="sldNum" sz="quarter" idx="12"/>
+          </p:nvPr>
+        </p:nvSpPr>
+        <p:spPr/>
+        <p:txBody>
+          <a:bodyPr/>
+          <a:lstStyle/>
+          <a:p>
+            <a:fld id="{D7E63A33-8271-4DD0-9C48-789913D7C115}" type="slidenum">
+              <a:rPr lang="en-US" smtClean="0"/>
+              <a:pPr/>
+              <a:t>33</a:t>
+            </a:fld>
+            <a:endParaRPr lang="en-US"/>
+          </a:p>
+        </p:txBody>
+      </p:sp>
+    </p:spTree>
+    <p:extLst>
+      <p:ext uri="{BB962C8B-B14F-4D97-AF65-F5344CB8AC3E}">
+        <p14:creationId xmlns:p14="http://schemas.microsoft.com/office/powerpoint/2010/main" val="962187010"/>
+      </p:ext>
+    </p:extLst>
+  </p:cSld>
+  <p:clrMapOvr>
+    <a:masterClrMapping/>
+  </p:clrMapOvr>
+</p:sld>
+</file>
+
+<file path=ppt/slides/slide35.xml><?xml version="1.0" encoding="utf-8"?>
+<p:sld xmlns:a="http://schemas.openxmlformats.org/drawingml/2006/main" xmlns:r="http://schemas.openxmlformats.org/officeDocument/2006/relationships" xmlns:p="http://schemas.openxmlformats.org/presentationml/2006/main">
+  <p:cSld>
+    <p:spTree>
+      <p:nvGrpSpPr>
+        <p:cNvPr id="1" name=""/>
+        <p:cNvGrpSpPr/>
+        <p:nvPr/>
+      </p:nvGrpSpPr>
+      <p:grpSpPr>
+        <a:xfrm>
+          <a:off x="0" y="0"/>
+          <a:ext cx="0" cy="0"/>
+          <a:chOff x="0" y="0"/>
+          <a:chExt cx="0" cy="0"/>
+        </a:xfrm>
+      </p:grpSpPr>
+      <p:sp>
+        <p:nvSpPr>
+          <p:cNvPr id="2" name="Titre 1"/>
+          <p:cNvSpPr>
+            <a:spLocks noGrp="1"/>
+          </p:cNvSpPr>
+          <p:nvPr>
+            <p:ph type="title"/>
+          </p:nvPr>
+        </p:nvSpPr>
+        <p:spPr/>
+        <p:txBody>
+          <a:bodyPr/>
+          <a:lstStyle/>
+          <a:p>
+            <a:r>
+              <a:rPr lang="fr-FR"/>
+              <a:t>Bibliographie</a:t>
+            </a:r>
+          </a:p>
+        </p:txBody>
+      </p:sp>
+      <p:sp>
+        <p:nvSpPr>
+          <p:cNvPr id="4" name="Espace réservé du numéro de diapositive 3"/>
+          <p:cNvSpPr>
+            <a:spLocks noGrp="1"/>
+          </p:cNvSpPr>
+          <p:nvPr>
+            <p:ph type="sldNum" sz="quarter" idx="12"/>
+          </p:nvPr>
+        </p:nvSpPr>
+        <p:spPr/>
+        <p:txBody>
+          <a:bodyPr/>
+          <a:lstStyle/>
+          <a:p>
+            <a:fld id="{D7E63A33-8271-4DD0-9C48-789913D7C115}" type="slidenum">
+              <a:rPr lang="en-US" smtClean="0"/>
+              <a:pPr/>
+              <a:t>34</a:t>
+            </a:fld>
+            <a:endParaRPr lang="en-US"/>
+          </a:p>
+        </p:txBody>
+      </p:sp>
+    </p:spTree>
+    <p:extLst>
+      <p:ext uri="{BB962C8B-B14F-4D97-AF65-F5344CB8AC3E}">
+        <p14:creationId xmlns:p14="http://schemas.microsoft.com/office/powerpoint/2010/main" val="4002767963"/>
+      </p:ext>
+    </p:extLst>
+  </p:cSld>
+  <p:clrMapOvr>
+    <a:masterClrMapping/>
+  </p:clrMapOvr>
+</p:sld>
+</file>
+
+<file path=ppt/slides/slide36.xml><?xml version="1.0" encoding="utf-8"?>
+<p:sld xmlns:a="http://schemas.openxmlformats.org/drawingml/2006/main" xmlns:r="http://schemas.openxmlformats.org/officeDocument/2006/relationships" xmlns:p="http://schemas.openxmlformats.org/presentationml/2006/main">
+  <p:cSld>
+    <p:spTree>
+      <p:nvGrpSpPr>
+        <p:cNvPr id="1" name=""/>
+        <p:cNvGrpSpPr/>
+        <p:nvPr/>
+      </p:nvGrpSpPr>
+      <p:grpSpPr>
+        <a:xfrm>
+          <a:off x="0" y="0"/>
+          <a:ext cx="0" cy="0"/>
+          <a:chOff x="0" y="0"/>
+          <a:chExt cx="0" cy="0"/>
+        </a:xfrm>
+      </p:grpSpPr>
+      <p:sp>
+        <p:nvSpPr>
+          <p:cNvPr id="3" name="Espace réservé du contenu 2"/>
+          <p:cNvSpPr>
+            <a:spLocks noGrp="1"/>
+          </p:cNvSpPr>
+          <p:nvPr>
+            <p:ph idx="1"/>
+          </p:nvPr>
+        </p:nvSpPr>
+        <p:spPr>
+          <a:xfrm>
+            <a:off x="1435608" y="618645"/>
+            <a:ext cx="7498080" cy="5629755"/>
+          </a:xfrm>
+        </p:spPr>
+        <p:txBody>
+          <a:bodyPr>
+            <a:normAutofit fontScale="70000" lnSpcReduction="20000"/>
+          </a:bodyPr>
+          <a:lstStyle/>
+          <a:p>
+            <a:r>
+              <a:rPr lang="fr-FR"/>
+              <a:t>[1]  M. Naimi, M. Trehel, and A. Arnold. A log (n) distributed mutual exclusion algorithm based on path reversal. Journal of Parallel and Distributed Computing, 34(1) :1–13, 1996. </a:t>
+            </a:r>
+            <a:endParaRPr lang="fr-FR">
+              <a:effectLst/>
+            </a:endParaRPr>
+          </a:p>
+          <a:p>
+            <a:r>
+              <a:rPr lang="fr-FR"/>
+              <a:t>[2]  Mohamed Naimi and Michel Trehel. How to detect a failure and regenerate the token in the log (n) distributed algorithm for mutual exclusion. Distributed Algorithms, pages 155–166, 1988. </a:t>
+            </a:r>
+            <a:endParaRPr lang="fr-FR">
+              <a:effectLst/>
+            </a:endParaRPr>
+          </a:p>
+          <a:p>
+            <a:r>
+              <a:rPr lang="fr-FR"/>
+              <a:t>[3]  J. Sopena, L. Arantes, M. Bertier, and P. Sens. A fault-tolerant token-based mutual exclusion algorithm using a dynamic tree. Euro-Par 2005 Parallel Processing, pages 644–644, 2005. </a:t>
+            </a:r>
+            <a:endParaRPr lang="fr-FR">
+              <a:effectLst/>
+            </a:endParaRPr>
+          </a:p>
+        </p:txBody>
+      </p:sp>
+      <p:sp>
+        <p:nvSpPr>
+          <p:cNvPr id="4" name="Espace réservé du numéro de diapositive 3"/>
+          <p:cNvSpPr>
+            <a:spLocks noGrp="1"/>
+          </p:cNvSpPr>
+          <p:nvPr>
+            <p:ph type="sldNum" sz="quarter" idx="12"/>
+          </p:nvPr>
+        </p:nvSpPr>
+        <p:spPr/>
+        <p:txBody>
+          <a:bodyPr/>
+          <a:lstStyle/>
+          <a:p>
+            <a:fld id="{D7E63A33-8271-4DD0-9C48-789913D7C115}" type="slidenum">
+              <a:rPr lang="en-US" smtClean="0"/>
+              <a:pPr/>
+              <a:t>35</a:t>
+            </a:fld>
+            <a:endParaRPr lang="en-US"/>
+          </a:p>
+        </p:txBody>
+      </p:sp>
+    </p:spTree>
+    <p:extLst>
+      <p:ext uri="{BB962C8B-B14F-4D97-AF65-F5344CB8AC3E}">
+        <p14:creationId xmlns:p14="http://schemas.microsoft.com/office/powerpoint/2010/main" val="1270501313"/>
       </p:ext>
     </p:extLst>
   </p:cSld>

--- a/fmin212/Presentation/presAlgoDist.pptx
+++ b/fmin212/Presentation/presAlgoDist.pptx
@@ -5,10 +5,10 @@
     <p:sldMasterId id="2147483972" r:id="rId1"/>
   </p:sldMasterIdLst>
   <p:notesMasterIdLst>
-    <p:notesMasterId r:id="rId38"/>
+    <p:notesMasterId r:id="rId41"/>
   </p:notesMasterIdLst>
   <p:handoutMasterIdLst>
-    <p:handoutMasterId r:id="rId39"/>
+    <p:handoutMasterId r:id="rId42"/>
   </p:handoutMasterIdLst>
   <p:sldIdLst>
     <p:sldId id="256" r:id="rId2"/>
@@ -43,10 +43,13 @@
     <p:sldId id="286" r:id="rId31"/>
     <p:sldId id="287" r:id="rId32"/>
     <p:sldId id="288" r:id="rId33"/>
-    <p:sldId id="289" r:id="rId34"/>
-    <p:sldId id="290" r:id="rId35"/>
-    <p:sldId id="291" r:id="rId36"/>
-    <p:sldId id="292" r:id="rId37"/>
+    <p:sldId id="293" r:id="rId34"/>
+    <p:sldId id="294" r:id="rId35"/>
+    <p:sldId id="295" r:id="rId36"/>
+    <p:sldId id="289" r:id="rId37"/>
+    <p:sldId id="290" r:id="rId38"/>
+    <p:sldId id="291" r:id="rId39"/>
+    <p:sldId id="292" r:id="rId40"/>
   </p:sldIdLst>
   <p:sldSz cx="9144000" cy="6858000" type="screen4x3"/>
   <p:notesSz cx="6858000" cy="9144000"/>
@@ -198,6 +201,9 @@
             <p14:sldId id="286"/>
             <p14:sldId id="287"/>
             <p14:sldId id="288"/>
+            <p14:sldId id="293"/>
+            <p14:sldId id="294"/>
+            <p14:sldId id="295"/>
             <p14:sldId id="289"/>
           </p14:sldIdLst>
         </p14:section>
@@ -299,7 +305,7 @@
           </a:lstStyle>
           <a:p>
             <a:fld id="{4D546538-2C7B-BB4B-A09E-AD14A378EDC3}" type="datetimeFigureOut">
-              <a:t>09/05/12</a:t>
+              <a:t>10/05/12</a:t>
             </a:fld>
             <a:endParaRPr lang="fr-FR"/>
           </a:p>
@@ -463,7 +469,7 @@
           </a:lstStyle>
           <a:p>
             <a:fld id="{78DCF9BA-9780-BB40-AC66-CC6CBBF9F9B1}" type="datetimeFigureOut">
-              <a:t>09/05/12</a:t>
+              <a:t>10/05/12</a:t>
             </a:fld>
             <a:endParaRPr lang="fr-FR"/>
           </a:p>
@@ -977,7 +983,7 @@
           </a:lstStyle>
           <a:p>
             <a:fld id="{43BFB192-3AA8-A142-B937-C7453E63B6D2}" type="datetime1">
-              <a:t>09/05/12</a:t>
+              <a:t>10/05/12</a:t>
             </a:fld>
             <a:endParaRPr lang="en-US"/>
           </a:p>
@@ -1151,7 +1157,7 @@
           </a:lstStyle>
           <a:p>
             <a:fld id="{E1A30BE2-04E1-7F4D-9F9D-DC2F235B41F8}" type="datetime1">
-              <a:t>09/05/12</a:t>
+              <a:t>10/05/12</a:t>
             </a:fld>
             <a:endParaRPr lang="en-US"/>
           </a:p>
@@ -1336,7 +1342,7 @@
           </a:lstStyle>
           <a:p>
             <a:fld id="{C1B89227-6ECC-4E4E-B9AD-1FFBA635C940}" type="datetime1">
-              <a:t>09/05/12</a:t>
+              <a:t>10/05/12</a:t>
             </a:fld>
             <a:endParaRPr lang="en-US"/>
           </a:p>
@@ -1511,7 +1517,7 @@
           </a:lstStyle>
           <a:p>
             <a:fld id="{DA9073F2-4D27-2E44-A5FD-3208A634C97C}" type="datetime1">
-              <a:t>09/05/12</a:t>
+              <a:t>10/05/12</a:t>
             </a:fld>
             <a:endParaRPr lang="en-US"/>
           </a:p>
@@ -1779,7 +1785,7 @@
           </a:lstStyle>
           <a:p>
             <a:fld id="{27D4917F-DC61-EB45-9F91-D4CACD2B0132}" type="datetime1">
-              <a:t>09/05/12</a:t>
+              <a:t>10/05/12</a:t>
             </a:fld>
             <a:endParaRPr lang="en-US"/>
           </a:p>
@@ -2109,7 +2115,7 @@
           </a:lstStyle>
           <a:p>
             <a:fld id="{3B036F9E-2EA2-7B48-B040-9B4A6BEC508B}" type="datetime1">
-              <a:t>09/05/12</a:t>
+              <a:t>10/05/12</a:t>
             </a:fld>
             <a:endParaRPr lang="en-US"/>
           </a:p>
@@ -2598,7 +2604,7 @@
           </a:lstStyle>
           <a:p>
             <a:fld id="{11D24C3F-CD4B-6D44-9F57-EC1EE551585D}" type="datetime1">
-              <a:t>09/05/12</a:t>
+              <a:t>10/05/12</a:t>
             </a:fld>
             <a:endParaRPr lang="en-US"/>
           </a:p>
@@ -2724,7 +2730,7 @@
           </a:lstStyle>
           <a:p>
             <a:fld id="{2D85652D-D1A5-DA4A-AEC8-B295E1EFD854}" type="datetime1">
-              <a:t>09/05/12</a:t>
+              <a:t>10/05/12</a:t>
             </a:fld>
             <a:endParaRPr lang="en-US"/>
           </a:p>
@@ -2868,7 +2874,7 @@
           </a:lstStyle>
           <a:p>
             <a:fld id="{DF436193-BA25-8D45-B808-BCAB48FD56AB}" type="datetime1">
-              <a:t>09/05/12</a:t>
+              <a:t>10/05/12</a:t>
             </a:fld>
             <a:endParaRPr lang="en-US"/>
           </a:p>
@@ -3190,7 +3196,7 @@
           </a:lstStyle>
           <a:p>
             <a:fld id="{B5DB041D-F10A-954D-A19C-4EE11D52B471}" type="datetime1">
-              <a:t>09/05/12</a:t>
+              <a:t>10/05/12</a:t>
             </a:fld>
             <a:endParaRPr lang="en-US"/>
           </a:p>
@@ -3324,7 +3330,7 @@
           </a:lstStyle>
           <a:p>
             <a:fld id="{A164D489-C3B5-E14D-A048-54216BB70BB8}" type="datetime1">
-              <a:t>09/05/12</a:t>
+              <a:t>10/05/12</a:t>
             </a:fld>
             <a:endParaRPr lang="en-US"/>
           </a:p>
@@ -4107,7 +4113,7 @@
             <a:fld id="{AE040967-DBA9-D048-AAD3-DC22DCC01C4A}" type="datetime1">
               <a:rPr lang="fr-FR" smtClean="0"/>
               <a:pPr/>
-              <a:t>09/05/12</a:t>
+              <a:t>10/05/12</a:t>
             </a:fld>
             <a:endParaRPr lang="en-US" dirty="0"/>
           </a:p>
@@ -4685,15 +4691,7 @@
                   <a:schemeClr val="bg2"/>
                 </a:solidFill>
               </a:rPr>
-              <a:t>Chloé Desdouits 	</a:t>
-            </a:r>
-            <a:r>
-              <a:rPr lang="fr-FR">
-                <a:solidFill>
-                  <a:schemeClr val="bg2"/>
-                </a:solidFill>
-              </a:rPr>
-              <a:t>Guillerme Duvillié 	Swan Rocher</a:t>
+              <a:t>Chloé Desdouits 	Guillerme Duvillié 	Swan Rocher</a:t>
             </a:r>
           </a:p>
         </p:txBody>
@@ -4796,9 +4794,16 @@
             <p:ph idx="1"/>
           </p:nvPr>
         </p:nvSpPr>
-        <p:spPr/>
-        <p:txBody>
-          <a:bodyPr/>
+        <p:spPr>
+          <a:xfrm>
+            <a:off x="1435608" y="1447800"/>
+            <a:ext cx="7498080" cy="5334000"/>
+          </a:xfrm>
+        </p:spPr>
+        <p:txBody>
+          <a:bodyPr>
+            <a:normAutofit/>
+          </a:bodyPr>
           <a:lstStyle/>
           <a:p>
             <a:r>
@@ -4809,6 +4814,34 @@
               <a:rPr lang="fr-FR"/>
               <a:t> fait une demande de section critique</a:t>
             </a:r>
+          </a:p>
+          <a:p>
+            <a:endParaRPr lang="fr-FR"/>
+          </a:p>
+          <a:p>
+            <a:endParaRPr lang="fr-FR"/>
+          </a:p>
+          <a:p>
+            <a:endParaRPr lang="fr-FR"/>
+          </a:p>
+          <a:p>
+            <a:endParaRPr lang="fr-FR"/>
+          </a:p>
+          <a:p>
+            <a:endParaRPr lang="fr-FR"/>
+          </a:p>
+          <a:p>
+            <a:r>
+              <a:rPr lang="fr-FR" i="1"/>
+              <a:t>c</a:t>
+            </a:r>
+            <a:r>
+              <a:rPr lang="fr-FR"/>
+              <a:t> fait une demande de section critique</a:t>
+            </a:r>
+          </a:p>
+          <a:p>
+            <a:endParaRPr lang="fr-FR"/>
           </a:p>
         </p:txBody>
       </p:sp>
@@ -4844,7 +4877,7 @@
         </p:nvSpPr>
         <p:spPr>
           <a:xfrm>
-            <a:off x="1407010" y="4001743"/>
+            <a:off x="1262994" y="3641703"/>
             <a:ext cx="339941" cy="342968"/>
           </a:xfrm>
           <a:prstGeom prst="ellipse">
@@ -4887,7 +4920,7 @@
         </p:nvSpPr>
         <p:spPr>
           <a:xfrm>
-            <a:off x="2647122" y="3385453"/>
+            <a:off x="2503106" y="3025413"/>
             <a:ext cx="339941" cy="342968"/>
           </a:xfrm>
           <a:prstGeom prst="ellipse">
@@ -4930,7 +4963,7 @@
         </p:nvSpPr>
         <p:spPr>
           <a:xfrm>
-            <a:off x="424098" y="3658775"/>
+            <a:off x="280082" y="3298735"/>
             <a:ext cx="339941" cy="342968"/>
           </a:xfrm>
           <a:prstGeom prst="ellipse">
@@ -4973,7 +5006,7 @@
         </p:nvSpPr>
         <p:spPr>
           <a:xfrm>
-            <a:off x="2083001" y="5533647"/>
+            <a:off x="1938985" y="5173607"/>
             <a:ext cx="339941" cy="342968"/>
           </a:xfrm>
           <a:prstGeom prst="ellipse">
@@ -5016,7 +5049,7 @@
         </p:nvSpPr>
         <p:spPr>
           <a:xfrm>
-            <a:off x="1913030" y="4540257"/>
+            <a:off x="1769014" y="4180217"/>
             <a:ext cx="339941" cy="342968"/>
           </a:xfrm>
           <a:prstGeom prst="ellipse">
@@ -5062,7 +5095,7 @@
         </p:nvCxnSpPr>
         <p:spPr>
           <a:xfrm>
-            <a:off x="764039" y="3830259"/>
+            <a:off x="620023" y="3470219"/>
             <a:ext cx="692754" cy="221711"/>
           </a:xfrm>
           <a:prstGeom prst="line">
@@ -5095,7 +5128,7 @@
         </p:nvCxnSpPr>
         <p:spPr>
           <a:xfrm flipV="1">
-            <a:off x="1697168" y="3556937"/>
+            <a:off x="1553152" y="3196897"/>
             <a:ext cx="949954" cy="495033"/>
           </a:xfrm>
           <a:prstGeom prst="line">
@@ -5128,7 +5161,7 @@
         </p:nvCxnSpPr>
         <p:spPr>
           <a:xfrm flipH="1">
-            <a:off x="2203188" y="3678194"/>
+            <a:off x="2059172" y="3318154"/>
             <a:ext cx="493717" cy="912290"/>
           </a:xfrm>
           <a:prstGeom prst="line">
@@ -5161,7 +5194,7 @@
         </p:nvCxnSpPr>
         <p:spPr>
           <a:xfrm>
-            <a:off x="2083001" y="4883225"/>
+            <a:off x="1938985" y="4523185"/>
             <a:ext cx="169971" cy="650422"/>
           </a:xfrm>
           <a:prstGeom prst="line">
@@ -5194,7 +5227,7 @@
         </p:nvCxnSpPr>
         <p:spPr>
           <a:xfrm flipH="1" flipV="1">
-            <a:off x="594069" y="4001743"/>
+            <a:off x="450053" y="3641703"/>
             <a:ext cx="1488932" cy="1703388"/>
           </a:xfrm>
           <a:prstGeom prst="line">
@@ -5227,7 +5260,7 @@
         </p:nvCxnSpPr>
         <p:spPr>
           <a:xfrm>
-            <a:off x="1576981" y="4344711"/>
+            <a:off x="1432965" y="3984671"/>
             <a:ext cx="555803" cy="1239163"/>
           </a:xfrm>
           <a:prstGeom prst="line">
@@ -5260,7 +5293,7 @@
         </p:nvCxnSpPr>
         <p:spPr>
           <a:xfrm>
-            <a:off x="1697168" y="4294484"/>
+            <a:off x="1553152" y="3934444"/>
             <a:ext cx="265645" cy="296000"/>
           </a:xfrm>
           <a:prstGeom prst="line">
@@ -5293,7 +5326,7 @@
         </p:nvCxnSpPr>
         <p:spPr>
           <a:xfrm flipV="1">
-            <a:off x="714256" y="3435680"/>
+            <a:off x="570240" y="3075640"/>
             <a:ext cx="1982649" cy="273322"/>
           </a:xfrm>
           <a:prstGeom prst="line">
@@ -5326,7 +5359,7 @@
         </p:nvCxnSpPr>
         <p:spPr>
           <a:xfrm>
-            <a:off x="714256" y="3951516"/>
+            <a:off x="570240" y="3591476"/>
             <a:ext cx="1198774" cy="760225"/>
           </a:xfrm>
           <a:prstGeom prst="line">
@@ -5359,7 +5392,7 @@
         </p:nvCxnSpPr>
         <p:spPr>
           <a:xfrm flipH="1">
-            <a:off x="2373159" y="3728421"/>
+            <a:off x="2229143" y="3368381"/>
             <a:ext cx="443934" cy="1855453"/>
           </a:xfrm>
           <a:prstGeom prst="line">
@@ -5389,7 +5422,7 @@
         </p:nvSpPr>
         <p:spPr>
           <a:xfrm>
-            <a:off x="4408642" y="4057336"/>
+            <a:off x="4264626" y="3697296"/>
             <a:ext cx="339941" cy="342968"/>
           </a:xfrm>
           <a:prstGeom prst="ellipse">
@@ -5432,7 +5465,7 @@
         </p:nvSpPr>
         <p:spPr>
           <a:xfrm>
-            <a:off x="5648754" y="3441046"/>
+            <a:off x="5504738" y="3081006"/>
             <a:ext cx="339941" cy="342968"/>
           </a:xfrm>
           <a:prstGeom prst="ellipse">
@@ -5475,7 +5508,7 @@
         </p:nvSpPr>
         <p:spPr>
           <a:xfrm>
-            <a:off x="3425730" y="3714368"/>
+            <a:off x="3281714" y="3354328"/>
             <a:ext cx="339941" cy="342968"/>
           </a:xfrm>
           <a:prstGeom prst="ellipse">
@@ -5518,7 +5551,7 @@
         </p:nvSpPr>
         <p:spPr>
           <a:xfrm>
-            <a:off x="5084633" y="5589240"/>
+            <a:off x="4940617" y="5229200"/>
             <a:ext cx="339941" cy="342968"/>
           </a:xfrm>
           <a:prstGeom prst="ellipse">
@@ -5561,7 +5594,7 @@
         </p:nvSpPr>
         <p:spPr>
           <a:xfrm>
-            <a:off x="4914662" y="4595850"/>
+            <a:off x="4770646" y="4235810"/>
             <a:ext cx="339941" cy="342968"/>
           </a:xfrm>
           <a:prstGeom prst="ellipse">
@@ -5607,7 +5640,7 @@
         </p:nvCxnSpPr>
         <p:spPr>
           <a:xfrm>
-            <a:off x="3765671" y="3885852"/>
+            <a:off x="3621655" y="3525812"/>
             <a:ext cx="692754" cy="221711"/>
           </a:xfrm>
           <a:prstGeom prst="line">
@@ -5644,7 +5677,7 @@
         </p:nvCxnSpPr>
         <p:spPr>
           <a:xfrm flipV="1">
-            <a:off x="4698800" y="3612530"/>
+            <a:off x="4554784" y="3252490"/>
             <a:ext cx="949954" cy="495033"/>
           </a:xfrm>
           <a:prstGeom prst="line">
@@ -5681,7 +5714,7 @@
         </p:nvCxnSpPr>
         <p:spPr>
           <a:xfrm>
-            <a:off x="4578613" y="4400304"/>
+            <a:off x="4434597" y="4040264"/>
             <a:ext cx="555803" cy="1239163"/>
           </a:xfrm>
           <a:prstGeom prst="line">
@@ -5718,7 +5751,7 @@
         </p:nvCxnSpPr>
         <p:spPr>
           <a:xfrm>
-            <a:off x="4698800" y="4350077"/>
+            <a:off x="4554784" y="3990037"/>
             <a:ext cx="265645" cy="296000"/>
           </a:xfrm>
           <a:prstGeom prst="line">
@@ -5752,7 +5785,7 @@
         </p:nvSpPr>
         <p:spPr>
           <a:xfrm>
-            <a:off x="7352393" y="4057336"/>
+            <a:off x="7208377" y="3697296"/>
             <a:ext cx="339941" cy="342968"/>
           </a:xfrm>
           <a:prstGeom prst="ellipse">
@@ -5795,7 +5828,7 @@
         </p:nvSpPr>
         <p:spPr>
           <a:xfrm>
-            <a:off x="8592505" y="3441046"/>
+            <a:off x="8448489" y="3081006"/>
             <a:ext cx="339941" cy="342968"/>
           </a:xfrm>
           <a:prstGeom prst="ellipse">
@@ -5838,7 +5871,7 @@
         </p:nvSpPr>
         <p:spPr>
           <a:xfrm>
-            <a:off x="6369481" y="3714368"/>
+            <a:off x="6225465" y="3354328"/>
             <a:ext cx="339941" cy="342968"/>
           </a:xfrm>
           <a:prstGeom prst="ellipse">
@@ -5881,7 +5914,7 @@
         </p:nvSpPr>
         <p:spPr>
           <a:xfrm>
-            <a:off x="8028384" y="5589240"/>
+            <a:off x="7884368" y="5229200"/>
             <a:ext cx="339941" cy="342968"/>
           </a:xfrm>
           <a:prstGeom prst="ellipse">
@@ -5924,7 +5957,7 @@
         </p:nvSpPr>
         <p:spPr>
           <a:xfrm>
-            <a:off x="7858413" y="4595850"/>
+            <a:off x="7714397" y="4235810"/>
             <a:ext cx="339941" cy="342968"/>
           </a:xfrm>
           <a:prstGeom prst="ellipse">
@@ -5969,6 +6002,88 @@
   <p:clrMapOvr>
     <a:masterClrMapping/>
   </p:clrMapOvr>
+  <p:timing>
+    <p:tnLst>
+      <p:par>
+        <p:cTn xmlns:p14="http://schemas.microsoft.com/office/powerpoint/2010/main" id="1" dur="indefinite" restart="never" nodeType="tmRoot">
+          <p:childTnLst>
+            <p:seq concurrent="1" nextAc="seek">
+              <p:cTn id="2" dur="indefinite" nodeType="mainSeq">
+                <p:childTnLst>
+                  <p:par>
+                    <p:cTn id="3" fill="hold">
+                      <p:stCondLst>
+                        <p:cond delay="indefinite"/>
+                      </p:stCondLst>
+                      <p:childTnLst>
+                        <p:par>
+                          <p:cTn id="4" fill="hold">
+                            <p:stCondLst>
+                              <p:cond delay="0"/>
+                            </p:stCondLst>
+                            <p:childTnLst>
+                              <p:par>
+                                <p:cTn id="5" presetID="1" presetClass="entr" presetSubtype="0" fill="hold" grpId="0" nodeType="clickEffect">
+                                  <p:stCondLst>
+                                    <p:cond delay="0"/>
+                                  </p:stCondLst>
+                                  <p:childTnLst>
+                                    <p:set>
+                                      <p:cBhvr>
+                                        <p:cTn id="6" dur="1" fill="hold">
+                                          <p:stCondLst>
+                                            <p:cond delay="0"/>
+                                          </p:stCondLst>
+                                        </p:cTn>
+                                        <p:tgtEl>
+                                          <p:spTgt spid="4">
+                                            <p:txEl>
+                                              <p:pRg st="6" end="6"/>
+                                            </p:txEl>
+                                          </p:spTgt>
+                                        </p:tgtEl>
+                                        <p:attrNameLst>
+                                          <p:attrName>style.visibility</p:attrName>
+                                        </p:attrNameLst>
+                                      </p:cBhvr>
+                                      <p:to>
+                                        <p:strVal val="visible"/>
+                                      </p:to>
+                                    </p:set>
+                                  </p:childTnLst>
+                                </p:cTn>
+                              </p:par>
+                            </p:childTnLst>
+                          </p:cTn>
+                        </p:par>
+                      </p:childTnLst>
+                    </p:cTn>
+                  </p:par>
+                </p:childTnLst>
+              </p:cTn>
+              <p:prevCondLst>
+                <p:cond evt="onPrev" delay="0">
+                  <p:tgtEl>
+                    <p:sldTgt/>
+                  </p:tgtEl>
+                </p:cond>
+              </p:prevCondLst>
+              <p:nextCondLst>
+                <p:cond evt="onNext" delay="0">
+                  <p:tgtEl>
+                    <p:sldTgt/>
+                  </p:tgtEl>
+                </p:cond>
+              </p:nextCondLst>
+            </p:seq>
+          </p:childTnLst>
+        </p:cTn>
+      </p:par>
+    </p:tnLst>
+    <p:bldLst>
+      <p:bldP spid="4" grpId="0" uiExpand="1" build="p"/>
+    </p:bldLst>
+  </p:timing>
 </p:sld>
 </file>
 
@@ -6021,9 +6136,16 @@
             <p:ph idx="1"/>
           </p:nvPr>
         </p:nvSpPr>
-        <p:spPr/>
-        <p:txBody>
-          <a:bodyPr/>
+        <p:spPr>
+          <a:xfrm>
+            <a:off x="1435608" y="1447800"/>
+            <a:ext cx="7498080" cy="5334000"/>
+          </a:xfrm>
+        </p:spPr>
+        <p:txBody>
+          <a:bodyPr>
+            <a:normAutofit/>
+          </a:bodyPr>
           <a:lstStyle/>
           <a:p>
             <a:r>
@@ -6034,6 +6156,34 @@
               <a:rPr lang="fr-FR"/>
               <a:t> fait une demande de section critique</a:t>
             </a:r>
+          </a:p>
+          <a:p>
+            <a:endParaRPr lang="fr-FR"/>
+          </a:p>
+          <a:p>
+            <a:endParaRPr lang="fr-FR"/>
+          </a:p>
+          <a:p>
+            <a:endParaRPr lang="fr-FR"/>
+          </a:p>
+          <a:p>
+            <a:endParaRPr lang="fr-FR"/>
+          </a:p>
+          <a:p>
+            <a:endParaRPr lang="fr-FR"/>
+          </a:p>
+          <a:p>
+            <a:r>
+              <a:rPr lang="fr-FR" i="1"/>
+              <a:t>d</a:t>
+            </a:r>
+            <a:r>
+              <a:rPr lang="fr-FR"/>
+              <a:t> fait une demande de section critique</a:t>
+            </a:r>
+          </a:p>
+          <a:p>
+            <a:endParaRPr lang="fr-FR"/>
           </a:p>
         </p:txBody>
       </p:sp>
@@ -6069,7 +6219,7 @@
         </p:nvSpPr>
         <p:spPr>
           <a:xfrm>
-            <a:off x="1403421" y="4024711"/>
+            <a:off x="1262994" y="3641703"/>
             <a:ext cx="339941" cy="342968"/>
           </a:xfrm>
           <a:prstGeom prst="ellipse">
@@ -6112,7 +6262,7 @@
         </p:nvSpPr>
         <p:spPr>
           <a:xfrm>
-            <a:off x="2643533" y="3408421"/>
+            <a:off x="2503106" y="3025413"/>
             <a:ext cx="339941" cy="342968"/>
           </a:xfrm>
           <a:prstGeom prst="ellipse">
@@ -6155,7 +6305,7 @@
         </p:nvSpPr>
         <p:spPr>
           <a:xfrm>
-            <a:off x="420509" y="3681743"/>
+            <a:off x="280082" y="3298735"/>
             <a:ext cx="339941" cy="342968"/>
           </a:xfrm>
           <a:prstGeom prst="ellipse">
@@ -6198,7 +6348,7 @@
         </p:nvSpPr>
         <p:spPr>
           <a:xfrm>
-            <a:off x="2079412" y="5556615"/>
+            <a:off x="1938985" y="5173607"/>
             <a:ext cx="339941" cy="342968"/>
           </a:xfrm>
           <a:prstGeom prst="ellipse">
@@ -6241,7 +6391,7 @@
         </p:nvSpPr>
         <p:spPr>
           <a:xfrm>
-            <a:off x="1909441" y="4563225"/>
+            <a:off x="1769014" y="4180217"/>
             <a:ext cx="339941" cy="342968"/>
           </a:xfrm>
           <a:prstGeom prst="ellipse">
@@ -6287,7 +6437,7 @@
         </p:nvCxnSpPr>
         <p:spPr>
           <a:xfrm>
-            <a:off x="760450" y="3853227"/>
+            <a:off x="620023" y="3470219"/>
             <a:ext cx="692754" cy="221711"/>
           </a:xfrm>
           <a:prstGeom prst="line">
@@ -6320,7 +6470,7 @@
         </p:nvCxnSpPr>
         <p:spPr>
           <a:xfrm flipV="1">
-            <a:off x="1693579" y="3579905"/>
+            <a:off x="1553152" y="3196897"/>
             <a:ext cx="949954" cy="495033"/>
           </a:xfrm>
           <a:prstGeom prst="line">
@@ -6353,7 +6503,7 @@
         </p:nvCxnSpPr>
         <p:spPr>
           <a:xfrm flipH="1">
-            <a:off x="2199599" y="3701162"/>
+            <a:off x="2059172" y="3318154"/>
             <a:ext cx="493717" cy="912290"/>
           </a:xfrm>
           <a:prstGeom prst="line">
@@ -6386,7 +6536,7 @@
         </p:nvCxnSpPr>
         <p:spPr>
           <a:xfrm>
-            <a:off x="2079412" y="4906193"/>
+            <a:off x="1938985" y="4523185"/>
             <a:ext cx="169971" cy="650422"/>
           </a:xfrm>
           <a:prstGeom prst="line">
@@ -6419,7 +6569,7 @@
         </p:nvCxnSpPr>
         <p:spPr>
           <a:xfrm flipH="1" flipV="1">
-            <a:off x="590480" y="4024711"/>
+            <a:off x="450053" y="3641703"/>
             <a:ext cx="1488932" cy="1703388"/>
           </a:xfrm>
           <a:prstGeom prst="line">
@@ -6452,7 +6602,7 @@
         </p:nvCxnSpPr>
         <p:spPr>
           <a:xfrm>
-            <a:off x="1573392" y="4367679"/>
+            <a:off x="1432965" y="3984671"/>
             <a:ext cx="555803" cy="1239163"/>
           </a:xfrm>
           <a:prstGeom prst="line">
@@ -6485,7 +6635,7 @@
         </p:nvCxnSpPr>
         <p:spPr>
           <a:xfrm>
-            <a:off x="1693579" y="4317452"/>
+            <a:off x="1553152" y="3934444"/>
             <a:ext cx="265645" cy="296000"/>
           </a:xfrm>
           <a:prstGeom prst="line">
@@ -6518,7 +6668,7 @@
         </p:nvCxnSpPr>
         <p:spPr>
           <a:xfrm flipV="1">
-            <a:off x="710667" y="3458648"/>
+            <a:off x="570240" y="3075640"/>
             <a:ext cx="1982649" cy="273322"/>
           </a:xfrm>
           <a:prstGeom prst="line">
@@ -6551,7 +6701,7 @@
         </p:nvCxnSpPr>
         <p:spPr>
           <a:xfrm>
-            <a:off x="710667" y="3974484"/>
+            <a:off x="570240" y="3591476"/>
             <a:ext cx="1198774" cy="760225"/>
           </a:xfrm>
           <a:prstGeom prst="line">
@@ -6584,7 +6734,7 @@
         </p:nvCxnSpPr>
         <p:spPr>
           <a:xfrm flipH="1">
-            <a:off x="2369570" y="3751389"/>
+            <a:off x="2229143" y="3368381"/>
             <a:ext cx="443934" cy="1855453"/>
           </a:xfrm>
           <a:prstGeom prst="line">
@@ -6614,7 +6764,7 @@
         </p:nvSpPr>
         <p:spPr>
           <a:xfrm>
-            <a:off x="4405053" y="4080304"/>
+            <a:off x="4264626" y="3697296"/>
             <a:ext cx="339941" cy="342968"/>
           </a:xfrm>
           <a:prstGeom prst="ellipse">
@@ -6657,7 +6807,7 @@
         </p:nvSpPr>
         <p:spPr>
           <a:xfrm>
-            <a:off x="5645165" y="3464014"/>
+            <a:off x="5504738" y="3081006"/>
             <a:ext cx="339941" cy="342968"/>
           </a:xfrm>
           <a:prstGeom prst="ellipse">
@@ -6700,7 +6850,7 @@
         </p:nvSpPr>
         <p:spPr>
           <a:xfrm>
-            <a:off x="3422141" y="3737336"/>
+            <a:off x="3281714" y="3354328"/>
             <a:ext cx="339941" cy="342968"/>
           </a:xfrm>
           <a:prstGeom prst="ellipse">
@@ -6743,7 +6893,7 @@
         </p:nvSpPr>
         <p:spPr>
           <a:xfrm>
-            <a:off x="5081044" y="5612208"/>
+            <a:off x="4940617" y="5229200"/>
             <a:ext cx="339941" cy="342968"/>
           </a:xfrm>
           <a:prstGeom prst="ellipse">
@@ -6786,7 +6936,7 @@
         </p:nvSpPr>
         <p:spPr>
           <a:xfrm>
-            <a:off x="4911073" y="4618818"/>
+            <a:off x="4770646" y="4235810"/>
             <a:ext cx="339941" cy="342968"/>
           </a:xfrm>
           <a:prstGeom prst="ellipse">
@@ -6832,7 +6982,7 @@
         </p:nvCxnSpPr>
         <p:spPr>
           <a:xfrm flipH="1">
-            <a:off x="3762082" y="3635498"/>
+            <a:off x="3621655" y="3252490"/>
             <a:ext cx="1883083" cy="273322"/>
           </a:xfrm>
           <a:prstGeom prst="line">
@@ -6869,7 +7019,7 @@
         </p:nvCxnSpPr>
         <p:spPr>
           <a:xfrm flipV="1">
-            <a:off x="4695211" y="3756755"/>
+            <a:off x="4554784" y="3373747"/>
             <a:ext cx="999737" cy="373776"/>
           </a:xfrm>
           <a:prstGeom prst="line">
@@ -6906,7 +7056,7 @@
         </p:nvCxnSpPr>
         <p:spPr>
           <a:xfrm>
-            <a:off x="4575024" y="4423272"/>
+            <a:off x="4434597" y="4040264"/>
             <a:ext cx="555803" cy="1239163"/>
           </a:xfrm>
           <a:prstGeom prst="line">
@@ -6943,7 +7093,7 @@
         </p:nvCxnSpPr>
         <p:spPr>
           <a:xfrm>
-            <a:off x="4695211" y="4373045"/>
+            <a:off x="4554784" y="3990037"/>
             <a:ext cx="265645" cy="296000"/>
           </a:xfrm>
           <a:prstGeom prst="line">
@@ -6977,7 +7127,7 @@
         </p:nvSpPr>
         <p:spPr>
           <a:xfrm>
-            <a:off x="7348804" y="4080304"/>
+            <a:off x="7208377" y="3697296"/>
             <a:ext cx="339941" cy="342968"/>
           </a:xfrm>
           <a:prstGeom prst="ellipse">
@@ -7020,7 +7170,7 @@
         </p:nvSpPr>
         <p:spPr>
           <a:xfrm>
-            <a:off x="8588916" y="3464014"/>
+            <a:off x="8448489" y="3081006"/>
             <a:ext cx="339941" cy="342968"/>
           </a:xfrm>
           <a:prstGeom prst="ellipse">
@@ -7063,7 +7213,7 @@
         </p:nvSpPr>
         <p:spPr>
           <a:xfrm>
-            <a:off x="6365892" y="3737336"/>
+            <a:off x="6225465" y="3354328"/>
             <a:ext cx="339941" cy="342968"/>
           </a:xfrm>
           <a:prstGeom prst="ellipse">
@@ -7106,7 +7256,7 @@
         </p:nvSpPr>
         <p:spPr>
           <a:xfrm>
-            <a:off x="8024795" y="5612208"/>
+            <a:off x="7884368" y="5229200"/>
             <a:ext cx="339941" cy="342968"/>
           </a:xfrm>
           <a:prstGeom prst="ellipse">
@@ -7149,7 +7299,7 @@
         </p:nvSpPr>
         <p:spPr>
           <a:xfrm>
-            <a:off x="7854824" y="4618818"/>
+            <a:off x="7714397" y="4235810"/>
             <a:ext cx="339941" cy="342968"/>
           </a:xfrm>
           <a:prstGeom prst="ellipse">
@@ -7195,7 +7345,7 @@
         </p:nvCxnSpPr>
         <p:spPr>
           <a:xfrm flipH="1">
-            <a:off x="6705833" y="3635498"/>
+            <a:off x="6565406" y="3252490"/>
             <a:ext cx="1883083" cy="273322"/>
           </a:xfrm>
           <a:prstGeom prst="line">
@@ -7231,6 +7381,85 @@
   <p:clrMapOvr>
     <a:masterClrMapping/>
   </p:clrMapOvr>
+  <p:timing>
+    <p:tnLst>
+      <p:par>
+        <p:cTn xmlns:p14="http://schemas.microsoft.com/office/powerpoint/2010/main" id="1" dur="indefinite" restart="never" nodeType="tmRoot">
+          <p:childTnLst>
+            <p:seq concurrent="1" nextAc="seek">
+              <p:cTn id="2" dur="indefinite" nodeType="mainSeq">
+                <p:childTnLst>
+                  <p:par>
+                    <p:cTn id="3" fill="hold">
+                      <p:stCondLst>
+                        <p:cond delay="indefinite"/>
+                      </p:stCondLst>
+                      <p:childTnLst>
+                        <p:par>
+                          <p:cTn id="4" fill="hold">
+                            <p:stCondLst>
+                              <p:cond delay="0"/>
+                            </p:stCondLst>
+                            <p:childTnLst>
+                              <p:par>
+                                <p:cTn id="5" presetID="1" presetClass="entr" presetSubtype="0" fill="hold" nodeType="clickEffect">
+                                  <p:stCondLst>
+                                    <p:cond delay="0"/>
+                                  </p:stCondLst>
+                                  <p:childTnLst>
+                                    <p:set>
+                                      <p:cBhvr>
+                                        <p:cTn id="6" dur="1" fill="hold">
+                                          <p:stCondLst>
+                                            <p:cond delay="0"/>
+                                          </p:stCondLst>
+                                        </p:cTn>
+                                        <p:tgtEl>
+                                          <p:spTgt spid="4">
+                                            <p:txEl>
+                                              <p:pRg st="6" end="6"/>
+                                            </p:txEl>
+                                          </p:spTgt>
+                                        </p:tgtEl>
+                                        <p:attrNameLst>
+                                          <p:attrName>style.visibility</p:attrName>
+                                        </p:attrNameLst>
+                                      </p:cBhvr>
+                                      <p:to>
+                                        <p:strVal val="visible"/>
+                                      </p:to>
+                                    </p:set>
+                                  </p:childTnLst>
+                                </p:cTn>
+                              </p:par>
+                            </p:childTnLst>
+                          </p:cTn>
+                        </p:par>
+                      </p:childTnLst>
+                    </p:cTn>
+                  </p:par>
+                </p:childTnLst>
+              </p:cTn>
+              <p:prevCondLst>
+                <p:cond evt="onPrev" delay="0">
+                  <p:tgtEl>
+                    <p:sldTgt/>
+                  </p:tgtEl>
+                </p:cond>
+              </p:prevCondLst>
+              <p:nextCondLst>
+                <p:cond evt="onNext" delay="0">
+                  <p:tgtEl>
+                    <p:sldTgt/>
+                  </p:tgtEl>
+                </p:cond>
+              </p:nextCondLst>
+            </p:seq>
+          </p:childTnLst>
+        </p:cTn>
+      </p:par>
+    </p:tnLst>
+  </p:timing>
 </p:sld>
 </file>
 
@@ -7283,9 +7512,16 @@
             <p:ph idx="1"/>
           </p:nvPr>
         </p:nvSpPr>
-        <p:spPr/>
-        <p:txBody>
-          <a:bodyPr/>
+        <p:spPr>
+          <a:xfrm>
+            <a:off x="1435608" y="1447800"/>
+            <a:ext cx="7498080" cy="5334000"/>
+          </a:xfrm>
+        </p:spPr>
+        <p:txBody>
+          <a:bodyPr>
+            <a:normAutofit/>
+          </a:bodyPr>
           <a:lstStyle/>
           <a:p>
             <a:r>
@@ -7296,6 +7532,32 @@
               <a:rPr lang="fr-FR"/>
               <a:t> fait une demande de section critique</a:t>
             </a:r>
+          </a:p>
+          <a:p>
+            <a:endParaRPr lang="fr-FR"/>
+          </a:p>
+          <a:p>
+            <a:endParaRPr lang="fr-FR"/>
+          </a:p>
+          <a:p>
+            <a:endParaRPr lang="fr-FR"/>
+          </a:p>
+          <a:p>
+            <a:endParaRPr lang="fr-FR"/>
+          </a:p>
+          <a:p>
+            <a:endParaRPr lang="fr-FR"/>
+          </a:p>
+          <a:p>
+            <a:r>
+              <a:rPr lang="fr-FR" i="1"/>
+              <a:t>b</a:t>
+            </a:r>
+            <a:r>
+              <a:rPr lang="fr-FR"/>
+              <a:t> relâche la section critique</a:t>
+            </a:r>
+            <a:endParaRPr lang="fr-FR" i="1"/>
           </a:p>
         </p:txBody>
       </p:sp>
@@ -7331,7 +7593,7 @@
         </p:nvSpPr>
         <p:spPr>
           <a:xfrm>
-            <a:off x="1380951" y="4034908"/>
+            <a:off x="1281385" y="3636347"/>
             <a:ext cx="339941" cy="342968"/>
           </a:xfrm>
           <a:prstGeom prst="ellipse">
@@ -7374,7 +7636,7 @@
         </p:nvSpPr>
         <p:spPr>
           <a:xfrm>
-            <a:off x="2621063" y="3418618"/>
+            <a:off x="2521497" y="3020057"/>
             <a:ext cx="339941" cy="342968"/>
           </a:xfrm>
           <a:prstGeom prst="ellipse">
@@ -7417,7 +7679,7 @@
         </p:nvSpPr>
         <p:spPr>
           <a:xfrm>
-            <a:off x="398039" y="3691940"/>
+            <a:off x="298473" y="3293379"/>
             <a:ext cx="339941" cy="342968"/>
           </a:xfrm>
           <a:prstGeom prst="ellipse">
@@ -7460,7 +7722,7 @@
         </p:nvSpPr>
         <p:spPr>
           <a:xfrm>
-            <a:off x="2056942" y="5566812"/>
+            <a:off x="1957376" y="5168251"/>
             <a:ext cx="339941" cy="342968"/>
           </a:xfrm>
           <a:prstGeom prst="ellipse">
@@ -7503,7 +7765,7 @@
         </p:nvSpPr>
         <p:spPr>
           <a:xfrm>
-            <a:off x="1886971" y="4573422"/>
+            <a:off x="1787405" y="4174861"/>
             <a:ext cx="339941" cy="342968"/>
           </a:xfrm>
           <a:prstGeom prst="ellipse">
@@ -7549,7 +7811,7 @@
         </p:nvCxnSpPr>
         <p:spPr>
           <a:xfrm>
-            <a:off x="737980" y="3863424"/>
+            <a:off x="638414" y="3464863"/>
             <a:ext cx="692754" cy="221711"/>
           </a:xfrm>
           <a:prstGeom prst="line">
@@ -7582,7 +7844,7 @@
         </p:nvCxnSpPr>
         <p:spPr>
           <a:xfrm flipV="1">
-            <a:off x="1671109" y="3590102"/>
+            <a:off x="1571543" y="3191541"/>
             <a:ext cx="949954" cy="495033"/>
           </a:xfrm>
           <a:prstGeom prst="line">
@@ -7615,7 +7877,7 @@
         </p:nvCxnSpPr>
         <p:spPr>
           <a:xfrm flipH="1">
-            <a:off x="2177129" y="3711359"/>
+            <a:off x="2077563" y="3312798"/>
             <a:ext cx="493717" cy="912290"/>
           </a:xfrm>
           <a:prstGeom prst="line">
@@ -7648,7 +7910,7 @@
         </p:nvCxnSpPr>
         <p:spPr>
           <a:xfrm>
-            <a:off x="2056942" y="4916390"/>
+            <a:off x="1957376" y="4517829"/>
             <a:ext cx="169971" cy="650422"/>
           </a:xfrm>
           <a:prstGeom prst="line">
@@ -7681,7 +7943,7 @@
         </p:nvCxnSpPr>
         <p:spPr>
           <a:xfrm flipH="1" flipV="1">
-            <a:off x="568010" y="4034908"/>
+            <a:off x="468444" y="3636347"/>
             <a:ext cx="1488932" cy="1703388"/>
           </a:xfrm>
           <a:prstGeom prst="line">
@@ -7714,7 +7976,7 @@
         </p:nvCxnSpPr>
         <p:spPr>
           <a:xfrm>
-            <a:off x="1550922" y="4377876"/>
+            <a:off x="1451356" y="3979315"/>
             <a:ext cx="555803" cy="1239163"/>
           </a:xfrm>
           <a:prstGeom prst="line">
@@ -7747,7 +8009,7 @@
         </p:nvCxnSpPr>
         <p:spPr>
           <a:xfrm>
-            <a:off x="1671109" y="4327649"/>
+            <a:off x="1571543" y="3929088"/>
             <a:ext cx="265645" cy="296000"/>
           </a:xfrm>
           <a:prstGeom prst="line">
@@ -7780,7 +8042,7 @@
         </p:nvCxnSpPr>
         <p:spPr>
           <a:xfrm flipV="1">
-            <a:off x="688197" y="3468845"/>
+            <a:off x="588631" y="3070284"/>
             <a:ext cx="1982649" cy="273322"/>
           </a:xfrm>
           <a:prstGeom prst="line">
@@ -7813,7 +8075,7 @@
         </p:nvCxnSpPr>
         <p:spPr>
           <a:xfrm>
-            <a:off x="688197" y="3984681"/>
+            <a:off x="588631" y="3586120"/>
             <a:ext cx="1198774" cy="760225"/>
           </a:xfrm>
           <a:prstGeom prst="line">
@@ -7846,7 +8108,7 @@
         </p:nvCxnSpPr>
         <p:spPr>
           <a:xfrm flipH="1">
-            <a:off x="2347100" y="3761586"/>
+            <a:off x="2247534" y="3363025"/>
             <a:ext cx="443934" cy="1855453"/>
           </a:xfrm>
           <a:prstGeom prst="line">
@@ -7876,7 +8138,7 @@
         </p:nvSpPr>
         <p:spPr>
           <a:xfrm>
-            <a:off x="4382583" y="4090501"/>
+            <a:off x="4283017" y="3691940"/>
             <a:ext cx="339941" cy="342968"/>
           </a:xfrm>
           <a:prstGeom prst="ellipse">
@@ -7919,7 +8181,7 @@
         </p:nvSpPr>
         <p:spPr>
           <a:xfrm>
-            <a:off x="5622695" y="3474211"/>
+            <a:off x="5523129" y="3075650"/>
             <a:ext cx="339941" cy="342968"/>
           </a:xfrm>
           <a:prstGeom prst="ellipse">
@@ -7962,7 +8224,7 @@
         </p:nvSpPr>
         <p:spPr>
           <a:xfrm>
-            <a:off x="3399671" y="3747533"/>
+            <a:off x="3300105" y="3348972"/>
             <a:ext cx="339941" cy="342968"/>
           </a:xfrm>
           <a:prstGeom prst="ellipse">
@@ -8005,7 +8267,7 @@
         </p:nvSpPr>
         <p:spPr>
           <a:xfrm>
-            <a:off x="5058574" y="5622405"/>
+            <a:off x="4959008" y="5223844"/>
             <a:ext cx="339941" cy="342968"/>
           </a:xfrm>
           <a:prstGeom prst="ellipse">
@@ -8048,7 +8310,7 @@
         </p:nvSpPr>
         <p:spPr>
           <a:xfrm>
-            <a:off x="4888603" y="4629015"/>
+            <a:off x="4789037" y="4230454"/>
             <a:ext cx="339941" cy="342968"/>
           </a:xfrm>
           <a:prstGeom prst="ellipse">
@@ -8094,7 +8356,7 @@
         </p:nvCxnSpPr>
         <p:spPr>
           <a:xfrm flipH="1">
-            <a:off x="3739612" y="3645695"/>
+            <a:off x="3640046" y="3247134"/>
             <a:ext cx="1883083" cy="273322"/>
           </a:xfrm>
           <a:prstGeom prst="line">
@@ -8131,7 +8393,7 @@
         </p:nvCxnSpPr>
         <p:spPr>
           <a:xfrm flipH="1">
-            <a:off x="5348732" y="3817179"/>
+            <a:off x="5249166" y="3418618"/>
             <a:ext cx="443934" cy="1855453"/>
           </a:xfrm>
           <a:prstGeom prst="line">
@@ -8168,7 +8430,7 @@
         </p:nvCxnSpPr>
         <p:spPr>
           <a:xfrm>
-            <a:off x="4552554" y="4433469"/>
+            <a:off x="4452988" y="4034908"/>
             <a:ext cx="555803" cy="1239163"/>
           </a:xfrm>
           <a:prstGeom prst="line">
@@ -8205,7 +8467,7 @@
         </p:nvCxnSpPr>
         <p:spPr>
           <a:xfrm>
-            <a:off x="4672741" y="4383242"/>
+            <a:off x="4573175" y="3984681"/>
             <a:ext cx="265645" cy="296000"/>
           </a:xfrm>
           <a:prstGeom prst="line">
@@ -8239,7 +8501,7 @@
         </p:nvSpPr>
         <p:spPr>
           <a:xfrm>
-            <a:off x="7326334" y="4090501"/>
+            <a:off x="7226768" y="3691940"/>
             <a:ext cx="339941" cy="342968"/>
           </a:xfrm>
           <a:prstGeom prst="ellipse">
@@ -8282,7 +8544,7 @@
         </p:nvSpPr>
         <p:spPr>
           <a:xfrm>
-            <a:off x="8566446" y="3474211"/>
+            <a:off x="8466880" y="3075650"/>
             <a:ext cx="339941" cy="342968"/>
           </a:xfrm>
           <a:prstGeom prst="ellipse">
@@ -8325,7 +8587,7 @@
         </p:nvSpPr>
         <p:spPr>
           <a:xfrm>
-            <a:off x="6343422" y="3747533"/>
+            <a:off x="6243856" y="3348972"/>
             <a:ext cx="339941" cy="342968"/>
           </a:xfrm>
           <a:prstGeom prst="ellipse">
@@ -8368,7 +8630,7 @@
         </p:nvSpPr>
         <p:spPr>
           <a:xfrm>
-            <a:off x="8002325" y="5622405"/>
+            <a:off x="7902759" y="5223844"/>
             <a:ext cx="339941" cy="342968"/>
           </a:xfrm>
           <a:prstGeom prst="ellipse">
@@ -8411,7 +8673,7 @@
         </p:nvSpPr>
         <p:spPr>
           <a:xfrm>
-            <a:off x="7832354" y="4629015"/>
+            <a:off x="7732788" y="4230454"/>
             <a:ext cx="339941" cy="342968"/>
           </a:xfrm>
           <a:prstGeom prst="ellipse">
@@ -8457,7 +8719,7 @@
         </p:nvCxnSpPr>
         <p:spPr>
           <a:xfrm flipH="1">
-            <a:off x="6683363" y="3645695"/>
+            <a:off x="6583797" y="3247134"/>
             <a:ext cx="1883083" cy="273322"/>
           </a:xfrm>
           <a:prstGeom prst="line">
@@ -8494,7 +8756,7 @@
         </p:nvCxnSpPr>
         <p:spPr>
           <a:xfrm flipV="1">
-            <a:off x="8292483" y="3817179"/>
+            <a:off x="8192917" y="3418618"/>
             <a:ext cx="443934" cy="1855453"/>
           </a:xfrm>
           <a:prstGeom prst="line">
@@ -8530,6 +8792,88 @@
   <p:clrMapOvr>
     <a:masterClrMapping/>
   </p:clrMapOvr>
+  <p:timing>
+    <p:tnLst>
+      <p:par>
+        <p:cTn xmlns:p14="http://schemas.microsoft.com/office/powerpoint/2010/main" id="1" dur="indefinite" restart="never" nodeType="tmRoot">
+          <p:childTnLst>
+            <p:seq concurrent="1" nextAc="seek">
+              <p:cTn id="2" dur="indefinite" nodeType="mainSeq">
+                <p:childTnLst>
+                  <p:par>
+                    <p:cTn id="3" fill="hold">
+                      <p:stCondLst>
+                        <p:cond delay="indefinite"/>
+                      </p:stCondLst>
+                      <p:childTnLst>
+                        <p:par>
+                          <p:cTn id="4" fill="hold">
+                            <p:stCondLst>
+                              <p:cond delay="0"/>
+                            </p:stCondLst>
+                            <p:childTnLst>
+                              <p:par>
+                                <p:cTn id="5" presetID="1" presetClass="entr" presetSubtype="0" fill="hold" grpId="0" nodeType="clickEffect">
+                                  <p:stCondLst>
+                                    <p:cond delay="0"/>
+                                  </p:stCondLst>
+                                  <p:childTnLst>
+                                    <p:set>
+                                      <p:cBhvr>
+                                        <p:cTn id="6" dur="1" fill="hold">
+                                          <p:stCondLst>
+                                            <p:cond delay="0"/>
+                                          </p:stCondLst>
+                                        </p:cTn>
+                                        <p:tgtEl>
+                                          <p:spTgt spid="4">
+                                            <p:txEl>
+                                              <p:pRg st="6" end="6"/>
+                                            </p:txEl>
+                                          </p:spTgt>
+                                        </p:tgtEl>
+                                        <p:attrNameLst>
+                                          <p:attrName>style.visibility</p:attrName>
+                                        </p:attrNameLst>
+                                      </p:cBhvr>
+                                      <p:to>
+                                        <p:strVal val="visible"/>
+                                      </p:to>
+                                    </p:set>
+                                  </p:childTnLst>
+                                </p:cTn>
+                              </p:par>
+                            </p:childTnLst>
+                          </p:cTn>
+                        </p:par>
+                      </p:childTnLst>
+                    </p:cTn>
+                  </p:par>
+                </p:childTnLst>
+              </p:cTn>
+              <p:prevCondLst>
+                <p:cond evt="onPrev" delay="0">
+                  <p:tgtEl>
+                    <p:sldTgt/>
+                  </p:tgtEl>
+                </p:cond>
+              </p:prevCondLst>
+              <p:nextCondLst>
+                <p:cond evt="onNext" delay="0">
+                  <p:tgtEl>
+                    <p:sldTgt/>
+                  </p:tgtEl>
+                </p:cond>
+              </p:nextCondLst>
+            </p:seq>
+          </p:childTnLst>
+        </p:cTn>
+      </p:par>
+    </p:tnLst>
+    <p:bldLst>
+      <p:bldP spid="4" grpId="0" uiExpand="1" build="p"/>
+    </p:bldLst>
+  </p:timing>
 </p:sld>
 </file>
 
@@ -8593,15 +8937,7 @@
             </a:r>
             <a:r>
               <a:rPr lang="fr-FR"/>
-              <a:t> rel</a:t>
-            </a:r>
-            <a:r>
-              <a:rPr lang="fr-FR"/>
-              <a:t>â</a:t>
-            </a:r>
-            <a:r>
-              <a:rPr lang="fr-FR"/>
-              <a:t>che la section critique et envoie le jeton à </a:t>
+              <a:t> relâche la section critique et envoie le jeton à </a:t>
             </a:r>
             <a:r>
               <a:rPr lang="fr-FR" i="1"/>
@@ -9804,6 +10140,13 @@
   <p:clrMapOvr>
     <a:masterClrMapping/>
   </p:clrMapOvr>
+  <p:timing>
+    <p:tnLst>
+      <p:par>
+        <p:cTn xmlns:p14="http://schemas.microsoft.com/office/powerpoint/2010/main" id="1" dur="indefinite" restart="never" nodeType="tmRoot"/>
+      </p:par>
+    </p:tnLst>
+  </p:timing>
 </p:sld>
 </file>
 
@@ -9901,13 +10244,8 @@
             </a:pPr>
             <a:r>
               <a:rPr lang="fr-FR"/>
-              <a:t>un site qui envoie le jeton le perd pour lui-m</a:t>
-            </a:r>
-            <a:r>
-              <a:rPr lang="fr-FR"/>
-              <a:t>ême</a:t>
-            </a:r>
-            <a:endParaRPr lang="fr-FR"/>
+              <a:t>un site qui envoie le jeton le perd pour lui-même</a:t>
+            </a:r>
           </a:p>
         </p:txBody>
       </p:sp>
@@ -9945,6 +10283,13 @@
   <p:clrMapOvr>
     <a:masterClrMapping/>
   </p:clrMapOvr>
+  <p:timing>
+    <p:tnLst>
+      <p:par>
+        <p:cTn xmlns:p14="http://schemas.microsoft.com/office/powerpoint/2010/main" id="1" dur="indefinite" restart="never" nodeType="tmRoot"/>
+      </p:par>
+    </p:tnLst>
+  </p:timing>
 </p:sld>
 </file>
 
@@ -10293,6 +10638,13 @@
   <p:clrMapOvr>
     <a:masterClrMapping/>
   </p:clrMapOvr>
+  <p:timing>
+    <p:tnLst>
+      <p:par>
+        <p:cTn xmlns:p14="http://schemas.microsoft.com/office/powerpoint/2010/main" id="1" dur="indefinite" restart="never" nodeType="tmRoot"/>
+      </p:par>
+    </p:tnLst>
+  </p:timing>
 </p:sld>
 </file>
 
@@ -10369,6 +10721,13 @@
   <p:clrMapOvr>
     <a:masterClrMapping/>
   </p:clrMapOvr>
+  <p:timing>
+    <p:tnLst>
+      <p:par>
+        <p:cTn xmlns:p14="http://schemas.microsoft.com/office/powerpoint/2010/main" id="1" dur="indefinite" restart="never" nodeType="tmRoot"/>
+      </p:par>
+    </p:tnLst>
+  </p:timing>
 </p:sld>
 </file>
 
@@ -10511,6 +10870,13 @@
   <p:clrMapOvr>
     <a:masterClrMapping/>
   </p:clrMapOvr>
+  <p:timing>
+    <p:tnLst>
+      <p:par>
+        <p:cTn xmlns:p14="http://schemas.microsoft.com/office/powerpoint/2010/main" id="1" dur="indefinite" restart="never" nodeType="tmRoot"/>
+      </p:par>
+    </p:tnLst>
+  </p:timing>
 </p:sld>
 </file>
 
@@ -10647,6 +11013,13 @@
   <p:clrMapOvr>
     <a:masterClrMapping/>
   </p:clrMapOvr>
+  <p:timing>
+    <p:tnLst>
+      <p:par>
+        <p:cTn xmlns:p14="http://schemas.microsoft.com/office/powerpoint/2010/main" id="1" dur="indefinite" restart="never" nodeType="tmRoot"/>
+      </p:par>
+    </p:tnLst>
+  </p:timing>
 </p:sld>
 </file>
 
@@ -10844,7 +11217,6 @@
               <a:rPr lang="fr-FR" sz="2000"/>
               <a:t> [3]</a:t>
             </a:r>
-            <a:endParaRPr lang="fr-FR" sz="2000"/>
           </a:p>
         </p:txBody>
       </p:sp>
@@ -10883,7 +11255,6 @@
               <a:rPr lang="fr-FR"/>
               <a:t>Conservation de la position dans la file</a:t>
             </a:r>
-            <a:endParaRPr lang="fr-FR"/>
           </a:p>
           <a:p>
             <a:pPr>
@@ -10960,6 +11331,13 @@
   <p:clrMapOvr>
     <a:masterClrMapping/>
   </p:clrMapOvr>
+  <p:timing>
+    <p:tnLst>
+      <p:par>
+        <p:cTn xmlns:p14="http://schemas.microsoft.com/office/powerpoint/2010/main" id="1" dur="indefinite" restart="never" nodeType="tmRoot"/>
+      </p:par>
+    </p:tnLst>
+  </p:timing>
 </p:sld>
 </file>
 
@@ -11116,6 +11494,13 @@
   <p:clrMapOvr>
     <a:masterClrMapping/>
   </p:clrMapOvr>
+  <p:timing>
+    <p:tnLst>
+      <p:par>
+        <p:cTn xmlns:p14="http://schemas.microsoft.com/office/powerpoint/2010/main" id="1" dur="indefinite" restart="never" nodeType="tmRoot"/>
+      </p:par>
+    </p:tnLst>
+  </p:timing>
 </p:sld>
 </file>
 
@@ -11605,15 +11990,58 @@
             <p:ph idx="1"/>
           </p:nvPr>
         </p:nvSpPr>
-        <p:spPr/>
-        <p:txBody>
-          <a:bodyPr/>
+        <p:spPr>
+          <a:xfrm>
+            <a:off x="1435608" y="1447800"/>
+            <a:ext cx="7498080" cy="5129368"/>
+          </a:xfrm>
+        </p:spPr>
+        <p:txBody>
+          <a:bodyPr>
+            <a:normAutofit lnSpcReduction="10000"/>
+          </a:bodyPr>
           <a:lstStyle/>
           <a:p>
             <a:r>
               <a:rPr lang="fr-FR"/>
               <a:t>Situation initiale : deux sites en panne</a:t>
             </a:r>
+          </a:p>
+          <a:p>
+            <a:endParaRPr lang="fr-FR"/>
+          </a:p>
+          <a:p>
+            <a:endParaRPr lang="fr-FR"/>
+          </a:p>
+          <a:p>
+            <a:endParaRPr lang="fr-FR"/>
+          </a:p>
+          <a:p>
+            <a:endParaRPr lang="fr-FR"/>
+          </a:p>
+          <a:p>
+            <a:endParaRPr lang="fr-FR"/>
+          </a:p>
+          <a:p>
+            <a:r>
+              <a:rPr lang="fr-FR" i="1"/>
+              <a:t>a</a:t>
+            </a:r>
+            <a:r>
+              <a:rPr lang="fr-FR"/>
+              <a:t> et </a:t>
+            </a:r>
+            <a:r>
+              <a:rPr lang="fr-FR" i="1"/>
+              <a:t>d</a:t>
+            </a:r>
+            <a:r>
+              <a:rPr lang="fr-FR"/>
+              <a:t> détectent une panne simultanément</a:t>
+            </a:r>
+          </a:p>
+          <a:p>
+            <a:endParaRPr lang="fr-FR"/>
           </a:p>
         </p:txBody>
       </p:sp>
@@ -13214,6 +13642,85 @@
   <p:clrMapOvr>
     <a:masterClrMapping/>
   </p:clrMapOvr>
+  <p:timing>
+    <p:tnLst>
+      <p:par>
+        <p:cTn xmlns:p14="http://schemas.microsoft.com/office/powerpoint/2010/main" id="1" dur="indefinite" restart="never" nodeType="tmRoot">
+          <p:childTnLst>
+            <p:seq concurrent="1" nextAc="seek">
+              <p:cTn id="2" dur="indefinite" nodeType="mainSeq">
+                <p:childTnLst>
+                  <p:par>
+                    <p:cTn id="3" fill="hold">
+                      <p:stCondLst>
+                        <p:cond delay="indefinite"/>
+                      </p:stCondLst>
+                      <p:childTnLst>
+                        <p:par>
+                          <p:cTn id="4" fill="hold">
+                            <p:stCondLst>
+                              <p:cond delay="0"/>
+                            </p:stCondLst>
+                            <p:childTnLst>
+                              <p:par>
+                                <p:cTn id="5" presetID="1" presetClass="entr" presetSubtype="0" fill="hold" nodeType="clickEffect">
+                                  <p:stCondLst>
+                                    <p:cond delay="0"/>
+                                  </p:stCondLst>
+                                  <p:childTnLst>
+                                    <p:set>
+                                      <p:cBhvr>
+                                        <p:cTn id="6" dur="1" fill="hold">
+                                          <p:stCondLst>
+                                            <p:cond delay="0"/>
+                                          </p:stCondLst>
+                                        </p:cTn>
+                                        <p:tgtEl>
+                                          <p:spTgt spid="4">
+                                            <p:txEl>
+                                              <p:pRg st="6" end="6"/>
+                                            </p:txEl>
+                                          </p:spTgt>
+                                        </p:tgtEl>
+                                        <p:attrNameLst>
+                                          <p:attrName>style.visibility</p:attrName>
+                                        </p:attrNameLst>
+                                      </p:cBhvr>
+                                      <p:to>
+                                        <p:strVal val="visible"/>
+                                      </p:to>
+                                    </p:set>
+                                  </p:childTnLst>
+                                </p:cTn>
+                              </p:par>
+                            </p:childTnLst>
+                          </p:cTn>
+                        </p:par>
+                      </p:childTnLst>
+                    </p:cTn>
+                  </p:par>
+                </p:childTnLst>
+              </p:cTn>
+              <p:prevCondLst>
+                <p:cond evt="onPrev" delay="0">
+                  <p:tgtEl>
+                    <p:sldTgt/>
+                  </p:tgtEl>
+                </p:cond>
+              </p:prevCondLst>
+              <p:nextCondLst>
+                <p:cond evt="onNext" delay="0">
+                  <p:tgtEl>
+                    <p:sldTgt/>
+                  </p:tgtEl>
+                </p:cond>
+              </p:nextCondLst>
+            </p:seq>
+          </p:childTnLst>
+        </p:cTn>
+      </p:par>
+    </p:tnLst>
+  </p:timing>
 </p:sld>
 </file>
 
@@ -14407,6 +14914,13 @@
   <p:clrMapOvr>
     <a:masterClrMapping/>
   </p:clrMapOvr>
+  <p:timing>
+    <p:tnLst>
+      <p:par>
+        <p:cTn xmlns:p14="http://schemas.microsoft.com/office/powerpoint/2010/main" id="1" dur="indefinite" restart="never" nodeType="tmRoot"/>
+      </p:par>
+    </p:tnLst>
+  </p:timing>
 </p:sld>
 </file>
 
@@ -15931,11 +16445,7 @@
             <a:pPr lvl="1"/>
             <a:r>
               <a:rPr lang="fr-FR"/>
-              <a:t>renvoie des requ</a:t>
-            </a:r>
-            <a:r>
-              <a:rPr lang="fr-FR"/>
-              <a:t>êtes perdues</a:t>
+              <a:t>renvoie des requêtes perdues</a:t>
             </a:r>
           </a:p>
           <a:p>
@@ -15958,7 +16468,6 @@
               <a:rPr lang="fr-FR"/>
               <a:t> </a:t>
             </a:r>
-            <a:endParaRPr lang="fr-FR"/>
           </a:p>
         </p:txBody>
       </p:sp>
@@ -16155,6 +16664,13 @@
   <p:clrMapOvr>
     <a:masterClrMapping/>
   </p:clrMapOvr>
+  <p:timing>
+    <p:tnLst>
+      <p:par>
+        <p:cTn xmlns:p14="http://schemas.microsoft.com/office/powerpoint/2010/main" id="1" dur="indefinite" restart="never" nodeType="tmRoot"/>
+      </p:par>
+    </p:tnLst>
+  </p:timing>
 </p:sld>
 </file>
 
@@ -16274,6 +16790,13 @@
   <p:clrMapOvr>
     <a:masterClrMapping/>
   </p:clrMapOvr>
+  <p:timing>
+    <p:tnLst>
+      <p:par>
+        <p:cTn xmlns:p14="http://schemas.microsoft.com/office/powerpoint/2010/main" id="1" dur="indefinite" restart="never" nodeType="tmRoot"/>
+      </p:par>
+    </p:tnLst>
+  </p:timing>
 </p:sld>
 </file>
 
@@ -16328,7 +16851,9 @@
         </p:nvSpPr>
         <p:spPr/>
         <p:txBody>
-          <a:bodyPr/>
+          <a:bodyPr>
+            <a:normAutofit lnSpcReduction="10000"/>
+          </a:bodyPr>
           <a:lstStyle/>
           <a:p>
             <a:r>
@@ -16347,6 +16872,22 @@
             <a:r>
               <a:rPr lang="fr-FR"/>
               <a:t>Récupération du père dans l’arbre</a:t>
+            </a:r>
+          </a:p>
+          <a:p>
+            <a:pPr marL="402336" lvl="1" indent="0">
+              <a:buNone/>
+            </a:pPr>
+            <a:r>
+              <a:rPr lang="fr-FR"/>
+              <a:t>ou</a:t>
+            </a:r>
+          </a:p>
+          <a:p>
+            <a:pPr lvl="1"/>
+            <a:r>
+              <a:rPr lang="fr-FR"/>
+              <a:t>Élection</a:t>
             </a:r>
           </a:p>
           <a:p>
@@ -16398,6 +16939,13 @@
   <p:clrMapOvr>
     <a:masterClrMapping/>
   </p:clrMapOvr>
+  <p:timing>
+    <p:tnLst>
+      <p:par>
+        <p:cTn xmlns:p14="http://schemas.microsoft.com/office/powerpoint/2010/main" id="1" dur="indefinite" restart="never" nodeType="tmRoot"/>
+      </p:par>
+    </p:tnLst>
+  </p:timing>
 </p:sld>
 </file>
 
@@ -16435,7 +16983,7 @@
           <a:p>
             <a:r>
               <a:rPr lang="fr-FR"/>
-              <a:t>Problème rencontrés</a:t>
+              <a:t>Implémentation de Naimi-Trehel</a:t>
             </a:r>
           </a:p>
         </p:txBody>
@@ -16457,7 +17005,19 @@
           <a:p>
             <a:r>
               <a:rPr lang="fr-FR"/>
-              <a:t>Difficultés de debug sur une architecture distribuée</a:t>
+              <a:t>Mise en place de deux sockets</a:t>
+            </a:r>
+          </a:p>
+          <a:p>
+            <a:r>
+              <a:rPr lang="fr-FR"/>
+              <a:t>Attente non-bloquante</a:t>
+            </a:r>
+          </a:p>
+          <a:p>
+            <a:r>
+              <a:rPr lang="fr-FR"/>
+              <a:t>Gestion des mécanismes grâce aux protocoles réseau</a:t>
             </a:r>
           </a:p>
         </p:txBody>
@@ -16489,13 +17049,20 @@
     </p:spTree>
     <p:extLst>
       <p:ext uri="{BB962C8B-B14F-4D97-AF65-F5344CB8AC3E}">
-        <p14:creationId xmlns:p14="http://schemas.microsoft.com/office/powerpoint/2010/main" val="2760975924"/>
+        <p14:creationId xmlns:p14="http://schemas.microsoft.com/office/powerpoint/2010/main" val="3654971599"/>
       </p:ext>
     </p:extLst>
   </p:cSld>
   <p:clrMapOvr>
     <a:masterClrMapping/>
   </p:clrMapOvr>
+  <p:timing>
+    <p:tnLst>
+      <p:par>
+        <p:cTn xmlns:p14="http://schemas.microsoft.com/office/powerpoint/2010/main" id="1" dur="indefinite" restart="never" nodeType="tmRoot"/>
+      </p:par>
+    </p:tnLst>
+  </p:timing>
 </p:sld>
 </file>
 
@@ -16533,7 +17100,42 @@
           <a:p>
             <a:r>
               <a:rPr lang="fr-FR"/>
-              <a:t>Démonstration</a:t>
+              <a:t>Implémentation de l’extension</a:t>
+            </a:r>
+          </a:p>
+        </p:txBody>
+      </p:sp>
+      <p:sp>
+        <p:nvSpPr>
+          <p:cNvPr id="3" name="Espace réservé du contenu 2"/>
+          <p:cNvSpPr>
+            <a:spLocks noGrp="1"/>
+          </p:cNvSpPr>
+          <p:nvPr>
+            <p:ph idx="1"/>
+          </p:nvPr>
+        </p:nvSpPr>
+        <p:spPr/>
+        <p:txBody>
+          <a:bodyPr/>
+          <a:lstStyle/>
+          <a:p>
+            <a:r>
+              <a:rPr lang="fr-FR"/>
+              <a:t>thread : vérifie si le prédécesseur en vie</a:t>
+            </a:r>
+          </a:p>
+          <a:p>
+            <a:pPr lvl="1"/>
+            <a:r>
+              <a:rPr lang="fr-FR"/>
+              <a:t>signal pour la communication en cas de panne</a:t>
+            </a:r>
+          </a:p>
+          <a:p>
+            <a:r>
+              <a:rPr lang="fr-FR"/>
+              <a:t>Simulation de panne avec signaux</a:t>
             </a:r>
           </a:p>
         </p:txBody>
@@ -16565,13 +17167,20 @@
     </p:spTree>
     <p:extLst>
       <p:ext uri="{BB962C8B-B14F-4D97-AF65-F5344CB8AC3E}">
-        <p14:creationId xmlns:p14="http://schemas.microsoft.com/office/powerpoint/2010/main" val="962187010"/>
+        <p14:creationId xmlns:p14="http://schemas.microsoft.com/office/powerpoint/2010/main" val="2343840009"/>
       </p:ext>
     </p:extLst>
   </p:cSld>
   <p:clrMapOvr>
     <a:masterClrMapping/>
   </p:clrMapOvr>
+  <p:timing>
+    <p:tnLst>
+      <p:par>
+        <p:cTn xmlns:p14="http://schemas.microsoft.com/office/powerpoint/2010/main" id="1" dur="indefinite" restart="never" nodeType="tmRoot"/>
+      </p:par>
+    </p:tnLst>
+  </p:timing>
 </p:sld>
 </file>
 
@@ -16609,7 +17218,47 @@
           <a:p>
             <a:r>
               <a:rPr lang="fr-FR"/>
-              <a:t>Bibliographie</a:t>
+              <a:t>Problème concret : partition</a:t>
+            </a:r>
+          </a:p>
+        </p:txBody>
+      </p:sp>
+      <p:sp>
+        <p:nvSpPr>
+          <p:cNvPr id="3" name="Espace réservé du contenu 2"/>
+          <p:cNvSpPr>
+            <a:spLocks noGrp="1"/>
+          </p:cNvSpPr>
+          <p:nvPr>
+            <p:ph idx="1"/>
+          </p:nvPr>
+        </p:nvSpPr>
+        <p:spPr/>
+        <p:txBody>
+          <a:bodyPr/>
+          <a:lstStyle/>
+          <a:p>
+            <a:r>
+              <a:rPr lang="fr-FR"/>
+              <a:t>Ressource présente sur un site sup.</a:t>
+            </a:r>
+          </a:p>
+          <a:p>
+            <a:r>
+              <a:rPr lang="fr-FR"/>
+              <a:t>Thread de calcul dans chaque site</a:t>
+            </a:r>
+          </a:p>
+          <a:p>
+            <a:r>
+              <a:rPr lang="fr-FR"/>
+              <a:t>Demande de SC à la fin du calcul</a:t>
+            </a:r>
+          </a:p>
+          <a:p>
+            <a:r>
+              <a:rPr lang="fr-FR"/>
+              <a:t>Recherche de solution approchée</a:t>
             </a:r>
           </a:p>
         </p:txBody>
@@ -16641,13 +17290,20 @@
     </p:spTree>
     <p:extLst>
       <p:ext uri="{BB962C8B-B14F-4D97-AF65-F5344CB8AC3E}">
-        <p14:creationId xmlns:p14="http://schemas.microsoft.com/office/powerpoint/2010/main" val="4002767963"/>
+        <p14:creationId xmlns:p14="http://schemas.microsoft.com/office/powerpoint/2010/main" val="89000464"/>
       </p:ext>
     </p:extLst>
   </p:cSld>
   <p:clrMapOvr>
     <a:masterClrMapping/>
   </p:clrMapOvr>
+  <p:timing>
+    <p:tnLst>
+      <p:par>
+        <p:cTn xmlns:p14="http://schemas.microsoft.com/office/powerpoint/2010/main" id="1" dur="indefinite" restart="never" nodeType="tmRoot"/>
+      </p:par>
+    </p:tnLst>
+  </p:timing>
 </p:sld>
 </file>
 
@@ -16670,6 +17326,28 @@
       </p:grpSpPr>
       <p:sp>
         <p:nvSpPr>
+          <p:cNvPr id="2" name="Titre 1"/>
+          <p:cNvSpPr>
+            <a:spLocks noGrp="1"/>
+          </p:cNvSpPr>
+          <p:nvPr>
+            <p:ph type="title"/>
+          </p:nvPr>
+        </p:nvSpPr>
+        <p:spPr/>
+        <p:txBody>
+          <a:bodyPr/>
+          <a:lstStyle/>
+          <a:p>
+            <a:r>
+              <a:rPr lang="fr-FR"/>
+              <a:t>Problème rencontrés</a:t>
+            </a:r>
+          </a:p>
+        </p:txBody>
+      </p:sp>
+      <p:sp>
+        <p:nvSpPr>
           <p:cNvPr id="3" name="Espace réservé du contenu 2"/>
           <p:cNvSpPr>
             <a:spLocks noGrp="1"/>
@@ -16678,43 +17356,29 @@
             <p:ph idx="1"/>
           </p:nvPr>
         </p:nvSpPr>
-        <p:spPr>
-          <a:xfrm>
-            <a:off x="1435608" y="618645"/>
-            <a:ext cx="7498080" cy="5629755"/>
-          </a:xfrm>
-        </p:spPr>
+        <p:spPr/>
         <p:txBody>
           <a:bodyPr>
-            <a:normAutofit fontScale="70000" lnSpcReduction="20000"/>
+            <a:normAutofit/>
           </a:bodyPr>
           <a:lstStyle/>
           <a:p>
             <a:r>
               <a:rPr lang="fr-FR"/>
-              <a:t>[1]  M. Naimi, M. Trehel, and A. Arnold. A log (n) distributed mutual exclusion algorithm based on path reversal. Journal of Parallel and Distributed Computing, 34(1) :1–13, 1996. </a:t>
-            </a:r>
-            <a:endParaRPr lang="fr-FR">
-              <a:effectLst/>
-            </a:endParaRPr>
-          </a:p>
-          <a:p>
-            <a:r>
-              <a:rPr lang="fr-FR"/>
-              <a:t>[2]  Mohamed Naimi and Michel Trehel. How to detect a failure and regenerate the token in the log (n) distributed algorithm for mutual exclusion. Distributed Algorithms, pages 155–166, 1988. </a:t>
-            </a:r>
-            <a:endParaRPr lang="fr-FR">
-              <a:effectLst/>
-            </a:endParaRPr>
-          </a:p>
-          <a:p>
-            <a:r>
-              <a:rPr lang="fr-FR"/>
-              <a:t>[3]  J. Sopena, L. Arantes, M. Bertier, and P. Sens. A fault-tolerant token-based mutual exclusion algorithm using a dynamic tree. Euro-Par 2005 Parallel Processing, pages 644–644, 2005. </a:t>
-            </a:r>
-            <a:endParaRPr lang="fr-FR">
-              <a:effectLst/>
-            </a:endParaRPr>
+              <a:t>Mise en place de la phase d’élection avec pertes de messages</a:t>
+            </a:r>
+          </a:p>
+          <a:p>
+            <a:r>
+              <a:rPr lang="fr-FR"/>
+              <a:t>Difficultés de debug sur une architecture distribuée</a:t>
+            </a:r>
+          </a:p>
+          <a:p>
+            <a:r>
+              <a:rPr lang="fr-FR"/>
+              <a:t>Gestion de l’addressage mémoire sur le réseau</a:t>
+            </a:r>
           </a:p>
         </p:txBody>
       </p:sp>
@@ -16737,6 +17401,283 @@
               <a:rPr lang="en-US" smtClean="0"/>
               <a:pPr/>
               <a:t>35</a:t>
+            </a:fld>
+            <a:endParaRPr lang="en-US"/>
+          </a:p>
+        </p:txBody>
+      </p:sp>
+    </p:spTree>
+    <p:extLst>
+      <p:ext uri="{BB962C8B-B14F-4D97-AF65-F5344CB8AC3E}">
+        <p14:creationId xmlns:p14="http://schemas.microsoft.com/office/powerpoint/2010/main" val="2760975924"/>
+      </p:ext>
+    </p:extLst>
+  </p:cSld>
+  <p:clrMapOvr>
+    <a:masterClrMapping/>
+  </p:clrMapOvr>
+  <p:timing>
+    <p:tnLst>
+      <p:par>
+        <p:cTn xmlns:p14="http://schemas.microsoft.com/office/powerpoint/2010/main" id="1" dur="indefinite" restart="never" nodeType="tmRoot"/>
+      </p:par>
+    </p:tnLst>
+  </p:timing>
+</p:sld>
+</file>
+
+<file path=ppt/slides/slide37.xml><?xml version="1.0" encoding="utf-8"?>
+<p:sld xmlns:a="http://schemas.openxmlformats.org/drawingml/2006/main" xmlns:r="http://schemas.openxmlformats.org/officeDocument/2006/relationships" xmlns:p="http://schemas.openxmlformats.org/presentationml/2006/main">
+  <p:cSld>
+    <p:spTree>
+      <p:nvGrpSpPr>
+        <p:cNvPr id="1" name=""/>
+        <p:cNvGrpSpPr/>
+        <p:nvPr/>
+      </p:nvGrpSpPr>
+      <p:grpSpPr>
+        <a:xfrm>
+          <a:off x="0" y="0"/>
+          <a:ext cx="0" cy="0"/>
+          <a:chOff x="0" y="0"/>
+          <a:chExt cx="0" cy="0"/>
+        </a:xfrm>
+      </p:grpSpPr>
+      <p:sp>
+        <p:nvSpPr>
+          <p:cNvPr id="2" name="Titre 1"/>
+          <p:cNvSpPr>
+            <a:spLocks noGrp="1"/>
+          </p:cNvSpPr>
+          <p:nvPr>
+            <p:ph type="title"/>
+          </p:nvPr>
+        </p:nvSpPr>
+        <p:spPr/>
+        <p:txBody>
+          <a:bodyPr/>
+          <a:lstStyle/>
+          <a:p>
+            <a:r>
+              <a:rPr lang="fr-FR"/>
+              <a:t>Démonstration</a:t>
+            </a:r>
+          </a:p>
+        </p:txBody>
+      </p:sp>
+      <p:sp>
+        <p:nvSpPr>
+          <p:cNvPr id="4" name="Espace réservé du numéro de diapositive 3"/>
+          <p:cNvSpPr>
+            <a:spLocks noGrp="1"/>
+          </p:cNvSpPr>
+          <p:nvPr>
+            <p:ph type="sldNum" sz="quarter" idx="12"/>
+          </p:nvPr>
+        </p:nvSpPr>
+        <p:spPr/>
+        <p:txBody>
+          <a:bodyPr/>
+          <a:lstStyle/>
+          <a:p>
+            <a:fld id="{D7E63A33-8271-4DD0-9C48-789913D7C115}" type="slidenum">
+              <a:rPr lang="en-US" smtClean="0"/>
+              <a:pPr/>
+              <a:t>36</a:t>
+            </a:fld>
+            <a:endParaRPr lang="en-US"/>
+          </a:p>
+        </p:txBody>
+      </p:sp>
+    </p:spTree>
+    <p:extLst>
+      <p:ext uri="{BB962C8B-B14F-4D97-AF65-F5344CB8AC3E}">
+        <p14:creationId xmlns:p14="http://schemas.microsoft.com/office/powerpoint/2010/main" val="962187010"/>
+      </p:ext>
+    </p:extLst>
+  </p:cSld>
+  <p:clrMapOvr>
+    <a:masterClrMapping/>
+  </p:clrMapOvr>
+  <p:timing>
+    <p:tnLst>
+      <p:par>
+        <p:cTn xmlns:p14="http://schemas.microsoft.com/office/powerpoint/2010/main" id="1" dur="indefinite" restart="never" nodeType="tmRoot"/>
+      </p:par>
+    </p:tnLst>
+  </p:timing>
+</p:sld>
+</file>
+
+<file path=ppt/slides/slide38.xml><?xml version="1.0" encoding="utf-8"?>
+<p:sld xmlns:a="http://schemas.openxmlformats.org/drawingml/2006/main" xmlns:r="http://schemas.openxmlformats.org/officeDocument/2006/relationships" xmlns:p="http://schemas.openxmlformats.org/presentationml/2006/main">
+  <p:cSld>
+    <p:spTree>
+      <p:nvGrpSpPr>
+        <p:cNvPr id="1" name=""/>
+        <p:cNvGrpSpPr/>
+        <p:nvPr/>
+      </p:nvGrpSpPr>
+      <p:grpSpPr>
+        <a:xfrm>
+          <a:off x="0" y="0"/>
+          <a:ext cx="0" cy="0"/>
+          <a:chOff x="0" y="0"/>
+          <a:chExt cx="0" cy="0"/>
+        </a:xfrm>
+      </p:grpSpPr>
+      <p:sp>
+        <p:nvSpPr>
+          <p:cNvPr id="2" name="Titre 1"/>
+          <p:cNvSpPr>
+            <a:spLocks noGrp="1"/>
+          </p:cNvSpPr>
+          <p:nvPr>
+            <p:ph type="title"/>
+          </p:nvPr>
+        </p:nvSpPr>
+        <p:spPr/>
+        <p:txBody>
+          <a:bodyPr/>
+          <a:lstStyle/>
+          <a:p>
+            <a:r>
+              <a:rPr lang="fr-FR"/>
+              <a:t>Bibliographie</a:t>
+            </a:r>
+          </a:p>
+        </p:txBody>
+      </p:sp>
+      <p:sp>
+        <p:nvSpPr>
+          <p:cNvPr id="4" name="Espace réservé du numéro de diapositive 3"/>
+          <p:cNvSpPr>
+            <a:spLocks noGrp="1"/>
+          </p:cNvSpPr>
+          <p:nvPr>
+            <p:ph type="sldNum" sz="quarter" idx="12"/>
+          </p:nvPr>
+        </p:nvSpPr>
+        <p:spPr/>
+        <p:txBody>
+          <a:bodyPr/>
+          <a:lstStyle/>
+          <a:p>
+            <a:fld id="{D7E63A33-8271-4DD0-9C48-789913D7C115}" type="slidenum">
+              <a:rPr lang="en-US" smtClean="0"/>
+              <a:pPr/>
+              <a:t>37</a:t>
+            </a:fld>
+            <a:endParaRPr lang="en-US"/>
+          </a:p>
+        </p:txBody>
+      </p:sp>
+    </p:spTree>
+    <p:extLst>
+      <p:ext uri="{BB962C8B-B14F-4D97-AF65-F5344CB8AC3E}">
+        <p14:creationId xmlns:p14="http://schemas.microsoft.com/office/powerpoint/2010/main" val="4002767963"/>
+      </p:ext>
+    </p:extLst>
+  </p:cSld>
+  <p:clrMapOvr>
+    <a:masterClrMapping/>
+  </p:clrMapOvr>
+  <p:timing>
+    <p:tnLst>
+      <p:par>
+        <p:cTn xmlns:p14="http://schemas.microsoft.com/office/powerpoint/2010/main" id="1" dur="indefinite" restart="never" nodeType="tmRoot"/>
+      </p:par>
+    </p:tnLst>
+  </p:timing>
+</p:sld>
+</file>
+
+<file path=ppt/slides/slide39.xml><?xml version="1.0" encoding="utf-8"?>
+<p:sld xmlns:a="http://schemas.openxmlformats.org/drawingml/2006/main" xmlns:r="http://schemas.openxmlformats.org/officeDocument/2006/relationships" xmlns:p="http://schemas.openxmlformats.org/presentationml/2006/main">
+  <p:cSld>
+    <p:spTree>
+      <p:nvGrpSpPr>
+        <p:cNvPr id="1" name=""/>
+        <p:cNvGrpSpPr/>
+        <p:nvPr/>
+      </p:nvGrpSpPr>
+      <p:grpSpPr>
+        <a:xfrm>
+          <a:off x="0" y="0"/>
+          <a:ext cx="0" cy="0"/>
+          <a:chOff x="0" y="0"/>
+          <a:chExt cx="0" cy="0"/>
+        </a:xfrm>
+      </p:grpSpPr>
+      <p:sp>
+        <p:nvSpPr>
+          <p:cNvPr id="3" name="Espace réservé du contenu 2"/>
+          <p:cNvSpPr>
+            <a:spLocks noGrp="1"/>
+          </p:cNvSpPr>
+          <p:nvPr>
+            <p:ph idx="1"/>
+          </p:nvPr>
+        </p:nvSpPr>
+        <p:spPr>
+          <a:xfrm>
+            <a:off x="1435608" y="618645"/>
+            <a:ext cx="7498080" cy="5629755"/>
+          </a:xfrm>
+        </p:spPr>
+        <p:txBody>
+          <a:bodyPr>
+            <a:normAutofit fontScale="70000" lnSpcReduction="20000"/>
+          </a:bodyPr>
+          <a:lstStyle/>
+          <a:p>
+            <a:r>
+              <a:rPr lang="fr-FR"/>
+              <a:t>[1]  M. Naimi, M. Trehel, and A.  Arnold.  A log (n) distributed mutual exclusion algorithm based on path reversal. Journal of Parallel and Distributed Computing, 34(1) :1–13, 1996. </a:t>
+            </a:r>
+            <a:endParaRPr lang="fr-FR">
+              <a:effectLst/>
+            </a:endParaRPr>
+          </a:p>
+          <a:p>
+            <a:r>
+              <a:rPr lang="fr-FR"/>
+              <a:t>[2]  Mohamed Naimi and Michel Trehel. How to detect a failure and regenerate the token in the log (n) distributed algorithm for mutual exclusion. Distributed Algorithms, pages 155–166, 1988. </a:t>
+            </a:r>
+            <a:endParaRPr lang="fr-FR">
+              <a:effectLst/>
+            </a:endParaRPr>
+          </a:p>
+          <a:p>
+            <a:r>
+              <a:rPr lang="fr-FR"/>
+              <a:t>[3]  J. Sopena, L. Arantes, M. Bertier, and P. Sens. A fault-tolerant token-based mutual exclusion algorithm using a dynamic tree. Euro-Par 2005 Parallel Processing, pages 644–644, 2005. </a:t>
+            </a:r>
+            <a:endParaRPr lang="fr-FR">
+              <a:effectLst/>
+            </a:endParaRPr>
+          </a:p>
+        </p:txBody>
+      </p:sp>
+      <p:sp>
+        <p:nvSpPr>
+          <p:cNvPr id="4" name="Espace réservé du numéro de diapositive 3"/>
+          <p:cNvSpPr>
+            <a:spLocks noGrp="1"/>
+          </p:cNvSpPr>
+          <p:nvPr>
+            <p:ph type="sldNum" sz="quarter" idx="12"/>
+          </p:nvPr>
+        </p:nvSpPr>
+        <p:spPr/>
+        <p:txBody>
+          <a:bodyPr/>
+          <a:lstStyle/>
+          <a:p>
+            <a:fld id="{D7E63A33-8271-4DD0-9C48-789913D7C115}" type="slidenum">
+              <a:rPr lang="en-US" smtClean="0"/>
+              <a:pPr/>
+              <a:t>38</a:t>
             </a:fld>
             <a:endParaRPr lang="en-US"/>
           </a:p>
@@ -16752,6 +17693,13 @@
   <p:clrMapOvr>
     <a:masterClrMapping/>
   </p:clrMapOvr>
+  <p:timing>
+    <p:tnLst>
+      <p:par>
+        <p:cTn xmlns:p14="http://schemas.microsoft.com/office/powerpoint/2010/main" id="1" dur="indefinite" restart="never" nodeType="tmRoot"/>
+      </p:par>
+    </p:tnLst>
+  </p:timing>
 </p:sld>
 </file>
 
@@ -17806,7 +18754,6 @@
               <a:rPr lang="fr-FR"/>
               <a:t>Structures de données</a:t>
             </a:r>
-            <a:endParaRPr lang="fr-FR"/>
           </a:p>
         </p:txBody>
       </p:sp>
@@ -18189,15 +19136,15 @@
         <p:nvCxnSpPr>
           <p:cNvPr id="17" name="Connecteur droit 16"/>
           <p:cNvCxnSpPr>
-            <a:stCxn id="7" idx="4"/>
-            <a:endCxn id="10" idx="7"/>
+            <a:stCxn id="9" idx="6"/>
+            <a:endCxn id="10" idx="2"/>
           </p:cNvCxnSpPr>
           <p:nvPr/>
         </p:nvCxnSpPr>
         <p:spPr>
-          <a:xfrm flipH="1">
-            <a:off x="5929557" y="3882470"/>
-            <a:ext cx="183290" cy="910903"/>
+          <a:xfrm flipV="1">
+            <a:off x="4713517" y="4914630"/>
+            <a:ext cx="925882" cy="342968"/>
           </a:xfrm>
           <a:prstGeom prst="line">
             <a:avLst/>
@@ -18239,7 +19186,8 @@
             <a:avLst/>
           </a:prstGeom>
           <a:ln>
-            <a:tailEnd type="arrow"/>
+            <a:headEnd type="arrow"/>
+            <a:tailEnd type="none"/>
           </a:ln>
         </p:spPr>
         <p:style>
@@ -19324,6 +20272,13 @@
   <p:clrMapOvr>
     <a:masterClrMapping/>
   </p:clrMapOvr>
+  <p:timing>
+    <p:tnLst>
+      <p:par>
+        <p:cTn xmlns:p14="http://schemas.microsoft.com/office/powerpoint/2010/main" id="1" dur="indefinite" restart="never" nodeType="tmRoot"/>
+      </p:par>
+    </p:tnLst>
+  </p:timing>
 </p:sld>
 </file>
 
@@ -19376,9 +20331,16 @@
             <p:ph idx="1"/>
           </p:nvPr>
         </p:nvSpPr>
-        <p:spPr/>
-        <p:txBody>
-          <a:bodyPr/>
+        <p:spPr>
+          <a:xfrm>
+            <a:off x="1435608" y="1447800"/>
+            <a:ext cx="7498080" cy="5334000"/>
+          </a:xfrm>
+        </p:spPr>
+        <p:txBody>
+          <a:bodyPr>
+            <a:normAutofit/>
+          </a:bodyPr>
           <a:lstStyle/>
           <a:p>
             <a:r>
@@ -19393,6 +20355,34 @@
               <a:rPr lang="fr-FR"/>
               <a:t> possède le jeton</a:t>
             </a:r>
+          </a:p>
+          <a:p>
+            <a:endParaRPr lang="fr-FR"/>
+          </a:p>
+          <a:p>
+            <a:endParaRPr lang="fr-FR"/>
+          </a:p>
+          <a:p>
+            <a:endParaRPr lang="fr-FR"/>
+          </a:p>
+          <a:p>
+            <a:endParaRPr lang="fr-FR"/>
+          </a:p>
+          <a:p>
+            <a:endParaRPr lang="fr-FR"/>
+          </a:p>
+          <a:p>
+            <a:r>
+              <a:rPr lang="fr-FR" i="1"/>
+              <a:t>b</a:t>
+            </a:r>
+            <a:r>
+              <a:rPr lang="fr-FR"/>
+              <a:t> fait une demande de section critique</a:t>
+            </a:r>
+          </a:p>
+          <a:p>
+            <a:endParaRPr lang="fr-FR"/>
           </a:p>
         </p:txBody>
       </p:sp>
@@ -19428,7 +20418,7 @@
         </p:nvSpPr>
         <p:spPr>
           <a:xfrm>
-            <a:off x="1432023" y="4013456"/>
+            <a:off x="1262052" y="3683499"/>
             <a:ext cx="339941" cy="342968"/>
           </a:xfrm>
           <a:prstGeom prst="ellipse">
@@ -19471,7 +20461,7 @@
         </p:nvSpPr>
         <p:spPr>
           <a:xfrm>
-            <a:off x="2672135" y="3397166"/>
+            <a:off x="2502164" y="3067209"/>
             <a:ext cx="339941" cy="342968"/>
           </a:xfrm>
           <a:prstGeom prst="ellipse">
@@ -19514,7 +20504,7 @@
         </p:nvSpPr>
         <p:spPr>
           <a:xfrm>
-            <a:off x="451861" y="3654072"/>
+            <a:off x="281890" y="3324115"/>
             <a:ext cx="339941" cy="342968"/>
           </a:xfrm>
           <a:prstGeom prst="ellipse">
@@ -19557,7 +20547,7 @@
         </p:nvSpPr>
         <p:spPr>
           <a:xfrm>
-            <a:off x="2108014" y="5545360"/>
+            <a:off x="1938043" y="5215403"/>
             <a:ext cx="339941" cy="342968"/>
           </a:xfrm>
           <a:prstGeom prst="ellipse">
@@ -19600,7 +20590,7 @@
         </p:nvSpPr>
         <p:spPr>
           <a:xfrm>
-            <a:off x="1938043" y="4551970"/>
+            <a:off x="1768072" y="4222013"/>
             <a:ext cx="339941" cy="342968"/>
           </a:xfrm>
           <a:prstGeom prst="ellipse">
@@ -19645,7 +20635,7 @@
         </p:nvCxnSpPr>
         <p:spPr>
           <a:xfrm>
-            <a:off x="789052" y="3841972"/>
+            <a:off x="619081" y="3512015"/>
             <a:ext cx="692754" cy="221711"/>
           </a:xfrm>
           <a:prstGeom prst="line">
@@ -19678,7 +20668,7 @@
         </p:nvCxnSpPr>
         <p:spPr>
           <a:xfrm flipV="1">
-            <a:off x="1722181" y="3568650"/>
+            <a:off x="1552210" y="3238693"/>
             <a:ext cx="949954" cy="495033"/>
           </a:xfrm>
           <a:prstGeom prst="line">
@@ -19711,7 +20701,7 @@
         </p:nvCxnSpPr>
         <p:spPr>
           <a:xfrm flipH="1">
-            <a:off x="2228201" y="3689907"/>
+            <a:off x="2058230" y="3359950"/>
             <a:ext cx="493717" cy="912290"/>
           </a:xfrm>
           <a:prstGeom prst="line">
@@ -19744,7 +20734,7 @@
         </p:nvCxnSpPr>
         <p:spPr>
           <a:xfrm>
-            <a:off x="2108014" y="4894938"/>
+            <a:off x="1938043" y="4564981"/>
             <a:ext cx="169971" cy="650422"/>
           </a:xfrm>
           <a:prstGeom prst="line">
@@ -19776,7 +20766,7 @@
         </p:nvCxnSpPr>
         <p:spPr>
           <a:xfrm flipH="1" flipV="1">
-            <a:off x="619082" y="4013456"/>
+            <a:off x="449111" y="3683499"/>
             <a:ext cx="1488932" cy="1703388"/>
           </a:xfrm>
           <a:prstGeom prst="line">
@@ -19809,7 +20799,7 @@
         </p:nvCxnSpPr>
         <p:spPr>
           <a:xfrm>
-            <a:off x="1601994" y="4356424"/>
+            <a:off x="1432023" y="4026467"/>
             <a:ext cx="555803" cy="1239163"/>
           </a:xfrm>
           <a:prstGeom prst="line">
@@ -19842,7 +20832,7 @@
         </p:nvCxnSpPr>
         <p:spPr>
           <a:xfrm>
-            <a:off x="1722181" y="4306197"/>
+            <a:off x="1552210" y="3976240"/>
             <a:ext cx="265645" cy="296000"/>
           </a:xfrm>
           <a:prstGeom prst="line">
@@ -19874,7 +20864,7 @@
         </p:nvCxnSpPr>
         <p:spPr>
           <a:xfrm flipV="1">
-            <a:off x="739269" y="3447393"/>
+            <a:off x="569298" y="3117436"/>
             <a:ext cx="1982649" cy="273322"/>
           </a:xfrm>
           <a:prstGeom prst="line">
@@ -19906,7 +20896,7 @@
         </p:nvCxnSpPr>
         <p:spPr>
           <a:xfrm>
-            <a:off x="739269" y="3963229"/>
+            <a:off x="569298" y="3633272"/>
             <a:ext cx="1198774" cy="760225"/>
           </a:xfrm>
           <a:prstGeom prst="line">
@@ -19939,7 +20929,7 @@
         </p:nvCxnSpPr>
         <p:spPr>
           <a:xfrm flipH="1">
-            <a:off x="2398172" y="3740134"/>
+            <a:off x="2228201" y="3410177"/>
             <a:ext cx="443934" cy="1855453"/>
           </a:xfrm>
           <a:prstGeom prst="line">
@@ -19969,7 +20959,7 @@
         </p:nvSpPr>
         <p:spPr>
           <a:xfrm>
-            <a:off x="4433655" y="4069049"/>
+            <a:off x="4263684" y="3739092"/>
             <a:ext cx="339941" cy="342968"/>
           </a:xfrm>
           <a:prstGeom prst="ellipse">
@@ -20012,7 +21002,7 @@
         </p:nvSpPr>
         <p:spPr>
           <a:xfrm>
-            <a:off x="5673767" y="3452759"/>
+            <a:off x="5503796" y="3122802"/>
             <a:ext cx="339941" cy="342968"/>
           </a:xfrm>
           <a:prstGeom prst="ellipse">
@@ -20055,7 +21045,7 @@
         </p:nvSpPr>
         <p:spPr>
           <a:xfrm>
-            <a:off x="3450743" y="3726081"/>
+            <a:off x="3280772" y="3396124"/>
             <a:ext cx="339941" cy="342968"/>
           </a:xfrm>
           <a:prstGeom prst="ellipse">
@@ -20098,7 +21088,7 @@
         </p:nvSpPr>
         <p:spPr>
           <a:xfrm>
-            <a:off x="5109646" y="5600953"/>
+            <a:off x="4939675" y="5270996"/>
             <a:ext cx="339941" cy="342968"/>
           </a:xfrm>
           <a:prstGeom prst="ellipse">
@@ -20141,7 +21131,7 @@
         </p:nvSpPr>
         <p:spPr>
           <a:xfrm>
-            <a:off x="4939675" y="4607563"/>
+            <a:off x="4769704" y="4277606"/>
             <a:ext cx="339941" cy="342968"/>
           </a:xfrm>
           <a:prstGeom prst="ellipse">
@@ -20187,7 +21177,7 @@
         </p:nvCxnSpPr>
         <p:spPr>
           <a:xfrm>
-            <a:off x="3790684" y="3897565"/>
+            <a:off x="3620713" y="3567608"/>
             <a:ext cx="692754" cy="221711"/>
           </a:xfrm>
           <a:prstGeom prst="line">
@@ -20224,7 +21214,7 @@
         </p:nvCxnSpPr>
         <p:spPr>
           <a:xfrm flipV="1">
-            <a:off x="4723813" y="3624243"/>
+            <a:off x="4553842" y="3294286"/>
             <a:ext cx="949954" cy="495033"/>
           </a:xfrm>
           <a:prstGeom prst="line">
@@ -20261,7 +21251,7 @@
         </p:nvCxnSpPr>
         <p:spPr>
           <a:xfrm>
-            <a:off x="4603626" y="4412017"/>
+            <a:off x="4433655" y="4082060"/>
             <a:ext cx="555803" cy="1239163"/>
           </a:xfrm>
           <a:prstGeom prst="line">
@@ -20298,7 +21288,7 @@
         </p:nvCxnSpPr>
         <p:spPr>
           <a:xfrm>
-            <a:off x="4723813" y="4361790"/>
+            <a:off x="4553842" y="4031833"/>
             <a:ext cx="265645" cy="296000"/>
           </a:xfrm>
           <a:prstGeom prst="line">
@@ -20332,7 +21322,7 @@
         </p:nvSpPr>
         <p:spPr>
           <a:xfrm>
-            <a:off x="7377406" y="4069049"/>
+            <a:off x="7207435" y="3739092"/>
             <a:ext cx="339941" cy="342968"/>
           </a:xfrm>
           <a:prstGeom prst="ellipse">
@@ -20375,7 +21365,7 @@
         </p:nvSpPr>
         <p:spPr>
           <a:xfrm>
-            <a:off x="8617518" y="3452759"/>
+            <a:off x="8447547" y="3122802"/>
             <a:ext cx="339941" cy="342968"/>
           </a:xfrm>
           <a:prstGeom prst="ellipse">
@@ -20418,7 +21408,7 @@
         </p:nvSpPr>
         <p:spPr>
           <a:xfrm>
-            <a:off x="6394494" y="3726081"/>
+            <a:off x="6224523" y="3396124"/>
             <a:ext cx="339941" cy="342968"/>
           </a:xfrm>
           <a:prstGeom prst="ellipse">
@@ -20461,7 +21451,7 @@
         </p:nvSpPr>
         <p:spPr>
           <a:xfrm>
-            <a:off x="8053397" y="5600953"/>
+            <a:off x="7883426" y="5270996"/>
             <a:ext cx="339941" cy="342968"/>
           </a:xfrm>
           <a:prstGeom prst="ellipse">
@@ -20504,7 +21494,7 @@
         </p:nvSpPr>
         <p:spPr>
           <a:xfrm>
-            <a:off x="7883426" y="4607563"/>
+            <a:off x="7713455" y="4277606"/>
             <a:ext cx="339941" cy="342968"/>
           </a:xfrm>
           <a:prstGeom prst="ellipse">
@@ -20549,6 +21539,88 @@
   <p:clrMapOvr>
     <a:masterClrMapping/>
   </p:clrMapOvr>
+  <p:timing>
+    <p:tnLst>
+      <p:par>
+        <p:cTn xmlns:p14="http://schemas.microsoft.com/office/powerpoint/2010/main" id="1" dur="indefinite" restart="never" nodeType="tmRoot">
+          <p:childTnLst>
+            <p:seq concurrent="1" nextAc="seek">
+              <p:cTn id="2" dur="indefinite" nodeType="mainSeq">
+                <p:childTnLst>
+                  <p:par>
+                    <p:cTn id="3" fill="hold">
+                      <p:stCondLst>
+                        <p:cond delay="indefinite"/>
+                      </p:stCondLst>
+                      <p:childTnLst>
+                        <p:par>
+                          <p:cTn id="4" fill="hold">
+                            <p:stCondLst>
+                              <p:cond delay="0"/>
+                            </p:stCondLst>
+                            <p:childTnLst>
+                              <p:par>
+                                <p:cTn id="5" presetID="1" presetClass="entr" presetSubtype="0" fill="hold" grpId="0" nodeType="clickEffect">
+                                  <p:stCondLst>
+                                    <p:cond delay="0"/>
+                                  </p:stCondLst>
+                                  <p:childTnLst>
+                                    <p:set>
+                                      <p:cBhvr>
+                                        <p:cTn id="6" dur="1" fill="hold">
+                                          <p:stCondLst>
+                                            <p:cond delay="0"/>
+                                          </p:stCondLst>
+                                        </p:cTn>
+                                        <p:tgtEl>
+                                          <p:spTgt spid="4">
+                                            <p:txEl>
+                                              <p:pRg st="6" end="6"/>
+                                            </p:txEl>
+                                          </p:spTgt>
+                                        </p:tgtEl>
+                                        <p:attrNameLst>
+                                          <p:attrName>style.visibility</p:attrName>
+                                        </p:attrNameLst>
+                                      </p:cBhvr>
+                                      <p:to>
+                                        <p:strVal val="visible"/>
+                                      </p:to>
+                                    </p:set>
+                                  </p:childTnLst>
+                                </p:cTn>
+                              </p:par>
+                            </p:childTnLst>
+                          </p:cTn>
+                        </p:par>
+                      </p:childTnLst>
+                    </p:cTn>
+                  </p:par>
+                </p:childTnLst>
+              </p:cTn>
+              <p:prevCondLst>
+                <p:cond evt="onPrev" delay="0">
+                  <p:tgtEl>
+                    <p:sldTgt/>
+                  </p:tgtEl>
+                </p:cond>
+              </p:prevCondLst>
+              <p:nextCondLst>
+                <p:cond evt="onNext" delay="0">
+                  <p:tgtEl>
+                    <p:sldTgt/>
+                  </p:tgtEl>
+                </p:cond>
+              </p:nextCondLst>
+            </p:seq>
+          </p:childTnLst>
+        </p:cTn>
+      </p:par>
+    </p:tnLst>
+    <p:bldLst>
+      <p:bldP spid="4" grpId="0" uiExpand="1" build="p"/>
+    </p:bldLst>
+  </p:timing>
 </p:sld>
 </file>
 
